--- a/Figure1.pptx
+++ b/Figure1.pptx
@@ -7,6 +7,8 @@
   <p:sldIdLst>
     <p:sldId id="256" r:id="rId2"/>
     <p:sldId id="257" r:id="rId3"/>
+    <p:sldId id="258" r:id="rId4"/>
+    <p:sldId id="259" r:id="rId5"/>
   </p:sldIdLst>
   <p:sldSz cx="13428663" cy="6858000"/>
   <p:notesSz cx="6858000" cy="9144000"/>
@@ -105,10 +107,822 @@
       </a:defRPr>
     </a:lvl9pPr>
   </p:defaultTextStyle>
+  <p:extLst>
+    <p:ext uri="{EFAFB233-063F-42B5-8137-9DF3F51BA10A}">
+      <p15:sldGuideLst xmlns:p15="http://schemas.microsoft.com/office/powerpoint/2012/main"/>
+    </p:ext>
+  </p:extLst>
 </p:presentation>
 </file>
 
 <file path=ppt/diagrams/colors1.xml><?xml version="1.0" encoding="utf-8"?>
+<dgm:colorsDef xmlns:dgm="http://schemas.openxmlformats.org/drawingml/2006/diagram" xmlns:a="http://schemas.openxmlformats.org/drawingml/2006/main" uniqueId="urn:microsoft.com/office/officeart/2005/8/colors/accent0_2">
+  <dgm:title val=""/>
+  <dgm:desc val=""/>
+  <dgm:catLst>
+    <dgm:cat type="mainScheme" pri="10200"/>
+  </dgm:catLst>
+  <dgm:styleLbl name="node0">
+    <dgm:fillClrLst meth="repeat">
+      <a:schemeClr val="lt1"/>
+    </dgm:fillClrLst>
+    <dgm:linClrLst meth="repeat">
+      <a:schemeClr val="dk2">
+        <a:shade val="80000"/>
+      </a:schemeClr>
+    </dgm:linClrLst>
+    <dgm:effectClrLst/>
+    <dgm:txLinClrLst/>
+    <dgm:txFillClrLst meth="repeat">
+      <a:schemeClr val="dk2"/>
+    </dgm:txFillClrLst>
+    <dgm:txEffectClrLst/>
+  </dgm:styleLbl>
+  <dgm:styleLbl name="node1">
+    <dgm:fillClrLst meth="repeat">
+      <a:schemeClr val="lt1"/>
+    </dgm:fillClrLst>
+    <dgm:linClrLst meth="repeat">
+      <a:schemeClr val="dk2">
+        <a:shade val="80000"/>
+      </a:schemeClr>
+    </dgm:linClrLst>
+    <dgm:effectClrLst/>
+    <dgm:txLinClrLst/>
+    <dgm:txFillClrLst meth="repeat">
+      <a:schemeClr val="dk2"/>
+    </dgm:txFillClrLst>
+    <dgm:txEffectClrLst/>
+  </dgm:styleLbl>
+  <dgm:styleLbl name="alignNode1">
+    <dgm:fillClrLst meth="repeat">
+      <a:schemeClr val="lt1"/>
+    </dgm:fillClrLst>
+    <dgm:linClrLst meth="repeat">
+      <a:schemeClr val="dk2">
+        <a:shade val="80000"/>
+      </a:schemeClr>
+    </dgm:linClrLst>
+    <dgm:effectClrLst/>
+    <dgm:txLinClrLst/>
+    <dgm:txFillClrLst meth="repeat">
+      <a:schemeClr val="dk2"/>
+    </dgm:txFillClrLst>
+    <dgm:txEffectClrLst/>
+  </dgm:styleLbl>
+  <dgm:styleLbl name="lnNode1">
+    <dgm:fillClrLst meth="repeat">
+      <a:schemeClr val="lt1"/>
+    </dgm:fillClrLst>
+    <dgm:linClrLst meth="repeat">
+      <a:schemeClr val="dk2">
+        <a:shade val="80000"/>
+      </a:schemeClr>
+    </dgm:linClrLst>
+    <dgm:effectClrLst/>
+    <dgm:txLinClrLst/>
+    <dgm:txFillClrLst meth="repeat">
+      <a:schemeClr val="dk2"/>
+    </dgm:txFillClrLst>
+    <dgm:txEffectClrLst/>
+  </dgm:styleLbl>
+  <dgm:styleLbl name="vennNode1">
+    <dgm:fillClrLst meth="repeat">
+      <a:schemeClr val="lt1">
+        <a:alpha val="50000"/>
+      </a:schemeClr>
+    </dgm:fillClrLst>
+    <dgm:linClrLst meth="repeat">
+      <a:schemeClr val="dk2">
+        <a:shade val="80000"/>
+      </a:schemeClr>
+    </dgm:linClrLst>
+    <dgm:effectClrLst/>
+    <dgm:txLinClrLst/>
+    <dgm:txFillClrLst/>
+    <dgm:txEffectClrLst/>
+  </dgm:styleLbl>
+  <dgm:styleLbl name="node2">
+    <dgm:fillClrLst meth="repeat">
+      <a:schemeClr val="lt1"/>
+    </dgm:fillClrLst>
+    <dgm:linClrLst meth="repeat">
+      <a:schemeClr val="dk2">
+        <a:shade val="80000"/>
+      </a:schemeClr>
+    </dgm:linClrLst>
+    <dgm:effectClrLst/>
+    <dgm:txLinClrLst/>
+    <dgm:txFillClrLst meth="repeat">
+      <a:schemeClr val="dk2"/>
+    </dgm:txFillClrLst>
+    <dgm:txEffectClrLst/>
+  </dgm:styleLbl>
+  <dgm:styleLbl name="node3">
+    <dgm:fillClrLst meth="repeat">
+      <a:schemeClr val="lt1"/>
+    </dgm:fillClrLst>
+    <dgm:linClrLst meth="repeat">
+      <a:schemeClr val="dk2">
+        <a:shade val="80000"/>
+      </a:schemeClr>
+    </dgm:linClrLst>
+    <dgm:effectClrLst/>
+    <dgm:txLinClrLst/>
+    <dgm:txFillClrLst meth="repeat">
+      <a:schemeClr val="dk2"/>
+    </dgm:txFillClrLst>
+    <dgm:txEffectClrLst/>
+  </dgm:styleLbl>
+  <dgm:styleLbl name="node4">
+    <dgm:fillClrLst meth="repeat">
+      <a:schemeClr val="lt1"/>
+    </dgm:fillClrLst>
+    <dgm:linClrLst meth="repeat">
+      <a:schemeClr val="dk2">
+        <a:shade val="80000"/>
+      </a:schemeClr>
+    </dgm:linClrLst>
+    <dgm:effectClrLst/>
+    <dgm:txLinClrLst/>
+    <dgm:txFillClrLst meth="repeat">
+      <a:schemeClr val="dk2"/>
+    </dgm:txFillClrLst>
+    <dgm:txEffectClrLst/>
+  </dgm:styleLbl>
+  <dgm:styleLbl name="fgImgPlace1">
+    <dgm:fillClrLst meth="repeat">
+      <a:schemeClr val="dk2">
+        <a:tint val="40000"/>
+      </a:schemeClr>
+    </dgm:fillClrLst>
+    <dgm:linClrLst meth="repeat">
+      <a:schemeClr val="dk2">
+        <a:shade val="80000"/>
+      </a:schemeClr>
+    </dgm:linClrLst>
+    <dgm:effectClrLst/>
+    <dgm:txLinClrLst/>
+    <dgm:txFillClrLst meth="repeat">
+      <a:schemeClr val="lt1"/>
+    </dgm:txFillClrLst>
+    <dgm:txEffectClrLst/>
+  </dgm:styleLbl>
+  <dgm:styleLbl name="alignImgPlace1">
+    <dgm:fillClrLst meth="repeat">
+      <a:schemeClr val="dk2">
+        <a:tint val="40000"/>
+      </a:schemeClr>
+    </dgm:fillClrLst>
+    <dgm:linClrLst meth="repeat">
+      <a:schemeClr val="dk2">
+        <a:shade val="80000"/>
+      </a:schemeClr>
+    </dgm:linClrLst>
+    <dgm:effectClrLst/>
+    <dgm:txLinClrLst/>
+    <dgm:txFillClrLst meth="repeat">
+      <a:schemeClr val="lt1"/>
+    </dgm:txFillClrLst>
+    <dgm:txEffectClrLst/>
+  </dgm:styleLbl>
+  <dgm:styleLbl name="bgImgPlace1">
+    <dgm:fillClrLst meth="repeat">
+      <a:schemeClr val="dk2">
+        <a:tint val="40000"/>
+      </a:schemeClr>
+    </dgm:fillClrLst>
+    <dgm:linClrLst meth="repeat">
+      <a:schemeClr val="dk2">
+        <a:shade val="80000"/>
+      </a:schemeClr>
+    </dgm:linClrLst>
+    <dgm:effectClrLst/>
+    <dgm:txLinClrLst/>
+    <dgm:txFillClrLst meth="repeat">
+      <a:schemeClr val="lt1"/>
+    </dgm:txFillClrLst>
+    <dgm:txEffectClrLst/>
+  </dgm:styleLbl>
+  <dgm:styleLbl name="sibTrans2D1">
+    <dgm:fillClrLst meth="repeat">
+      <a:schemeClr val="dk2">
+        <a:tint val="60000"/>
+      </a:schemeClr>
+    </dgm:fillClrLst>
+    <dgm:linClrLst meth="repeat">
+      <a:schemeClr val="dk2">
+        <a:tint val="60000"/>
+      </a:schemeClr>
+    </dgm:linClrLst>
+    <dgm:effectClrLst/>
+    <dgm:txLinClrLst/>
+    <dgm:txFillClrLst meth="repeat">
+      <a:schemeClr val="dk2"/>
+    </dgm:txFillClrLst>
+    <dgm:txEffectClrLst/>
+  </dgm:styleLbl>
+  <dgm:styleLbl name="fgSibTrans2D1">
+    <dgm:fillClrLst meth="repeat">
+      <a:schemeClr val="dk2">
+        <a:tint val="60000"/>
+      </a:schemeClr>
+    </dgm:fillClrLst>
+    <dgm:linClrLst meth="repeat">
+      <a:schemeClr val="dk2">
+        <a:tint val="60000"/>
+      </a:schemeClr>
+    </dgm:linClrLst>
+    <dgm:effectClrLst/>
+    <dgm:txLinClrLst/>
+    <dgm:txFillClrLst meth="repeat">
+      <a:schemeClr val="dk2"/>
+    </dgm:txFillClrLst>
+    <dgm:txEffectClrLst/>
+  </dgm:styleLbl>
+  <dgm:styleLbl name="bgSibTrans2D1">
+    <dgm:fillClrLst meth="repeat">
+      <a:schemeClr val="dk2">
+        <a:tint val="60000"/>
+      </a:schemeClr>
+    </dgm:fillClrLst>
+    <dgm:linClrLst meth="repeat">
+      <a:schemeClr val="dk2">
+        <a:tint val="60000"/>
+      </a:schemeClr>
+    </dgm:linClrLst>
+    <dgm:effectClrLst/>
+    <dgm:txLinClrLst/>
+    <dgm:txFillClrLst meth="repeat">
+      <a:schemeClr val="dk2"/>
+    </dgm:txFillClrLst>
+    <dgm:txEffectClrLst/>
+  </dgm:styleLbl>
+  <dgm:styleLbl name="sibTrans1D1">
+    <dgm:fillClrLst meth="repeat">
+      <a:schemeClr val="dk2"/>
+    </dgm:fillClrLst>
+    <dgm:linClrLst meth="repeat">
+      <a:schemeClr val="dk2"/>
+    </dgm:linClrLst>
+    <dgm:effectClrLst/>
+    <dgm:txLinClrLst/>
+    <dgm:txFillClrLst meth="repeat">
+      <a:schemeClr val="tx1"/>
+    </dgm:txFillClrLst>
+    <dgm:txEffectClrLst/>
+  </dgm:styleLbl>
+  <dgm:styleLbl name="callout">
+    <dgm:fillClrLst meth="repeat">
+      <a:schemeClr val="dk2"/>
+    </dgm:fillClrLst>
+    <dgm:linClrLst meth="repeat">
+      <a:schemeClr val="dk2"/>
+    </dgm:linClrLst>
+    <dgm:effectClrLst/>
+    <dgm:txLinClrLst/>
+    <dgm:txFillClrLst meth="repeat">
+      <a:schemeClr val="tx1"/>
+    </dgm:txFillClrLst>
+    <dgm:txEffectClrLst/>
+  </dgm:styleLbl>
+  <dgm:styleLbl name="asst0">
+    <dgm:fillClrLst meth="repeat">
+      <a:schemeClr val="lt1"/>
+    </dgm:fillClrLst>
+    <dgm:linClrLst meth="repeat">
+      <a:schemeClr val="dk2">
+        <a:shade val="80000"/>
+      </a:schemeClr>
+    </dgm:linClrLst>
+    <dgm:effectClrLst/>
+    <dgm:txLinClrLst/>
+    <dgm:txFillClrLst meth="repeat">
+      <a:schemeClr val="dk2"/>
+    </dgm:txFillClrLst>
+    <dgm:txEffectClrLst/>
+  </dgm:styleLbl>
+  <dgm:styleLbl name="asst1">
+    <dgm:fillClrLst meth="repeat">
+      <a:schemeClr val="lt1"/>
+    </dgm:fillClrLst>
+    <dgm:linClrLst meth="repeat">
+      <a:schemeClr val="dk2">
+        <a:shade val="80000"/>
+      </a:schemeClr>
+    </dgm:linClrLst>
+    <dgm:effectClrLst/>
+    <dgm:txLinClrLst/>
+    <dgm:txFillClrLst meth="repeat">
+      <a:schemeClr val="dk2"/>
+    </dgm:txFillClrLst>
+    <dgm:txEffectClrLst/>
+  </dgm:styleLbl>
+  <dgm:styleLbl name="asst2">
+    <dgm:fillClrLst meth="repeat">
+      <a:schemeClr val="lt1"/>
+    </dgm:fillClrLst>
+    <dgm:linClrLst meth="repeat">
+      <a:schemeClr val="dk2">
+        <a:shade val="80000"/>
+      </a:schemeClr>
+    </dgm:linClrLst>
+    <dgm:effectClrLst/>
+    <dgm:txLinClrLst/>
+    <dgm:txFillClrLst meth="repeat">
+      <a:schemeClr val="dk2"/>
+    </dgm:txFillClrLst>
+    <dgm:txEffectClrLst/>
+  </dgm:styleLbl>
+  <dgm:styleLbl name="asst3">
+    <dgm:fillClrLst meth="repeat">
+      <a:schemeClr val="lt1"/>
+    </dgm:fillClrLst>
+    <dgm:linClrLst meth="repeat">
+      <a:schemeClr val="dk2">
+        <a:shade val="80000"/>
+      </a:schemeClr>
+    </dgm:linClrLst>
+    <dgm:effectClrLst/>
+    <dgm:txLinClrLst/>
+    <dgm:txFillClrLst meth="repeat">
+      <a:schemeClr val="dk2"/>
+    </dgm:txFillClrLst>
+    <dgm:txEffectClrLst/>
+  </dgm:styleLbl>
+  <dgm:styleLbl name="asst4">
+    <dgm:fillClrLst meth="repeat">
+      <a:schemeClr val="lt1"/>
+    </dgm:fillClrLst>
+    <dgm:linClrLst meth="repeat">
+      <a:schemeClr val="dk2">
+        <a:shade val="80000"/>
+      </a:schemeClr>
+    </dgm:linClrLst>
+    <dgm:effectClrLst/>
+    <dgm:txLinClrLst/>
+    <dgm:txFillClrLst meth="repeat">
+      <a:schemeClr val="dk2"/>
+    </dgm:txFillClrLst>
+    <dgm:txEffectClrLst/>
+  </dgm:styleLbl>
+  <dgm:styleLbl name="parChTrans2D1">
+    <dgm:fillClrLst meth="repeat">
+      <a:schemeClr val="dk2">
+        <a:tint val="60000"/>
+      </a:schemeClr>
+    </dgm:fillClrLst>
+    <dgm:linClrLst meth="repeat">
+      <a:schemeClr val="dk2">
+        <a:tint val="60000"/>
+      </a:schemeClr>
+    </dgm:linClrLst>
+    <dgm:effectClrLst/>
+    <dgm:txLinClrLst/>
+    <dgm:txFillClrLst/>
+    <dgm:txEffectClrLst/>
+  </dgm:styleLbl>
+  <dgm:styleLbl name="parChTrans2D2">
+    <dgm:fillClrLst meth="repeat">
+      <a:schemeClr val="dk2"/>
+    </dgm:fillClrLst>
+    <dgm:linClrLst meth="repeat">
+      <a:schemeClr val="dk2"/>
+    </dgm:linClrLst>
+    <dgm:effectClrLst/>
+    <dgm:txLinClrLst/>
+    <dgm:txFillClrLst/>
+    <dgm:txEffectClrLst/>
+  </dgm:styleLbl>
+  <dgm:styleLbl name="parChTrans2D3">
+    <dgm:fillClrLst meth="repeat">
+      <a:schemeClr val="dk2"/>
+    </dgm:fillClrLst>
+    <dgm:linClrLst meth="repeat">
+      <a:schemeClr val="dk2"/>
+    </dgm:linClrLst>
+    <dgm:effectClrLst/>
+    <dgm:txLinClrLst/>
+    <dgm:txFillClrLst/>
+    <dgm:txEffectClrLst/>
+  </dgm:styleLbl>
+  <dgm:styleLbl name="parChTrans2D4">
+    <dgm:fillClrLst meth="repeat">
+      <a:schemeClr val="dk2"/>
+    </dgm:fillClrLst>
+    <dgm:linClrLst meth="repeat">
+      <a:schemeClr val="dk2"/>
+    </dgm:linClrLst>
+    <dgm:effectClrLst/>
+    <dgm:txLinClrLst/>
+    <dgm:txFillClrLst meth="repeat">
+      <a:schemeClr val="lt1"/>
+    </dgm:txFillClrLst>
+    <dgm:txEffectClrLst/>
+  </dgm:styleLbl>
+  <dgm:styleLbl name="parChTrans1D1">
+    <dgm:fillClrLst meth="repeat">
+      <a:schemeClr val="dk2"/>
+    </dgm:fillClrLst>
+    <dgm:linClrLst meth="repeat">
+      <a:schemeClr val="dk2">
+        <a:shade val="60000"/>
+      </a:schemeClr>
+    </dgm:linClrLst>
+    <dgm:effectClrLst/>
+    <dgm:txLinClrLst/>
+    <dgm:txFillClrLst meth="repeat">
+      <a:schemeClr val="tx1"/>
+    </dgm:txFillClrLst>
+    <dgm:txEffectClrLst/>
+  </dgm:styleLbl>
+  <dgm:styleLbl name="parChTrans1D2">
+    <dgm:fillClrLst meth="repeat">
+      <a:schemeClr val="dk2"/>
+    </dgm:fillClrLst>
+    <dgm:linClrLst meth="repeat">
+      <a:schemeClr val="dk2">
+        <a:shade val="60000"/>
+      </a:schemeClr>
+    </dgm:linClrLst>
+    <dgm:effectClrLst/>
+    <dgm:txLinClrLst/>
+    <dgm:txFillClrLst meth="repeat">
+      <a:schemeClr val="tx1"/>
+    </dgm:txFillClrLst>
+    <dgm:txEffectClrLst/>
+  </dgm:styleLbl>
+  <dgm:styleLbl name="parChTrans1D3">
+    <dgm:fillClrLst meth="repeat">
+      <a:schemeClr val="dk2"/>
+    </dgm:fillClrLst>
+    <dgm:linClrLst meth="repeat">
+      <a:schemeClr val="dk2">
+        <a:shade val="80000"/>
+      </a:schemeClr>
+    </dgm:linClrLst>
+    <dgm:effectClrLst/>
+    <dgm:txLinClrLst/>
+    <dgm:txFillClrLst meth="repeat">
+      <a:schemeClr val="tx1"/>
+    </dgm:txFillClrLst>
+    <dgm:txEffectClrLst/>
+  </dgm:styleLbl>
+  <dgm:styleLbl name="parChTrans1D4">
+    <dgm:fillClrLst meth="repeat">
+      <a:schemeClr val="dk2"/>
+    </dgm:fillClrLst>
+    <dgm:linClrLst meth="repeat">
+      <a:schemeClr val="dk2">
+        <a:shade val="80000"/>
+      </a:schemeClr>
+    </dgm:linClrLst>
+    <dgm:effectClrLst/>
+    <dgm:txLinClrLst/>
+    <dgm:txFillClrLst meth="repeat">
+      <a:schemeClr val="tx1"/>
+    </dgm:txFillClrLst>
+    <dgm:txEffectClrLst/>
+  </dgm:styleLbl>
+  <dgm:styleLbl name="fgAcc1">
+    <dgm:fillClrLst meth="repeat">
+      <a:schemeClr val="dk2">
+        <a:alpha val="90000"/>
+        <a:tint val="40000"/>
+      </a:schemeClr>
+    </dgm:fillClrLst>
+    <dgm:linClrLst meth="repeat">
+      <a:schemeClr val="dk2"/>
+    </dgm:linClrLst>
+    <dgm:effectClrLst/>
+    <dgm:txLinClrLst/>
+    <dgm:txFillClrLst meth="repeat">
+      <a:schemeClr val="dk2"/>
+    </dgm:txFillClrLst>
+    <dgm:txEffectClrLst/>
+  </dgm:styleLbl>
+  <dgm:styleLbl name="conFgAcc1">
+    <dgm:fillClrLst meth="repeat">
+      <a:schemeClr val="dk2">
+        <a:alpha val="90000"/>
+        <a:tint val="40000"/>
+      </a:schemeClr>
+    </dgm:fillClrLst>
+    <dgm:linClrLst meth="repeat">
+      <a:schemeClr val="dk2"/>
+    </dgm:linClrLst>
+    <dgm:effectClrLst/>
+    <dgm:txLinClrLst/>
+    <dgm:txFillClrLst meth="repeat">
+      <a:schemeClr val="dk2"/>
+    </dgm:txFillClrLst>
+    <dgm:txEffectClrLst/>
+  </dgm:styleLbl>
+  <dgm:styleLbl name="alignAcc1">
+    <dgm:fillClrLst meth="repeat">
+      <a:schemeClr val="dk2">
+        <a:alpha val="90000"/>
+        <a:tint val="40000"/>
+      </a:schemeClr>
+    </dgm:fillClrLst>
+    <dgm:linClrLst meth="repeat">
+      <a:schemeClr val="dk2"/>
+    </dgm:linClrLst>
+    <dgm:effectClrLst/>
+    <dgm:txLinClrLst/>
+    <dgm:txFillClrLst meth="repeat">
+      <a:schemeClr val="dk2"/>
+    </dgm:txFillClrLst>
+    <dgm:txEffectClrLst/>
+  </dgm:styleLbl>
+  <dgm:styleLbl name="trAlignAcc1">
+    <dgm:fillClrLst meth="repeat">
+      <a:schemeClr val="dk2">
+        <a:alpha val="40000"/>
+        <a:tint val="40000"/>
+      </a:schemeClr>
+    </dgm:fillClrLst>
+    <dgm:linClrLst meth="repeat">
+      <a:schemeClr val="dk2"/>
+    </dgm:linClrLst>
+    <dgm:effectClrLst/>
+    <dgm:txLinClrLst/>
+    <dgm:txFillClrLst meth="repeat">
+      <a:schemeClr val="dk2"/>
+    </dgm:txFillClrLst>
+    <dgm:txEffectClrLst/>
+  </dgm:styleLbl>
+  <dgm:styleLbl name="bgAcc1">
+    <dgm:fillClrLst meth="repeat">
+      <a:schemeClr val="dk2">
+        <a:alpha val="90000"/>
+        <a:tint val="40000"/>
+      </a:schemeClr>
+    </dgm:fillClrLst>
+    <dgm:linClrLst meth="repeat">
+      <a:schemeClr val="dk2"/>
+    </dgm:linClrLst>
+    <dgm:effectClrLst/>
+    <dgm:txLinClrLst/>
+    <dgm:txFillClrLst meth="repeat">
+      <a:schemeClr val="dk2"/>
+    </dgm:txFillClrLst>
+    <dgm:txEffectClrLst/>
+  </dgm:styleLbl>
+  <dgm:styleLbl name="solidFgAcc1">
+    <dgm:fillClrLst meth="repeat">
+      <a:schemeClr val="lt1"/>
+    </dgm:fillClrLst>
+    <dgm:linClrLst meth="repeat">
+      <a:schemeClr val="dk2"/>
+    </dgm:linClrLst>
+    <dgm:effectClrLst/>
+    <dgm:txLinClrLst/>
+    <dgm:txFillClrLst meth="repeat">
+      <a:schemeClr val="dk2"/>
+    </dgm:txFillClrLst>
+    <dgm:txEffectClrLst/>
+  </dgm:styleLbl>
+  <dgm:styleLbl name="solidAlignAcc1">
+    <dgm:fillClrLst meth="repeat">
+      <a:schemeClr val="lt1"/>
+    </dgm:fillClrLst>
+    <dgm:linClrLst meth="repeat">
+      <a:schemeClr val="dk2"/>
+    </dgm:linClrLst>
+    <dgm:effectClrLst/>
+    <dgm:txLinClrLst/>
+    <dgm:txFillClrLst meth="repeat">
+      <a:schemeClr val="dk2"/>
+    </dgm:txFillClrLst>
+    <dgm:txEffectClrLst/>
+  </dgm:styleLbl>
+  <dgm:styleLbl name="solidBgAcc1">
+    <dgm:fillClrLst meth="repeat">
+      <a:schemeClr val="lt1"/>
+    </dgm:fillClrLst>
+    <dgm:linClrLst meth="repeat">
+      <a:schemeClr val="dk2"/>
+    </dgm:linClrLst>
+    <dgm:effectClrLst/>
+    <dgm:txLinClrLst/>
+    <dgm:txFillClrLst meth="repeat">
+      <a:schemeClr val="dk2"/>
+    </dgm:txFillClrLst>
+    <dgm:txEffectClrLst/>
+  </dgm:styleLbl>
+  <dgm:styleLbl name="fgAccFollowNode1">
+    <dgm:fillClrLst meth="repeat">
+      <a:schemeClr val="lt1">
+        <a:alpha val="90000"/>
+        <a:tint val="40000"/>
+      </a:schemeClr>
+    </dgm:fillClrLst>
+    <dgm:linClrLst meth="repeat">
+      <a:schemeClr val="dk2">
+        <a:alpha val="90000"/>
+      </a:schemeClr>
+    </dgm:linClrLst>
+    <dgm:effectClrLst/>
+    <dgm:txLinClrLst/>
+    <dgm:txFillClrLst meth="repeat">
+      <a:schemeClr val="dk2"/>
+    </dgm:txFillClrLst>
+    <dgm:txEffectClrLst/>
+  </dgm:styleLbl>
+  <dgm:styleLbl name="alignAccFollowNode1">
+    <dgm:fillClrLst meth="repeat">
+      <a:schemeClr val="lt1">
+        <a:alpha val="90000"/>
+        <a:tint val="40000"/>
+      </a:schemeClr>
+    </dgm:fillClrLst>
+    <dgm:linClrLst meth="repeat">
+      <a:schemeClr val="dk2">
+        <a:alpha val="90000"/>
+      </a:schemeClr>
+    </dgm:linClrLst>
+    <dgm:effectClrLst/>
+    <dgm:txLinClrLst/>
+    <dgm:txFillClrLst meth="repeat">
+      <a:schemeClr val="dk2"/>
+    </dgm:txFillClrLst>
+    <dgm:txEffectClrLst/>
+  </dgm:styleLbl>
+  <dgm:styleLbl name="bgAccFollowNode1">
+    <dgm:fillClrLst meth="repeat">
+      <a:schemeClr val="lt1">
+        <a:alpha val="90000"/>
+        <a:tint val="40000"/>
+      </a:schemeClr>
+    </dgm:fillClrLst>
+    <dgm:linClrLst meth="repeat">
+      <a:schemeClr val="dk2">
+        <a:alpha val="90000"/>
+      </a:schemeClr>
+    </dgm:linClrLst>
+    <dgm:effectClrLst/>
+    <dgm:txLinClrLst/>
+    <dgm:txFillClrLst meth="repeat">
+      <a:schemeClr val="dk2"/>
+    </dgm:txFillClrLst>
+    <dgm:txEffectClrLst/>
+  </dgm:styleLbl>
+  <dgm:styleLbl name="fgAcc0">
+    <dgm:fillClrLst meth="repeat">
+      <a:schemeClr val="dk2">
+        <a:alpha val="90000"/>
+        <a:tint val="40000"/>
+      </a:schemeClr>
+    </dgm:fillClrLst>
+    <dgm:linClrLst meth="repeat">
+      <a:schemeClr val="dk2"/>
+    </dgm:linClrLst>
+    <dgm:effectClrLst/>
+    <dgm:txLinClrLst/>
+    <dgm:txFillClrLst meth="repeat">
+      <a:schemeClr val="dk2"/>
+    </dgm:txFillClrLst>
+    <dgm:txEffectClrLst/>
+  </dgm:styleLbl>
+  <dgm:styleLbl name="fgAcc2">
+    <dgm:fillClrLst meth="repeat">
+      <a:schemeClr val="dk2">
+        <a:alpha val="90000"/>
+        <a:tint val="40000"/>
+      </a:schemeClr>
+    </dgm:fillClrLst>
+    <dgm:linClrLst meth="repeat">
+      <a:schemeClr val="dk2"/>
+    </dgm:linClrLst>
+    <dgm:effectClrLst/>
+    <dgm:txLinClrLst/>
+    <dgm:txFillClrLst meth="repeat">
+      <a:schemeClr val="dk2"/>
+    </dgm:txFillClrLst>
+    <dgm:txEffectClrLst/>
+  </dgm:styleLbl>
+  <dgm:styleLbl name="fgAcc3">
+    <dgm:fillClrLst meth="repeat">
+      <a:schemeClr val="dk2">
+        <a:alpha val="90000"/>
+        <a:tint val="40000"/>
+      </a:schemeClr>
+    </dgm:fillClrLst>
+    <dgm:linClrLst meth="repeat">
+      <a:schemeClr val="dk2"/>
+    </dgm:linClrLst>
+    <dgm:effectClrLst/>
+    <dgm:txLinClrLst/>
+    <dgm:txFillClrLst meth="repeat">
+      <a:schemeClr val="dk2"/>
+    </dgm:txFillClrLst>
+    <dgm:txEffectClrLst/>
+  </dgm:styleLbl>
+  <dgm:styleLbl name="fgAcc4">
+    <dgm:fillClrLst meth="repeat">
+      <a:schemeClr val="dk2">
+        <a:alpha val="90000"/>
+        <a:tint val="40000"/>
+      </a:schemeClr>
+    </dgm:fillClrLst>
+    <dgm:linClrLst meth="repeat">
+      <a:schemeClr val="dk2"/>
+    </dgm:linClrLst>
+    <dgm:effectClrLst/>
+    <dgm:txLinClrLst/>
+    <dgm:txFillClrLst meth="repeat">
+      <a:schemeClr val="dk2"/>
+    </dgm:txFillClrLst>
+    <dgm:txEffectClrLst/>
+  </dgm:styleLbl>
+  <dgm:styleLbl name="bgShp">
+    <dgm:fillClrLst meth="repeat">
+      <a:schemeClr val="dk2">
+        <a:tint val="40000"/>
+      </a:schemeClr>
+    </dgm:fillClrLst>
+    <dgm:linClrLst meth="repeat">
+      <a:schemeClr val="dk2"/>
+    </dgm:linClrLst>
+    <dgm:effectClrLst/>
+    <dgm:txLinClrLst/>
+    <dgm:txFillClrLst meth="repeat">
+      <a:schemeClr val="dk1"/>
+    </dgm:txFillClrLst>
+    <dgm:txEffectClrLst/>
+  </dgm:styleLbl>
+  <dgm:styleLbl name="dkBgShp">
+    <dgm:fillClrLst meth="repeat">
+      <a:schemeClr val="dk2">
+        <a:shade val="80000"/>
+      </a:schemeClr>
+    </dgm:fillClrLst>
+    <dgm:linClrLst meth="repeat">
+      <a:schemeClr val="dk2"/>
+    </dgm:linClrLst>
+    <dgm:effectClrLst/>
+    <dgm:txLinClrLst/>
+    <dgm:txFillClrLst meth="repeat">
+      <a:schemeClr val="lt2"/>
+    </dgm:txFillClrLst>
+    <dgm:txEffectClrLst/>
+  </dgm:styleLbl>
+  <dgm:styleLbl name="trBgShp">
+    <dgm:fillClrLst meth="repeat">
+      <a:schemeClr val="dk2">
+        <a:tint val="50000"/>
+        <a:alpha val="40000"/>
+      </a:schemeClr>
+    </dgm:fillClrLst>
+    <dgm:linClrLst meth="repeat">
+      <a:schemeClr val="dk2"/>
+    </dgm:linClrLst>
+    <dgm:effectClrLst/>
+    <dgm:txLinClrLst/>
+    <dgm:txFillClrLst meth="repeat">
+      <a:schemeClr val="lt2"/>
+    </dgm:txFillClrLst>
+    <dgm:txEffectClrLst/>
+  </dgm:styleLbl>
+  <dgm:styleLbl name="fgShp">
+    <dgm:fillClrLst meth="repeat">
+      <a:schemeClr val="dk2">
+        <a:tint val="60000"/>
+      </a:schemeClr>
+    </dgm:fillClrLst>
+    <dgm:linClrLst meth="repeat">
+      <a:schemeClr val="lt1"/>
+    </dgm:linClrLst>
+    <dgm:effectClrLst/>
+    <dgm:txLinClrLst/>
+    <dgm:txFillClrLst meth="repeat">
+      <a:schemeClr val="dk2"/>
+    </dgm:txFillClrLst>
+    <dgm:txEffectClrLst/>
+  </dgm:styleLbl>
+  <dgm:styleLbl name="revTx">
+    <dgm:fillClrLst meth="repeat">
+      <a:schemeClr val="lt1">
+        <a:alpha val="0"/>
+      </a:schemeClr>
+    </dgm:fillClrLst>
+    <dgm:linClrLst meth="repeat">
+      <a:schemeClr val="dk2">
+        <a:alpha val="0"/>
+      </a:schemeClr>
+    </dgm:linClrLst>
+    <dgm:effectClrLst/>
+    <dgm:txLinClrLst/>
+    <dgm:txFillClrLst meth="repeat">
+      <a:schemeClr val="tx1"/>
+    </dgm:txFillClrLst>
+    <dgm:txEffectClrLst/>
+  </dgm:styleLbl>
+</dgm:colorsDef>
+</file>
+
+<file path=ppt/diagrams/colors2.xml><?xml version="1.0" encoding="utf-8"?>
 <dgm:colorsDef xmlns:dgm="http://schemas.openxmlformats.org/drawingml/2006/diagram" xmlns:a="http://schemas.openxmlformats.org/drawingml/2006/main" uniqueId="urn:microsoft.com/office/officeart/2005/8/colors/accent0_2">
   <dgm:title val=""/>
   <dgm:desc val=""/>
@@ -2147,6 +2961,1211 @@
 </dgm:dataModel>
 </file>
 
+<file path=ppt/diagrams/data2.xml><?xml version="1.0" encoding="utf-8"?>
+<dgm:dataModel xmlns:dgm="http://schemas.openxmlformats.org/drawingml/2006/diagram" xmlns:a="http://schemas.openxmlformats.org/drawingml/2006/main">
+  <dgm:ptLst>
+    <dgm:pt modelId="{6E459ED9-2F4B-4DCD-81D9-EC7B4C076809}" type="doc">
+      <dgm:prSet loTypeId="urn:microsoft.com/office/officeart/2005/8/layout/hierarchy5" loCatId="hierarchy" qsTypeId="urn:microsoft.com/office/officeart/2005/8/quickstyle/simple2" qsCatId="simple" csTypeId="urn:microsoft.com/office/officeart/2005/8/colors/accent0_2" csCatId="mainScheme" phldr="1"/>
+      <dgm:spPr/>
+      <dgm:t>
+        <a:bodyPr/>
+        <a:lstStyle/>
+        <a:p>
+          <a:endParaRPr lang="nl-NL"/>
+        </a:p>
+      </dgm:t>
+    </dgm:pt>
+    <dgm:pt modelId="{3C4A49FF-1CF0-458E-9BB0-7537638F50CB}">
+      <dgm:prSet phldrT="[Text]" custT="1"/>
+      <dgm:spPr>
+        <a:ln w="28575"/>
+      </dgm:spPr>
+      <dgm:t>
+        <a:bodyPr/>
+        <a:lstStyle/>
+        <a:p>
+          <a:r>
+            <a:rPr lang="en-US" sz="1800" dirty="0">
+              <a:solidFill>
+                <a:schemeClr val="tx1"/>
+              </a:solidFill>
+            </a:rPr>
+            <a:t>Sampling Frame</a:t>
+          </a:r>
+        </a:p>
+        <a:p>
+          <a:r>
+            <a:rPr lang="en-US" sz="1800" dirty="0">
+              <a:solidFill>
+                <a:schemeClr val="tx1"/>
+              </a:solidFill>
+            </a:rPr>
+            <a:t>N = 118</a:t>
+          </a:r>
+          <a:endParaRPr lang="nl-NL" sz="1800" dirty="0">
+            <a:solidFill>
+              <a:schemeClr val="tx1"/>
+            </a:solidFill>
+          </a:endParaRPr>
+        </a:p>
+      </dgm:t>
+    </dgm:pt>
+    <dgm:pt modelId="{C839F144-8B6F-4111-B5FB-C98504A13890}" type="parTrans" cxnId="{0A24EE94-5348-4BA2-9CD7-B099531DBC83}">
+      <dgm:prSet/>
+      <dgm:spPr/>
+      <dgm:t>
+        <a:bodyPr/>
+        <a:lstStyle/>
+        <a:p>
+          <a:endParaRPr lang="nl-NL"/>
+        </a:p>
+      </dgm:t>
+    </dgm:pt>
+    <dgm:pt modelId="{8F802141-233B-461F-BEAD-67E38299A1D3}" type="sibTrans" cxnId="{0A24EE94-5348-4BA2-9CD7-B099531DBC83}">
+      <dgm:prSet/>
+      <dgm:spPr/>
+      <dgm:t>
+        <a:bodyPr/>
+        <a:lstStyle/>
+        <a:p>
+          <a:endParaRPr lang="nl-NL"/>
+        </a:p>
+      </dgm:t>
+    </dgm:pt>
+    <dgm:pt modelId="{C13768ED-4F37-4E15-8378-5BFEF9486274}">
+      <dgm:prSet phldrT="[Text]" custT="1"/>
+      <dgm:spPr>
+        <a:ln w="28575"/>
+      </dgm:spPr>
+      <dgm:t>
+        <a:bodyPr/>
+        <a:lstStyle/>
+        <a:p>
+          <a:r>
+            <a:rPr lang="en-US" sz="1800" dirty="0">
+              <a:solidFill>
+                <a:schemeClr val="tx1"/>
+              </a:solidFill>
+            </a:rPr>
+            <a:t>Psychology Domain</a:t>
+          </a:r>
+        </a:p>
+        <a:p>
+          <a:r>
+            <a:rPr lang="en-US" sz="1800" dirty="0">
+              <a:solidFill>
+                <a:schemeClr val="tx1"/>
+              </a:solidFill>
+            </a:rPr>
+            <a:t>N = 79</a:t>
+          </a:r>
+          <a:endParaRPr lang="nl-NL" sz="1800" dirty="0">
+            <a:solidFill>
+              <a:schemeClr val="tx1"/>
+            </a:solidFill>
+          </a:endParaRPr>
+        </a:p>
+      </dgm:t>
+    </dgm:pt>
+    <dgm:pt modelId="{83925042-6A1C-4CB7-992F-2E8D64EEB9B1}" type="parTrans" cxnId="{D8A2F117-384C-4165-8268-4A69DB2E9135}">
+      <dgm:prSet/>
+      <dgm:spPr>
+        <a:ln w="28575"/>
+      </dgm:spPr>
+      <dgm:t>
+        <a:bodyPr/>
+        <a:lstStyle/>
+        <a:p>
+          <a:endParaRPr lang="nl-NL"/>
+        </a:p>
+      </dgm:t>
+    </dgm:pt>
+    <dgm:pt modelId="{65FAEE98-8488-47E1-9443-FC4487257AF9}" type="sibTrans" cxnId="{D8A2F117-384C-4165-8268-4A69DB2E9135}">
+      <dgm:prSet/>
+      <dgm:spPr/>
+      <dgm:t>
+        <a:bodyPr/>
+        <a:lstStyle/>
+        <a:p>
+          <a:endParaRPr lang="nl-NL"/>
+        </a:p>
+      </dgm:t>
+    </dgm:pt>
+    <dgm:pt modelId="{A836B913-61AC-469F-A301-4D9ACEDA89C9}">
+      <dgm:prSet phldrT="[Text]" custT="1"/>
+      <dgm:spPr>
+        <a:ln w="28575"/>
+      </dgm:spPr>
+      <dgm:t>
+        <a:bodyPr/>
+        <a:lstStyle/>
+        <a:p>
+          <a:r>
+            <a:rPr lang="en-US" sz="1800" dirty="0">
+              <a:solidFill>
+                <a:schemeClr val="tx1"/>
+              </a:solidFill>
+            </a:rPr>
+            <a:t>Multi-Lab </a:t>
+          </a:r>
+        </a:p>
+        <a:p>
+          <a:r>
+            <a:rPr lang="en-US" sz="1800" dirty="0">
+              <a:solidFill>
+                <a:schemeClr val="tx1"/>
+              </a:solidFill>
+            </a:rPr>
+            <a:t>Studies</a:t>
+          </a:r>
+        </a:p>
+        <a:p>
+          <a:r>
+            <a:rPr lang="en-US" sz="1800" dirty="0">
+              <a:solidFill>
+                <a:schemeClr val="tx1"/>
+              </a:solidFill>
+            </a:rPr>
+            <a:t>N = 7</a:t>
+          </a:r>
+          <a:endParaRPr lang="nl-NL" sz="1800" dirty="0">
+            <a:solidFill>
+              <a:schemeClr val="tx1"/>
+            </a:solidFill>
+          </a:endParaRPr>
+        </a:p>
+      </dgm:t>
+    </dgm:pt>
+    <dgm:pt modelId="{11697691-F860-47DB-9C18-0ED146C2F1DC}" type="parTrans" cxnId="{C8F66D3F-6881-4D0B-AC69-185B1B8BB710}">
+      <dgm:prSet/>
+      <dgm:spPr>
+        <a:ln w="28575"/>
+      </dgm:spPr>
+      <dgm:t>
+        <a:bodyPr/>
+        <a:lstStyle/>
+        <a:p>
+          <a:endParaRPr lang="nl-NL"/>
+        </a:p>
+      </dgm:t>
+    </dgm:pt>
+    <dgm:pt modelId="{3005CDDE-7D83-443E-8486-1A1BBCA63BDE}" type="sibTrans" cxnId="{C8F66D3F-6881-4D0B-AC69-185B1B8BB710}">
+      <dgm:prSet/>
+      <dgm:spPr/>
+      <dgm:t>
+        <a:bodyPr/>
+        <a:lstStyle/>
+        <a:p>
+          <a:endParaRPr lang="nl-NL"/>
+        </a:p>
+      </dgm:t>
+    </dgm:pt>
+    <dgm:pt modelId="{614616D1-9AB0-4825-B4F0-E3B319A8A19C}">
+      <dgm:prSet custT="1"/>
+      <dgm:spPr>
+        <a:ln w="28575"/>
+      </dgm:spPr>
+      <dgm:t>
+        <a:bodyPr/>
+        <a:lstStyle/>
+        <a:p>
+          <a:r>
+            <a:rPr lang="en-US" sz="1800" dirty="0">
+              <a:solidFill>
+                <a:schemeClr val="tx1"/>
+              </a:solidFill>
+            </a:rPr>
+            <a:t>Not RR </a:t>
+          </a:r>
+        </a:p>
+        <a:p>
+          <a:r>
+            <a:rPr lang="en-US" sz="1800" dirty="0">
+              <a:solidFill>
+                <a:schemeClr val="tx1"/>
+              </a:solidFill>
+            </a:rPr>
+            <a:t>N = 10</a:t>
+          </a:r>
+          <a:endParaRPr lang="nl-NL" sz="1800" dirty="0">
+            <a:solidFill>
+              <a:schemeClr val="tx1"/>
+            </a:solidFill>
+          </a:endParaRPr>
+        </a:p>
+      </dgm:t>
+    </dgm:pt>
+    <dgm:pt modelId="{08927EF9-BA2F-4AED-B168-41E724AB3C5B}" type="parTrans" cxnId="{CDB636B9-2075-4B9A-B2A1-A2133DBE767B}">
+      <dgm:prSet/>
+      <dgm:spPr>
+        <a:ln w="28575"/>
+      </dgm:spPr>
+      <dgm:t>
+        <a:bodyPr/>
+        <a:lstStyle/>
+        <a:p>
+          <a:endParaRPr lang="nl-NL"/>
+        </a:p>
+      </dgm:t>
+    </dgm:pt>
+    <dgm:pt modelId="{55B2D39B-D971-47BD-BB1C-6CB90877CFF2}" type="sibTrans" cxnId="{CDB636B9-2075-4B9A-B2A1-A2133DBE767B}">
+      <dgm:prSet/>
+      <dgm:spPr/>
+      <dgm:t>
+        <a:bodyPr/>
+        <a:lstStyle/>
+        <a:p>
+          <a:endParaRPr lang="nl-NL"/>
+        </a:p>
+      </dgm:t>
+    </dgm:pt>
+    <dgm:pt modelId="{C24DF979-2D66-4345-A50F-2F65E68548CC}">
+      <dgm:prSet custT="1"/>
+      <dgm:spPr>
+        <a:ln w="28575"/>
+      </dgm:spPr>
+      <dgm:t>
+        <a:bodyPr/>
+        <a:lstStyle/>
+        <a:p>
+          <a:r>
+            <a:rPr lang="en-US" sz="1800" dirty="0">
+              <a:solidFill>
+                <a:schemeClr val="tx1"/>
+              </a:solidFill>
+            </a:rPr>
+            <a:t>Final Dataset</a:t>
+          </a:r>
+        </a:p>
+        <a:p>
+          <a:r>
+            <a:rPr lang="en-US" sz="1800" dirty="0">
+              <a:solidFill>
+                <a:schemeClr val="tx1"/>
+              </a:solidFill>
+            </a:rPr>
+            <a:t>N = 62</a:t>
+          </a:r>
+          <a:endParaRPr lang="nl-NL" sz="1800" dirty="0">
+            <a:solidFill>
+              <a:schemeClr val="tx1"/>
+            </a:solidFill>
+          </a:endParaRPr>
+        </a:p>
+      </dgm:t>
+    </dgm:pt>
+    <dgm:pt modelId="{F6FF3177-E858-40BE-B66A-0AF1F75AA728}" type="parTrans" cxnId="{524A00D4-78DE-47AE-AF0D-F60447447EED}">
+      <dgm:prSet/>
+      <dgm:spPr>
+        <a:ln w="28575"/>
+      </dgm:spPr>
+      <dgm:t>
+        <a:bodyPr/>
+        <a:lstStyle/>
+        <a:p>
+          <a:endParaRPr lang="nl-NL"/>
+        </a:p>
+      </dgm:t>
+    </dgm:pt>
+    <dgm:pt modelId="{7913A6E9-A097-41CC-BA61-E27E9B469FAC}" type="sibTrans" cxnId="{524A00D4-78DE-47AE-AF0D-F60447447EED}">
+      <dgm:prSet/>
+      <dgm:spPr/>
+      <dgm:t>
+        <a:bodyPr/>
+        <a:lstStyle/>
+        <a:p>
+          <a:endParaRPr lang="nl-NL"/>
+        </a:p>
+      </dgm:t>
+    </dgm:pt>
+    <dgm:pt modelId="{4F908973-2012-4DBF-94AD-2D00FD02D88A}">
+      <dgm:prSet custT="1"/>
+      <dgm:spPr>
+        <a:ln w="28575"/>
+      </dgm:spPr>
+      <dgm:t>
+        <a:bodyPr/>
+        <a:lstStyle/>
+        <a:p>
+          <a:r>
+            <a:rPr lang="en-US" sz="1800" dirty="0">
+              <a:solidFill>
+                <a:schemeClr val="tx1"/>
+              </a:solidFill>
+            </a:rPr>
+            <a:t>Other Domain</a:t>
+          </a:r>
+        </a:p>
+        <a:p>
+          <a:r>
+            <a:rPr lang="en-US" sz="1800" dirty="0">
+              <a:solidFill>
+                <a:schemeClr val="tx1"/>
+              </a:solidFill>
+            </a:rPr>
+            <a:t>N = 39</a:t>
+          </a:r>
+          <a:endParaRPr lang="nl-NL" sz="1800" dirty="0">
+            <a:solidFill>
+              <a:schemeClr val="tx1"/>
+            </a:solidFill>
+          </a:endParaRPr>
+        </a:p>
+      </dgm:t>
+    </dgm:pt>
+    <dgm:pt modelId="{185DEF35-D85D-43CD-837E-5BF53272E01D}" type="parTrans" cxnId="{3F3FB2BF-076B-4DF9-8AE4-50B944BE4113}">
+      <dgm:prSet/>
+      <dgm:spPr>
+        <a:ln w="28575"/>
+      </dgm:spPr>
+      <dgm:t>
+        <a:bodyPr/>
+        <a:lstStyle/>
+        <a:p>
+          <a:endParaRPr lang="nl-NL"/>
+        </a:p>
+      </dgm:t>
+    </dgm:pt>
+    <dgm:pt modelId="{ED55A296-A6FD-41AA-9E2D-92AE6FCC1C56}" type="sibTrans" cxnId="{3F3FB2BF-076B-4DF9-8AE4-50B944BE4113}">
+      <dgm:prSet/>
+      <dgm:spPr/>
+      <dgm:t>
+        <a:bodyPr/>
+        <a:lstStyle/>
+        <a:p>
+          <a:endParaRPr lang="nl-NL"/>
+        </a:p>
+      </dgm:t>
+    </dgm:pt>
+    <dgm:pt modelId="{35828132-24D6-4E8B-8159-362BEEDC9CEB}">
+      <dgm:prSet custT="1"/>
+      <dgm:spPr>
+        <a:ln w="28575"/>
+      </dgm:spPr>
+      <dgm:t>
+        <a:bodyPr/>
+        <a:lstStyle/>
+        <a:p>
+          <a:r>
+            <a:rPr lang="en-US" sz="1800" dirty="0">
+              <a:solidFill>
+                <a:schemeClr val="tx1"/>
+              </a:solidFill>
+            </a:rPr>
+            <a:t>Scripts Available</a:t>
+          </a:r>
+        </a:p>
+        <a:p>
+          <a:r>
+            <a:rPr lang="en-US" sz="1800" dirty="0">
+              <a:solidFill>
+                <a:schemeClr val="tx1"/>
+              </a:solidFill>
+            </a:rPr>
+            <a:t>N = 40</a:t>
+          </a:r>
+          <a:endParaRPr lang="nl-NL" sz="1800" dirty="0">
+            <a:solidFill>
+              <a:schemeClr val="tx1"/>
+            </a:solidFill>
+          </a:endParaRPr>
+        </a:p>
+      </dgm:t>
+    </dgm:pt>
+    <dgm:pt modelId="{7462DDD1-F283-42DB-AB71-270FC8A6AF1F}" type="parTrans" cxnId="{A1EE6A0D-5353-47FF-9DD5-F03D19076821}">
+      <dgm:prSet/>
+      <dgm:spPr>
+        <a:ln w="28575"/>
+      </dgm:spPr>
+      <dgm:t>
+        <a:bodyPr/>
+        <a:lstStyle/>
+        <a:p>
+          <a:endParaRPr lang="nl-NL"/>
+        </a:p>
+      </dgm:t>
+    </dgm:pt>
+    <dgm:pt modelId="{89FCA33B-7242-4EBA-A6D8-8E97DCFF9048}" type="sibTrans" cxnId="{A1EE6A0D-5353-47FF-9DD5-F03D19076821}">
+      <dgm:prSet/>
+      <dgm:spPr/>
+      <dgm:t>
+        <a:bodyPr/>
+        <a:lstStyle/>
+        <a:p>
+          <a:endParaRPr lang="nl-NL"/>
+        </a:p>
+      </dgm:t>
+    </dgm:pt>
+    <dgm:pt modelId="{A243FECC-01F6-47EF-A427-18D141536F62}">
+      <dgm:prSet custT="1"/>
+      <dgm:spPr>
+        <a:ln w="28575"/>
+      </dgm:spPr>
+      <dgm:t>
+        <a:bodyPr/>
+        <a:lstStyle/>
+        <a:p>
+          <a:r>
+            <a:rPr lang="en-US" sz="1800" dirty="0">
+              <a:solidFill>
+                <a:schemeClr val="tx1"/>
+              </a:solidFill>
+            </a:rPr>
+            <a:t>Data Available</a:t>
+          </a:r>
+        </a:p>
+        <a:p>
+          <a:r>
+            <a:rPr lang="en-US" sz="1800" dirty="0">
+              <a:solidFill>
+                <a:schemeClr val="tx1"/>
+              </a:solidFill>
+            </a:rPr>
+            <a:t>N = 43</a:t>
+          </a:r>
+          <a:endParaRPr lang="nl-NL" sz="1800" dirty="0">
+            <a:solidFill>
+              <a:schemeClr val="tx1"/>
+            </a:solidFill>
+          </a:endParaRPr>
+        </a:p>
+      </dgm:t>
+    </dgm:pt>
+    <dgm:pt modelId="{E7F01257-8479-40BF-8579-A2A2FF300C3A}" type="parTrans" cxnId="{26EB9554-EFD1-492C-AE38-D158D8BB363F}">
+      <dgm:prSet/>
+      <dgm:spPr>
+        <a:ln w="28575"/>
+      </dgm:spPr>
+      <dgm:t>
+        <a:bodyPr/>
+        <a:lstStyle/>
+        <a:p>
+          <a:endParaRPr lang="nl-NL"/>
+        </a:p>
+      </dgm:t>
+    </dgm:pt>
+    <dgm:pt modelId="{FE9DD013-0F42-4831-90D6-3605B26898C2}" type="sibTrans" cxnId="{26EB9554-EFD1-492C-AE38-D158D8BB363F}">
+      <dgm:prSet/>
+      <dgm:spPr/>
+      <dgm:t>
+        <a:bodyPr/>
+        <a:lstStyle/>
+        <a:p>
+          <a:endParaRPr lang="nl-NL"/>
+        </a:p>
+      </dgm:t>
+    </dgm:pt>
+    <dgm:pt modelId="{B783E18C-2602-48BA-A831-683DB3893F2F}">
+      <dgm:prSet custT="1"/>
+      <dgm:spPr>
+        <a:ln w="28575"/>
+      </dgm:spPr>
+      <dgm:t>
+        <a:bodyPr/>
+        <a:lstStyle/>
+        <a:p>
+          <a:r>
+            <a:rPr lang="en-US" sz="1800" dirty="0">
+              <a:solidFill>
+                <a:schemeClr val="tx1"/>
+              </a:solidFill>
+            </a:rPr>
+            <a:t>Other Languages</a:t>
+          </a:r>
+        </a:p>
+        <a:p>
+          <a:r>
+            <a:rPr lang="en-US" sz="1800" dirty="0">
+              <a:solidFill>
+                <a:schemeClr val="tx1"/>
+              </a:solidFill>
+            </a:rPr>
+            <a:t>N = 5</a:t>
+          </a:r>
+          <a:endParaRPr lang="nl-NL" sz="1800" dirty="0">
+            <a:solidFill>
+              <a:schemeClr val="tx1"/>
+            </a:solidFill>
+          </a:endParaRPr>
+        </a:p>
+      </dgm:t>
+    </dgm:pt>
+    <dgm:pt modelId="{B3CB0421-242B-4A01-8C14-F8DCD3C16DD1}" type="parTrans" cxnId="{EF38E2FA-A22F-440B-97B9-3196FE5DCA20}">
+      <dgm:prSet/>
+      <dgm:spPr>
+        <a:ln w="28575"/>
+      </dgm:spPr>
+      <dgm:t>
+        <a:bodyPr/>
+        <a:lstStyle/>
+        <a:p>
+          <a:endParaRPr lang="nl-NL"/>
+        </a:p>
+      </dgm:t>
+    </dgm:pt>
+    <dgm:pt modelId="{47A25A4B-FDCF-424A-B15D-FAB993BFDCF9}" type="sibTrans" cxnId="{EF38E2FA-A22F-440B-97B9-3196FE5DCA20}">
+      <dgm:prSet/>
+      <dgm:spPr/>
+      <dgm:t>
+        <a:bodyPr/>
+        <a:lstStyle/>
+        <a:p>
+          <a:endParaRPr lang="nl-NL"/>
+        </a:p>
+      </dgm:t>
+    </dgm:pt>
+    <dgm:pt modelId="{0BC1B8F2-4F37-45C9-803C-8D0D7FF5FB7C}">
+      <dgm:prSet custT="1"/>
+      <dgm:spPr>
+        <a:ln w="28575"/>
+      </dgm:spPr>
+      <dgm:t>
+        <a:bodyPr/>
+        <a:lstStyle/>
+        <a:p>
+          <a:r>
+            <a:rPr lang="en-US" sz="1800" dirty="0">
+              <a:solidFill>
+                <a:schemeClr val="tx1"/>
+              </a:solidFill>
+            </a:rPr>
+            <a:t>Software Specific</a:t>
+          </a:r>
+        </a:p>
+        <a:p>
+          <a:r>
+            <a:rPr lang="en-US" sz="1800" dirty="0">
+              <a:solidFill>
+                <a:schemeClr val="tx1"/>
+              </a:solidFill>
+            </a:rPr>
+            <a:t>N = 1</a:t>
+          </a:r>
+          <a:endParaRPr lang="nl-NL" sz="1800" dirty="0">
+            <a:solidFill>
+              <a:schemeClr val="tx1"/>
+            </a:solidFill>
+          </a:endParaRPr>
+        </a:p>
+      </dgm:t>
+    </dgm:pt>
+    <dgm:pt modelId="{9343353A-BBEE-4C98-B9B8-5461F652185E}" type="parTrans" cxnId="{727243D4-B079-419F-A83F-A9994986C37E}">
+      <dgm:prSet/>
+      <dgm:spPr>
+        <a:ln w="28575"/>
+      </dgm:spPr>
+      <dgm:t>
+        <a:bodyPr/>
+        <a:lstStyle/>
+        <a:p>
+          <a:endParaRPr lang="nl-NL"/>
+        </a:p>
+      </dgm:t>
+    </dgm:pt>
+    <dgm:pt modelId="{6D63B45A-FC4D-4D97-9646-1CB2E3183885}" type="sibTrans" cxnId="{727243D4-B079-419F-A83F-A9994986C37E}">
+      <dgm:prSet/>
+      <dgm:spPr/>
+      <dgm:t>
+        <a:bodyPr/>
+        <a:lstStyle/>
+        <a:p>
+          <a:endParaRPr lang="nl-NL"/>
+        </a:p>
+      </dgm:t>
+    </dgm:pt>
+    <dgm:pt modelId="{FA4799A0-A1A0-4F59-AD7B-E0EB6B8FFADF}">
+      <dgm:prSet custT="1"/>
+      <dgm:spPr>
+        <a:ln w="28575"/>
+      </dgm:spPr>
+      <dgm:t>
+        <a:bodyPr/>
+        <a:lstStyle/>
+        <a:p>
+          <a:r>
+            <a:rPr lang="en-US" sz="1800" dirty="0">
+              <a:solidFill>
+                <a:schemeClr val="tx1"/>
+              </a:solidFill>
+            </a:rPr>
+            <a:t>R, SPSS, or JASP</a:t>
+          </a:r>
+        </a:p>
+        <a:p>
+          <a:r>
+            <a:rPr lang="en-US" sz="1800" dirty="0">
+              <a:solidFill>
+                <a:schemeClr val="tx1"/>
+              </a:solidFill>
+            </a:rPr>
+            <a:t>N = 35</a:t>
+          </a:r>
+          <a:endParaRPr lang="nl-NL" sz="1800" dirty="0">
+            <a:solidFill>
+              <a:schemeClr val="tx1"/>
+            </a:solidFill>
+          </a:endParaRPr>
+        </a:p>
+      </dgm:t>
+    </dgm:pt>
+    <dgm:pt modelId="{16748D59-4592-47AE-975A-131BE08B71F4}" type="parTrans" cxnId="{1CD3B177-EFAD-4237-8CE6-FB53693D711D}">
+      <dgm:prSet/>
+      <dgm:spPr>
+        <a:ln w="28575"/>
+      </dgm:spPr>
+      <dgm:t>
+        <a:bodyPr/>
+        <a:lstStyle/>
+        <a:p>
+          <a:endParaRPr lang="nl-NL"/>
+        </a:p>
+      </dgm:t>
+    </dgm:pt>
+    <dgm:pt modelId="{2135DDFE-B1F9-4663-BADC-AD7DC105ACCF}" type="sibTrans" cxnId="{1CD3B177-EFAD-4237-8CE6-FB53693D711D}">
+      <dgm:prSet/>
+      <dgm:spPr/>
+      <dgm:t>
+        <a:bodyPr/>
+        <a:lstStyle/>
+        <a:p>
+          <a:endParaRPr lang="nl-NL"/>
+        </a:p>
+      </dgm:t>
+    </dgm:pt>
+    <dgm:pt modelId="{607FCB25-8266-4E8C-BB25-F6190E2C5A51}">
+      <dgm:prSet custT="1"/>
+      <dgm:spPr>
+        <a:ln w="28575"/>
+      </dgm:spPr>
+      <dgm:t>
+        <a:bodyPr/>
+        <a:lstStyle/>
+        <a:p>
+          <a:r>
+            <a:rPr lang="en-US" sz="1800" dirty="0">
+              <a:solidFill>
+                <a:schemeClr val="tx1"/>
+              </a:solidFill>
+            </a:rPr>
+            <a:t>Run Scripts</a:t>
+          </a:r>
+        </a:p>
+        <a:p>
+          <a:r>
+            <a:rPr lang="en-US" sz="1800" dirty="0">
+              <a:solidFill>
+                <a:schemeClr val="tx1"/>
+              </a:solidFill>
+            </a:rPr>
+            <a:t>N = 30</a:t>
+          </a:r>
+          <a:endParaRPr lang="nl-NL" sz="1800" dirty="0">
+            <a:solidFill>
+              <a:schemeClr val="tx1"/>
+            </a:solidFill>
+          </a:endParaRPr>
+        </a:p>
+      </dgm:t>
+    </dgm:pt>
+    <dgm:pt modelId="{B36DDFBD-93BC-4CD6-A52A-FC243FDC3227}" type="parTrans" cxnId="{1F88F132-FDC8-4FD4-B1AC-544E3716542B}">
+      <dgm:prSet/>
+      <dgm:spPr>
+        <a:ln w="28575"/>
+      </dgm:spPr>
+      <dgm:t>
+        <a:bodyPr/>
+        <a:lstStyle/>
+        <a:p>
+          <a:endParaRPr lang="nl-NL"/>
+        </a:p>
+      </dgm:t>
+    </dgm:pt>
+    <dgm:pt modelId="{F21C7168-A9F3-46E9-B8D7-54CC1203A00C}" type="sibTrans" cxnId="{1F88F132-FDC8-4FD4-B1AC-544E3716542B}">
+      <dgm:prSet/>
+      <dgm:spPr/>
+      <dgm:t>
+        <a:bodyPr/>
+        <a:lstStyle/>
+        <a:p>
+          <a:endParaRPr lang="nl-NL"/>
+        </a:p>
+      </dgm:t>
+    </dgm:pt>
+    <dgm:pt modelId="{9EBA7DD3-EFD4-4FB0-9D1D-F3CF4D51BB04}">
+      <dgm:prSet/>
+      <dgm:spPr>
+        <a:ln w="28575"/>
+      </dgm:spPr>
+      <dgm:t>
+        <a:bodyPr/>
+        <a:lstStyle/>
+        <a:p>
+          <a:r>
+            <a:rPr lang="en-US" dirty="0">
+              <a:solidFill>
+                <a:schemeClr val="tx1"/>
+              </a:solidFill>
+            </a:rPr>
+            <a:t>Reproducible</a:t>
+          </a:r>
+        </a:p>
+        <a:p>
+          <a:r>
+            <a:rPr lang="en-US" dirty="0">
+              <a:solidFill>
+                <a:schemeClr val="tx1"/>
+              </a:solidFill>
+            </a:rPr>
+            <a:t>N = 19</a:t>
+          </a:r>
+          <a:endParaRPr lang="nl-NL" dirty="0">
+            <a:solidFill>
+              <a:schemeClr val="tx1"/>
+            </a:solidFill>
+          </a:endParaRPr>
+        </a:p>
+      </dgm:t>
+    </dgm:pt>
+    <dgm:pt modelId="{7938C59D-E1DC-4C0F-871A-2C0CDC2677B9}" type="parTrans" cxnId="{0D05B572-5FD3-4E5A-9E27-1982552CA181}">
+      <dgm:prSet/>
+      <dgm:spPr>
+        <a:ln w="28575"/>
+      </dgm:spPr>
+      <dgm:t>
+        <a:bodyPr/>
+        <a:lstStyle/>
+        <a:p>
+          <a:endParaRPr lang="nl-NL"/>
+        </a:p>
+      </dgm:t>
+    </dgm:pt>
+    <dgm:pt modelId="{8AB2491D-65A1-4C50-8EF2-932E7B012D94}" type="sibTrans" cxnId="{0D05B572-5FD3-4E5A-9E27-1982552CA181}">
+      <dgm:prSet/>
+      <dgm:spPr/>
+      <dgm:t>
+        <a:bodyPr/>
+        <a:lstStyle/>
+        <a:p>
+          <a:endParaRPr lang="nl-NL"/>
+        </a:p>
+      </dgm:t>
+    </dgm:pt>
+    <dgm:pt modelId="{D75061AC-2B0B-48D3-9AE4-ADA1FE44E749}" type="pres">
+      <dgm:prSet presAssocID="{6E459ED9-2F4B-4DCD-81D9-EC7B4C076809}" presName="mainComposite" presStyleCnt="0">
+        <dgm:presLayoutVars>
+          <dgm:chPref val="1"/>
+          <dgm:dir/>
+          <dgm:animOne val="branch"/>
+          <dgm:animLvl val="lvl"/>
+          <dgm:resizeHandles val="exact"/>
+        </dgm:presLayoutVars>
+      </dgm:prSet>
+      <dgm:spPr/>
+    </dgm:pt>
+    <dgm:pt modelId="{F8401275-5FB0-40D4-B1DA-5C1DED2FF01E}" type="pres">
+      <dgm:prSet presAssocID="{6E459ED9-2F4B-4DCD-81D9-EC7B4C076809}" presName="hierFlow" presStyleCnt="0"/>
+      <dgm:spPr/>
+    </dgm:pt>
+    <dgm:pt modelId="{9E013292-EFAA-47DA-87BF-F198705CECEA}" type="pres">
+      <dgm:prSet presAssocID="{6E459ED9-2F4B-4DCD-81D9-EC7B4C076809}" presName="hierChild1" presStyleCnt="0">
+        <dgm:presLayoutVars>
+          <dgm:chPref val="1"/>
+          <dgm:animOne val="branch"/>
+          <dgm:animLvl val="lvl"/>
+        </dgm:presLayoutVars>
+      </dgm:prSet>
+      <dgm:spPr/>
+    </dgm:pt>
+    <dgm:pt modelId="{E6DC7FFD-B035-4C40-A448-0AE6941B59F6}" type="pres">
+      <dgm:prSet presAssocID="{3C4A49FF-1CF0-458E-9BB0-7537638F50CB}" presName="Name17" presStyleCnt="0"/>
+      <dgm:spPr/>
+    </dgm:pt>
+    <dgm:pt modelId="{0C7B49F5-2510-4BD0-9426-CAEBAC8AF66E}" type="pres">
+      <dgm:prSet presAssocID="{3C4A49FF-1CF0-458E-9BB0-7537638F50CB}" presName="level1Shape" presStyleLbl="node0" presStyleIdx="0" presStyleCnt="1" custScaleY="174621">
+        <dgm:presLayoutVars>
+          <dgm:chPref val="3"/>
+        </dgm:presLayoutVars>
+      </dgm:prSet>
+      <dgm:spPr/>
+    </dgm:pt>
+    <dgm:pt modelId="{D8C28E1F-E91C-4E47-AB17-FB1531C4089E}" type="pres">
+      <dgm:prSet presAssocID="{3C4A49FF-1CF0-458E-9BB0-7537638F50CB}" presName="hierChild2" presStyleCnt="0"/>
+      <dgm:spPr/>
+    </dgm:pt>
+    <dgm:pt modelId="{042E0AD9-775F-48E7-BCB0-83D88C0BEA7C}" type="pres">
+      <dgm:prSet presAssocID="{83925042-6A1C-4CB7-992F-2E8D64EEB9B1}" presName="Name25" presStyleLbl="parChTrans1D2" presStyleIdx="0" presStyleCnt="2"/>
+      <dgm:spPr/>
+    </dgm:pt>
+    <dgm:pt modelId="{4E1F7723-1DB4-4FDE-8F77-954D99BE865E}" type="pres">
+      <dgm:prSet presAssocID="{83925042-6A1C-4CB7-992F-2E8D64EEB9B1}" presName="connTx" presStyleLbl="parChTrans1D2" presStyleIdx="0" presStyleCnt="2"/>
+      <dgm:spPr/>
+    </dgm:pt>
+    <dgm:pt modelId="{1E415D4F-0AA5-49AC-8BD7-047A517BEF78}" type="pres">
+      <dgm:prSet presAssocID="{C13768ED-4F37-4E15-8378-5BFEF9486274}" presName="Name30" presStyleCnt="0"/>
+      <dgm:spPr/>
+    </dgm:pt>
+    <dgm:pt modelId="{543FB67A-CDC3-4134-A456-0573229746F1}" type="pres">
+      <dgm:prSet presAssocID="{C13768ED-4F37-4E15-8378-5BFEF9486274}" presName="level2Shape" presStyleLbl="node2" presStyleIdx="0" presStyleCnt="2" custScaleY="169526"/>
+      <dgm:spPr/>
+    </dgm:pt>
+    <dgm:pt modelId="{EF5554AD-E732-4711-A2DF-EFDB812939D7}" type="pres">
+      <dgm:prSet presAssocID="{C13768ED-4F37-4E15-8378-5BFEF9486274}" presName="hierChild3" presStyleCnt="0"/>
+      <dgm:spPr/>
+    </dgm:pt>
+    <dgm:pt modelId="{A5BD3CDF-6B93-4A9D-A1F0-B3F8899130CD}" type="pres">
+      <dgm:prSet presAssocID="{F6FF3177-E858-40BE-B66A-0AF1F75AA728}" presName="Name25" presStyleLbl="parChTrans1D3" presStyleIdx="0" presStyleCnt="3"/>
+      <dgm:spPr/>
+    </dgm:pt>
+    <dgm:pt modelId="{1E146825-967F-47D5-9E66-12A1874DB1CD}" type="pres">
+      <dgm:prSet presAssocID="{F6FF3177-E858-40BE-B66A-0AF1F75AA728}" presName="connTx" presStyleLbl="parChTrans1D3" presStyleIdx="0" presStyleCnt="3"/>
+      <dgm:spPr/>
+    </dgm:pt>
+    <dgm:pt modelId="{43AF4C7F-CBD6-4D0C-A3A0-329E61A4A004}" type="pres">
+      <dgm:prSet presAssocID="{C24DF979-2D66-4345-A50F-2F65E68548CC}" presName="Name30" presStyleCnt="0"/>
+      <dgm:spPr/>
+    </dgm:pt>
+    <dgm:pt modelId="{C0599543-A40B-418B-8FC8-DB05A0F9AFFA}" type="pres">
+      <dgm:prSet presAssocID="{C24DF979-2D66-4345-A50F-2F65E68548CC}" presName="level2Shape" presStyleLbl="node3" presStyleIdx="0" presStyleCnt="3" custScaleY="162745"/>
+      <dgm:spPr/>
+    </dgm:pt>
+    <dgm:pt modelId="{1B3FE1BE-88CE-4A05-BC6A-FA2EAD0FAC36}" type="pres">
+      <dgm:prSet presAssocID="{C24DF979-2D66-4345-A50F-2F65E68548CC}" presName="hierChild3" presStyleCnt="0"/>
+      <dgm:spPr/>
+    </dgm:pt>
+    <dgm:pt modelId="{4C6006D5-A6BB-4507-A440-D649AA21B077}" type="pres">
+      <dgm:prSet presAssocID="{7462DDD1-F283-42DB-AB71-270FC8A6AF1F}" presName="Name25" presStyleLbl="parChTrans1D4" presStyleIdx="0" presStyleCnt="7"/>
+      <dgm:spPr/>
+    </dgm:pt>
+    <dgm:pt modelId="{F9517245-0932-49EA-A533-E972ED0A878C}" type="pres">
+      <dgm:prSet presAssocID="{7462DDD1-F283-42DB-AB71-270FC8A6AF1F}" presName="connTx" presStyleLbl="parChTrans1D4" presStyleIdx="0" presStyleCnt="7"/>
+      <dgm:spPr/>
+    </dgm:pt>
+    <dgm:pt modelId="{0213B259-3368-4F03-9B77-35F83CC48C18}" type="pres">
+      <dgm:prSet presAssocID="{35828132-24D6-4E8B-8159-362BEEDC9CEB}" presName="Name30" presStyleCnt="0"/>
+      <dgm:spPr/>
+    </dgm:pt>
+    <dgm:pt modelId="{04196F1F-6FD2-4C1F-B708-BD8E9C37567C}" type="pres">
+      <dgm:prSet presAssocID="{35828132-24D6-4E8B-8159-362BEEDC9CEB}" presName="level2Shape" presStyleLbl="node4" presStyleIdx="0" presStyleCnt="7" custScaleY="135621"/>
+      <dgm:spPr/>
+    </dgm:pt>
+    <dgm:pt modelId="{FA269E88-9450-419C-9DB6-218B4E30E3D0}" type="pres">
+      <dgm:prSet presAssocID="{35828132-24D6-4E8B-8159-362BEEDC9CEB}" presName="hierChild3" presStyleCnt="0"/>
+      <dgm:spPr/>
+    </dgm:pt>
+    <dgm:pt modelId="{1DD16CE7-F04B-4C55-8EEC-12FDA9DF4367}" type="pres">
+      <dgm:prSet presAssocID="{B3CB0421-242B-4A01-8C14-F8DCD3C16DD1}" presName="Name25" presStyleLbl="parChTrans1D4" presStyleIdx="1" presStyleCnt="7"/>
+      <dgm:spPr/>
+    </dgm:pt>
+    <dgm:pt modelId="{542CD0F6-6E6F-4F9A-B0C0-C2A7564A040B}" type="pres">
+      <dgm:prSet presAssocID="{B3CB0421-242B-4A01-8C14-F8DCD3C16DD1}" presName="connTx" presStyleLbl="parChTrans1D4" presStyleIdx="1" presStyleCnt="7"/>
+      <dgm:spPr/>
+    </dgm:pt>
+    <dgm:pt modelId="{AC5D3DF8-80CF-4CE2-864D-333E6C4F822F}" type="pres">
+      <dgm:prSet presAssocID="{B783E18C-2602-48BA-A831-683DB3893F2F}" presName="Name30" presStyleCnt="0"/>
+      <dgm:spPr/>
+    </dgm:pt>
+    <dgm:pt modelId="{08DFCEC2-C055-41BF-A4DB-1A22F28E75E7}" type="pres">
+      <dgm:prSet presAssocID="{B783E18C-2602-48BA-A831-683DB3893F2F}" presName="level2Shape" presStyleLbl="node4" presStyleIdx="1" presStyleCnt="7" custScaleY="135621"/>
+      <dgm:spPr/>
+    </dgm:pt>
+    <dgm:pt modelId="{A3B0384A-B785-414C-976C-801066BEBDED}" type="pres">
+      <dgm:prSet presAssocID="{B783E18C-2602-48BA-A831-683DB3893F2F}" presName="hierChild3" presStyleCnt="0"/>
+      <dgm:spPr/>
+    </dgm:pt>
+    <dgm:pt modelId="{46CD7D17-3B7F-46DC-B2CC-F981BFE57165}" type="pres">
+      <dgm:prSet presAssocID="{16748D59-4592-47AE-975A-131BE08B71F4}" presName="Name25" presStyleLbl="parChTrans1D4" presStyleIdx="2" presStyleCnt="7"/>
+      <dgm:spPr/>
+    </dgm:pt>
+    <dgm:pt modelId="{BA625EF6-F976-44B4-B6B3-0F0C84ADEF60}" type="pres">
+      <dgm:prSet presAssocID="{16748D59-4592-47AE-975A-131BE08B71F4}" presName="connTx" presStyleLbl="parChTrans1D4" presStyleIdx="2" presStyleCnt="7"/>
+      <dgm:spPr/>
+    </dgm:pt>
+    <dgm:pt modelId="{FC31ACA2-7616-40FE-8C1F-A19C6851AD02}" type="pres">
+      <dgm:prSet presAssocID="{FA4799A0-A1A0-4F59-AD7B-E0EB6B8FFADF}" presName="Name30" presStyleCnt="0"/>
+      <dgm:spPr/>
+    </dgm:pt>
+    <dgm:pt modelId="{69A0F1AF-FFBC-4D18-959C-7006CEC0467F}" type="pres">
+      <dgm:prSet presAssocID="{FA4799A0-A1A0-4F59-AD7B-E0EB6B8FFADF}" presName="level2Shape" presStyleLbl="node4" presStyleIdx="2" presStyleCnt="7" custScaleY="135621"/>
+      <dgm:spPr/>
+    </dgm:pt>
+    <dgm:pt modelId="{E6C869F4-0969-4FF0-BD90-94FCAC4DA778}" type="pres">
+      <dgm:prSet presAssocID="{FA4799A0-A1A0-4F59-AD7B-E0EB6B8FFADF}" presName="hierChild3" presStyleCnt="0"/>
+      <dgm:spPr/>
+    </dgm:pt>
+    <dgm:pt modelId="{0D693022-3269-46C8-9144-16611ECF54BA}" type="pres">
+      <dgm:prSet presAssocID="{B36DDFBD-93BC-4CD6-A52A-FC243FDC3227}" presName="Name25" presStyleLbl="parChTrans1D4" presStyleIdx="3" presStyleCnt="7"/>
+      <dgm:spPr/>
+    </dgm:pt>
+    <dgm:pt modelId="{E942EEE7-73E5-40E2-A7B2-07D29A1D8BC8}" type="pres">
+      <dgm:prSet presAssocID="{B36DDFBD-93BC-4CD6-A52A-FC243FDC3227}" presName="connTx" presStyleLbl="parChTrans1D4" presStyleIdx="3" presStyleCnt="7"/>
+      <dgm:spPr/>
+    </dgm:pt>
+    <dgm:pt modelId="{CB185087-C24A-4458-B597-471088EEB1D1}" type="pres">
+      <dgm:prSet presAssocID="{607FCB25-8266-4E8C-BB25-F6190E2C5A51}" presName="Name30" presStyleCnt="0"/>
+      <dgm:spPr/>
+    </dgm:pt>
+    <dgm:pt modelId="{3F98AF04-6300-4E32-B8F1-027A3FD13CF7}" type="pres">
+      <dgm:prSet presAssocID="{607FCB25-8266-4E8C-BB25-F6190E2C5A51}" presName="level2Shape" presStyleLbl="node4" presStyleIdx="3" presStyleCnt="7"/>
+      <dgm:spPr/>
+    </dgm:pt>
+    <dgm:pt modelId="{4BD3C3DE-9F17-4E1E-B116-D9F3EA56B205}" type="pres">
+      <dgm:prSet presAssocID="{607FCB25-8266-4E8C-BB25-F6190E2C5A51}" presName="hierChild3" presStyleCnt="0"/>
+      <dgm:spPr/>
+    </dgm:pt>
+    <dgm:pt modelId="{FBF72CD8-7F4B-43BC-A2C4-DD9DF7272E18}" type="pres">
+      <dgm:prSet presAssocID="{7938C59D-E1DC-4C0F-871A-2C0CDC2677B9}" presName="Name25" presStyleLbl="parChTrans1D4" presStyleIdx="4" presStyleCnt="7"/>
+      <dgm:spPr/>
+    </dgm:pt>
+    <dgm:pt modelId="{64A24D01-5CD5-4C8B-8AE0-BB87039DD89B}" type="pres">
+      <dgm:prSet presAssocID="{7938C59D-E1DC-4C0F-871A-2C0CDC2677B9}" presName="connTx" presStyleLbl="parChTrans1D4" presStyleIdx="4" presStyleCnt="7"/>
+      <dgm:spPr/>
+    </dgm:pt>
+    <dgm:pt modelId="{7484A9DA-CD25-4359-A316-691A849CA2B7}" type="pres">
+      <dgm:prSet presAssocID="{9EBA7DD3-EFD4-4FB0-9D1D-F3CF4D51BB04}" presName="Name30" presStyleCnt="0"/>
+      <dgm:spPr/>
+    </dgm:pt>
+    <dgm:pt modelId="{DC1C9FBE-3E83-4782-9947-27B08E4F6FEC}" type="pres">
+      <dgm:prSet presAssocID="{9EBA7DD3-EFD4-4FB0-9D1D-F3CF4D51BB04}" presName="level2Shape" presStyleLbl="node4" presStyleIdx="4" presStyleCnt="7"/>
+      <dgm:spPr/>
+    </dgm:pt>
+    <dgm:pt modelId="{4DB832AC-3EA5-42BF-8AE1-47996F525C3A}" type="pres">
+      <dgm:prSet presAssocID="{9EBA7DD3-EFD4-4FB0-9D1D-F3CF4D51BB04}" presName="hierChild3" presStyleCnt="0"/>
+      <dgm:spPr/>
+    </dgm:pt>
+    <dgm:pt modelId="{FCB9286B-EEF3-4619-9E03-12974FFD6C78}" type="pres">
+      <dgm:prSet presAssocID="{E7F01257-8479-40BF-8579-A2A2FF300C3A}" presName="Name25" presStyleLbl="parChTrans1D4" presStyleIdx="5" presStyleCnt="7"/>
+      <dgm:spPr/>
+    </dgm:pt>
+    <dgm:pt modelId="{493328B1-4294-4C6C-A8B8-2686D1FCBD37}" type="pres">
+      <dgm:prSet presAssocID="{E7F01257-8479-40BF-8579-A2A2FF300C3A}" presName="connTx" presStyleLbl="parChTrans1D4" presStyleIdx="5" presStyleCnt="7"/>
+      <dgm:spPr/>
+    </dgm:pt>
+    <dgm:pt modelId="{5FE3E323-D3D1-4805-85C3-3211E7F943C9}" type="pres">
+      <dgm:prSet presAssocID="{A243FECC-01F6-47EF-A427-18D141536F62}" presName="Name30" presStyleCnt="0"/>
+      <dgm:spPr/>
+    </dgm:pt>
+    <dgm:pt modelId="{83A30983-798E-4CD9-BF3A-1E1E13FDDD5F}" type="pres">
+      <dgm:prSet presAssocID="{A243FECC-01F6-47EF-A427-18D141536F62}" presName="level2Shape" presStyleLbl="node4" presStyleIdx="5" presStyleCnt="7" custScaleY="135621"/>
+      <dgm:spPr/>
+    </dgm:pt>
+    <dgm:pt modelId="{2BEC1F97-11B2-4468-83F9-B24B178CBE46}" type="pres">
+      <dgm:prSet presAssocID="{A243FECC-01F6-47EF-A427-18D141536F62}" presName="hierChild3" presStyleCnt="0"/>
+      <dgm:spPr/>
+    </dgm:pt>
+    <dgm:pt modelId="{042BDEAE-C1A5-4FF5-83F6-463A7AD9C0C5}" type="pres">
+      <dgm:prSet presAssocID="{9343353A-BBEE-4C98-B9B8-5461F652185E}" presName="Name25" presStyleLbl="parChTrans1D4" presStyleIdx="6" presStyleCnt="7"/>
+      <dgm:spPr/>
+    </dgm:pt>
+    <dgm:pt modelId="{36B7CF47-EB06-4ACC-958F-D907872B005E}" type="pres">
+      <dgm:prSet presAssocID="{9343353A-BBEE-4C98-B9B8-5461F652185E}" presName="connTx" presStyleLbl="parChTrans1D4" presStyleIdx="6" presStyleCnt="7"/>
+      <dgm:spPr/>
+    </dgm:pt>
+    <dgm:pt modelId="{9583BE92-11C9-4EB6-B686-B48C2DFE4B91}" type="pres">
+      <dgm:prSet presAssocID="{0BC1B8F2-4F37-45C9-803C-8D0D7FF5FB7C}" presName="Name30" presStyleCnt="0"/>
+      <dgm:spPr/>
+    </dgm:pt>
+    <dgm:pt modelId="{4E191F73-F7A6-44C1-BFDC-DB0ED889C05C}" type="pres">
+      <dgm:prSet presAssocID="{0BC1B8F2-4F37-45C9-803C-8D0D7FF5FB7C}" presName="level2Shape" presStyleLbl="node4" presStyleIdx="6" presStyleCnt="7" custScaleY="135621"/>
+      <dgm:spPr/>
+    </dgm:pt>
+    <dgm:pt modelId="{8075DCE2-56DD-4ADB-A97B-8D5ADAEFAA7B}" type="pres">
+      <dgm:prSet presAssocID="{0BC1B8F2-4F37-45C9-803C-8D0D7FF5FB7C}" presName="hierChild3" presStyleCnt="0"/>
+      <dgm:spPr/>
+    </dgm:pt>
+    <dgm:pt modelId="{B04B3BF4-1462-4D90-B5B0-7EB670204638}" type="pres">
+      <dgm:prSet presAssocID="{08927EF9-BA2F-4AED-B168-41E724AB3C5B}" presName="Name25" presStyleLbl="parChTrans1D3" presStyleIdx="1" presStyleCnt="3"/>
+      <dgm:spPr/>
+    </dgm:pt>
+    <dgm:pt modelId="{8D205734-98F4-46FF-8452-65F5DE37C1DF}" type="pres">
+      <dgm:prSet presAssocID="{08927EF9-BA2F-4AED-B168-41E724AB3C5B}" presName="connTx" presStyleLbl="parChTrans1D3" presStyleIdx="1" presStyleCnt="3"/>
+      <dgm:spPr/>
+    </dgm:pt>
+    <dgm:pt modelId="{99BD951E-45F7-4838-9CE3-215B494B6534}" type="pres">
+      <dgm:prSet presAssocID="{614616D1-9AB0-4825-B4F0-E3B319A8A19C}" presName="Name30" presStyleCnt="0"/>
+      <dgm:spPr/>
+    </dgm:pt>
+    <dgm:pt modelId="{A17BF3D9-7E80-4901-9CD7-A7891B70E809}" type="pres">
+      <dgm:prSet presAssocID="{614616D1-9AB0-4825-B4F0-E3B319A8A19C}" presName="level2Shape" presStyleLbl="node3" presStyleIdx="1" presStyleCnt="3" custScaleY="162745"/>
+      <dgm:spPr/>
+    </dgm:pt>
+    <dgm:pt modelId="{7C145A6D-80EF-47CF-8F28-AC78E4B7E3D7}" type="pres">
+      <dgm:prSet presAssocID="{614616D1-9AB0-4825-B4F0-E3B319A8A19C}" presName="hierChild3" presStyleCnt="0"/>
+      <dgm:spPr/>
+    </dgm:pt>
+    <dgm:pt modelId="{B859C257-D1E8-4DF1-BB35-C7ED4353EA14}" type="pres">
+      <dgm:prSet presAssocID="{11697691-F860-47DB-9C18-0ED146C2F1DC}" presName="Name25" presStyleLbl="parChTrans1D3" presStyleIdx="2" presStyleCnt="3"/>
+      <dgm:spPr/>
+    </dgm:pt>
+    <dgm:pt modelId="{544578E4-5938-41AC-A2B2-22753019E029}" type="pres">
+      <dgm:prSet presAssocID="{11697691-F860-47DB-9C18-0ED146C2F1DC}" presName="connTx" presStyleLbl="parChTrans1D3" presStyleIdx="2" presStyleCnt="3"/>
+      <dgm:spPr/>
+    </dgm:pt>
+    <dgm:pt modelId="{124AC500-C6AD-4BEB-85B2-5C1DC0FA8CC9}" type="pres">
+      <dgm:prSet presAssocID="{A836B913-61AC-469F-A301-4D9ACEDA89C9}" presName="Name30" presStyleCnt="0"/>
+      <dgm:spPr/>
+    </dgm:pt>
+    <dgm:pt modelId="{95266346-CD9D-44B3-A9EC-09DA9CCE924A}" type="pres">
+      <dgm:prSet presAssocID="{A836B913-61AC-469F-A301-4D9ACEDA89C9}" presName="level2Shape" presStyleLbl="node3" presStyleIdx="2" presStyleCnt="3" custScaleX="101716" custScaleY="162745"/>
+      <dgm:spPr/>
+    </dgm:pt>
+    <dgm:pt modelId="{9DF015E4-B6CA-4DA9-B402-B69E264F1D81}" type="pres">
+      <dgm:prSet presAssocID="{A836B913-61AC-469F-A301-4D9ACEDA89C9}" presName="hierChild3" presStyleCnt="0"/>
+      <dgm:spPr/>
+    </dgm:pt>
+    <dgm:pt modelId="{8C391932-414B-4229-BEAB-58A45EC1EBFD}" type="pres">
+      <dgm:prSet presAssocID="{185DEF35-D85D-43CD-837E-5BF53272E01D}" presName="Name25" presStyleLbl="parChTrans1D2" presStyleIdx="1" presStyleCnt="2"/>
+      <dgm:spPr/>
+    </dgm:pt>
+    <dgm:pt modelId="{333786B6-C95A-4AA3-B55F-07B8E3B97770}" type="pres">
+      <dgm:prSet presAssocID="{185DEF35-D85D-43CD-837E-5BF53272E01D}" presName="connTx" presStyleLbl="parChTrans1D2" presStyleIdx="1" presStyleCnt="2"/>
+      <dgm:spPr/>
+    </dgm:pt>
+    <dgm:pt modelId="{F82CDB9E-4806-490A-ABC0-D21E8DCB56B1}" type="pres">
+      <dgm:prSet presAssocID="{4F908973-2012-4DBF-94AD-2D00FD02D88A}" presName="Name30" presStyleCnt="0"/>
+      <dgm:spPr/>
+    </dgm:pt>
+    <dgm:pt modelId="{5C2481FD-9EFA-44C2-B4CC-3AC75FFBC8BF}" type="pres">
+      <dgm:prSet presAssocID="{4F908973-2012-4DBF-94AD-2D00FD02D88A}" presName="level2Shape" presStyleLbl="node2" presStyleIdx="1" presStyleCnt="2" custScaleY="169526"/>
+      <dgm:spPr/>
+    </dgm:pt>
+    <dgm:pt modelId="{A56E71BF-4A23-4C47-BF42-811E7934776E}" type="pres">
+      <dgm:prSet presAssocID="{4F908973-2012-4DBF-94AD-2D00FD02D88A}" presName="hierChild3" presStyleCnt="0"/>
+      <dgm:spPr/>
+    </dgm:pt>
+    <dgm:pt modelId="{40F39A72-041A-4E02-8573-30DB142D6603}" type="pres">
+      <dgm:prSet presAssocID="{6E459ED9-2F4B-4DCD-81D9-EC7B4C076809}" presName="bgShapesFlow" presStyleCnt="0"/>
+      <dgm:spPr/>
+    </dgm:pt>
+  </dgm:ptLst>
+  <dgm:cxnLst>
+    <dgm:cxn modelId="{A798A706-547B-4A7F-ADEC-DBFB4C9F864F}" type="presOf" srcId="{0BC1B8F2-4F37-45C9-803C-8D0D7FF5FB7C}" destId="{4E191F73-F7A6-44C1-BFDC-DB0ED889C05C}" srcOrd="0" destOrd="0" presId="urn:microsoft.com/office/officeart/2005/8/layout/hierarchy5"/>
+    <dgm:cxn modelId="{A1EE6A0D-5353-47FF-9DD5-F03D19076821}" srcId="{C24DF979-2D66-4345-A50F-2F65E68548CC}" destId="{35828132-24D6-4E8B-8159-362BEEDC9CEB}" srcOrd="0" destOrd="0" parTransId="{7462DDD1-F283-42DB-AB71-270FC8A6AF1F}" sibTransId="{89FCA33B-7242-4EBA-A6D8-8E97DCFF9048}"/>
+    <dgm:cxn modelId="{ED85B10E-DA71-4C38-9361-A3F67A375521}" type="presOf" srcId="{F6FF3177-E858-40BE-B66A-0AF1F75AA728}" destId="{A5BD3CDF-6B93-4A9D-A1F0-B3F8899130CD}" srcOrd="0" destOrd="0" presId="urn:microsoft.com/office/officeart/2005/8/layout/hierarchy5"/>
+    <dgm:cxn modelId="{A2654015-CE11-4B30-95A1-E7F43E980DA9}" type="presOf" srcId="{11697691-F860-47DB-9C18-0ED146C2F1DC}" destId="{544578E4-5938-41AC-A2B2-22753019E029}" srcOrd="1" destOrd="0" presId="urn:microsoft.com/office/officeart/2005/8/layout/hierarchy5"/>
+    <dgm:cxn modelId="{D8A2F117-384C-4165-8268-4A69DB2E9135}" srcId="{3C4A49FF-1CF0-458E-9BB0-7537638F50CB}" destId="{C13768ED-4F37-4E15-8378-5BFEF9486274}" srcOrd="0" destOrd="0" parTransId="{83925042-6A1C-4CB7-992F-2E8D64EEB9B1}" sibTransId="{65FAEE98-8488-47E1-9443-FC4487257AF9}"/>
+    <dgm:cxn modelId="{F2FCFB26-B33C-4D0C-A7AE-781C48A67283}" type="presOf" srcId="{7462DDD1-F283-42DB-AB71-270FC8A6AF1F}" destId="{4C6006D5-A6BB-4507-A440-D649AA21B077}" srcOrd="0" destOrd="0" presId="urn:microsoft.com/office/officeart/2005/8/layout/hierarchy5"/>
+    <dgm:cxn modelId="{10BDD627-BF0F-46D4-A057-0BA0F5F967A4}" type="presOf" srcId="{4F908973-2012-4DBF-94AD-2D00FD02D88A}" destId="{5C2481FD-9EFA-44C2-B4CC-3AC75FFBC8BF}" srcOrd="0" destOrd="0" presId="urn:microsoft.com/office/officeart/2005/8/layout/hierarchy5"/>
+    <dgm:cxn modelId="{1F88F132-FDC8-4FD4-B1AC-544E3716542B}" srcId="{FA4799A0-A1A0-4F59-AD7B-E0EB6B8FFADF}" destId="{607FCB25-8266-4E8C-BB25-F6190E2C5A51}" srcOrd="0" destOrd="0" parTransId="{B36DDFBD-93BC-4CD6-A52A-FC243FDC3227}" sibTransId="{F21C7168-A9F3-46E9-B8D7-54CC1203A00C}"/>
+    <dgm:cxn modelId="{C8F66D3F-6881-4D0B-AC69-185B1B8BB710}" srcId="{C13768ED-4F37-4E15-8378-5BFEF9486274}" destId="{A836B913-61AC-469F-A301-4D9ACEDA89C9}" srcOrd="2" destOrd="0" parTransId="{11697691-F860-47DB-9C18-0ED146C2F1DC}" sibTransId="{3005CDDE-7D83-443E-8486-1A1BBCA63BDE}"/>
+    <dgm:cxn modelId="{0B0B105B-DAB7-4F21-8C7E-F88C7B351B9A}" type="presOf" srcId="{607FCB25-8266-4E8C-BB25-F6190E2C5A51}" destId="{3F98AF04-6300-4E32-B8F1-027A3FD13CF7}" srcOrd="0" destOrd="0" presId="urn:microsoft.com/office/officeart/2005/8/layout/hierarchy5"/>
+    <dgm:cxn modelId="{51A79B44-965B-4827-AF88-2AF3AB65FA12}" type="presOf" srcId="{C13768ED-4F37-4E15-8378-5BFEF9486274}" destId="{543FB67A-CDC3-4134-A456-0573229746F1}" srcOrd="0" destOrd="0" presId="urn:microsoft.com/office/officeart/2005/8/layout/hierarchy5"/>
+    <dgm:cxn modelId="{6E40E067-A656-4B10-B3A3-A80BCE229E85}" type="presOf" srcId="{83925042-6A1C-4CB7-992F-2E8D64EEB9B1}" destId="{042E0AD9-775F-48E7-BCB0-83D88C0BEA7C}" srcOrd="0" destOrd="0" presId="urn:microsoft.com/office/officeart/2005/8/layout/hierarchy5"/>
+    <dgm:cxn modelId="{C328C648-1B87-4BD1-9B2E-820E195168EC}" type="presOf" srcId="{B36DDFBD-93BC-4CD6-A52A-FC243FDC3227}" destId="{0D693022-3269-46C8-9144-16611ECF54BA}" srcOrd="0" destOrd="0" presId="urn:microsoft.com/office/officeart/2005/8/layout/hierarchy5"/>
+    <dgm:cxn modelId="{C3EC884A-A79A-4F33-A107-7CE433939BD6}" type="presOf" srcId="{E7F01257-8479-40BF-8579-A2A2FF300C3A}" destId="{FCB9286B-EEF3-4619-9E03-12974FFD6C78}" srcOrd="0" destOrd="0" presId="urn:microsoft.com/office/officeart/2005/8/layout/hierarchy5"/>
+    <dgm:cxn modelId="{0D05B572-5FD3-4E5A-9E27-1982552CA181}" srcId="{607FCB25-8266-4E8C-BB25-F6190E2C5A51}" destId="{9EBA7DD3-EFD4-4FB0-9D1D-F3CF4D51BB04}" srcOrd="0" destOrd="0" parTransId="{7938C59D-E1DC-4C0F-871A-2C0CDC2677B9}" sibTransId="{8AB2491D-65A1-4C50-8EF2-932E7B012D94}"/>
+    <dgm:cxn modelId="{26EB9554-EFD1-492C-AE38-D158D8BB363F}" srcId="{C24DF979-2D66-4345-A50F-2F65E68548CC}" destId="{A243FECC-01F6-47EF-A427-18D141536F62}" srcOrd="1" destOrd="0" parTransId="{E7F01257-8479-40BF-8579-A2A2FF300C3A}" sibTransId="{FE9DD013-0F42-4831-90D6-3605B26898C2}"/>
+    <dgm:cxn modelId="{0B854377-FBDF-48C9-97E0-65B463A097E7}" type="presOf" srcId="{6E459ED9-2F4B-4DCD-81D9-EC7B4C076809}" destId="{D75061AC-2B0B-48D3-9AE4-ADA1FE44E749}" srcOrd="0" destOrd="0" presId="urn:microsoft.com/office/officeart/2005/8/layout/hierarchy5"/>
+    <dgm:cxn modelId="{1CD3B177-EFAD-4237-8CE6-FB53693D711D}" srcId="{35828132-24D6-4E8B-8159-362BEEDC9CEB}" destId="{FA4799A0-A1A0-4F59-AD7B-E0EB6B8FFADF}" srcOrd="1" destOrd="0" parTransId="{16748D59-4592-47AE-975A-131BE08B71F4}" sibTransId="{2135DDFE-B1F9-4663-BADC-AD7DC105ACCF}"/>
+    <dgm:cxn modelId="{AC387B82-B957-4B4C-AD71-6E3DA8188CE6}" type="presOf" srcId="{B3CB0421-242B-4A01-8C14-F8DCD3C16DD1}" destId="{1DD16CE7-F04B-4C55-8EEC-12FDA9DF4367}" srcOrd="0" destOrd="0" presId="urn:microsoft.com/office/officeart/2005/8/layout/hierarchy5"/>
+    <dgm:cxn modelId="{3C671D83-04D7-4A60-ACCD-7F47BD18E92C}" type="presOf" srcId="{B3CB0421-242B-4A01-8C14-F8DCD3C16DD1}" destId="{542CD0F6-6E6F-4F9A-B0C0-C2A7564A040B}" srcOrd="1" destOrd="0" presId="urn:microsoft.com/office/officeart/2005/8/layout/hierarchy5"/>
+    <dgm:cxn modelId="{4568D68C-37D0-4D16-88C1-64DDE52D7FEE}" type="presOf" srcId="{16748D59-4592-47AE-975A-131BE08B71F4}" destId="{46CD7D17-3B7F-46DC-B2CC-F981BFE57165}" srcOrd="0" destOrd="0" presId="urn:microsoft.com/office/officeart/2005/8/layout/hierarchy5"/>
+    <dgm:cxn modelId="{2FC7EC8C-835C-48D8-B6E4-CED7F6BB9EDE}" type="presOf" srcId="{B36DDFBD-93BC-4CD6-A52A-FC243FDC3227}" destId="{E942EEE7-73E5-40E2-A7B2-07D29A1D8BC8}" srcOrd="1" destOrd="0" presId="urn:microsoft.com/office/officeart/2005/8/layout/hierarchy5"/>
+    <dgm:cxn modelId="{0A24EE94-5348-4BA2-9CD7-B099531DBC83}" srcId="{6E459ED9-2F4B-4DCD-81D9-EC7B4C076809}" destId="{3C4A49FF-1CF0-458E-9BB0-7537638F50CB}" srcOrd="0" destOrd="0" parTransId="{C839F144-8B6F-4111-B5FB-C98504A13890}" sibTransId="{8F802141-233B-461F-BEAD-67E38299A1D3}"/>
+    <dgm:cxn modelId="{089741A2-B650-4150-A08D-D42AB910EFF3}" type="presOf" srcId="{08927EF9-BA2F-4AED-B168-41E724AB3C5B}" destId="{B04B3BF4-1462-4D90-B5B0-7EB670204638}" srcOrd="0" destOrd="0" presId="urn:microsoft.com/office/officeart/2005/8/layout/hierarchy5"/>
+    <dgm:cxn modelId="{3F5C2FA5-DF05-4E21-9DF0-2D712856AAB8}" type="presOf" srcId="{3C4A49FF-1CF0-458E-9BB0-7537638F50CB}" destId="{0C7B49F5-2510-4BD0-9426-CAEBAC8AF66E}" srcOrd="0" destOrd="0" presId="urn:microsoft.com/office/officeart/2005/8/layout/hierarchy5"/>
+    <dgm:cxn modelId="{91A0E7A7-500E-482E-A8BD-1D43FB16E3D3}" type="presOf" srcId="{E7F01257-8479-40BF-8579-A2A2FF300C3A}" destId="{493328B1-4294-4C6C-A8B8-2686D1FCBD37}" srcOrd="1" destOrd="0" presId="urn:microsoft.com/office/officeart/2005/8/layout/hierarchy5"/>
+    <dgm:cxn modelId="{4D383FAC-6987-44B4-8170-CFA2FBFBD3A9}" type="presOf" srcId="{185DEF35-D85D-43CD-837E-5BF53272E01D}" destId="{8C391932-414B-4229-BEAB-58A45EC1EBFD}" srcOrd="0" destOrd="0" presId="urn:microsoft.com/office/officeart/2005/8/layout/hierarchy5"/>
+    <dgm:cxn modelId="{17B6E4B4-02EF-42B7-8377-3D37109270DA}" type="presOf" srcId="{11697691-F860-47DB-9C18-0ED146C2F1DC}" destId="{B859C257-D1E8-4DF1-BB35-C7ED4353EA14}" srcOrd="0" destOrd="0" presId="urn:microsoft.com/office/officeart/2005/8/layout/hierarchy5"/>
+    <dgm:cxn modelId="{1077DDB6-97E8-495C-89ED-03A23FF4085C}" type="presOf" srcId="{614616D1-9AB0-4825-B4F0-E3B319A8A19C}" destId="{A17BF3D9-7E80-4901-9CD7-A7891B70E809}" srcOrd="0" destOrd="0" presId="urn:microsoft.com/office/officeart/2005/8/layout/hierarchy5"/>
+    <dgm:cxn modelId="{CDB636B9-2075-4B9A-B2A1-A2133DBE767B}" srcId="{C13768ED-4F37-4E15-8378-5BFEF9486274}" destId="{614616D1-9AB0-4825-B4F0-E3B319A8A19C}" srcOrd="1" destOrd="0" parTransId="{08927EF9-BA2F-4AED-B168-41E724AB3C5B}" sibTransId="{55B2D39B-D971-47BD-BB1C-6CB90877CFF2}"/>
+    <dgm:cxn modelId="{3F3FB2BF-076B-4DF9-8AE4-50B944BE4113}" srcId="{3C4A49FF-1CF0-458E-9BB0-7537638F50CB}" destId="{4F908973-2012-4DBF-94AD-2D00FD02D88A}" srcOrd="1" destOrd="0" parTransId="{185DEF35-D85D-43CD-837E-5BF53272E01D}" sibTransId="{ED55A296-A6FD-41AA-9E2D-92AE6FCC1C56}"/>
+    <dgm:cxn modelId="{FC5CC2BF-899C-4EC2-BCC3-3FDF1DC02485}" type="presOf" srcId="{08927EF9-BA2F-4AED-B168-41E724AB3C5B}" destId="{8D205734-98F4-46FF-8452-65F5DE37C1DF}" srcOrd="1" destOrd="0" presId="urn:microsoft.com/office/officeart/2005/8/layout/hierarchy5"/>
+    <dgm:cxn modelId="{C72F0FC5-A522-4492-9042-12795766145B}" type="presOf" srcId="{83925042-6A1C-4CB7-992F-2E8D64EEB9B1}" destId="{4E1F7723-1DB4-4FDE-8F77-954D99BE865E}" srcOrd="1" destOrd="0" presId="urn:microsoft.com/office/officeart/2005/8/layout/hierarchy5"/>
+    <dgm:cxn modelId="{94525BC6-86D8-40A0-A86E-53049B43C8E2}" type="presOf" srcId="{FA4799A0-A1A0-4F59-AD7B-E0EB6B8FFADF}" destId="{69A0F1AF-FFBC-4D18-959C-7006CEC0467F}" srcOrd="0" destOrd="0" presId="urn:microsoft.com/office/officeart/2005/8/layout/hierarchy5"/>
+    <dgm:cxn modelId="{FD5DEECD-0A65-4B19-9138-33BCBC70D20D}" type="presOf" srcId="{9343353A-BBEE-4C98-B9B8-5461F652185E}" destId="{042BDEAE-C1A5-4FF5-83F6-463A7AD9C0C5}" srcOrd="0" destOrd="0" presId="urn:microsoft.com/office/officeart/2005/8/layout/hierarchy5"/>
+    <dgm:cxn modelId="{443E69D2-73E4-41D3-B2D0-DD89803A9B84}" type="presOf" srcId="{185DEF35-D85D-43CD-837E-5BF53272E01D}" destId="{333786B6-C95A-4AA3-B55F-07B8E3B97770}" srcOrd="1" destOrd="0" presId="urn:microsoft.com/office/officeart/2005/8/layout/hierarchy5"/>
+    <dgm:cxn modelId="{350195D2-0598-494B-AEA4-3A0ADDA7DD1A}" type="presOf" srcId="{C24DF979-2D66-4345-A50F-2F65E68548CC}" destId="{C0599543-A40B-418B-8FC8-DB05A0F9AFFA}" srcOrd="0" destOrd="0" presId="urn:microsoft.com/office/officeart/2005/8/layout/hierarchy5"/>
+    <dgm:cxn modelId="{DBE5E8D2-C9D2-4D22-9372-1EF9D7B6C645}" type="presOf" srcId="{9EBA7DD3-EFD4-4FB0-9D1D-F3CF4D51BB04}" destId="{DC1C9FBE-3E83-4782-9947-27B08E4F6FEC}" srcOrd="0" destOrd="0" presId="urn:microsoft.com/office/officeart/2005/8/layout/hierarchy5"/>
+    <dgm:cxn modelId="{524A00D4-78DE-47AE-AF0D-F60447447EED}" srcId="{C13768ED-4F37-4E15-8378-5BFEF9486274}" destId="{C24DF979-2D66-4345-A50F-2F65E68548CC}" srcOrd="0" destOrd="0" parTransId="{F6FF3177-E858-40BE-B66A-0AF1F75AA728}" sibTransId="{7913A6E9-A097-41CC-BA61-E27E9B469FAC}"/>
+    <dgm:cxn modelId="{727243D4-B079-419F-A83F-A9994986C37E}" srcId="{A243FECC-01F6-47EF-A427-18D141536F62}" destId="{0BC1B8F2-4F37-45C9-803C-8D0D7FF5FB7C}" srcOrd="0" destOrd="0" parTransId="{9343353A-BBEE-4C98-B9B8-5461F652185E}" sibTransId="{6D63B45A-FC4D-4D97-9646-1CB2E3183885}"/>
+    <dgm:cxn modelId="{882EF9DC-1C82-493D-B88F-A8843A1231C8}" type="presOf" srcId="{7462DDD1-F283-42DB-AB71-270FC8A6AF1F}" destId="{F9517245-0932-49EA-A533-E972ED0A878C}" srcOrd="1" destOrd="0" presId="urn:microsoft.com/office/officeart/2005/8/layout/hierarchy5"/>
+    <dgm:cxn modelId="{776F99EC-9BE0-434F-9915-3438675819FD}" type="presOf" srcId="{7938C59D-E1DC-4C0F-871A-2C0CDC2677B9}" destId="{64A24D01-5CD5-4C8B-8AE0-BB87039DD89B}" srcOrd="1" destOrd="0" presId="urn:microsoft.com/office/officeart/2005/8/layout/hierarchy5"/>
+    <dgm:cxn modelId="{37AF9AF1-1150-4082-9B6B-4142FECBE139}" type="presOf" srcId="{B783E18C-2602-48BA-A831-683DB3893F2F}" destId="{08DFCEC2-C055-41BF-A4DB-1A22F28E75E7}" srcOrd="0" destOrd="0" presId="urn:microsoft.com/office/officeart/2005/8/layout/hierarchy5"/>
+    <dgm:cxn modelId="{2408E8F1-1D19-405E-8A13-1D7B8651DB40}" type="presOf" srcId="{F6FF3177-E858-40BE-B66A-0AF1F75AA728}" destId="{1E146825-967F-47D5-9E66-12A1874DB1CD}" srcOrd="1" destOrd="0" presId="urn:microsoft.com/office/officeart/2005/8/layout/hierarchy5"/>
+    <dgm:cxn modelId="{AC4BFEF2-4AAD-4CEC-B5EE-039D2C36454C}" type="presOf" srcId="{A836B913-61AC-469F-A301-4D9ACEDA89C9}" destId="{95266346-CD9D-44B3-A9EC-09DA9CCE924A}" srcOrd="0" destOrd="0" presId="urn:microsoft.com/office/officeart/2005/8/layout/hierarchy5"/>
+    <dgm:cxn modelId="{C492B6F8-65A7-4DE6-85D9-002EC5E64CD2}" type="presOf" srcId="{A243FECC-01F6-47EF-A427-18D141536F62}" destId="{83A30983-798E-4CD9-BF3A-1E1E13FDDD5F}" srcOrd="0" destOrd="0" presId="urn:microsoft.com/office/officeart/2005/8/layout/hierarchy5"/>
+    <dgm:cxn modelId="{6E4D1FF9-F42D-4990-A2B5-441EFBB311A6}" type="presOf" srcId="{16748D59-4592-47AE-975A-131BE08B71F4}" destId="{BA625EF6-F976-44B4-B6B3-0F0C84ADEF60}" srcOrd="1" destOrd="0" presId="urn:microsoft.com/office/officeart/2005/8/layout/hierarchy5"/>
+    <dgm:cxn modelId="{B2083BFA-C92D-4CA5-B8AE-862ECBFABE35}" type="presOf" srcId="{35828132-24D6-4E8B-8159-362BEEDC9CEB}" destId="{04196F1F-6FD2-4C1F-B708-BD8E9C37567C}" srcOrd="0" destOrd="0" presId="urn:microsoft.com/office/officeart/2005/8/layout/hierarchy5"/>
+    <dgm:cxn modelId="{EB96A0FA-4696-423E-BB5C-07E49BAD161E}" type="presOf" srcId="{9343353A-BBEE-4C98-B9B8-5461F652185E}" destId="{36B7CF47-EB06-4ACC-958F-D907872B005E}" srcOrd="1" destOrd="0" presId="urn:microsoft.com/office/officeart/2005/8/layout/hierarchy5"/>
+    <dgm:cxn modelId="{6DD2C4FA-970B-441C-871D-0D1BEFB57B80}" type="presOf" srcId="{7938C59D-E1DC-4C0F-871A-2C0CDC2677B9}" destId="{FBF72CD8-7F4B-43BC-A2C4-DD9DF7272E18}" srcOrd="0" destOrd="0" presId="urn:microsoft.com/office/officeart/2005/8/layout/hierarchy5"/>
+    <dgm:cxn modelId="{EF38E2FA-A22F-440B-97B9-3196FE5DCA20}" srcId="{35828132-24D6-4E8B-8159-362BEEDC9CEB}" destId="{B783E18C-2602-48BA-A831-683DB3893F2F}" srcOrd="0" destOrd="0" parTransId="{B3CB0421-242B-4A01-8C14-F8DCD3C16DD1}" sibTransId="{47A25A4B-FDCF-424A-B15D-FAB993BFDCF9}"/>
+    <dgm:cxn modelId="{FF841749-12A2-4750-9423-369A7388FFF9}" type="presParOf" srcId="{D75061AC-2B0B-48D3-9AE4-ADA1FE44E749}" destId="{F8401275-5FB0-40D4-B1DA-5C1DED2FF01E}" srcOrd="0" destOrd="0" presId="urn:microsoft.com/office/officeart/2005/8/layout/hierarchy5"/>
+    <dgm:cxn modelId="{F7A24CB5-9376-41E1-949C-6D3C3CC74513}" type="presParOf" srcId="{F8401275-5FB0-40D4-B1DA-5C1DED2FF01E}" destId="{9E013292-EFAA-47DA-87BF-F198705CECEA}" srcOrd="0" destOrd="0" presId="urn:microsoft.com/office/officeart/2005/8/layout/hierarchy5"/>
+    <dgm:cxn modelId="{8B6A236A-7E34-44ED-AB5A-DD906684AAAA}" type="presParOf" srcId="{9E013292-EFAA-47DA-87BF-F198705CECEA}" destId="{E6DC7FFD-B035-4C40-A448-0AE6941B59F6}" srcOrd="0" destOrd="0" presId="urn:microsoft.com/office/officeart/2005/8/layout/hierarchy5"/>
+    <dgm:cxn modelId="{1CA30399-154F-4924-96AD-2490A8999584}" type="presParOf" srcId="{E6DC7FFD-B035-4C40-A448-0AE6941B59F6}" destId="{0C7B49F5-2510-4BD0-9426-CAEBAC8AF66E}" srcOrd="0" destOrd="0" presId="urn:microsoft.com/office/officeart/2005/8/layout/hierarchy5"/>
+    <dgm:cxn modelId="{C327E3A4-1AAD-4C2F-95F1-FA14EB542F30}" type="presParOf" srcId="{E6DC7FFD-B035-4C40-A448-0AE6941B59F6}" destId="{D8C28E1F-E91C-4E47-AB17-FB1531C4089E}" srcOrd="1" destOrd="0" presId="urn:microsoft.com/office/officeart/2005/8/layout/hierarchy5"/>
+    <dgm:cxn modelId="{811D4A42-813C-448A-A6F2-D709374F5FD0}" type="presParOf" srcId="{D8C28E1F-E91C-4E47-AB17-FB1531C4089E}" destId="{042E0AD9-775F-48E7-BCB0-83D88C0BEA7C}" srcOrd="0" destOrd="0" presId="urn:microsoft.com/office/officeart/2005/8/layout/hierarchy5"/>
+    <dgm:cxn modelId="{FA63C2BC-2EB0-4747-8479-A5EF8B4FA655}" type="presParOf" srcId="{042E0AD9-775F-48E7-BCB0-83D88C0BEA7C}" destId="{4E1F7723-1DB4-4FDE-8F77-954D99BE865E}" srcOrd="0" destOrd="0" presId="urn:microsoft.com/office/officeart/2005/8/layout/hierarchy5"/>
+    <dgm:cxn modelId="{5473E253-7705-4960-8994-0618A8707568}" type="presParOf" srcId="{D8C28E1F-E91C-4E47-AB17-FB1531C4089E}" destId="{1E415D4F-0AA5-49AC-8BD7-047A517BEF78}" srcOrd="1" destOrd="0" presId="urn:microsoft.com/office/officeart/2005/8/layout/hierarchy5"/>
+    <dgm:cxn modelId="{2579F65A-8B27-42BB-9154-23743717861C}" type="presParOf" srcId="{1E415D4F-0AA5-49AC-8BD7-047A517BEF78}" destId="{543FB67A-CDC3-4134-A456-0573229746F1}" srcOrd="0" destOrd="0" presId="urn:microsoft.com/office/officeart/2005/8/layout/hierarchy5"/>
+    <dgm:cxn modelId="{22BB4228-ADC3-46F5-B05C-C6EF2A5CB93B}" type="presParOf" srcId="{1E415D4F-0AA5-49AC-8BD7-047A517BEF78}" destId="{EF5554AD-E732-4711-A2DF-EFDB812939D7}" srcOrd="1" destOrd="0" presId="urn:microsoft.com/office/officeart/2005/8/layout/hierarchy5"/>
+    <dgm:cxn modelId="{D661096F-E0F7-4CDD-8630-5A034E2B9069}" type="presParOf" srcId="{EF5554AD-E732-4711-A2DF-EFDB812939D7}" destId="{A5BD3CDF-6B93-4A9D-A1F0-B3F8899130CD}" srcOrd="0" destOrd="0" presId="urn:microsoft.com/office/officeart/2005/8/layout/hierarchy5"/>
+    <dgm:cxn modelId="{A6E2ABA7-A37C-4BF0-842F-65E67F813825}" type="presParOf" srcId="{A5BD3CDF-6B93-4A9D-A1F0-B3F8899130CD}" destId="{1E146825-967F-47D5-9E66-12A1874DB1CD}" srcOrd="0" destOrd="0" presId="urn:microsoft.com/office/officeart/2005/8/layout/hierarchy5"/>
+    <dgm:cxn modelId="{AA944B73-1AF7-4FDC-866D-658ACC52B60B}" type="presParOf" srcId="{EF5554AD-E732-4711-A2DF-EFDB812939D7}" destId="{43AF4C7F-CBD6-4D0C-A3A0-329E61A4A004}" srcOrd="1" destOrd="0" presId="urn:microsoft.com/office/officeart/2005/8/layout/hierarchy5"/>
+    <dgm:cxn modelId="{215B0DA4-3264-44DD-A52D-C2FF48739CDE}" type="presParOf" srcId="{43AF4C7F-CBD6-4D0C-A3A0-329E61A4A004}" destId="{C0599543-A40B-418B-8FC8-DB05A0F9AFFA}" srcOrd="0" destOrd="0" presId="urn:microsoft.com/office/officeart/2005/8/layout/hierarchy5"/>
+    <dgm:cxn modelId="{58DBE66A-ADD7-4908-B21D-5BB341685C4C}" type="presParOf" srcId="{43AF4C7F-CBD6-4D0C-A3A0-329E61A4A004}" destId="{1B3FE1BE-88CE-4A05-BC6A-FA2EAD0FAC36}" srcOrd="1" destOrd="0" presId="urn:microsoft.com/office/officeart/2005/8/layout/hierarchy5"/>
+    <dgm:cxn modelId="{69C7AE85-D6FA-4A1E-A2DD-698FBE9DFB89}" type="presParOf" srcId="{1B3FE1BE-88CE-4A05-BC6A-FA2EAD0FAC36}" destId="{4C6006D5-A6BB-4507-A440-D649AA21B077}" srcOrd="0" destOrd="0" presId="urn:microsoft.com/office/officeart/2005/8/layout/hierarchy5"/>
+    <dgm:cxn modelId="{32193ED5-6A19-4CE8-9CA1-2369FF6C3010}" type="presParOf" srcId="{4C6006D5-A6BB-4507-A440-D649AA21B077}" destId="{F9517245-0932-49EA-A533-E972ED0A878C}" srcOrd="0" destOrd="0" presId="urn:microsoft.com/office/officeart/2005/8/layout/hierarchy5"/>
+    <dgm:cxn modelId="{B5ADB0E5-A80D-4939-B748-3BD3489839C6}" type="presParOf" srcId="{1B3FE1BE-88CE-4A05-BC6A-FA2EAD0FAC36}" destId="{0213B259-3368-4F03-9B77-35F83CC48C18}" srcOrd="1" destOrd="0" presId="urn:microsoft.com/office/officeart/2005/8/layout/hierarchy5"/>
+    <dgm:cxn modelId="{7D7AEE64-8720-4B30-ADC2-283090701CB2}" type="presParOf" srcId="{0213B259-3368-4F03-9B77-35F83CC48C18}" destId="{04196F1F-6FD2-4C1F-B708-BD8E9C37567C}" srcOrd="0" destOrd="0" presId="urn:microsoft.com/office/officeart/2005/8/layout/hierarchy5"/>
+    <dgm:cxn modelId="{EF6C9045-1DD4-411F-AD4C-1F7837D6192A}" type="presParOf" srcId="{0213B259-3368-4F03-9B77-35F83CC48C18}" destId="{FA269E88-9450-419C-9DB6-218B4E30E3D0}" srcOrd="1" destOrd="0" presId="urn:microsoft.com/office/officeart/2005/8/layout/hierarchy5"/>
+    <dgm:cxn modelId="{DF89D791-B115-448C-87C2-AA1D2075C83F}" type="presParOf" srcId="{FA269E88-9450-419C-9DB6-218B4E30E3D0}" destId="{1DD16CE7-F04B-4C55-8EEC-12FDA9DF4367}" srcOrd="0" destOrd="0" presId="urn:microsoft.com/office/officeart/2005/8/layout/hierarchy5"/>
+    <dgm:cxn modelId="{5A62BF24-E35F-4CD1-AB8F-4CA05187E884}" type="presParOf" srcId="{1DD16CE7-F04B-4C55-8EEC-12FDA9DF4367}" destId="{542CD0F6-6E6F-4F9A-B0C0-C2A7564A040B}" srcOrd="0" destOrd="0" presId="urn:microsoft.com/office/officeart/2005/8/layout/hierarchy5"/>
+    <dgm:cxn modelId="{C7AE108C-36B8-4DE3-A8C8-A7AA4FCD21B6}" type="presParOf" srcId="{FA269E88-9450-419C-9DB6-218B4E30E3D0}" destId="{AC5D3DF8-80CF-4CE2-864D-333E6C4F822F}" srcOrd="1" destOrd="0" presId="urn:microsoft.com/office/officeart/2005/8/layout/hierarchy5"/>
+    <dgm:cxn modelId="{2D2C0AF0-ABCF-4A67-976D-D41275B902A7}" type="presParOf" srcId="{AC5D3DF8-80CF-4CE2-864D-333E6C4F822F}" destId="{08DFCEC2-C055-41BF-A4DB-1A22F28E75E7}" srcOrd="0" destOrd="0" presId="urn:microsoft.com/office/officeart/2005/8/layout/hierarchy5"/>
+    <dgm:cxn modelId="{2268B4BE-FEA2-40CC-844E-2574CFBFEF8A}" type="presParOf" srcId="{AC5D3DF8-80CF-4CE2-864D-333E6C4F822F}" destId="{A3B0384A-B785-414C-976C-801066BEBDED}" srcOrd="1" destOrd="0" presId="urn:microsoft.com/office/officeart/2005/8/layout/hierarchy5"/>
+    <dgm:cxn modelId="{A7434805-7C97-489C-8907-3DA0354CEEE6}" type="presParOf" srcId="{FA269E88-9450-419C-9DB6-218B4E30E3D0}" destId="{46CD7D17-3B7F-46DC-B2CC-F981BFE57165}" srcOrd="2" destOrd="0" presId="urn:microsoft.com/office/officeart/2005/8/layout/hierarchy5"/>
+    <dgm:cxn modelId="{5B335560-5A2F-49C0-89C6-ECDC7EFE2882}" type="presParOf" srcId="{46CD7D17-3B7F-46DC-B2CC-F981BFE57165}" destId="{BA625EF6-F976-44B4-B6B3-0F0C84ADEF60}" srcOrd="0" destOrd="0" presId="urn:microsoft.com/office/officeart/2005/8/layout/hierarchy5"/>
+    <dgm:cxn modelId="{BA66018E-A4B6-4C78-8490-8FEBD8FCF97E}" type="presParOf" srcId="{FA269E88-9450-419C-9DB6-218B4E30E3D0}" destId="{FC31ACA2-7616-40FE-8C1F-A19C6851AD02}" srcOrd="3" destOrd="0" presId="urn:microsoft.com/office/officeart/2005/8/layout/hierarchy5"/>
+    <dgm:cxn modelId="{F55B905A-DE99-4088-971D-7430E2546762}" type="presParOf" srcId="{FC31ACA2-7616-40FE-8C1F-A19C6851AD02}" destId="{69A0F1AF-FFBC-4D18-959C-7006CEC0467F}" srcOrd="0" destOrd="0" presId="urn:microsoft.com/office/officeart/2005/8/layout/hierarchy5"/>
+    <dgm:cxn modelId="{21EABEB8-6D26-478D-A986-F44C19649AD2}" type="presParOf" srcId="{FC31ACA2-7616-40FE-8C1F-A19C6851AD02}" destId="{E6C869F4-0969-4FF0-BD90-94FCAC4DA778}" srcOrd="1" destOrd="0" presId="urn:microsoft.com/office/officeart/2005/8/layout/hierarchy5"/>
+    <dgm:cxn modelId="{B1B3C330-EF90-4D2C-AB08-7E2C6EEA8D02}" type="presParOf" srcId="{E6C869F4-0969-4FF0-BD90-94FCAC4DA778}" destId="{0D693022-3269-46C8-9144-16611ECF54BA}" srcOrd="0" destOrd="0" presId="urn:microsoft.com/office/officeart/2005/8/layout/hierarchy5"/>
+    <dgm:cxn modelId="{B8861A68-1B1D-4D09-AFB6-9E4ADBC57FFA}" type="presParOf" srcId="{0D693022-3269-46C8-9144-16611ECF54BA}" destId="{E942EEE7-73E5-40E2-A7B2-07D29A1D8BC8}" srcOrd="0" destOrd="0" presId="urn:microsoft.com/office/officeart/2005/8/layout/hierarchy5"/>
+    <dgm:cxn modelId="{BFDA2458-1E4D-4C21-80FE-AB747A8DAE3D}" type="presParOf" srcId="{E6C869F4-0969-4FF0-BD90-94FCAC4DA778}" destId="{CB185087-C24A-4458-B597-471088EEB1D1}" srcOrd="1" destOrd="0" presId="urn:microsoft.com/office/officeart/2005/8/layout/hierarchy5"/>
+    <dgm:cxn modelId="{4E20F5B2-79A1-41FF-A79E-9DBABE2B2FC8}" type="presParOf" srcId="{CB185087-C24A-4458-B597-471088EEB1D1}" destId="{3F98AF04-6300-4E32-B8F1-027A3FD13CF7}" srcOrd="0" destOrd="0" presId="urn:microsoft.com/office/officeart/2005/8/layout/hierarchy5"/>
+    <dgm:cxn modelId="{3D1264A1-65C1-4DB0-BB1E-92D266F397A3}" type="presParOf" srcId="{CB185087-C24A-4458-B597-471088EEB1D1}" destId="{4BD3C3DE-9F17-4E1E-B116-D9F3EA56B205}" srcOrd="1" destOrd="0" presId="urn:microsoft.com/office/officeart/2005/8/layout/hierarchy5"/>
+    <dgm:cxn modelId="{A4B9C186-DF56-4693-BE41-5CEBA55BC3E3}" type="presParOf" srcId="{4BD3C3DE-9F17-4E1E-B116-D9F3EA56B205}" destId="{FBF72CD8-7F4B-43BC-A2C4-DD9DF7272E18}" srcOrd="0" destOrd="0" presId="urn:microsoft.com/office/officeart/2005/8/layout/hierarchy5"/>
+    <dgm:cxn modelId="{AA79203C-4134-4ED9-A252-BC7F49882C91}" type="presParOf" srcId="{FBF72CD8-7F4B-43BC-A2C4-DD9DF7272E18}" destId="{64A24D01-5CD5-4C8B-8AE0-BB87039DD89B}" srcOrd="0" destOrd="0" presId="urn:microsoft.com/office/officeart/2005/8/layout/hierarchy5"/>
+    <dgm:cxn modelId="{5419BDAD-5580-4CA6-A89F-8ACEBCF93F53}" type="presParOf" srcId="{4BD3C3DE-9F17-4E1E-B116-D9F3EA56B205}" destId="{7484A9DA-CD25-4359-A316-691A849CA2B7}" srcOrd="1" destOrd="0" presId="urn:microsoft.com/office/officeart/2005/8/layout/hierarchy5"/>
+    <dgm:cxn modelId="{F8361CFC-2464-4A1F-A2D3-937C52D54026}" type="presParOf" srcId="{7484A9DA-CD25-4359-A316-691A849CA2B7}" destId="{DC1C9FBE-3E83-4782-9947-27B08E4F6FEC}" srcOrd="0" destOrd="0" presId="urn:microsoft.com/office/officeart/2005/8/layout/hierarchy5"/>
+    <dgm:cxn modelId="{ED5C5E2D-7A1A-4D38-B890-A84F481367FB}" type="presParOf" srcId="{7484A9DA-CD25-4359-A316-691A849CA2B7}" destId="{4DB832AC-3EA5-42BF-8AE1-47996F525C3A}" srcOrd="1" destOrd="0" presId="urn:microsoft.com/office/officeart/2005/8/layout/hierarchy5"/>
+    <dgm:cxn modelId="{62D962A0-D172-4B7C-9BF4-D378966E9F6F}" type="presParOf" srcId="{1B3FE1BE-88CE-4A05-BC6A-FA2EAD0FAC36}" destId="{FCB9286B-EEF3-4619-9E03-12974FFD6C78}" srcOrd="2" destOrd="0" presId="urn:microsoft.com/office/officeart/2005/8/layout/hierarchy5"/>
+    <dgm:cxn modelId="{87C51484-CCA2-4650-ADCC-3A5819BA63EC}" type="presParOf" srcId="{FCB9286B-EEF3-4619-9E03-12974FFD6C78}" destId="{493328B1-4294-4C6C-A8B8-2686D1FCBD37}" srcOrd="0" destOrd="0" presId="urn:microsoft.com/office/officeart/2005/8/layout/hierarchy5"/>
+    <dgm:cxn modelId="{C852C1D3-7192-4055-8D42-7CA0C4C36D04}" type="presParOf" srcId="{1B3FE1BE-88CE-4A05-BC6A-FA2EAD0FAC36}" destId="{5FE3E323-D3D1-4805-85C3-3211E7F943C9}" srcOrd="3" destOrd="0" presId="urn:microsoft.com/office/officeart/2005/8/layout/hierarchy5"/>
+    <dgm:cxn modelId="{C972BABA-5A77-492B-9276-46EF1168A000}" type="presParOf" srcId="{5FE3E323-D3D1-4805-85C3-3211E7F943C9}" destId="{83A30983-798E-4CD9-BF3A-1E1E13FDDD5F}" srcOrd="0" destOrd="0" presId="urn:microsoft.com/office/officeart/2005/8/layout/hierarchy5"/>
+    <dgm:cxn modelId="{87754C59-FE83-42CE-ACC0-9BBB59FB62A7}" type="presParOf" srcId="{5FE3E323-D3D1-4805-85C3-3211E7F943C9}" destId="{2BEC1F97-11B2-4468-83F9-B24B178CBE46}" srcOrd="1" destOrd="0" presId="urn:microsoft.com/office/officeart/2005/8/layout/hierarchy5"/>
+    <dgm:cxn modelId="{D3DD2452-0724-4AED-B39B-781BF6196DE1}" type="presParOf" srcId="{2BEC1F97-11B2-4468-83F9-B24B178CBE46}" destId="{042BDEAE-C1A5-4FF5-83F6-463A7AD9C0C5}" srcOrd="0" destOrd="0" presId="urn:microsoft.com/office/officeart/2005/8/layout/hierarchy5"/>
+    <dgm:cxn modelId="{6063BCF1-E3E7-4F2C-A377-06CFE6B3ACE9}" type="presParOf" srcId="{042BDEAE-C1A5-4FF5-83F6-463A7AD9C0C5}" destId="{36B7CF47-EB06-4ACC-958F-D907872B005E}" srcOrd="0" destOrd="0" presId="urn:microsoft.com/office/officeart/2005/8/layout/hierarchy5"/>
+    <dgm:cxn modelId="{698DC94E-762A-4409-8601-BB9D1666DAB8}" type="presParOf" srcId="{2BEC1F97-11B2-4468-83F9-B24B178CBE46}" destId="{9583BE92-11C9-4EB6-B686-B48C2DFE4B91}" srcOrd="1" destOrd="0" presId="urn:microsoft.com/office/officeart/2005/8/layout/hierarchy5"/>
+    <dgm:cxn modelId="{ADEAAF8B-242F-41E6-A586-1D4EF00312FA}" type="presParOf" srcId="{9583BE92-11C9-4EB6-B686-B48C2DFE4B91}" destId="{4E191F73-F7A6-44C1-BFDC-DB0ED889C05C}" srcOrd="0" destOrd="0" presId="urn:microsoft.com/office/officeart/2005/8/layout/hierarchy5"/>
+    <dgm:cxn modelId="{D73C812A-EA4A-422E-9C0F-E079930F5A96}" type="presParOf" srcId="{9583BE92-11C9-4EB6-B686-B48C2DFE4B91}" destId="{8075DCE2-56DD-4ADB-A97B-8D5ADAEFAA7B}" srcOrd="1" destOrd="0" presId="urn:microsoft.com/office/officeart/2005/8/layout/hierarchy5"/>
+    <dgm:cxn modelId="{C70DC738-AB2F-47D5-8059-E2CB8B5BEF67}" type="presParOf" srcId="{EF5554AD-E732-4711-A2DF-EFDB812939D7}" destId="{B04B3BF4-1462-4D90-B5B0-7EB670204638}" srcOrd="2" destOrd="0" presId="urn:microsoft.com/office/officeart/2005/8/layout/hierarchy5"/>
+    <dgm:cxn modelId="{354E09D9-608B-4401-824E-00A558839327}" type="presParOf" srcId="{B04B3BF4-1462-4D90-B5B0-7EB670204638}" destId="{8D205734-98F4-46FF-8452-65F5DE37C1DF}" srcOrd="0" destOrd="0" presId="urn:microsoft.com/office/officeart/2005/8/layout/hierarchy5"/>
+    <dgm:cxn modelId="{3E2E72F6-1E2D-4C47-A4C9-6F1EC5D3C52B}" type="presParOf" srcId="{EF5554AD-E732-4711-A2DF-EFDB812939D7}" destId="{99BD951E-45F7-4838-9CE3-215B494B6534}" srcOrd="3" destOrd="0" presId="urn:microsoft.com/office/officeart/2005/8/layout/hierarchy5"/>
+    <dgm:cxn modelId="{ADF69C71-7540-4469-BF43-864A78BC625D}" type="presParOf" srcId="{99BD951E-45F7-4838-9CE3-215B494B6534}" destId="{A17BF3D9-7E80-4901-9CD7-A7891B70E809}" srcOrd="0" destOrd="0" presId="urn:microsoft.com/office/officeart/2005/8/layout/hierarchy5"/>
+    <dgm:cxn modelId="{F92DF3F5-E4C2-4F1C-9E31-CEC0F67FBBF4}" type="presParOf" srcId="{99BD951E-45F7-4838-9CE3-215B494B6534}" destId="{7C145A6D-80EF-47CF-8F28-AC78E4B7E3D7}" srcOrd="1" destOrd="0" presId="urn:microsoft.com/office/officeart/2005/8/layout/hierarchy5"/>
+    <dgm:cxn modelId="{BAE748AF-7E20-4EA2-B57A-2300CED7A129}" type="presParOf" srcId="{EF5554AD-E732-4711-A2DF-EFDB812939D7}" destId="{B859C257-D1E8-4DF1-BB35-C7ED4353EA14}" srcOrd="4" destOrd="0" presId="urn:microsoft.com/office/officeart/2005/8/layout/hierarchy5"/>
+    <dgm:cxn modelId="{A35DE3A0-2669-4AAC-8019-1AD1D968CAA1}" type="presParOf" srcId="{B859C257-D1E8-4DF1-BB35-C7ED4353EA14}" destId="{544578E4-5938-41AC-A2B2-22753019E029}" srcOrd="0" destOrd="0" presId="urn:microsoft.com/office/officeart/2005/8/layout/hierarchy5"/>
+    <dgm:cxn modelId="{F26856D4-C848-41E4-AA40-0501294C3DB6}" type="presParOf" srcId="{EF5554AD-E732-4711-A2DF-EFDB812939D7}" destId="{124AC500-C6AD-4BEB-85B2-5C1DC0FA8CC9}" srcOrd="5" destOrd="0" presId="urn:microsoft.com/office/officeart/2005/8/layout/hierarchy5"/>
+    <dgm:cxn modelId="{13205DB6-8F56-4056-AF56-F03E83A66E8B}" type="presParOf" srcId="{124AC500-C6AD-4BEB-85B2-5C1DC0FA8CC9}" destId="{95266346-CD9D-44B3-A9EC-09DA9CCE924A}" srcOrd="0" destOrd="0" presId="urn:microsoft.com/office/officeart/2005/8/layout/hierarchy5"/>
+    <dgm:cxn modelId="{B72F5452-2E77-48EF-BE11-FE8BAA9659EB}" type="presParOf" srcId="{124AC500-C6AD-4BEB-85B2-5C1DC0FA8CC9}" destId="{9DF015E4-B6CA-4DA9-B402-B69E264F1D81}" srcOrd="1" destOrd="0" presId="urn:microsoft.com/office/officeart/2005/8/layout/hierarchy5"/>
+    <dgm:cxn modelId="{BDDA0ADC-D71C-4AA3-85FF-C9F0E8D3BDB9}" type="presParOf" srcId="{D8C28E1F-E91C-4E47-AB17-FB1531C4089E}" destId="{8C391932-414B-4229-BEAB-58A45EC1EBFD}" srcOrd="2" destOrd="0" presId="urn:microsoft.com/office/officeart/2005/8/layout/hierarchy5"/>
+    <dgm:cxn modelId="{1B924EE7-413C-4EC4-9047-95A0762F5011}" type="presParOf" srcId="{8C391932-414B-4229-BEAB-58A45EC1EBFD}" destId="{333786B6-C95A-4AA3-B55F-07B8E3B97770}" srcOrd="0" destOrd="0" presId="urn:microsoft.com/office/officeart/2005/8/layout/hierarchy5"/>
+    <dgm:cxn modelId="{5BBF2D2A-078D-49DC-8A10-698AC251A7ED}" type="presParOf" srcId="{D8C28E1F-E91C-4E47-AB17-FB1531C4089E}" destId="{F82CDB9E-4806-490A-ABC0-D21E8DCB56B1}" srcOrd="3" destOrd="0" presId="urn:microsoft.com/office/officeart/2005/8/layout/hierarchy5"/>
+    <dgm:cxn modelId="{98A7C4D0-7442-4276-B22D-DC2CA17B8D82}" type="presParOf" srcId="{F82CDB9E-4806-490A-ABC0-D21E8DCB56B1}" destId="{5C2481FD-9EFA-44C2-B4CC-3AC75FFBC8BF}" srcOrd="0" destOrd="0" presId="urn:microsoft.com/office/officeart/2005/8/layout/hierarchy5"/>
+    <dgm:cxn modelId="{715F9B0B-14D2-4CBC-8F09-CFDB80063F0F}" type="presParOf" srcId="{F82CDB9E-4806-490A-ABC0-D21E8DCB56B1}" destId="{A56E71BF-4A23-4C47-BF42-811E7934776E}" srcOrd="1" destOrd="0" presId="urn:microsoft.com/office/officeart/2005/8/layout/hierarchy5"/>
+    <dgm:cxn modelId="{8FA72055-6A19-4757-B076-37220DDC5CBF}" type="presParOf" srcId="{D75061AC-2B0B-48D3-9AE4-ADA1FE44E749}" destId="{40F39A72-041A-4E02-8573-30DB142D6603}" srcOrd="1" destOrd="0" presId="urn:microsoft.com/office/officeart/2005/8/layout/hierarchy5"/>
+  </dgm:cxnLst>
+  <dgm:bg/>
+  <dgm:whole/>
+  <dgm:extLst>
+    <a:ext uri="http://schemas.microsoft.com/office/drawing/2008/diagram">
+      <dsp:dataModelExt xmlns:dsp="http://schemas.microsoft.com/office/drawing/2008/diagram" relId="rId6" minVer="http://schemas.openxmlformats.org/drawingml/2006/diagram"/>
+    </a:ext>
+  </dgm:extLst>
+</dgm:dataModel>
+</file>
+
 <file path=ppt/diagrams/drawing1.xml><?xml version="1.0" encoding="utf-8"?>
 <dsp:drawing xmlns:dgm="http://schemas.openxmlformats.org/drawingml/2006/diagram" xmlns:dsp="http://schemas.microsoft.com/office/drawing/2008/diagram" xmlns:a="http://schemas.openxmlformats.org/drawingml/2006/main">
   <dsp:spTree>
@@ -4453,6 +6472,2318 @@
       <dsp:txXfrm>
         <a:off x="1618315" y="4264000"/>
         <a:ext cx="1285335" cy="993375"/>
+      </dsp:txXfrm>
+    </dsp:sp>
+  </dsp:spTree>
+</dsp:drawing>
+</file>
+
+<file path=ppt/diagrams/drawing2.xml><?xml version="1.0" encoding="utf-8"?>
+<dsp:drawing xmlns:dgm="http://schemas.openxmlformats.org/drawingml/2006/diagram" xmlns:dsp="http://schemas.microsoft.com/office/drawing/2008/diagram" xmlns:a="http://schemas.openxmlformats.org/drawingml/2006/main">
+  <dsp:spTree>
+    <dsp:nvGrpSpPr>
+      <dsp:cNvPr id="0" name=""/>
+      <dsp:cNvGrpSpPr/>
+    </dsp:nvGrpSpPr>
+    <dsp:grpSpPr/>
+    <dsp:sp modelId="{0C7B49F5-2510-4BD0-9426-CAEBAC8AF66E}">
+      <dsp:nvSpPr>
+        <dsp:cNvPr id="0" name=""/>
+        <dsp:cNvSpPr/>
+      </dsp:nvSpPr>
+      <dsp:spPr>
+        <a:xfrm>
+          <a:off x="22" y="3733477"/>
+          <a:ext cx="1348462" cy="1177348"/>
+        </a:xfrm>
+        <a:prstGeom prst="roundRect">
+          <a:avLst>
+            <a:gd name="adj" fmla="val 10000"/>
+          </a:avLst>
+        </a:prstGeom>
+        <a:solidFill>
+          <a:schemeClr val="lt1">
+            <a:hueOff val="0"/>
+            <a:satOff val="0"/>
+            <a:lumOff val="0"/>
+            <a:alphaOff val="0"/>
+          </a:schemeClr>
+        </a:solidFill>
+        <a:ln w="28575" cap="flat" cmpd="sng" algn="ctr">
+          <a:solidFill>
+            <a:scrgbClr r="0" g="0" b="0"/>
+          </a:solidFill>
+          <a:prstDash val="solid"/>
+          <a:miter lim="800000"/>
+        </a:ln>
+        <a:effectLst/>
+      </dsp:spPr>
+      <dsp:style>
+        <a:lnRef idx="3">
+          <a:scrgbClr r="0" g="0" b="0"/>
+        </a:lnRef>
+        <a:fillRef idx="1">
+          <a:scrgbClr r="0" g="0" b="0"/>
+        </a:fillRef>
+        <a:effectRef idx="1">
+          <a:scrgbClr r="0" g="0" b="0"/>
+        </a:effectRef>
+        <a:fontRef idx="minor">
+          <a:schemeClr val="lt1"/>
+        </a:fontRef>
+      </dsp:style>
+      <dsp:txBody>
+        <a:bodyPr spcFirstLastPara="0" vert="horz" wrap="square" lIns="11430" tIns="11430" rIns="11430" bIns="11430" numCol="1" spcCol="1270" anchor="ctr" anchorCtr="0">
+          <a:noAutofit/>
+        </a:bodyPr>
+        <a:lstStyle/>
+        <a:p>
+          <a:pPr marL="0" lvl="0" indent="0" algn="ctr" defTabSz="800100">
+            <a:lnSpc>
+              <a:spcPct val="90000"/>
+            </a:lnSpc>
+            <a:spcBef>
+              <a:spcPct val="0"/>
+            </a:spcBef>
+            <a:spcAft>
+              <a:spcPct val="35000"/>
+            </a:spcAft>
+            <a:buNone/>
+          </a:pPr>
+          <a:r>
+            <a:rPr lang="en-US" sz="1800" kern="1200" dirty="0">
+              <a:solidFill>
+                <a:schemeClr val="tx1"/>
+              </a:solidFill>
+            </a:rPr>
+            <a:t>Sampling Frame</a:t>
+          </a:r>
+        </a:p>
+        <a:p>
+          <a:pPr marL="0" lvl="0" indent="0" algn="ctr" defTabSz="800100">
+            <a:lnSpc>
+              <a:spcPct val="90000"/>
+            </a:lnSpc>
+            <a:spcBef>
+              <a:spcPct val="0"/>
+            </a:spcBef>
+            <a:spcAft>
+              <a:spcPct val="35000"/>
+            </a:spcAft>
+            <a:buNone/>
+          </a:pPr>
+          <a:r>
+            <a:rPr lang="en-US" sz="1800" kern="1200" dirty="0">
+              <a:solidFill>
+                <a:schemeClr val="tx1"/>
+              </a:solidFill>
+            </a:rPr>
+            <a:t>N = 118</a:t>
+          </a:r>
+          <a:endParaRPr lang="nl-NL" sz="1800" kern="1200" dirty="0">
+            <a:solidFill>
+              <a:schemeClr val="tx1"/>
+            </a:solidFill>
+          </a:endParaRPr>
+        </a:p>
+      </dsp:txBody>
+      <dsp:txXfrm>
+        <a:off x="34505" y="3767960"/>
+        <a:ext cx="1279496" cy="1108382"/>
+      </dsp:txXfrm>
+    </dsp:sp>
+    <dsp:sp modelId="{042E0AD9-775F-48E7-BCB0-83D88C0BEA7C}">
+      <dsp:nvSpPr>
+        <dsp:cNvPr id="0" name=""/>
+        <dsp:cNvSpPr/>
+      </dsp:nvSpPr>
+      <dsp:spPr>
+        <a:xfrm rot="18655687">
+          <a:off x="1206503" y="4001473"/>
+          <a:ext cx="823347" cy="19291"/>
+        </a:xfrm>
+        <a:custGeom>
+          <a:avLst/>
+          <a:gdLst/>
+          <a:ahLst/>
+          <a:cxnLst/>
+          <a:rect l="0" t="0" r="0" b="0"/>
+          <a:pathLst>
+            <a:path>
+              <a:moveTo>
+                <a:pt x="0" y="9645"/>
+              </a:moveTo>
+              <a:lnTo>
+                <a:pt x="823347" y="9645"/>
+              </a:lnTo>
+            </a:path>
+          </a:pathLst>
+        </a:custGeom>
+        <a:noFill/>
+        <a:ln w="28575" cap="flat" cmpd="sng" algn="ctr">
+          <a:solidFill>
+            <a:scrgbClr r="0" g="0" b="0"/>
+          </a:solidFill>
+          <a:prstDash val="solid"/>
+          <a:miter lim="800000"/>
+        </a:ln>
+        <a:effectLst/>
+      </dsp:spPr>
+      <dsp:style>
+        <a:lnRef idx="2">
+          <a:scrgbClr r="0" g="0" b="0"/>
+        </a:lnRef>
+        <a:fillRef idx="0">
+          <a:scrgbClr r="0" g="0" b="0"/>
+        </a:fillRef>
+        <a:effectRef idx="0">
+          <a:scrgbClr r="0" g="0" b="0"/>
+        </a:effectRef>
+        <a:fontRef idx="minor"/>
+      </dsp:style>
+      <dsp:txBody>
+        <a:bodyPr spcFirstLastPara="0" vert="horz" wrap="square" lIns="12700" tIns="0" rIns="12700" bIns="0" numCol="1" spcCol="1270" anchor="ctr" anchorCtr="0">
+          <a:noAutofit/>
+        </a:bodyPr>
+        <a:lstStyle/>
+        <a:p>
+          <a:pPr marL="0" lvl="0" indent="0" algn="ctr" defTabSz="222250">
+            <a:lnSpc>
+              <a:spcPct val="90000"/>
+            </a:lnSpc>
+            <a:spcBef>
+              <a:spcPct val="0"/>
+            </a:spcBef>
+            <a:spcAft>
+              <a:spcPct val="35000"/>
+            </a:spcAft>
+            <a:buNone/>
+          </a:pPr>
+          <a:endParaRPr lang="nl-NL" sz="500" kern="1200"/>
+        </a:p>
+      </dsp:txBody>
+      <dsp:txXfrm>
+        <a:off x="1597593" y="3990535"/>
+        <a:ext cx="41167" cy="41167"/>
+      </dsp:txXfrm>
+    </dsp:sp>
+    <dsp:sp modelId="{543FB67A-CDC3-4134-A456-0573229746F1}">
+      <dsp:nvSpPr>
+        <dsp:cNvPr id="0" name=""/>
+        <dsp:cNvSpPr/>
+      </dsp:nvSpPr>
+      <dsp:spPr>
+        <a:xfrm>
+          <a:off x="1887869" y="3128588"/>
+          <a:ext cx="1348462" cy="1142996"/>
+        </a:xfrm>
+        <a:prstGeom prst="roundRect">
+          <a:avLst>
+            <a:gd name="adj" fmla="val 10000"/>
+          </a:avLst>
+        </a:prstGeom>
+        <a:solidFill>
+          <a:schemeClr val="lt1">
+            <a:hueOff val="0"/>
+            <a:satOff val="0"/>
+            <a:lumOff val="0"/>
+            <a:alphaOff val="0"/>
+          </a:schemeClr>
+        </a:solidFill>
+        <a:ln w="28575" cap="flat" cmpd="sng" algn="ctr">
+          <a:solidFill>
+            <a:scrgbClr r="0" g="0" b="0"/>
+          </a:solidFill>
+          <a:prstDash val="solid"/>
+          <a:miter lim="800000"/>
+        </a:ln>
+        <a:effectLst/>
+      </dsp:spPr>
+      <dsp:style>
+        <a:lnRef idx="3">
+          <a:scrgbClr r="0" g="0" b="0"/>
+        </a:lnRef>
+        <a:fillRef idx="1">
+          <a:scrgbClr r="0" g="0" b="0"/>
+        </a:fillRef>
+        <a:effectRef idx="1">
+          <a:scrgbClr r="0" g="0" b="0"/>
+        </a:effectRef>
+        <a:fontRef idx="minor">
+          <a:schemeClr val="lt1"/>
+        </a:fontRef>
+      </dsp:style>
+      <dsp:txBody>
+        <a:bodyPr spcFirstLastPara="0" vert="horz" wrap="square" lIns="11430" tIns="11430" rIns="11430" bIns="11430" numCol="1" spcCol="1270" anchor="ctr" anchorCtr="0">
+          <a:noAutofit/>
+        </a:bodyPr>
+        <a:lstStyle/>
+        <a:p>
+          <a:pPr marL="0" lvl="0" indent="0" algn="ctr" defTabSz="800100">
+            <a:lnSpc>
+              <a:spcPct val="90000"/>
+            </a:lnSpc>
+            <a:spcBef>
+              <a:spcPct val="0"/>
+            </a:spcBef>
+            <a:spcAft>
+              <a:spcPct val="35000"/>
+            </a:spcAft>
+            <a:buNone/>
+          </a:pPr>
+          <a:r>
+            <a:rPr lang="en-US" sz="1800" kern="1200" dirty="0">
+              <a:solidFill>
+                <a:schemeClr val="tx1"/>
+              </a:solidFill>
+            </a:rPr>
+            <a:t>Psychology Domain</a:t>
+          </a:r>
+        </a:p>
+        <a:p>
+          <a:pPr marL="0" lvl="0" indent="0" algn="ctr" defTabSz="800100">
+            <a:lnSpc>
+              <a:spcPct val="90000"/>
+            </a:lnSpc>
+            <a:spcBef>
+              <a:spcPct val="0"/>
+            </a:spcBef>
+            <a:spcAft>
+              <a:spcPct val="35000"/>
+            </a:spcAft>
+            <a:buNone/>
+          </a:pPr>
+          <a:r>
+            <a:rPr lang="en-US" sz="1800" kern="1200" dirty="0">
+              <a:solidFill>
+                <a:schemeClr val="tx1"/>
+              </a:solidFill>
+            </a:rPr>
+            <a:t>N = 79</a:t>
+          </a:r>
+          <a:endParaRPr lang="nl-NL" sz="1800" kern="1200" dirty="0">
+            <a:solidFill>
+              <a:schemeClr val="tx1"/>
+            </a:solidFill>
+          </a:endParaRPr>
+        </a:p>
+      </dsp:txBody>
+      <dsp:txXfrm>
+        <a:off x="1921346" y="3162065"/>
+        <a:ext cx="1281508" cy="1076042"/>
+      </dsp:txXfrm>
+    </dsp:sp>
+    <dsp:sp modelId="{A5BD3CDF-6B93-4A9D-A1F0-B3F8899130CD}">
+      <dsp:nvSpPr>
+        <dsp:cNvPr id="0" name=""/>
+        <dsp:cNvSpPr/>
+      </dsp:nvSpPr>
+      <dsp:spPr>
+        <a:xfrm rot="17653902">
+          <a:off x="2848923" y="3091234"/>
+          <a:ext cx="1314202" cy="19291"/>
+        </a:xfrm>
+        <a:custGeom>
+          <a:avLst/>
+          <a:gdLst/>
+          <a:ahLst/>
+          <a:cxnLst/>
+          <a:rect l="0" t="0" r="0" b="0"/>
+          <a:pathLst>
+            <a:path>
+              <a:moveTo>
+                <a:pt x="0" y="9645"/>
+              </a:moveTo>
+              <a:lnTo>
+                <a:pt x="1314202" y="9645"/>
+              </a:lnTo>
+            </a:path>
+          </a:pathLst>
+        </a:custGeom>
+        <a:noFill/>
+        <a:ln w="28575" cap="flat" cmpd="sng" algn="ctr">
+          <a:solidFill>
+            <a:scrgbClr r="0" g="0" b="0"/>
+          </a:solidFill>
+          <a:prstDash val="solid"/>
+          <a:miter lim="800000"/>
+        </a:ln>
+        <a:effectLst/>
+      </dsp:spPr>
+      <dsp:style>
+        <a:lnRef idx="2">
+          <a:scrgbClr r="0" g="0" b="0"/>
+        </a:lnRef>
+        <a:fillRef idx="0">
+          <a:scrgbClr r="0" g="0" b="0"/>
+        </a:fillRef>
+        <a:effectRef idx="0">
+          <a:scrgbClr r="0" g="0" b="0"/>
+        </a:effectRef>
+        <a:fontRef idx="minor"/>
+      </dsp:style>
+      <dsp:txBody>
+        <a:bodyPr spcFirstLastPara="0" vert="horz" wrap="square" lIns="12700" tIns="0" rIns="12700" bIns="0" numCol="1" spcCol="1270" anchor="ctr" anchorCtr="0">
+          <a:noAutofit/>
+        </a:bodyPr>
+        <a:lstStyle/>
+        <a:p>
+          <a:pPr marL="0" lvl="0" indent="0" algn="ctr" defTabSz="222250">
+            <a:lnSpc>
+              <a:spcPct val="90000"/>
+            </a:lnSpc>
+            <a:spcBef>
+              <a:spcPct val="0"/>
+            </a:spcBef>
+            <a:spcAft>
+              <a:spcPct val="35000"/>
+            </a:spcAft>
+            <a:buNone/>
+          </a:pPr>
+          <a:endParaRPr lang="nl-NL" sz="500" kern="1200"/>
+        </a:p>
+      </dsp:txBody>
+      <dsp:txXfrm>
+        <a:off x="3473169" y="3068025"/>
+        <a:ext cx="65710" cy="65710"/>
+      </dsp:txXfrm>
+    </dsp:sp>
+    <dsp:sp modelId="{C0599543-A40B-418B-8FC8-DB05A0F9AFFA}">
+      <dsp:nvSpPr>
+        <dsp:cNvPr id="0" name=""/>
+        <dsp:cNvSpPr/>
+      </dsp:nvSpPr>
+      <dsp:spPr>
+        <a:xfrm>
+          <a:off x="3775716" y="1953036"/>
+          <a:ext cx="1348462" cy="1097277"/>
+        </a:xfrm>
+        <a:prstGeom prst="roundRect">
+          <a:avLst>
+            <a:gd name="adj" fmla="val 10000"/>
+          </a:avLst>
+        </a:prstGeom>
+        <a:solidFill>
+          <a:schemeClr val="lt1">
+            <a:hueOff val="0"/>
+            <a:satOff val="0"/>
+            <a:lumOff val="0"/>
+            <a:alphaOff val="0"/>
+          </a:schemeClr>
+        </a:solidFill>
+        <a:ln w="28575" cap="flat" cmpd="sng" algn="ctr">
+          <a:solidFill>
+            <a:scrgbClr r="0" g="0" b="0"/>
+          </a:solidFill>
+          <a:prstDash val="solid"/>
+          <a:miter lim="800000"/>
+        </a:ln>
+        <a:effectLst/>
+      </dsp:spPr>
+      <dsp:style>
+        <a:lnRef idx="3">
+          <a:scrgbClr r="0" g="0" b="0"/>
+        </a:lnRef>
+        <a:fillRef idx="1">
+          <a:scrgbClr r="0" g="0" b="0"/>
+        </a:fillRef>
+        <a:effectRef idx="1">
+          <a:scrgbClr r="0" g="0" b="0"/>
+        </a:effectRef>
+        <a:fontRef idx="minor">
+          <a:schemeClr val="lt1"/>
+        </a:fontRef>
+      </dsp:style>
+      <dsp:txBody>
+        <a:bodyPr spcFirstLastPara="0" vert="horz" wrap="square" lIns="11430" tIns="11430" rIns="11430" bIns="11430" numCol="1" spcCol="1270" anchor="ctr" anchorCtr="0">
+          <a:noAutofit/>
+        </a:bodyPr>
+        <a:lstStyle/>
+        <a:p>
+          <a:pPr marL="0" lvl="0" indent="0" algn="ctr" defTabSz="800100">
+            <a:lnSpc>
+              <a:spcPct val="90000"/>
+            </a:lnSpc>
+            <a:spcBef>
+              <a:spcPct val="0"/>
+            </a:spcBef>
+            <a:spcAft>
+              <a:spcPct val="35000"/>
+            </a:spcAft>
+            <a:buNone/>
+          </a:pPr>
+          <a:r>
+            <a:rPr lang="en-US" sz="1800" kern="1200" dirty="0">
+              <a:solidFill>
+                <a:schemeClr val="tx1"/>
+              </a:solidFill>
+            </a:rPr>
+            <a:t>Final Dataset</a:t>
+          </a:r>
+        </a:p>
+        <a:p>
+          <a:pPr marL="0" lvl="0" indent="0" algn="ctr" defTabSz="800100">
+            <a:lnSpc>
+              <a:spcPct val="90000"/>
+            </a:lnSpc>
+            <a:spcBef>
+              <a:spcPct val="0"/>
+            </a:spcBef>
+            <a:spcAft>
+              <a:spcPct val="35000"/>
+            </a:spcAft>
+            <a:buNone/>
+          </a:pPr>
+          <a:r>
+            <a:rPr lang="en-US" sz="1800" kern="1200" dirty="0">
+              <a:solidFill>
+                <a:schemeClr val="tx1"/>
+              </a:solidFill>
+            </a:rPr>
+            <a:t>N = 62</a:t>
+          </a:r>
+          <a:endParaRPr lang="nl-NL" sz="1800" kern="1200" dirty="0">
+            <a:solidFill>
+              <a:schemeClr val="tx1"/>
+            </a:solidFill>
+          </a:endParaRPr>
+        </a:p>
+      </dsp:txBody>
+      <dsp:txXfrm>
+        <a:off x="3807854" y="1985174"/>
+        <a:ext cx="1284186" cy="1033001"/>
+      </dsp:txXfrm>
+    </dsp:sp>
+    <dsp:sp modelId="{4C6006D5-A6BB-4507-A440-D649AA21B077}">
+      <dsp:nvSpPr>
+        <dsp:cNvPr id="0" name=""/>
+        <dsp:cNvSpPr/>
+      </dsp:nvSpPr>
+      <dsp:spPr>
+        <a:xfrm rot="18318320">
+          <a:off x="4927221" y="2111203"/>
+          <a:ext cx="933298" cy="19291"/>
+        </a:xfrm>
+        <a:custGeom>
+          <a:avLst/>
+          <a:gdLst/>
+          <a:ahLst/>
+          <a:cxnLst/>
+          <a:rect l="0" t="0" r="0" b="0"/>
+          <a:pathLst>
+            <a:path>
+              <a:moveTo>
+                <a:pt x="0" y="9645"/>
+              </a:moveTo>
+              <a:lnTo>
+                <a:pt x="933298" y="9645"/>
+              </a:lnTo>
+            </a:path>
+          </a:pathLst>
+        </a:custGeom>
+        <a:noFill/>
+        <a:ln w="28575" cap="flat" cmpd="sng" algn="ctr">
+          <a:solidFill>
+            <a:scrgbClr r="0" g="0" b="0"/>
+          </a:solidFill>
+          <a:prstDash val="solid"/>
+          <a:miter lim="800000"/>
+        </a:ln>
+        <a:effectLst/>
+      </dsp:spPr>
+      <dsp:style>
+        <a:lnRef idx="2">
+          <a:scrgbClr r="0" g="0" b="0"/>
+        </a:lnRef>
+        <a:fillRef idx="0">
+          <a:scrgbClr r="0" g="0" b="0"/>
+        </a:fillRef>
+        <a:effectRef idx="0">
+          <a:scrgbClr r="0" g="0" b="0"/>
+        </a:effectRef>
+        <a:fontRef idx="minor"/>
+      </dsp:style>
+      <dsp:txBody>
+        <a:bodyPr spcFirstLastPara="0" vert="horz" wrap="square" lIns="12700" tIns="0" rIns="12700" bIns="0" numCol="1" spcCol="1270" anchor="ctr" anchorCtr="0">
+          <a:noAutofit/>
+        </a:bodyPr>
+        <a:lstStyle/>
+        <a:p>
+          <a:pPr marL="0" lvl="0" indent="0" algn="ctr" defTabSz="222250">
+            <a:lnSpc>
+              <a:spcPct val="90000"/>
+            </a:lnSpc>
+            <a:spcBef>
+              <a:spcPct val="0"/>
+            </a:spcBef>
+            <a:spcAft>
+              <a:spcPct val="35000"/>
+            </a:spcAft>
+            <a:buNone/>
+          </a:pPr>
+          <a:endParaRPr lang="nl-NL" sz="500" kern="1200"/>
+        </a:p>
+      </dsp:txBody>
+      <dsp:txXfrm>
+        <a:off x="5370538" y="2097517"/>
+        <a:ext cx="46664" cy="46664"/>
+      </dsp:txXfrm>
+    </dsp:sp>
+    <dsp:sp modelId="{04196F1F-6FD2-4C1F-B708-BD8E9C37567C}">
+      <dsp:nvSpPr>
+        <dsp:cNvPr id="0" name=""/>
+        <dsp:cNvSpPr/>
+      </dsp:nvSpPr>
+      <dsp:spPr>
+        <a:xfrm>
+          <a:off x="5663563" y="1282825"/>
+          <a:ext cx="1348462" cy="914398"/>
+        </a:xfrm>
+        <a:prstGeom prst="roundRect">
+          <a:avLst>
+            <a:gd name="adj" fmla="val 10000"/>
+          </a:avLst>
+        </a:prstGeom>
+        <a:solidFill>
+          <a:schemeClr val="lt1">
+            <a:hueOff val="0"/>
+            <a:satOff val="0"/>
+            <a:lumOff val="0"/>
+            <a:alphaOff val="0"/>
+          </a:schemeClr>
+        </a:solidFill>
+        <a:ln w="28575" cap="flat" cmpd="sng" algn="ctr">
+          <a:solidFill>
+            <a:scrgbClr r="0" g="0" b="0"/>
+          </a:solidFill>
+          <a:prstDash val="solid"/>
+          <a:miter lim="800000"/>
+        </a:ln>
+        <a:effectLst/>
+      </dsp:spPr>
+      <dsp:style>
+        <a:lnRef idx="3">
+          <a:scrgbClr r="0" g="0" b="0"/>
+        </a:lnRef>
+        <a:fillRef idx="1">
+          <a:scrgbClr r="0" g="0" b="0"/>
+        </a:fillRef>
+        <a:effectRef idx="1">
+          <a:scrgbClr r="0" g="0" b="0"/>
+        </a:effectRef>
+        <a:fontRef idx="minor">
+          <a:schemeClr val="lt1"/>
+        </a:fontRef>
+      </dsp:style>
+      <dsp:txBody>
+        <a:bodyPr spcFirstLastPara="0" vert="horz" wrap="square" lIns="11430" tIns="11430" rIns="11430" bIns="11430" numCol="1" spcCol="1270" anchor="ctr" anchorCtr="0">
+          <a:noAutofit/>
+        </a:bodyPr>
+        <a:lstStyle/>
+        <a:p>
+          <a:pPr marL="0" lvl="0" indent="0" algn="ctr" defTabSz="800100">
+            <a:lnSpc>
+              <a:spcPct val="90000"/>
+            </a:lnSpc>
+            <a:spcBef>
+              <a:spcPct val="0"/>
+            </a:spcBef>
+            <a:spcAft>
+              <a:spcPct val="35000"/>
+            </a:spcAft>
+            <a:buNone/>
+          </a:pPr>
+          <a:r>
+            <a:rPr lang="en-US" sz="1800" kern="1200" dirty="0">
+              <a:solidFill>
+                <a:schemeClr val="tx1"/>
+              </a:solidFill>
+            </a:rPr>
+            <a:t>Scripts Available</a:t>
+          </a:r>
+        </a:p>
+        <a:p>
+          <a:pPr marL="0" lvl="0" indent="0" algn="ctr" defTabSz="800100">
+            <a:lnSpc>
+              <a:spcPct val="90000"/>
+            </a:lnSpc>
+            <a:spcBef>
+              <a:spcPct val="0"/>
+            </a:spcBef>
+            <a:spcAft>
+              <a:spcPct val="35000"/>
+            </a:spcAft>
+            <a:buNone/>
+          </a:pPr>
+          <a:r>
+            <a:rPr lang="en-US" sz="1800" kern="1200" dirty="0">
+              <a:solidFill>
+                <a:schemeClr val="tx1"/>
+              </a:solidFill>
+            </a:rPr>
+            <a:t>N = 40</a:t>
+          </a:r>
+          <a:endParaRPr lang="nl-NL" sz="1800" kern="1200" dirty="0">
+            <a:solidFill>
+              <a:schemeClr val="tx1"/>
+            </a:solidFill>
+          </a:endParaRPr>
+        </a:p>
+      </dsp:txBody>
+      <dsp:txXfrm>
+        <a:off x="5690345" y="1309607"/>
+        <a:ext cx="1294898" cy="860834"/>
+      </dsp:txXfrm>
+    </dsp:sp>
+    <dsp:sp modelId="{1DD16CE7-F04B-4C55-8EEC-12FDA9DF4367}">
+      <dsp:nvSpPr>
+        <dsp:cNvPr id="0" name=""/>
+        <dsp:cNvSpPr/>
+      </dsp:nvSpPr>
+      <dsp:spPr>
+        <a:xfrm rot="19003769">
+          <a:off x="6911325" y="1476495"/>
+          <a:ext cx="740785" cy="19291"/>
+        </a:xfrm>
+        <a:custGeom>
+          <a:avLst/>
+          <a:gdLst/>
+          <a:ahLst/>
+          <a:cxnLst/>
+          <a:rect l="0" t="0" r="0" b="0"/>
+          <a:pathLst>
+            <a:path>
+              <a:moveTo>
+                <a:pt x="0" y="9645"/>
+              </a:moveTo>
+              <a:lnTo>
+                <a:pt x="740785" y="9645"/>
+              </a:lnTo>
+            </a:path>
+          </a:pathLst>
+        </a:custGeom>
+        <a:noFill/>
+        <a:ln w="28575" cap="flat" cmpd="sng" algn="ctr">
+          <a:solidFill>
+            <a:scrgbClr r="0" g="0" b="0"/>
+          </a:solidFill>
+          <a:prstDash val="solid"/>
+          <a:miter lim="800000"/>
+        </a:ln>
+        <a:effectLst/>
+      </dsp:spPr>
+      <dsp:style>
+        <a:lnRef idx="2">
+          <a:scrgbClr r="0" g="0" b="0"/>
+        </a:lnRef>
+        <a:fillRef idx="0">
+          <a:scrgbClr r="0" g="0" b="0"/>
+        </a:fillRef>
+        <a:effectRef idx="0">
+          <a:scrgbClr r="0" g="0" b="0"/>
+        </a:effectRef>
+        <a:fontRef idx="minor"/>
+      </dsp:style>
+      <dsp:txBody>
+        <a:bodyPr spcFirstLastPara="0" vert="horz" wrap="square" lIns="12700" tIns="0" rIns="12700" bIns="0" numCol="1" spcCol="1270" anchor="ctr" anchorCtr="0">
+          <a:noAutofit/>
+        </a:bodyPr>
+        <a:lstStyle/>
+        <a:p>
+          <a:pPr marL="0" lvl="0" indent="0" algn="ctr" defTabSz="222250">
+            <a:lnSpc>
+              <a:spcPct val="90000"/>
+            </a:lnSpc>
+            <a:spcBef>
+              <a:spcPct val="0"/>
+            </a:spcBef>
+            <a:spcAft>
+              <a:spcPct val="35000"/>
+            </a:spcAft>
+            <a:buNone/>
+          </a:pPr>
+          <a:endParaRPr lang="nl-NL" sz="500" kern="1200"/>
+        </a:p>
+      </dsp:txBody>
+      <dsp:txXfrm>
+        <a:off x="7263198" y="1467621"/>
+        <a:ext cx="37039" cy="37039"/>
+      </dsp:txXfrm>
+    </dsp:sp>
+    <dsp:sp modelId="{08DFCEC2-C055-41BF-A4DB-1A22F28E75E7}">
+      <dsp:nvSpPr>
+        <dsp:cNvPr id="0" name=""/>
+        <dsp:cNvSpPr/>
+      </dsp:nvSpPr>
+      <dsp:spPr>
+        <a:xfrm>
+          <a:off x="7551410" y="775058"/>
+          <a:ext cx="1348462" cy="914398"/>
+        </a:xfrm>
+        <a:prstGeom prst="roundRect">
+          <a:avLst>
+            <a:gd name="adj" fmla="val 10000"/>
+          </a:avLst>
+        </a:prstGeom>
+        <a:solidFill>
+          <a:schemeClr val="lt1">
+            <a:hueOff val="0"/>
+            <a:satOff val="0"/>
+            <a:lumOff val="0"/>
+            <a:alphaOff val="0"/>
+          </a:schemeClr>
+        </a:solidFill>
+        <a:ln w="28575" cap="flat" cmpd="sng" algn="ctr">
+          <a:solidFill>
+            <a:scrgbClr r="0" g="0" b="0"/>
+          </a:solidFill>
+          <a:prstDash val="solid"/>
+          <a:miter lim="800000"/>
+        </a:ln>
+        <a:effectLst/>
+      </dsp:spPr>
+      <dsp:style>
+        <a:lnRef idx="3">
+          <a:scrgbClr r="0" g="0" b="0"/>
+        </a:lnRef>
+        <a:fillRef idx="1">
+          <a:scrgbClr r="0" g="0" b="0"/>
+        </a:fillRef>
+        <a:effectRef idx="1">
+          <a:scrgbClr r="0" g="0" b="0"/>
+        </a:effectRef>
+        <a:fontRef idx="minor">
+          <a:schemeClr val="lt1"/>
+        </a:fontRef>
+      </dsp:style>
+      <dsp:txBody>
+        <a:bodyPr spcFirstLastPara="0" vert="horz" wrap="square" lIns="11430" tIns="11430" rIns="11430" bIns="11430" numCol="1" spcCol="1270" anchor="ctr" anchorCtr="0">
+          <a:noAutofit/>
+        </a:bodyPr>
+        <a:lstStyle/>
+        <a:p>
+          <a:pPr marL="0" lvl="0" indent="0" algn="ctr" defTabSz="800100">
+            <a:lnSpc>
+              <a:spcPct val="90000"/>
+            </a:lnSpc>
+            <a:spcBef>
+              <a:spcPct val="0"/>
+            </a:spcBef>
+            <a:spcAft>
+              <a:spcPct val="35000"/>
+            </a:spcAft>
+            <a:buNone/>
+          </a:pPr>
+          <a:r>
+            <a:rPr lang="en-US" sz="1800" kern="1200" dirty="0">
+              <a:solidFill>
+                <a:schemeClr val="tx1"/>
+              </a:solidFill>
+            </a:rPr>
+            <a:t>Other Languages</a:t>
+          </a:r>
+        </a:p>
+        <a:p>
+          <a:pPr marL="0" lvl="0" indent="0" algn="ctr" defTabSz="800100">
+            <a:lnSpc>
+              <a:spcPct val="90000"/>
+            </a:lnSpc>
+            <a:spcBef>
+              <a:spcPct val="0"/>
+            </a:spcBef>
+            <a:spcAft>
+              <a:spcPct val="35000"/>
+            </a:spcAft>
+            <a:buNone/>
+          </a:pPr>
+          <a:r>
+            <a:rPr lang="en-US" sz="1800" kern="1200" dirty="0">
+              <a:solidFill>
+                <a:schemeClr val="tx1"/>
+              </a:solidFill>
+            </a:rPr>
+            <a:t>N = 5</a:t>
+          </a:r>
+          <a:endParaRPr lang="nl-NL" sz="1800" kern="1200" dirty="0">
+            <a:solidFill>
+              <a:schemeClr val="tx1"/>
+            </a:solidFill>
+          </a:endParaRPr>
+        </a:p>
+      </dsp:txBody>
+      <dsp:txXfrm>
+        <a:off x="7578192" y="801840"/>
+        <a:ext cx="1294898" cy="860834"/>
+      </dsp:txXfrm>
+    </dsp:sp>
+    <dsp:sp modelId="{46CD7D17-3B7F-46DC-B2CC-F981BFE57165}">
+      <dsp:nvSpPr>
+        <dsp:cNvPr id="0" name=""/>
+        <dsp:cNvSpPr/>
+      </dsp:nvSpPr>
+      <dsp:spPr>
+        <a:xfrm rot="2596231">
+          <a:off x="6911325" y="1984261"/>
+          <a:ext cx="740785" cy="19291"/>
+        </a:xfrm>
+        <a:custGeom>
+          <a:avLst/>
+          <a:gdLst/>
+          <a:ahLst/>
+          <a:cxnLst/>
+          <a:rect l="0" t="0" r="0" b="0"/>
+          <a:pathLst>
+            <a:path>
+              <a:moveTo>
+                <a:pt x="0" y="9645"/>
+              </a:moveTo>
+              <a:lnTo>
+                <a:pt x="740785" y="9645"/>
+              </a:lnTo>
+            </a:path>
+          </a:pathLst>
+        </a:custGeom>
+        <a:noFill/>
+        <a:ln w="28575" cap="flat" cmpd="sng" algn="ctr">
+          <a:solidFill>
+            <a:scrgbClr r="0" g="0" b="0"/>
+          </a:solidFill>
+          <a:prstDash val="solid"/>
+          <a:miter lim="800000"/>
+        </a:ln>
+        <a:effectLst/>
+      </dsp:spPr>
+      <dsp:style>
+        <a:lnRef idx="2">
+          <a:scrgbClr r="0" g="0" b="0"/>
+        </a:lnRef>
+        <a:fillRef idx="0">
+          <a:scrgbClr r="0" g="0" b="0"/>
+        </a:fillRef>
+        <a:effectRef idx="0">
+          <a:scrgbClr r="0" g="0" b="0"/>
+        </a:effectRef>
+        <a:fontRef idx="minor"/>
+      </dsp:style>
+      <dsp:txBody>
+        <a:bodyPr spcFirstLastPara="0" vert="horz" wrap="square" lIns="12700" tIns="0" rIns="12700" bIns="0" numCol="1" spcCol="1270" anchor="ctr" anchorCtr="0">
+          <a:noAutofit/>
+        </a:bodyPr>
+        <a:lstStyle/>
+        <a:p>
+          <a:pPr marL="0" lvl="0" indent="0" algn="ctr" defTabSz="222250">
+            <a:lnSpc>
+              <a:spcPct val="90000"/>
+            </a:lnSpc>
+            <a:spcBef>
+              <a:spcPct val="0"/>
+            </a:spcBef>
+            <a:spcAft>
+              <a:spcPct val="35000"/>
+            </a:spcAft>
+            <a:buNone/>
+          </a:pPr>
+          <a:endParaRPr lang="nl-NL" sz="500" kern="1200"/>
+        </a:p>
+      </dsp:txBody>
+      <dsp:txXfrm>
+        <a:off x="7263198" y="1975388"/>
+        <a:ext cx="37039" cy="37039"/>
+      </dsp:txXfrm>
+    </dsp:sp>
+    <dsp:sp modelId="{69A0F1AF-FFBC-4D18-959C-7006CEC0467F}">
+      <dsp:nvSpPr>
+        <dsp:cNvPr id="0" name=""/>
+        <dsp:cNvSpPr/>
+      </dsp:nvSpPr>
+      <dsp:spPr>
+        <a:xfrm>
+          <a:off x="7551410" y="1790591"/>
+          <a:ext cx="1348462" cy="914398"/>
+        </a:xfrm>
+        <a:prstGeom prst="roundRect">
+          <a:avLst>
+            <a:gd name="adj" fmla="val 10000"/>
+          </a:avLst>
+        </a:prstGeom>
+        <a:solidFill>
+          <a:schemeClr val="lt1">
+            <a:hueOff val="0"/>
+            <a:satOff val="0"/>
+            <a:lumOff val="0"/>
+            <a:alphaOff val="0"/>
+          </a:schemeClr>
+        </a:solidFill>
+        <a:ln w="28575" cap="flat" cmpd="sng" algn="ctr">
+          <a:solidFill>
+            <a:scrgbClr r="0" g="0" b="0"/>
+          </a:solidFill>
+          <a:prstDash val="solid"/>
+          <a:miter lim="800000"/>
+        </a:ln>
+        <a:effectLst/>
+      </dsp:spPr>
+      <dsp:style>
+        <a:lnRef idx="3">
+          <a:scrgbClr r="0" g="0" b="0"/>
+        </a:lnRef>
+        <a:fillRef idx="1">
+          <a:scrgbClr r="0" g="0" b="0"/>
+        </a:fillRef>
+        <a:effectRef idx="1">
+          <a:scrgbClr r="0" g="0" b="0"/>
+        </a:effectRef>
+        <a:fontRef idx="minor">
+          <a:schemeClr val="lt1"/>
+        </a:fontRef>
+      </dsp:style>
+      <dsp:txBody>
+        <a:bodyPr spcFirstLastPara="0" vert="horz" wrap="square" lIns="11430" tIns="11430" rIns="11430" bIns="11430" numCol="1" spcCol="1270" anchor="ctr" anchorCtr="0">
+          <a:noAutofit/>
+        </a:bodyPr>
+        <a:lstStyle/>
+        <a:p>
+          <a:pPr marL="0" lvl="0" indent="0" algn="ctr" defTabSz="800100">
+            <a:lnSpc>
+              <a:spcPct val="90000"/>
+            </a:lnSpc>
+            <a:spcBef>
+              <a:spcPct val="0"/>
+            </a:spcBef>
+            <a:spcAft>
+              <a:spcPct val="35000"/>
+            </a:spcAft>
+            <a:buNone/>
+          </a:pPr>
+          <a:r>
+            <a:rPr lang="en-US" sz="1800" kern="1200" dirty="0">
+              <a:solidFill>
+                <a:schemeClr val="tx1"/>
+              </a:solidFill>
+            </a:rPr>
+            <a:t>R, SPSS, or JASP</a:t>
+          </a:r>
+        </a:p>
+        <a:p>
+          <a:pPr marL="0" lvl="0" indent="0" algn="ctr" defTabSz="800100">
+            <a:lnSpc>
+              <a:spcPct val="90000"/>
+            </a:lnSpc>
+            <a:spcBef>
+              <a:spcPct val="0"/>
+            </a:spcBef>
+            <a:spcAft>
+              <a:spcPct val="35000"/>
+            </a:spcAft>
+            <a:buNone/>
+          </a:pPr>
+          <a:r>
+            <a:rPr lang="en-US" sz="1800" kern="1200" dirty="0">
+              <a:solidFill>
+                <a:schemeClr val="tx1"/>
+              </a:solidFill>
+            </a:rPr>
+            <a:t>N = 35</a:t>
+          </a:r>
+          <a:endParaRPr lang="nl-NL" sz="1800" kern="1200" dirty="0">
+            <a:solidFill>
+              <a:schemeClr val="tx1"/>
+            </a:solidFill>
+          </a:endParaRPr>
+        </a:p>
+      </dsp:txBody>
+      <dsp:txXfrm>
+        <a:off x="7578192" y="1817373"/>
+        <a:ext cx="1294898" cy="860834"/>
+      </dsp:txXfrm>
+    </dsp:sp>
+    <dsp:sp modelId="{0D693022-3269-46C8-9144-16611ECF54BA}">
+      <dsp:nvSpPr>
+        <dsp:cNvPr id="0" name=""/>
+        <dsp:cNvSpPr/>
+      </dsp:nvSpPr>
+      <dsp:spPr>
+        <a:xfrm>
+          <a:off x="8899872" y="2238145"/>
+          <a:ext cx="539384" cy="19291"/>
+        </a:xfrm>
+        <a:custGeom>
+          <a:avLst/>
+          <a:gdLst/>
+          <a:ahLst/>
+          <a:cxnLst/>
+          <a:rect l="0" t="0" r="0" b="0"/>
+          <a:pathLst>
+            <a:path>
+              <a:moveTo>
+                <a:pt x="0" y="9645"/>
+              </a:moveTo>
+              <a:lnTo>
+                <a:pt x="539384" y="9645"/>
+              </a:lnTo>
+            </a:path>
+          </a:pathLst>
+        </a:custGeom>
+        <a:noFill/>
+        <a:ln w="28575" cap="flat" cmpd="sng" algn="ctr">
+          <a:solidFill>
+            <a:scrgbClr r="0" g="0" b="0"/>
+          </a:solidFill>
+          <a:prstDash val="solid"/>
+          <a:miter lim="800000"/>
+        </a:ln>
+        <a:effectLst/>
+      </dsp:spPr>
+      <dsp:style>
+        <a:lnRef idx="2">
+          <a:scrgbClr r="0" g="0" b="0"/>
+        </a:lnRef>
+        <a:fillRef idx="0">
+          <a:scrgbClr r="0" g="0" b="0"/>
+        </a:fillRef>
+        <a:effectRef idx="0">
+          <a:scrgbClr r="0" g="0" b="0"/>
+        </a:effectRef>
+        <a:fontRef idx="minor"/>
+      </dsp:style>
+      <dsp:txBody>
+        <a:bodyPr spcFirstLastPara="0" vert="horz" wrap="square" lIns="12700" tIns="0" rIns="12700" bIns="0" numCol="1" spcCol="1270" anchor="ctr" anchorCtr="0">
+          <a:noAutofit/>
+        </a:bodyPr>
+        <a:lstStyle/>
+        <a:p>
+          <a:pPr marL="0" lvl="0" indent="0" algn="ctr" defTabSz="222250">
+            <a:lnSpc>
+              <a:spcPct val="90000"/>
+            </a:lnSpc>
+            <a:spcBef>
+              <a:spcPct val="0"/>
+            </a:spcBef>
+            <a:spcAft>
+              <a:spcPct val="35000"/>
+            </a:spcAft>
+            <a:buNone/>
+          </a:pPr>
+          <a:endParaRPr lang="nl-NL" sz="500" kern="1200"/>
+        </a:p>
+      </dsp:txBody>
+      <dsp:txXfrm>
+        <a:off x="9156080" y="2234306"/>
+        <a:ext cx="26969" cy="26969"/>
+      </dsp:txXfrm>
+    </dsp:sp>
+    <dsp:sp modelId="{3F98AF04-6300-4E32-B8F1-027A3FD13CF7}">
+      <dsp:nvSpPr>
+        <dsp:cNvPr id="0" name=""/>
+        <dsp:cNvSpPr/>
+      </dsp:nvSpPr>
+      <dsp:spPr>
+        <a:xfrm>
+          <a:off x="9439257" y="1910675"/>
+          <a:ext cx="1348462" cy="674231"/>
+        </a:xfrm>
+        <a:prstGeom prst="roundRect">
+          <a:avLst>
+            <a:gd name="adj" fmla="val 10000"/>
+          </a:avLst>
+        </a:prstGeom>
+        <a:solidFill>
+          <a:schemeClr val="lt1">
+            <a:hueOff val="0"/>
+            <a:satOff val="0"/>
+            <a:lumOff val="0"/>
+            <a:alphaOff val="0"/>
+          </a:schemeClr>
+        </a:solidFill>
+        <a:ln w="28575" cap="flat" cmpd="sng" algn="ctr">
+          <a:solidFill>
+            <a:scrgbClr r="0" g="0" b="0"/>
+          </a:solidFill>
+          <a:prstDash val="solid"/>
+          <a:miter lim="800000"/>
+        </a:ln>
+        <a:effectLst/>
+      </dsp:spPr>
+      <dsp:style>
+        <a:lnRef idx="3">
+          <a:scrgbClr r="0" g="0" b="0"/>
+        </a:lnRef>
+        <a:fillRef idx="1">
+          <a:scrgbClr r="0" g="0" b="0"/>
+        </a:fillRef>
+        <a:effectRef idx="1">
+          <a:scrgbClr r="0" g="0" b="0"/>
+        </a:effectRef>
+        <a:fontRef idx="minor">
+          <a:schemeClr val="lt1"/>
+        </a:fontRef>
+      </dsp:style>
+      <dsp:txBody>
+        <a:bodyPr spcFirstLastPara="0" vert="horz" wrap="square" lIns="11430" tIns="11430" rIns="11430" bIns="11430" numCol="1" spcCol="1270" anchor="ctr" anchorCtr="0">
+          <a:noAutofit/>
+        </a:bodyPr>
+        <a:lstStyle/>
+        <a:p>
+          <a:pPr marL="0" lvl="0" indent="0" algn="ctr" defTabSz="800100">
+            <a:lnSpc>
+              <a:spcPct val="90000"/>
+            </a:lnSpc>
+            <a:spcBef>
+              <a:spcPct val="0"/>
+            </a:spcBef>
+            <a:spcAft>
+              <a:spcPct val="35000"/>
+            </a:spcAft>
+            <a:buNone/>
+          </a:pPr>
+          <a:r>
+            <a:rPr lang="en-US" sz="1800" kern="1200" dirty="0">
+              <a:solidFill>
+                <a:schemeClr val="tx1"/>
+              </a:solidFill>
+            </a:rPr>
+            <a:t>Run Scripts</a:t>
+          </a:r>
+        </a:p>
+        <a:p>
+          <a:pPr marL="0" lvl="0" indent="0" algn="ctr" defTabSz="800100">
+            <a:lnSpc>
+              <a:spcPct val="90000"/>
+            </a:lnSpc>
+            <a:spcBef>
+              <a:spcPct val="0"/>
+            </a:spcBef>
+            <a:spcAft>
+              <a:spcPct val="35000"/>
+            </a:spcAft>
+            <a:buNone/>
+          </a:pPr>
+          <a:r>
+            <a:rPr lang="en-US" sz="1800" kern="1200" dirty="0">
+              <a:solidFill>
+                <a:schemeClr val="tx1"/>
+              </a:solidFill>
+            </a:rPr>
+            <a:t>N = 30</a:t>
+          </a:r>
+          <a:endParaRPr lang="nl-NL" sz="1800" kern="1200" dirty="0">
+            <a:solidFill>
+              <a:schemeClr val="tx1"/>
+            </a:solidFill>
+          </a:endParaRPr>
+        </a:p>
+      </dsp:txBody>
+      <dsp:txXfrm>
+        <a:off x="9459005" y="1930423"/>
+        <a:ext cx="1308966" cy="634735"/>
+      </dsp:txXfrm>
+    </dsp:sp>
+    <dsp:sp modelId="{FBF72CD8-7F4B-43BC-A2C4-DD9DF7272E18}">
+      <dsp:nvSpPr>
+        <dsp:cNvPr id="0" name=""/>
+        <dsp:cNvSpPr/>
+      </dsp:nvSpPr>
+      <dsp:spPr>
+        <a:xfrm>
+          <a:off x="10787719" y="2238145"/>
+          <a:ext cx="539384" cy="19291"/>
+        </a:xfrm>
+        <a:custGeom>
+          <a:avLst/>
+          <a:gdLst/>
+          <a:ahLst/>
+          <a:cxnLst/>
+          <a:rect l="0" t="0" r="0" b="0"/>
+          <a:pathLst>
+            <a:path>
+              <a:moveTo>
+                <a:pt x="0" y="9645"/>
+              </a:moveTo>
+              <a:lnTo>
+                <a:pt x="539384" y="9645"/>
+              </a:lnTo>
+            </a:path>
+          </a:pathLst>
+        </a:custGeom>
+        <a:noFill/>
+        <a:ln w="28575" cap="flat" cmpd="sng" algn="ctr">
+          <a:solidFill>
+            <a:scrgbClr r="0" g="0" b="0"/>
+          </a:solidFill>
+          <a:prstDash val="solid"/>
+          <a:miter lim="800000"/>
+        </a:ln>
+        <a:effectLst/>
+      </dsp:spPr>
+      <dsp:style>
+        <a:lnRef idx="2">
+          <a:scrgbClr r="0" g="0" b="0"/>
+        </a:lnRef>
+        <a:fillRef idx="0">
+          <a:scrgbClr r="0" g="0" b="0"/>
+        </a:fillRef>
+        <a:effectRef idx="0">
+          <a:scrgbClr r="0" g="0" b="0"/>
+        </a:effectRef>
+        <a:fontRef idx="minor"/>
+      </dsp:style>
+      <dsp:txBody>
+        <a:bodyPr spcFirstLastPara="0" vert="horz" wrap="square" lIns="12700" tIns="0" rIns="12700" bIns="0" numCol="1" spcCol="1270" anchor="ctr" anchorCtr="0">
+          <a:noAutofit/>
+        </a:bodyPr>
+        <a:lstStyle/>
+        <a:p>
+          <a:pPr marL="0" lvl="0" indent="0" algn="ctr" defTabSz="222250">
+            <a:lnSpc>
+              <a:spcPct val="90000"/>
+            </a:lnSpc>
+            <a:spcBef>
+              <a:spcPct val="0"/>
+            </a:spcBef>
+            <a:spcAft>
+              <a:spcPct val="35000"/>
+            </a:spcAft>
+            <a:buNone/>
+          </a:pPr>
+          <a:endParaRPr lang="nl-NL" sz="500" kern="1200"/>
+        </a:p>
+      </dsp:txBody>
+      <dsp:txXfrm>
+        <a:off x="11043926" y="2234306"/>
+        <a:ext cx="26969" cy="26969"/>
+      </dsp:txXfrm>
+    </dsp:sp>
+    <dsp:sp modelId="{DC1C9FBE-3E83-4782-9947-27B08E4F6FEC}">
+      <dsp:nvSpPr>
+        <dsp:cNvPr id="0" name=""/>
+        <dsp:cNvSpPr/>
+      </dsp:nvSpPr>
+      <dsp:spPr>
+        <a:xfrm>
+          <a:off x="11327103" y="1910675"/>
+          <a:ext cx="1348462" cy="674231"/>
+        </a:xfrm>
+        <a:prstGeom prst="roundRect">
+          <a:avLst>
+            <a:gd name="adj" fmla="val 10000"/>
+          </a:avLst>
+        </a:prstGeom>
+        <a:solidFill>
+          <a:schemeClr val="lt1">
+            <a:hueOff val="0"/>
+            <a:satOff val="0"/>
+            <a:lumOff val="0"/>
+            <a:alphaOff val="0"/>
+          </a:schemeClr>
+        </a:solidFill>
+        <a:ln w="28575" cap="flat" cmpd="sng" algn="ctr">
+          <a:solidFill>
+            <a:scrgbClr r="0" g="0" b="0"/>
+          </a:solidFill>
+          <a:prstDash val="solid"/>
+          <a:miter lim="800000"/>
+        </a:ln>
+        <a:effectLst/>
+      </dsp:spPr>
+      <dsp:style>
+        <a:lnRef idx="3">
+          <a:scrgbClr r="0" g="0" b="0"/>
+        </a:lnRef>
+        <a:fillRef idx="1">
+          <a:scrgbClr r="0" g="0" b="0"/>
+        </a:fillRef>
+        <a:effectRef idx="1">
+          <a:scrgbClr r="0" g="0" b="0"/>
+        </a:effectRef>
+        <a:fontRef idx="minor">
+          <a:schemeClr val="lt1"/>
+        </a:fontRef>
+      </dsp:style>
+      <dsp:txBody>
+        <a:bodyPr spcFirstLastPara="0" vert="horz" wrap="square" lIns="11430" tIns="11430" rIns="11430" bIns="11430" numCol="1" spcCol="1270" anchor="ctr" anchorCtr="0">
+          <a:noAutofit/>
+        </a:bodyPr>
+        <a:lstStyle/>
+        <a:p>
+          <a:pPr marL="0" lvl="0" indent="0" algn="ctr" defTabSz="800100">
+            <a:lnSpc>
+              <a:spcPct val="90000"/>
+            </a:lnSpc>
+            <a:spcBef>
+              <a:spcPct val="0"/>
+            </a:spcBef>
+            <a:spcAft>
+              <a:spcPct val="35000"/>
+            </a:spcAft>
+            <a:buNone/>
+          </a:pPr>
+          <a:r>
+            <a:rPr lang="en-US" sz="1800" kern="1200" dirty="0">
+              <a:solidFill>
+                <a:schemeClr val="tx1"/>
+              </a:solidFill>
+            </a:rPr>
+            <a:t>Reproducible</a:t>
+          </a:r>
+        </a:p>
+        <a:p>
+          <a:pPr marL="0" lvl="0" indent="0" algn="ctr" defTabSz="800100">
+            <a:lnSpc>
+              <a:spcPct val="90000"/>
+            </a:lnSpc>
+            <a:spcBef>
+              <a:spcPct val="0"/>
+            </a:spcBef>
+            <a:spcAft>
+              <a:spcPct val="35000"/>
+            </a:spcAft>
+            <a:buNone/>
+          </a:pPr>
+          <a:r>
+            <a:rPr lang="en-US" sz="1800" kern="1200" dirty="0">
+              <a:solidFill>
+                <a:schemeClr val="tx1"/>
+              </a:solidFill>
+            </a:rPr>
+            <a:t>N = 19</a:t>
+          </a:r>
+          <a:endParaRPr lang="nl-NL" sz="1800" kern="1200" dirty="0">
+            <a:solidFill>
+              <a:schemeClr val="tx1"/>
+            </a:solidFill>
+          </a:endParaRPr>
+        </a:p>
+      </dsp:txBody>
+      <dsp:txXfrm>
+        <a:off x="11346851" y="1930423"/>
+        <a:ext cx="1308966" cy="634735"/>
+      </dsp:txXfrm>
+    </dsp:sp>
+    <dsp:sp modelId="{FCB9286B-EEF3-4619-9E03-12974FFD6C78}">
+      <dsp:nvSpPr>
+        <dsp:cNvPr id="0" name=""/>
+        <dsp:cNvSpPr/>
+      </dsp:nvSpPr>
+      <dsp:spPr>
+        <a:xfrm rot="3281680">
+          <a:off x="4927221" y="2872853"/>
+          <a:ext cx="933298" cy="19291"/>
+        </a:xfrm>
+        <a:custGeom>
+          <a:avLst/>
+          <a:gdLst/>
+          <a:ahLst/>
+          <a:cxnLst/>
+          <a:rect l="0" t="0" r="0" b="0"/>
+          <a:pathLst>
+            <a:path>
+              <a:moveTo>
+                <a:pt x="0" y="9645"/>
+              </a:moveTo>
+              <a:lnTo>
+                <a:pt x="933298" y="9645"/>
+              </a:lnTo>
+            </a:path>
+          </a:pathLst>
+        </a:custGeom>
+        <a:noFill/>
+        <a:ln w="28575" cap="flat" cmpd="sng" algn="ctr">
+          <a:solidFill>
+            <a:scrgbClr r="0" g="0" b="0"/>
+          </a:solidFill>
+          <a:prstDash val="solid"/>
+          <a:miter lim="800000"/>
+        </a:ln>
+        <a:effectLst/>
+      </dsp:spPr>
+      <dsp:style>
+        <a:lnRef idx="2">
+          <a:scrgbClr r="0" g="0" b="0"/>
+        </a:lnRef>
+        <a:fillRef idx="0">
+          <a:scrgbClr r="0" g="0" b="0"/>
+        </a:fillRef>
+        <a:effectRef idx="0">
+          <a:scrgbClr r="0" g="0" b="0"/>
+        </a:effectRef>
+        <a:fontRef idx="minor"/>
+      </dsp:style>
+      <dsp:txBody>
+        <a:bodyPr spcFirstLastPara="0" vert="horz" wrap="square" lIns="12700" tIns="0" rIns="12700" bIns="0" numCol="1" spcCol="1270" anchor="ctr" anchorCtr="0">
+          <a:noAutofit/>
+        </a:bodyPr>
+        <a:lstStyle/>
+        <a:p>
+          <a:pPr marL="0" lvl="0" indent="0" algn="ctr" defTabSz="222250">
+            <a:lnSpc>
+              <a:spcPct val="90000"/>
+            </a:lnSpc>
+            <a:spcBef>
+              <a:spcPct val="0"/>
+            </a:spcBef>
+            <a:spcAft>
+              <a:spcPct val="35000"/>
+            </a:spcAft>
+            <a:buNone/>
+          </a:pPr>
+          <a:endParaRPr lang="nl-NL" sz="500" kern="1200"/>
+        </a:p>
+      </dsp:txBody>
+      <dsp:txXfrm>
+        <a:off x="5370538" y="2859167"/>
+        <a:ext cx="46664" cy="46664"/>
+      </dsp:txXfrm>
+    </dsp:sp>
+    <dsp:sp modelId="{83A30983-798E-4CD9-BF3A-1E1E13FDDD5F}">
+      <dsp:nvSpPr>
+        <dsp:cNvPr id="0" name=""/>
+        <dsp:cNvSpPr/>
+      </dsp:nvSpPr>
+      <dsp:spPr>
+        <a:xfrm>
+          <a:off x="5663563" y="2806125"/>
+          <a:ext cx="1348462" cy="914398"/>
+        </a:xfrm>
+        <a:prstGeom prst="roundRect">
+          <a:avLst>
+            <a:gd name="adj" fmla="val 10000"/>
+          </a:avLst>
+        </a:prstGeom>
+        <a:solidFill>
+          <a:schemeClr val="lt1">
+            <a:hueOff val="0"/>
+            <a:satOff val="0"/>
+            <a:lumOff val="0"/>
+            <a:alphaOff val="0"/>
+          </a:schemeClr>
+        </a:solidFill>
+        <a:ln w="28575" cap="flat" cmpd="sng" algn="ctr">
+          <a:solidFill>
+            <a:scrgbClr r="0" g="0" b="0"/>
+          </a:solidFill>
+          <a:prstDash val="solid"/>
+          <a:miter lim="800000"/>
+        </a:ln>
+        <a:effectLst/>
+      </dsp:spPr>
+      <dsp:style>
+        <a:lnRef idx="3">
+          <a:scrgbClr r="0" g="0" b="0"/>
+        </a:lnRef>
+        <a:fillRef idx="1">
+          <a:scrgbClr r="0" g="0" b="0"/>
+        </a:fillRef>
+        <a:effectRef idx="1">
+          <a:scrgbClr r="0" g="0" b="0"/>
+        </a:effectRef>
+        <a:fontRef idx="minor">
+          <a:schemeClr val="lt1"/>
+        </a:fontRef>
+      </dsp:style>
+      <dsp:txBody>
+        <a:bodyPr spcFirstLastPara="0" vert="horz" wrap="square" lIns="11430" tIns="11430" rIns="11430" bIns="11430" numCol="1" spcCol="1270" anchor="ctr" anchorCtr="0">
+          <a:noAutofit/>
+        </a:bodyPr>
+        <a:lstStyle/>
+        <a:p>
+          <a:pPr marL="0" lvl="0" indent="0" algn="ctr" defTabSz="800100">
+            <a:lnSpc>
+              <a:spcPct val="90000"/>
+            </a:lnSpc>
+            <a:spcBef>
+              <a:spcPct val="0"/>
+            </a:spcBef>
+            <a:spcAft>
+              <a:spcPct val="35000"/>
+            </a:spcAft>
+            <a:buNone/>
+          </a:pPr>
+          <a:r>
+            <a:rPr lang="en-US" sz="1800" kern="1200" dirty="0">
+              <a:solidFill>
+                <a:schemeClr val="tx1"/>
+              </a:solidFill>
+            </a:rPr>
+            <a:t>Data Available</a:t>
+          </a:r>
+        </a:p>
+        <a:p>
+          <a:pPr marL="0" lvl="0" indent="0" algn="ctr" defTabSz="800100">
+            <a:lnSpc>
+              <a:spcPct val="90000"/>
+            </a:lnSpc>
+            <a:spcBef>
+              <a:spcPct val="0"/>
+            </a:spcBef>
+            <a:spcAft>
+              <a:spcPct val="35000"/>
+            </a:spcAft>
+            <a:buNone/>
+          </a:pPr>
+          <a:r>
+            <a:rPr lang="en-US" sz="1800" kern="1200" dirty="0">
+              <a:solidFill>
+                <a:schemeClr val="tx1"/>
+              </a:solidFill>
+            </a:rPr>
+            <a:t>N = 43</a:t>
+          </a:r>
+          <a:endParaRPr lang="nl-NL" sz="1800" kern="1200" dirty="0">
+            <a:solidFill>
+              <a:schemeClr val="tx1"/>
+            </a:solidFill>
+          </a:endParaRPr>
+        </a:p>
+      </dsp:txBody>
+      <dsp:txXfrm>
+        <a:off x="5690345" y="2832907"/>
+        <a:ext cx="1294898" cy="860834"/>
+      </dsp:txXfrm>
+    </dsp:sp>
+    <dsp:sp modelId="{042BDEAE-C1A5-4FF5-83F6-463A7AD9C0C5}">
+      <dsp:nvSpPr>
+        <dsp:cNvPr id="0" name=""/>
+        <dsp:cNvSpPr/>
+      </dsp:nvSpPr>
+      <dsp:spPr>
+        <a:xfrm>
+          <a:off x="7012025" y="3253678"/>
+          <a:ext cx="539384" cy="19291"/>
+        </a:xfrm>
+        <a:custGeom>
+          <a:avLst/>
+          <a:gdLst/>
+          <a:ahLst/>
+          <a:cxnLst/>
+          <a:rect l="0" t="0" r="0" b="0"/>
+          <a:pathLst>
+            <a:path>
+              <a:moveTo>
+                <a:pt x="0" y="9645"/>
+              </a:moveTo>
+              <a:lnTo>
+                <a:pt x="539384" y="9645"/>
+              </a:lnTo>
+            </a:path>
+          </a:pathLst>
+        </a:custGeom>
+        <a:noFill/>
+        <a:ln w="28575" cap="flat" cmpd="sng" algn="ctr">
+          <a:solidFill>
+            <a:scrgbClr r="0" g="0" b="0"/>
+          </a:solidFill>
+          <a:prstDash val="solid"/>
+          <a:miter lim="800000"/>
+        </a:ln>
+        <a:effectLst/>
+      </dsp:spPr>
+      <dsp:style>
+        <a:lnRef idx="2">
+          <a:scrgbClr r="0" g="0" b="0"/>
+        </a:lnRef>
+        <a:fillRef idx="0">
+          <a:scrgbClr r="0" g="0" b="0"/>
+        </a:fillRef>
+        <a:effectRef idx="0">
+          <a:scrgbClr r="0" g="0" b="0"/>
+        </a:effectRef>
+        <a:fontRef idx="minor"/>
+      </dsp:style>
+      <dsp:txBody>
+        <a:bodyPr spcFirstLastPara="0" vert="horz" wrap="square" lIns="12700" tIns="0" rIns="12700" bIns="0" numCol="1" spcCol="1270" anchor="ctr" anchorCtr="0">
+          <a:noAutofit/>
+        </a:bodyPr>
+        <a:lstStyle/>
+        <a:p>
+          <a:pPr marL="0" lvl="0" indent="0" algn="ctr" defTabSz="222250">
+            <a:lnSpc>
+              <a:spcPct val="90000"/>
+            </a:lnSpc>
+            <a:spcBef>
+              <a:spcPct val="0"/>
+            </a:spcBef>
+            <a:spcAft>
+              <a:spcPct val="35000"/>
+            </a:spcAft>
+            <a:buNone/>
+          </a:pPr>
+          <a:endParaRPr lang="nl-NL" sz="500" kern="1200"/>
+        </a:p>
+      </dsp:txBody>
+      <dsp:txXfrm>
+        <a:off x="7268233" y="3249840"/>
+        <a:ext cx="26969" cy="26969"/>
+      </dsp:txXfrm>
+    </dsp:sp>
+    <dsp:sp modelId="{4E191F73-F7A6-44C1-BFDC-DB0ED889C05C}">
+      <dsp:nvSpPr>
+        <dsp:cNvPr id="0" name=""/>
+        <dsp:cNvSpPr/>
+      </dsp:nvSpPr>
+      <dsp:spPr>
+        <a:xfrm>
+          <a:off x="7551410" y="2806125"/>
+          <a:ext cx="1348462" cy="914398"/>
+        </a:xfrm>
+        <a:prstGeom prst="roundRect">
+          <a:avLst>
+            <a:gd name="adj" fmla="val 10000"/>
+          </a:avLst>
+        </a:prstGeom>
+        <a:solidFill>
+          <a:schemeClr val="lt1">
+            <a:hueOff val="0"/>
+            <a:satOff val="0"/>
+            <a:lumOff val="0"/>
+            <a:alphaOff val="0"/>
+          </a:schemeClr>
+        </a:solidFill>
+        <a:ln w="28575" cap="flat" cmpd="sng" algn="ctr">
+          <a:solidFill>
+            <a:scrgbClr r="0" g="0" b="0"/>
+          </a:solidFill>
+          <a:prstDash val="solid"/>
+          <a:miter lim="800000"/>
+        </a:ln>
+        <a:effectLst/>
+      </dsp:spPr>
+      <dsp:style>
+        <a:lnRef idx="3">
+          <a:scrgbClr r="0" g="0" b="0"/>
+        </a:lnRef>
+        <a:fillRef idx="1">
+          <a:scrgbClr r="0" g="0" b="0"/>
+        </a:fillRef>
+        <a:effectRef idx="1">
+          <a:scrgbClr r="0" g="0" b="0"/>
+        </a:effectRef>
+        <a:fontRef idx="minor">
+          <a:schemeClr val="lt1"/>
+        </a:fontRef>
+      </dsp:style>
+      <dsp:txBody>
+        <a:bodyPr spcFirstLastPara="0" vert="horz" wrap="square" lIns="11430" tIns="11430" rIns="11430" bIns="11430" numCol="1" spcCol="1270" anchor="ctr" anchorCtr="0">
+          <a:noAutofit/>
+        </a:bodyPr>
+        <a:lstStyle/>
+        <a:p>
+          <a:pPr marL="0" lvl="0" indent="0" algn="ctr" defTabSz="800100">
+            <a:lnSpc>
+              <a:spcPct val="90000"/>
+            </a:lnSpc>
+            <a:spcBef>
+              <a:spcPct val="0"/>
+            </a:spcBef>
+            <a:spcAft>
+              <a:spcPct val="35000"/>
+            </a:spcAft>
+            <a:buNone/>
+          </a:pPr>
+          <a:r>
+            <a:rPr lang="en-US" sz="1800" kern="1200" dirty="0">
+              <a:solidFill>
+                <a:schemeClr val="tx1"/>
+              </a:solidFill>
+            </a:rPr>
+            <a:t>Software Specific</a:t>
+          </a:r>
+        </a:p>
+        <a:p>
+          <a:pPr marL="0" lvl="0" indent="0" algn="ctr" defTabSz="800100">
+            <a:lnSpc>
+              <a:spcPct val="90000"/>
+            </a:lnSpc>
+            <a:spcBef>
+              <a:spcPct val="0"/>
+            </a:spcBef>
+            <a:spcAft>
+              <a:spcPct val="35000"/>
+            </a:spcAft>
+            <a:buNone/>
+          </a:pPr>
+          <a:r>
+            <a:rPr lang="en-US" sz="1800" kern="1200" dirty="0">
+              <a:solidFill>
+                <a:schemeClr val="tx1"/>
+              </a:solidFill>
+            </a:rPr>
+            <a:t>N = 1</a:t>
+          </a:r>
+          <a:endParaRPr lang="nl-NL" sz="1800" kern="1200" dirty="0">
+            <a:solidFill>
+              <a:schemeClr val="tx1"/>
+            </a:solidFill>
+          </a:endParaRPr>
+        </a:p>
+      </dsp:txBody>
+      <dsp:txXfrm>
+        <a:off x="7578192" y="2832907"/>
+        <a:ext cx="1294898" cy="860834"/>
+      </dsp:txXfrm>
+    </dsp:sp>
+    <dsp:sp modelId="{B04B3BF4-1462-4D90-B5B0-7EB670204638}">
+      <dsp:nvSpPr>
+        <dsp:cNvPr id="0" name=""/>
+        <dsp:cNvSpPr/>
+      </dsp:nvSpPr>
+      <dsp:spPr>
+        <a:xfrm>
+          <a:off x="3236331" y="3690440"/>
+          <a:ext cx="539384" cy="19291"/>
+        </a:xfrm>
+        <a:custGeom>
+          <a:avLst/>
+          <a:gdLst/>
+          <a:ahLst/>
+          <a:cxnLst/>
+          <a:rect l="0" t="0" r="0" b="0"/>
+          <a:pathLst>
+            <a:path>
+              <a:moveTo>
+                <a:pt x="0" y="9645"/>
+              </a:moveTo>
+              <a:lnTo>
+                <a:pt x="539384" y="9645"/>
+              </a:lnTo>
+            </a:path>
+          </a:pathLst>
+        </a:custGeom>
+        <a:noFill/>
+        <a:ln w="28575" cap="flat" cmpd="sng" algn="ctr">
+          <a:solidFill>
+            <a:scrgbClr r="0" g="0" b="0"/>
+          </a:solidFill>
+          <a:prstDash val="solid"/>
+          <a:miter lim="800000"/>
+        </a:ln>
+        <a:effectLst/>
+      </dsp:spPr>
+      <dsp:style>
+        <a:lnRef idx="2">
+          <a:scrgbClr r="0" g="0" b="0"/>
+        </a:lnRef>
+        <a:fillRef idx="0">
+          <a:scrgbClr r="0" g="0" b="0"/>
+        </a:fillRef>
+        <a:effectRef idx="0">
+          <a:scrgbClr r="0" g="0" b="0"/>
+        </a:effectRef>
+        <a:fontRef idx="minor"/>
+      </dsp:style>
+      <dsp:txBody>
+        <a:bodyPr spcFirstLastPara="0" vert="horz" wrap="square" lIns="12700" tIns="0" rIns="12700" bIns="0" numCol="1" spcCol="1270" anchor="ctr" anchorCtr="0">
+          <a:noAutofit/>
+        </a:bodyPr>
+        <a:lstStyle/>
+        <a:p>
+          <a:pPr marL="0" lvl="0" indent="0" algn="ctr" defTabSz="222250">
+            <a:lnSpc>
+              <a:spcPct val="90000"/>
+            </a:lnSpc>
+            <a:spcBef>
+              <a:spcPct val="0"/>
+            </a:spcBef>
+            <a:spcAft>
+              <a:spcPct val="35000"/>
+            </a:spcAft>
+            <a:buNone/>
+          </a:pPr>
+          <a:endParaRPr lang="nl-NL" sz="500" kern="1200"/>
+        </a:p>
+      </dsp:txBody>
+      <dsp:txXfrm>
+        <a:off x="3492539" y="3686602"/>
+        <a:ext cx="26969" cy="26969"/>
+      </dsp:txXfrm>
+    </dsp:sp>
+    <dsp:sp modelId="{A17BF3D9-7E80-4901-9CD7-A7891B70E809}">
+      <dsp:nvSpPr>
+        <dsp:cNvPr id="0" name=""/>
+        <dsp:cNvSpPr/>
+      </dsp:nvSpPr>
+      <dsp:spPr>
+        <a:xfrm>
+          <a:off x="3775716" y="3151447"/>
+          <a:ext cx="1348462" cy="1097277"/>
+        </a:xfrm>
+        <a:prstGeom prst="roundRect">
+          <a:avLst>
+            <a:gd name="adj" fmla="val 10000"/>
+          </a:avLst>
+        </a:prstGeom>
+        <a:solidFill>
+          <a:schemeClr val="lt1">
+            <a:hueOff val="0"/>
+            <a:satOff val="0"/>
+            <a:lumOff val="0"/>
+            <a:alphaOff val="0"/>
+          </a:schemeClr>
+        </a:solidFill>
+        <a:ln w="28575" cap="flat" cmpd="sng" algn="ctr">
+          <a:solidFill>
+            <a:scrgbClr r="0" g="0" b="0"/>
+          </a:solidFill>
+          <a:prstDash val="solid"/>
+          <a:miter lim="800000"/>
+        </a:ln>
+        <a:effectLst/>
+      </dsp:spPr>
+      <dsp:style>
+        <a:lnRef idx="3">
+          <a:scrgbClr r="0" g="0" b="0"/>
+        </a:lnRef>
+        <a:fillRef idx="1">
+          <a:scrgbClr r="0" g="0" b="0"/>
+        </a:fillRef>
+        <a:effectRef idx="1">
+          <a:scrgbClr r="0" g="0" b="0"/>
+        </a:effectRef>
+        <a:fontRef idx="minor">
+          <a:schemeClr val="lt1"/>
+        </a:fontRef>
+      </dsp:style>
+      <dsp:txBody>
+        <a:bodyPr spcFirstLastPara="0" vert="horz" wrap="square" lIns="11430" tIns="11430" rIns="11430" bIns="11430" numCol="1" spcCol="1270" anchor="ctr" anchorCtr="0">
+          <a:noAutofit/>
+        </a:bodyPr>
+        <a:lstStyle/>
+        <a:p>
+          <a:pPr marL="0" lvl="0" indent="0" algn="ctr" defTabSz="800100">
+            <a:lnSpc>
+              <a:spcPct val="90000"/>
+            </a:lnSpc>
+            <a:spcBef>
+              <a:spcPct val="0"/>
+            </a:spcBef>
+            <a:spcAft>
+              <a:spcPct val="35000"/>
+            </a:spcAft>
+            <a:buNone/>
+          </a:pPr>
+          <a:r>
+            <a:rPr lang="en-US" sz="1800" kern="1200" dirty="0">
+              <a:solidFill>
+                <a:schemeClr val="tx1"/>
+              </a:solidFill>
+            </a:rPr>
+            <a:t>Not RR </a:t>
+          </a:r>
+        </a:p>
+        <a:p>
+          <a:pPr marL="0" lvl="0" indent="0" algn="ctr" defTabSz="800100">
+            <a:lnSpc>
+              <a:spcPct val="90000"/>
+            </a:lnSpc>
+            <a:spcBef>
+              <a:spcPct val="0"/>
+            </a:spcBef>
+            <a:spcAft>
+              <a:spcPct val="35000"/>
+            </a:spcAft>
+            <a:buNone/>
+          </a:pPr>
+          <a:r>
+            <a:rPr lang="en-US" sz="1800" kern="1200" dirty="0">
+              <a:solidFill>
+                <a:schemeClr val="tx1"/>
+              </a:solidFill>
+            </a:rPr>
+            <a:t>N = 10</a:t>
+          </a:r>
+          <a:endParaRPr lang="nl-NL" sz="1800" kern="1200" dirty="0">
+            <a:solidFill>
+              <a:schemeClr val="tx1"/>
+            </a:solidFill>
+          </a:endParaRPr>
+        </a:p>
+      </dsp:txBody>
+      <dsp:txXfrm>
+        <a:off x="3807854" y="3183585"/>
+        <a:ext cx="1284186" cy="1033001"/>
+      </dsp:txXfrm>
+    </dsp:sp>
+    <dsp:sp modelId="{B859C257-D1E8-4DF1-BB35-C7ED4353EA14}">
+      <dsp:nvSpPr>
+        <dsp:cNvPr id="0" name=""/>
+        <dsp:cNvSpPr/>
+      </dsp:nvSpPr>
+      <dsp:spPr>
+        <a:xfrm rot="3946098">
+          <a:off x="2848923" y="4289646"/>
+          <a:ext cx="1314202" cy="19291"/>
+        </a:xfrm>
+        <a:custGeom>
+          <a:avLst/>
+          <a:gdLst/>
+          <a:ahLst/>
+          <a:cxnLst/>
+          <a:rect l="0" t="0" r="0" b="0"/>
+          <a:pathLst>
+            <a:path>
+              <a:moveTo>
+                <a:pt x="0" y="9645"/>
+              </a:moveTo>
+              <a:lnTo>
+                <a:pt x="1314202" y="9645"/>
+              </a:lnTo>
+            </a:path>
+          </a:pathLst>
+        </a:custGeom>
+        <a:noFill/>
+        <a:ln w="28575" cap="flat" cmpd="sng" algn="ctr">
+          <a:solidFill>
+            <a:scrgbClr r="0" g="0" b="0"/>
+          </a:solidFill>
+          <a:prstDash val="solid"/>
+          <a:miter lim="800000"/>
+        </a:ln>
+        <a:effectLst/>
+      </dsp:spPr>
+      <dsp:style>
+        <a:lnRef idx="2">
+          <a:scrgbClr r="0" g="0" b="0"/>
+        </a:lnRef>
+        <a:fillRef idx="0">
+          <a:scrgbClr r="0" g="0" b="0"/>
+        </a:fillRef>
+        <a:effectRef idx="0">
+          <a:scrgbClr r="0" g="0" b="0"/>
+        </a:effectRef>
+        <a:fontRef idx="minor"/>
+      </dsp:style>
+      <dsp:txBody>
+        <a:bodyPr spcFirstLastPara="0" vert="horz" wrap="square" lIns="12700" tIns="0" rIns="12700" bIns="0" numCol="1" spcCol="1270" anchor="ctr" anchorCtr="0">
+          <a:noAutofit/>
+        </a:bodyPr>
+        <a:lstStyle/>
+        <a:p>
+          <a:pPr marL="0" lvl="0" indent="0" algn="ctr" defTabSz="222250">
+            <a:lnSpc>
+              <a:spcPct val="90000"/>
+            </a:lnSpc>
+            <a:spcBef>
+              <a:spcPct val="0"/>
+            </a:spcBef>
+            <a:spcAft>
+              <a:spcPct val="35000"/>
+            </a:spcAft>
+            <a:buNone/>
+          </a:pPr>
+          <a:endParaRPr lang="nl-NL" sz="500" kern="1200"/>
+        </a:p>
+      </dsp:txBody>
+      <dsp:txXfrm>
+        <a:off x="3473169" y="4266437"/>
+        <a:ext cx="65710" cy="65710"/>
+      </dsp:txXfrm>
+    </dsp:sp>
+    <dsp:sp modelId="{95266346-CD9D-44B3-A9EC-09DA9CCE924A}">
+      <dsp:nvSpPr>
+        <dsp:cNvPr id="0" name=""/>
+        <dsp:cNvSpPr/>
+      </dsp:nvSpPr>
+      <dsp:spPr>
+        <a:xfrm>
+          <a:off x="3775716" y="4349859"/>
+          <a:ext cx="1371601" cy="1097277"/>
+        </a:xfrm>
+        <a:prstGeom prst="roundRect">
+          <a:avLst>
+            <a:gd name="adj" fmla="val 10000"/>
+          </a:avLst>
+        </a:prstGeom>
+        <a:solidFill>
+          <a:schemeClr val="lt1">
+            <a:hueOff val="0"/>
+            <a:satOff val="0"/>
+            <a:lumOff val="0"/>
+            <a:alphaOff val="0"/>
+          </a:schemeClr>
+        </a:solidFill>
+        <a:ln w="28575" cap="flat" cmpd="sng" algn="ctr">
+          <a:solidFill>
+            <a:scrgbClr r="0" g="0" b="0"/>
+          </a:solidFill>
+          <a:prstDash val="solid"/>
+          <a:miter lim="800000"/>
+        </a:ln>
+        <a:effectLst/>
+      </dsp:spPr>
+      <dsp:style>
+        <a:lnRef idx="3">
+          <a:scrgbClr r="0" g="0" b="0"/>
+        </a:lnRef>
+        <a:fillRef idx="1">
+          <a:scrgbClr r="0" g="0" b="0"/>
+        </a:fillRef>
+        <a:effectRef idx="1">
+          <a:scrgbClr r="0" g="0" b="0"/>
+        </a:effectRef>
+        <a:fontRef idx="minor">
+          <a:schemeClr val="lt1"/>
+        </a:fontRef>
+      </dsp:style>
+      <dsp:txBody>
+        <a:bodyPr spcFirstLastPara="0" vert="horz" wrap="square" lIns="11430" tIns="11430" rIns="11430" bIns="11430" numCol="1" spcCol="1270" anchor="ctr" anchorCtr="0">
+          <a:noAutofit/>
+        </a:bodyPr>
+        <a:lstStyle/>
+        <a:p>
+          <a:pPr marL="0" lvl="0" indent="0" algn="ctr" defTabSz="800100">
+            <a:lnSpc>
+              <a:spcPct val="90000"/>
+            </a:lnSpc>
+            <a:spcBef>
+              <a:spcPct val="0"/>
+            </a:spcBef>
+            <a:spcAft>
+              <a:spcPct val="35000"/>
+            </a:spcAft>
+            <a:buNone/>
+          </a:pPr>
+          <a:r>
+            <a:rPr lang="en-US" sz="1800" kern="1200" dirty="0">
+              <a:solidFill>
+                <a:schemeClr val="tx1"/>
+              </a:solidFill>
+            </a:rPr>
+            <a:t>Multi-Lab </a:t>
+          </a:r>
+        </a:p>
+        <a:p>
+          <a:pPr marL="0" lvl="0" indent="0" algn="ctr" defTabSz="800100">
+            <a:lnSpc>
+              <a:spcPct val="90000"/>
+            </a:lnSpc>
+            <a:spcBef>
+              <a:spcPct val="0"/>
+            </a:spcBef>
+            <a:spcAft>
+              <a:spcPct val="35000"/>
+            </a:spcAft>
+            <a:buNone/>
+          </a:pPr>
+          <a:r>
+            <a:rPr lang="en-US" sz="1800" kern="1200" dirty="0">
+              <a:solidFill>
+                <a:schemeClr val="tx1"/>
+              </a:solidFill>
+            </a:rPr>
+            <a:t>Studies</a:t>
+          </a:r>
+        </a:p>
+        <a:p>
+          <a:pPr marL="0" lvl="0" indent="0" algn="ctr" defTabSz="800100">
+            <a:lnSpc>
+              <a:spcPct val="90000"/>
+            </a:lnSpc>
+            <a:spcBef>
+              <a:spcPct val="0"/>
+            </a:spcBef>
+            <a:spcAft>
+              <a:spcPct val="35000"/>
+            </a:spcAft>
+            <a:buNone/>
+          </a:pPr>
+          <a:r>
+            <a:rPr lang="en-US" sz="1800" kern="1200" dirty="0">
+              <a:solidFill>
+                <a:schemeClr val="tx1"/>
+              </a:solidFill>
+            </a:rPr>
+            <a:t>N = 7</a:t>
+          </a:r>
+          <a:endParaRPr lang="nl-NL" sz="1800" kern="1200" dirty="0">
+            <a:solidFill>
+              <a:schemeClr val="tx1"/>
+            </a:solidFill>
+          </a:endParaRPr>
+        </a:p>
+      </dsp:txBody>
+      <dsp:txXfrm>
+        <a:off x="3807854" y="4381997"/>
+        <a:ext cx="1307325" cy="1033001"/>
+      </dsp:txXfrm>
+    </dsp:sp>
+    <dsp:sp modelId="{8C391932-414B-4229-BEAB-58A45EC1EBFD}">
+      <dsp:nvSpPr>
+        <dsp:cNvPr id="0" name=""/>
+        <dsp:cNvSpPr/>
+      </dsp:nvSpPr>
+      <dsp:spPr>
+        <a:xfrm rot="2944313">
+          <a:off x="1206503" y="4623539"/>
+          <a:ext cx="823347" cy="19291"/>
+        </a:xfrm>
+        <a:custGeom>
+          <a:avLst/>
+          <a:gdLst/>
+          <a:ahLst/>
+          <a:cxnLst/>
+          <a:rect l="0" t="0" r="0" b="0"/>
+          <a:pathLst>
+            <a:path>
+              <a:moveTo>
+                <a:pt x="0" y="9645"/>
+              </a:moveTo>
+              <a:lnTo>
+                <a:pt x="823347" y="9645"/>
+              </a:lnTo>
+            </a:path>
+          </a:pathLst>
+        </a:custGeom>
+        <a:noFill/>
+        <a:ln w="28575" cap="flat" cmpd="sng" algn="ctr">
+          <a:solidFill>
+            <a:scrgbClr r="0" g="0" b="0"/>
+          </a:solidFill>
+          <a:prstDash val="solid"/>
+          <a:miter lim="800000"/>
+        </a:ln>
+        <a:effectLst/>
+      </dsp:spPr>
+      <dsp:style>
+        <a:lnRef idx="2">
+          <a:scrgbClr r="0" g="0" b="0"/>
+        </a:lnRef>
+        <a:fillRef idx="0">
+          <a:scrgbClr r="0" g="0" b="0"/>
+        </a:fillRef>
+        <a:effectRef idx="0">
+          <a:scrgbClr r="0" g="0" b="0"/>
+        </a:effectRef>
+        <a:fontRef idx="minor"/>
+      </dsp:style>
+      <dsp:txBody>
+        <a:bodyPr spcFirstLastPara="0" vert="horz" wrap="square" lIns="12700" tIns="0" rIns="12700" bIns="0" numCol="1" spcCol="1270" anchor="ctr" anchorCtr="0">
+          <a:noAutofit/>
+        </a:bodyPr>
+        <a:lstStyle/>
+        <a:p>
+          <a:pPr marL="0" lvl="0" indent="0" algn="ctr" defTabSz="222250">
+            <a:lnSpc>
+              <a:spcPct val="90000"/>
+            </a:lnSpc>
+            <a:spcBef>
+              <a:spcPct val="0"/>
+            </a:spcBef>
+            <a:spcAft>
+              <a:spcPct val="35000"/>
+            </a:spcAft>
+            <a:buNone/>
+          </a:pPr>
+          <a:endParaRPr lang="nl-NL" sz="500" kern="1200"/>
+        </a:p>
+      </dsp:txBody>
+      <dsp:txXfrm>
+        <a:off x="1597593" y="4612601"/>
+        <a:ext cx="41167" cy="41167"/>
+      </dsp:txXfrm>
+    </dsp:sp>
+    <dsp:sp modelId="{5C2481FD-9EFA-44C2-B4CC-3AC75FFBC8BF}">
+      <dsp:nvSpPr>
+        <dsp:cNvPr id="0" name=""/>
+        <dsp:cNvSpPr/>
+      </dsp:nvSpPr>
+      <dsp:spPr>
+        <a:xfrm>
+          <a:off x="1887869" y="4372719"/>
+          <a:ext cx="1348462" cy="1142996"/>
+        </a:xfrm>
+        <a:prstGeom prst="roundRect">
+          <a:avLst>
+            <a:gd name="adj" fmla="val 10000"/>
+          </a:avLst>
+        </a:prstGeom>
+        <a:solidFill>
+          <a:schemeClr val="lt1">
+            <a:hueOff val="0"/>
+            <a:satOff val="0"/>
+            <a:lumOff val="0"/>
+            <a:alphaOff val="0"/>
+          </a:schemeClr>
+        </a:solidFill>
+        <a:ln w="28575" cap="flat" cmpd="sng" algn="ctr">
+          <a:solidFill>
+            <a:scrgbClr r="0" g="0" b="0"/>
+          </a:solidFill>
+          <a:prstDash val="solid"/>
+          <a:miter lim="800000"/>
+        </a:ln>
+        <a:effectLst/>
+      </dsp:spPr>
+      <dsp:style>
+        <a:lnRef idx="3">
+          <a:scrgbClr r="0" g="0" b="0"/>
+        </a:lnRef>
+        <a:fillRef idx="1">
+          <a:scrgbClr r="0" g="0" b="0"/>
+        </a:fillRef>
+        <a:effectRef idx="1">
+          <a:scrgbClr r="0" g="0" b="0"/>
+        </a:effectRef>
+        <a:fontRef idx="minor">
+          <a:schemeClr val="lt1"/>
+        </a:fontRef>
+      </dsp:style>
+      <dsp:txBody>
+        <a:bodyPr spcFirstLastPara="0" vert="horz" wrap="square" lIns="11430" tIns="11430" rIns="11430" bIns="11430" numCol="1" spcCol="1270" anchor="ctr" anchorCtr="0">
+          <a:noAutofit/>
+        </a:bodyPr>
+        <a:lstStyle/>
+        <a:p>
+          <a:pPr marL="0" lvl="0" indent="0" algn="ctr" defTabSz="800100">
+            <a:lnSpc>
+              <a:spcPct val="90000"/>
+            </a:lnSpc>
+            <a:spcBef>
+              <a:spcPct val="0"/>
+            </a:spcBef>
+            <a:spcAft>
+              <a:spcPct val="35000"/>
+            </a:spcAft>
+            <a:buNone/>
+          </a:pPr>
+          <a:r>
+            <a:rPr lang="en-US" sz="1800" kern="1200" dirty="0">
+              <a:solidFill>
+                <a:schemeClr val="tx1"/>
+              </a:solidFill>
+            </a:rPr>
+            <a:t>Other Domain</a:t>
+          </a:r>
+        </a:p>
+        <a:p>
+          <a:pPr marL="0" lvl="0" indent="0" algn="ctr" defTabSz="800100">
+            <a:lnSpc>
+              <a:spcPct val="90000"/>
+            </a:lnSpc>
+            <a:spcBef>
+              <a:spcPct val="0"/>
+            </a:spcBef>
+            <a:spcAft>
+              <a:spcPct val="35000"/>
+            </a:spcAft>
+            <a:buNone/>
+          </a:pPr>
+          <a:r>
+            <a:rPr lang="en-US" sz="1800" kern="1200" dirty="0">
+              <a:solidFill>
+                <a:schemeClr val="tx1"/>
+              </a:solidFill>
+            </a:rPr>
+            <a:t>N = 39</a:t>
+          </a:r>
+          <a:endParaRPr lang="nl-NL" sz="1800" kern="1200" dirty="0">
+            <a:solidFill>
+              <a:schemeClr val="tx1"/>
+            </a:solidFill>
+          </a:endParaRPr>
+        </a:p>
+      </dsp:txBody>
+      <dsp:txXfrm>
+        <a:off x="1921346" y="4406196"/>
+        <a:ext cx="1281508" cy="1076042"/>
       </dsp:txXfrm>
     </dsp:sp>
   </dsp:spTree>
@@ -4779,7 +9110,1615 @@
 </dgm:layoutDef>
 </file>
 
+<file path=ppt/diagrams/layout2.xml><?xml version="1.0" encoding="utf-8"?>
+<dgm:layoutDef xmlns:dgm="http://schemas.openxmlformats.org/drawingml/2006/diagram" xmlns:a="http://schemas.openxmlformats.org/drawingml/2006/main" uniqueId="urn:microsoft.com/office/officeart/2005/8/layout/hierarchy5">
+  <dgm:title val=""/>
+  <dgm:desc val=""/>
+  <dgm:catLst>
+    <dgm:cat type="hierarchy" pri="6000"/>
+  </dgm:catLst>
+  <dgm:sampData>
+    <dgm:dataModel>
+      <dgm:ptLst>
+        <dgm:pt modelId="0" type="doc"/>
+        <dgm:pt modelId="1">
+          <dgm:prSet phldr="1"/>
+        </dgm:pt>
+        <dgm:pt modelId="2">
+          <dgm:prSet phldr="1"/>
+        </dgm:pt>
+        <dgm:pt modelId="21">
+          <dgm:prSet phldr="1"/>
+        </dgm:pt>
+        <dgm:pt modelId="22">
+          <dgm:prSet phldr="1"/>
+        </dgm:pt>
+        <dgm:pt modelId="3">
+          <dgm:prSet phldr="1"/>
+        </dgm:pt>
+        <dgm:pt modelId="31">
+          <dgm:prSet phldr="1"/>
+        </dgm:pt>
+        <dgm:pt modelId="4">
+          <dgm:prSet phldr="1"/>
+        </dgm:pt>
+        <dgm:pt modelId="5">
+          <dgm:prSet phldr="1"/>
+        </dgm:pt>
+        <dgm:pt modelId="6">
+          <dgm:prSet phldr="1"/>
+        </dgm:pt>
+      </dgm:ptLst>
+      <dgm:cxnLst>
+        <dgm:cxn modelId="7" srcId="0" destId="1" srcOrd="0" destOrd="0"/>
+        <dgm:cxn modelId="8" srcId="1" destId="2" srcOrd="0" destOrd="0"/>
+        <dgm:cxn modelId="9" srcId="1" destId="3" srcOrd="1" destOrd="0"/>
+        <dgm:cxn modelId="23" srcId="2" destId="21" srcOrd="0" destOrd="0"/>
+        <dgm:cxn modelId="24" srcId="2" destId="22" srcOrd="1" destOrd="0"/>
+        <dgm:cxn modelId="33" srcId="3" destId="31" srcOrd="0" destOrd="0"/>
+        <dgm:cxn modelId="10" srcId="0" destId="4" srcOrd="1" destOrd="0"/>
+        <dgm:cxn modelId="11" srcId="0" destId="5" srcOrd="2" destOrd="0"/>
+        <dgm:cxn modelId="12" srcId="0" destId="6" srcOrd="3" destOrd="0"/>
+      </dgm:cxnLst>
+      <dgm:bg/>
+      <dgm:whole/>
+    </dgm:dataModel>
+  </dgm:sampData>
+  <dgm:styleData>
+    <dgm:dataModel>
+      <dgm:ptLst>
+        <dgm:pt modelId="0" type="doc"/>
+        <dgm:pt modelId="1"/>
+        <dgm:pt modelId="11"/>
+        <dgm:pt modelId="12"/>
+        <dgm:pt modelId="2"/>
+        <dgm:pt modelId="3"/>
+      </dgm:ptLst>
+      <dgm:cxnLst>
+        <dgm:cxn modelId="4" srcId="0" destId="1" srcOrd="0" destOrd="0"/>
+        <dgm:cxn modelId="13" srcId="1" destId="11" srcOrd="0" destOrd="0"/>
+        <dgm:cxn modelId="14" srcId="1" destId="12" srcOrd="1" destOrd="0"/>
+        <dgm:cxn modelId="5" srcId="0" destId="2" srcOrd="1" destOrd="0"/>
+        <dgm:cxn modelId="6" srcId="0" destId="3" srcOrd="2" destOrd="0"/>
+      </dgm:cxnLst>
+      <dgm:bg/>
+      <dgm:whole/>
+    </dgm:dataModel>
+  </dgm:styleData>
+  <dgm:clrData>
+    <dgm:dataModel>
+      <dgm:ptLst>
+        <dgm:pt modelId="0" type="doc"/>
+        <dgm:pt modelId="1"/>
+        <dgm:pt modelId="2"/>
+        <dgm:pt modelId="21"/>
+        <dgm:pt modelId="211"/>
+        <dgm:pt modelId="3"/>
+        <dgm:pt modelId="31"/>
+        <dgm:pt modelId="311"/>
+        <dgm:pt modelId="4"/>
+        <dgm:pt modelId="5"/>
+        <dgm:pt modelId="6"/>
+        <dgm:pt modelId="7"/>
+      </dgm:ptLst>
+      <dgm:cxnLst>
+        <dgm:cxn modelId="8" srcId="0" destId="1" srcOrd="0" destOrd="0"/>
+        <dgm:cxn modelId="9" srcId="1" destId="2" srcOrd="0" destOrd="0"/>
+        <dgm:cxn modelId="10" srcId="1" destId="3" srcOrd="1" destOrd="0"/>
+        <dgm:cxn modelId="23" srcId="2" destId="21" srcOrd="0" destOrd="0"/>
+        <dgm:cxn modelId="24" srcId="21" destId="211" srcOrd="0" destOrd="0"/>
+        <dgm:cxn modelId="33" srcId="3" destId="31" srcOrd="0" destOrd="0"/>
+        <dgm:cxn modelId="34" srcId="31" destId="311" srcOrd="0" destOrd="0"/>
+        <dgm:cxn modelId="11" srcId="0" destId="4" srcOrd="1" destOrd="0"/>
+        <dgm:cxn modelId="12" srcId="0" destId="5" srcOrd="2" destOrd="0"/>
+        <dgm:cxn modelId="13" srcId="0" destId="6" srcOrd="3" destOrd="0"/>
+        <dgm:cxn modelId="14" srcId="0" destId="7" srcOrd="4" destOrd="0"/>
+      </dgm:cxnLst>
+      <dgm:bg/>
+      <dgm:whole/>
+    </dgm:dataModel>
+  </dgm:clrData>
+  <dgm:layoutNode name="mainComposite">
+    <dgm:varLst>
+      <dgm:chPref val="1"/>
+      <dgm:dir/>
+      <dgm:animOne val="branch"/>
+      <dgm:animLvl val="lvl"/>
+      <dgm:resizeHandles val="exact"/>
+    </dgm:varLst>
+    <dgm:alg type="composite"/>
+    <dgm:presOf/>
+    <dgm:shape xmlns:r="http://schemas.openxmlformats.org/officeDocument/2006/relationships" r:blip="">
+      <dgm:adjLst/>
+    </dgm:shape>
+    <dgm:choose name="Name0">
+      <dgm:if name="Name1" axis="ch" ptType="node" func="cnt" op="gte" val="2">
+        <dgm:choose name="Name2">
+          <dgm:if name="Name3" func="var" arg="dir" op="equ" val="norm">
+            <dgm:constrLst>
+              <dgm:constr type="l" for="ch" forName="hierFlow"/>
+              <dgm:constr type="t" for="ch" forName="hierFlow" refType="h" fact="0.3"/>
+              <dgm:constr type="r" for="ch" forName="hierFlow" refType="w" fact="0.98"/>
+              <dgm:constr type="b" for="ch" forName="hierFlow" refType="h" fact="0.96"/>
+              <dgm:constr type="l" for="ch" forName="bgShapesFlow"/>
+              <dgm:constr type="t" for="ch" forName="bgShapesFlow"/>
+              <dgm:constr type="r" for="ch" forName="bgShapesFlow" refType="w"/>
+              <dgm:constr type="b" for="ch" forName="bgShapesFlow" refType="h"/>
+              <dgm:constr type="h" for="des" forName="level1Shape" refType="h"/>
+              <dgm:constr type="w" for="des" forName="level1Shape" refType="h" refFor="des" refForName="level1Shape" fact="2"/>
+              <dgm:constr type="w" for="des" forName="level2Shape" refType="w" refFor="des" refForName="level1Shape" op="equ"/>
+              <dgm:constr type="h" for="des" forName="level2Shape" refType="h" refFor="des" refForName="level1Shape" op="equ"/>
+              <dgm:constr type="sp" for="des" refType="w" refFor="des" refForName="level1Shape" op="equ" fact="0.4"/>
+              <dgm:constr type="sibSp" for="des" forName="hierChild1" refType="h" refFor="des" refForName="level1Shape" op="equ" fact="0.15"/>
+              <dgm:constr type="sibSp" for="des" forName="hierChild2" refType="sibSp" refFor="des" refForName="hierChild1" op="equ"/>
+              <dgm:constr type="sibSp" for="des" forName="hierChild3" refType="sibSp" refFor="des" refForName="hierChild1" op="equ"/>
+              <dgm:constr type="userA" for="des" refType="w" refFor="des" refForName="level1Shape" op="equ"/>
+              <dgm:constr type="userB" for="des" refType="sp" refFor="des" op="equ"/>
+              <dgm:constr type="w" for="des" forName="firstBuf" refType="w" refFor="des" refForName="level1Shape" fact="0.1"/>
+            </dgm:constrLst>
+          </dgm:if>
+          <dgm:else name="Name4">
+            <dgm:constrLst>
+              <dgm:constr type="l" for="ch" forName="hierFlow" refType="w" fact="0.02"/>
+              <dgm:constr type="t" for="ch" forName="hierFlow" refType="h" fact="0.3"/>
+              <dgm:constr type="r" for="ch" forName="hierFlow" refType="w"/>
+              <dgm:constr type="b" for="ch" forName="hierFlow" refType="h" fact="0.96"/>
+              <dgm:constr type="l" for="ch" forName="bgShapesFlow"/>
+              <dgm:constr type="t" for="ch" forName="bgShapesFlow"/>
+              <dgm:constr type="r" for="ch" forName="bgShapesFlow" refType="w"/>
+              <dgm:constr type="b" for="ch" forName="bgShapesFlow" refType="h"/>
+              <dgm:constr type="h" for="des" forName="level1Shape" refType="h"/>
+              <dgm:constr type="w" for="des" forName="level1Shape" refType="h" refFor="des" refForName="level1Shape" fact="2"/>
+              <dgm:constr type="w" for="des" forName="level2Shape" refType="w" refFor="des" refForName="level1Shape" op="equ"/>
+              <dgm:constr type="h" for="des" forName="level2Shape" refType="h" refFor="des" refForName="level1Shape" op="equ"/>
+              <dgm:constr type="sp" for="des" refType="w" refFor="des" refForName="level1Shape" op="equ" fact="0.4"/>
+              <dgm:constr type="sibSp" for="des" forName="hierChild1" refType="h" refFor="des" refForName="level1Shape" op="equ" fact="0.15"/>
+              <dgm:constr type="sibSp" for="des" forName="hierChild2" refType="sibSp" refFor="des" refForName="hierChild1" op="equ"/>
+              <dgm:constr type="sibSp" for="des" forName="hierChild3" refType="sibSp" refFor="des" refForName="hierChild1" op="equ"/>
+              <dgm:constr type="userA" for="des" refType="w" refFor="des" refForName="level1Shape" op="equ"/>
+              <dgm:constr type="userB" for="des" refType="sp" refFor="des" op="equ"/>
+              <dgm:constr type="w" for="des" forName="firstBuf" refType="w" refFor="des" refForName="level1Shape" fact="0.1"/>
+            </dgm:constrLst>
+          </dgm:else>
+        </dgm:choose>
+      </dgm:if>
+      <dgm:else name="Name5">
+        <dgm:constrLst>
+          <dgm:constr type="l" for="ch" forName="hierFlow"/>
+          <dgm:constr type="t" for="ch" forName="hierFlow"/>
+          <dgm:constr type="r" for="ch" forName="hierFlow" refType="w"/>
+          <dgm:constr type="b" for="ch" forName="hierFlow" refType="h"/>
+          <dgm:constr type="l" for="ch" forName="bgShapesFlow"/>
+          <dgm:constr type="t" for="ch" forName="bgShapesFlow"/>
+          <dgm:constr type="r" for="ch" forName="bgShapesFlow" refType="w"/>
+          <dgm:constr type="b" for="ch" forName="bgShapesFlow" refType="h"/>
+          <dgm:constr type="h" for="des" forName="level1Shape" refType="h"/>
+          <dgm:constr type="w" for="des" forName="level1Shape" refType="h" refFor="des" refForName="level1Shape" fact="2"/>
+          <dgm:constr type="w" for="des" forName="level2Shape" refType="w" refFor="des" refForName="level1Shape" op="equ"/>
+          <dgm:constr type="h" for="des" forName="level2Shape" refType="h" refFor="des" refForName="level1Shape" op="equ"/>
+          <dgm:constr type="sp" for="des" refType="w" refFor="des" refForName="level1Shape" op="equ" fact="0.4"/>
+          <dgm:constr type="sibSp" for="des" forName="hierChild1" refType="h" refFor="des" refForName="level1Shape" op="equ" fact="0.15"/>
+          <dgm:constr type="sibSp" for="des" forName="hierChild2" refType="sibSp" refFor="des" refForName="hierChild1" op="equ"/>
+          <dgm:constr type="sibSp" for="des" forName="hierChild3" refType="sibSp" refFor="des" refForName="hierChild1" op="equ"/>
+          <dgm:constr type="userA" for="des" refType="w" refFor="des" refForName="level1Shape" op="equ"/>
+          <dgm:constr type="userB" for="des" refType="sp" refFor="des" op="equ"/>
+          <dgm:constr type="w" for="des" forName="firstBuf" refType="w" refFor="des" refForName="level1Shape" fact="0.1"/>
+        </dgm:constrLst>
+      </dgm:else>
+    </dgm:choose>
+    <dgm:ruleLst/>
+    <dgm:layoutNode name="hierFlow">
+      <dgm:choose name="Name6">
+        <dgm:if name="Name7" func="var" arg="dir" op="equ" val="norm">
+          <dgm:alg type="lin">
+            <dgm:param type="linDir" val="fromL"/>
+            <dgm:param type="nodeVertAlign" val="mid"/>
+            <dgm:param type="vertAlign" val="mid"/>
+            <dgm:param type="nodeHorzAlign" val="l"/>
+            <dgm:param type="horzAlign" val="l"/>
+            <dgm:param type="fallback" val="2D"/>
+          </dgm:alg>
+        </dgm:if>
+        <dgm:else name="Name8">
+          <dgm:alg type="lin">
+            <dgm:param type="linDir" val="fromR"/>
+            <dgm:param type="nodeVertAlign" val="mid"/>
+            <dgm:param type="vertAlign" val="mid"/>
+            <dgm:param type="nodeHorzAlign" val="r"/>
+            <dgm:param type="horzAlign" val="r"/>
+            <dgm:param type="fallback" val="2D"/>
+          </dgm:alg>
+        </dgm:else>
+      </dgm:choose>
+      <dgm:shape xmlns:r="http://schemas.openxmlformats.org/officeDocument/2006/relationships" r:blip="">
+        <dgm:adjLst/>
+      </dgm:shape>
+      <dgm:presOf/>
+      <dgm:constrLst>
+        <dgm:constr type="primFontSz" for="des" ptType="node" op="equ" val="65"/>
+        <dgm:constr type="primFontSz" for="des" forName="connTx" op="equ" val="55"/>
+        <dgm:constr type="primFontSz" for="des" forName="connTx" refType="primFontSz" refFor="des" refPtType="node" op="lte" fact="0.8"/>
+      </dgm:constrLst>
+      <dgm:ruleLst/>
+      <dgm:choose name="Name9">
+        <dgm:if name="Name10" axis="ch" ptType="node" func="cnt" op="gte" val="2">
+          <dgm:layoutNode name="firstBuf">
+            <dgm:alg type="sp"/>
+            <dgm:shape xmlns:r="http://schemas.openxmlformats.org/officeDocument/2006/relationships" r:blip="">
+              <dgm:adjLst/>
+            </dgm:shape>
+            <dgm:presOf/>
+            <dgm:constrLst/>
+            <dgm:ruleLst/>
+          </dgm:layoutNode>
+        </dgm:if>
+        <dgm:else name="Name11"/>
+      </dgm:choose>
+      <dgm:layoutNode name="hierChild1">
+        <dgm:varLst>
+          <dgm:chPref val="1"/>
+          <dgm:animOne val="branch"/>
+          <dgm:animLvl val="lvl"/>
+        </dgm:varLst>
+        <dgm:choose name="Name12">
+          <dgm:if name="Name13" func="var" arg="dir" op="equ" val="norm">
+            <dgm:alg type="hierChild">
+              <dgm:param type="linDir" val="fromT"/>
+              <dgm:param type="chAlign" val="l"/>
+            </dgm:alg>
+          </dgm:if>
+          <dgm:else name="Name14">
+            <dgm:alg type="hierChild">
+              <dgm:param type="linDir" val="fromT"/>
+              <dgm:param type="chAlign" val="r"/>
+            </dgm:alg>
+          </dgm:else>
+        </dgm:choose>
+        <dgm:shape xmlns:r="http://schemas.openxmlformats.org/officeDocument/2006/relationships" r:blip="">
+          <dgm:adjLst/>
+        </dgm:shape>
+        <dgm:presOf/>
+        <dgm:constrLst/>
+        <dgm:ruleLst/>
+        <dgm:forEach name="Name15" axis="ch" cnt="3">
+          <dgm:forEach name="Name16" axis="self" ptType="node">
+            <dgm:layoutNode name="Name17">
+              <dgm:choose name="Name18">
+                <dgm:if name="Name19" func="var" arg="dir" op="equ" val="norm">
+                  <dgm:alg type="hierRoot">
+                    <dgm:param type="hierAlign" val="lCtrCh"/>
+                  </dgm:alg>
+                </dgm:if>
+                <dgm:else name="Name20">
+                  <dgm:alg type="hierRoot">
+                    <dgm:param type="hierAlign" val="rCtrCh"/>
+                  </dgm:alg>
+                </dgm:else>
+              </dgm:choose>
+              <dgm:shape xmlns:r="http://schemas.openxmlformats.org/officeDocument/2006/relationships" r:blip="">
+                <dgm:adjLst/>
+              </dgm:shape>
+              <dgm:presOf/>
+              <dgm:constrLst/>
+              <dgm:ruleLst/>
+              <dgm:layoutNode name="level1Shape" styleLbl="node0">
+                <dgm:varLst>
+                  <dgm:chPref val="3"/>
+                </dgm:varLst>
+                <dgm:alg type="tx"/>
+                <dgm:shape xmlns:r="http://schemas.openxmlformats.org/officeDocument/2006/relationships" type="roundRect" r:blip="">
+                  <dgm:adjLst>
+                    <dgm:adj idx="1" val="0.1"/>
+                  </dgm:adjLst>
+                </dgm:shape>
+                <dgm:presOf axis="self"/>
+                <dgm:constrLst>
+                  <dgm:constr type="tMarg" refType="primFontSz" fact="0.05"/>
+                  <dgm:constr type="bMarg" refType="primFontSz" fact="0.05"/>
+                  <dgm:constr type="lMarg" refType="primFontSz" fact="0.05"/>
+                  <dgm:constr type="rMarg" refType="primFontSz" fact="0.05"/>
+                </dgm:constrLst>
+                <dgm:ruleLst>
+                  <dgm:rule type="primFontSz" val="5" fact="NaN" max="NaN"/>
+                </dgm:ruleLst>
+              </dgm:layoutNode>
+              <dgm:layoutNode name="hierChild2">
+                <dgm:choose name="Name21">
+                  <dgm:if name="Name22" func="var" arg="dir" op="equ" val="norm">
+                    <dgm:alg type="hierChild">
+                      <dgm:param type="linDir" val="fromT"/>
+                      <dgm:param type="chAlign" val="l"/>
+                    </dgm:alg>
+                  </dgm:if>
+                  <dgm:else name="Name23">
+                    <dgm:alg type="hierChild">
+                      <dgm:param type="linDir" val="fromT"/>
+                      <dgm:param type="chAlign" val="r"/>
+                    </dgm:alg>
+                  </dgm:else>
+                </dgm:choose>
+                <dgm:shape xmlns:r="http://schemas.openxmlformats.org/officeDocument/2006/relationships" r:blip="">
+                  <dgm:adjLst/>
+                </dgm:shape>
+                <dgm:presOf/>
+                <dgm:constrLst/>
+                <dgm:ruleLst/>
+                <dgm:forEach name="repeat" axis="ch">
+                  <dgm:forEach name="Name24" axis="self" ptType="parTrans" cnt="1">
+                    <dgm:layoutNode name="Name25">
+                      <dgm:choose name="Name26">
+                        <dgm:if name="Name27" func="var" arg="dir" op="equ" val="norm">
+                          <dgm:alg type="conn">
+                            <dgm:param type="dim" val="1D"/>
+                            <dgm:param type="begPts" val="midR"/>
+                            <dgm:param type="endPts" val="midL"/>
+                            <dgm:param type="endSty" val="noArr"/>
+                          </dgm:alg>
+                        </dgm:if>
+                        <dgm:else name="Name28">
+                          <dgm:alg type="conn">
+                            <dgm:param type="dim" val="1D"/>
+                            <dgm:param type="begPts" val="midL"/>
+                            <dgm:param type="endPts" val="midR"/>
+                            <dgm:param type="endSty" val="noArr"/>
+                          </dgm:alg>
+                        </dgm:else>
+                      </dgm:choose>
+                      <dgm:shape xmlns:r="http://schemas.openxmlformats.org/officeDocument/2006/relationships" type="conn" r:blip="">
+                        <dgm:adjLst/>
+                      </dgm:shape>
+                      <dgm:presOf axis="self"/>
+                      <dgm:constrLst>
+                        <dgm:constr type="w" val="1"/>
+                        <dgm:constr type="h" val="5"/>
+                        <dgm:constr type="connDist"/>
+                        <dgm:constr type="begPad"/>
+                        <dgm:constr type="endPad"/>
+                        <dgm:constr type="userA" for="ch" refType="connDist"/>
+                      </dgm:constrLst>
+                      <dgm:ruleLst/>
+                      <dgm:layoutNode name="connTx">
+                        <dgm:alg type="tx">
+                          <dgm:param type="autoTxRot" val="grav"/>
+                        </dgm:alg>
+                        <dgm:shape xmlns:r="http://schemas.openxmlformats.org/officeDocument/2006/relationships" type="rect" r:blip="" hideGeom="1">
+                          <dgm:adjLst/>
+                        </dgm:shape>
+                        <dgm:presOf axis="self"/>
+                        <dgm:constrLst>
+                          <dgm:constr type="userA"/>
+                          <dgm:constr type="w" refType="userA" fact="0.05"/>
+                          <dgm:constr type="h" refType="userA" fact="0.05"/>
+                          <dgm:constr type="lMarg" val="1"/>
+                          <dgm:constr type="rMarg" val="1"/>
+                          <dgm:constr type="tMarg"/>
+                          <dgm:constr type="bMarg"/>
+                        </dgm:constrLst>
+                        <dgm:ruleLst>
+                          <dgm:rule type="h" val="NaN" fact="0.25" max="NaN"/>
+                          <dgm:rule type="w" val="NaN" fact="0.8" max="NaN"/>
+                          <dgm:rule type="primFontSz" val="5" fact="NaN" max="NaN"/>
+                        </dgm:ruleLst>
+                      </dgm:layoutNode>
+                    </dgm:layoutNode>
+                  </dgm:forEach>
+                  <dgm:forEach name="Name29" axis="self" ptType="node">
+                    <dgm:layoutNode name="Name30">
+                      <dgm:choose name="Name31">
+                        <dgm:if name="Name32" func="var" arg="dir" op="equ" val="norm">
+                          <dgm:alg type="hierRoot">
+                            <dgm:param type="hierAlign" val="lCtrCh"/>
+                          </dgm:alg>
+                        </dgm:if>
+                        <dgm:else name="Name33">
+                          <dgm:alg type="hierRoot">
+                            <dgm:param type="hierAlign" val="rCtrCh"/>
+                          </dgm:alg>
+                        </dgm:else>
+                      </dgm:choose>
+                      <dgm:shape xmlns:r="http://schemas.openxmlformats.org/officeDocument/2006/relationships" r:blip="">
+                        <dgm:adjLst/>
+                      </dgm:shape>
+                      <dgm:presOf/>
+                      <dgm:constrLst/>
+                      <dgm:ruleLst/>
+                      <dgm:layoutNode name="level2Shape">
+                        <dgm:alg type="tx"/>
+                        <dgm:shape xmlns:r="http://schemas.openxmlformats.org/officeDocument/2006/relationships" type="roundRect" r:blip="">
+                          <dgm:adjLst>
+                            <dgm:adj idx="1" val="0.1"/>
+                          </dgm:adjLst>
+                        </dgm:shape>
+                        <dgm:presOf axis="self"/>
+                        <dgm:constrLst>
+                          <dgm:constr type="tMarg" refType="primFontSz" fact="0.05"/>
+                          <dgm:constr type="bMarg" refType="primFontSz" fact="0.05"/>
+                          <dgm:constr type="lMarg" refType="primFontSz" fact="0.05"/>
+                          <dgm:constr type="rMarg" refType="primFontSz" fact="0.05"/>
+                        </dgm:constrLst>
+                        <dgm:ruleLst>
+                          <dgm:rule type="primFontSz" val="5" fact="NaN" max="NaN"/>
+                        </dgm:ruleLst>
+                      </dgm:layoutNode>
+                      <dgm:layoutNode name="hierChild3">
+                        <dgm:choose name="Name34">
+                          <dgm:if name="Name35" func="var" arg="dir" op="equ" val="norm">
+                            <dgm:alg type="hierChild">
+                              <dgm:param type="linDir" val="fromT"/>
+                              <dgm:param type="chAlign" val="l"/>
+                            </dgm:alg>
+                          </dgm:if>
+                          <dgm:else name="Name36">
+                            <dgm:alg type="hierChild">
+                              <dgm:param type="linDir" val="fromT"/>
+                              <dgm:param type="chAlign" val="r"/>
+                            </dgm:alg>
+                          </dgm:else>
+                        </dgm:choose>
+                        <dgm:shape xmlns:r="http://schemas.openxmlformats.org/officeDocument/2006/relationships" r:blip="">
+                          <dgm:adjLst/>
+                        </dgm:shape>
+                        <dgm:presOf/>
+                        <dgm:constrLst/>
+                        <dgm:ruleLst/>
+                        <dgm:forEach name="Name37" ref="repeat"/>
+                      </dgm:layoutNode>
+                    </dgm:layoutNode>
+                  </dgm:forEach>
+                </dgm:forEach>
+              </dgm:layoutNode>
+            </dgm:layoutNode>
+          </dgm:forEach>
+        </dgm:forEach>
+      </dgm:layoutNode>
+    </dgm:layoutNode>
+    <dgm:layoutNode name="bgShapesFlow">
+      <dgm:choose name="Name38">
+        <dgm:if name="Name39" func="var" arg="dir" op="equ" val="norm">
+          <dgm:alg type="lin">
+            <dgm:param type="linDir" val="fromL"/>
+            <dgm:param type="nodeVertAlign" val="mid"/>
+            <dgm:param type="vertAlign" val="mid"/>
+            <dgm:param type="nodeHorzAlign" val="l"/>
+            <dgm:param type="horzAlign" val="l"/>
+          </dgm:alg>
+        </dgm:if>
+        <dgm:else name="Name40">
+          <dgm:alg type="lin">
+            <dgm:param type="linDir" val="fromR"/>
+            <dgm:param type="nodeVertAlign" val="mid"/>
+            <dgm:param type="vertAlign" val="mid"/>
+            <dgm:param type="nodeHorzAlign" val="r"/>
+            <dgm:param type="horzAlign" val="r"/>
+          </dgm:alg>
+        </dgm:else>
+      </dgm:choose>
+      <dgm:shape xmlns:r="http://schemas.openxmlformats.org/officeDocument/2006/relationships" r:blip="">
+        <dgm:adjLst/>
+      </dgm:shape>
+      <dgm:presOf/>
+      <dgm:constrLst>
+        <dgm:constr type="w" for="ch" forName="rectComp" refType="w"/>
+        <dgm:constr type="h" for="ch" forName="rectComp" refType="h"/>
+        <dgm:constr type="h" for="des" forName="bgRect" refType="h"/>
+        <dgm:constr type="primFontSz" for="des" forName="bgRectTx" op="equ" val="65"/>
+      </dgm:constrLst>
+      <dgm:ruleLst/>
+      <dgm:forEach name="Name41" axis="ch" ptType="node" st="2">
+        <dgm:layoutNode name="rectComp">
+          <dgm:alg type="composite"/>
+          <dgm:shape xmlns:r="http://schemas.openxmlformats.org/officeDocument/2006/relationships" r:blip="">
+            <dgm:adjLst/>
+          </dgm:shape>
+          <dgm:presOf/>
+          <dgm:constrLst>
+            <dgm:constr type="userA"/>
+            <dgm:constr type="l" for="ch" forName="bgRect"/>
+            <dgm:constr type="t" for="ch" forName="bgRect"/>
+            <dgm:constr type="w" for="ch" forName="bgRect" refType="userA" fact="1.2"/>
+            <dgm:constr type="l" for="ch" forName="bgRectTx"/>
+            <dgm:constr type="t" for="ch" forName="bgRectTx"/>
+            <dgm:constr type="h" for="ch" forName="bgRectTx" refType="h" refFor="ch" refForName="bgRect" fact="0.3"/>
+            <dgm:constr type="w" for="ch" forName="bgRectTx" refType="w" refFor="ch" refForName="bgRect" op="equ"/>
+          </dgm:constrLst>
+          <dgm:ruleLst/>
+          <dgm:layoutNode name="bgRect" styleLbl="bgShp">
+            <dgm:alg type="sp"/>
+            <dgm:shape xmlns:r="http://schemas.openxmlformats.org/officeDocument/2006/relationships" type="roundRect" r:blip="" zOrderOff="-999">
+              <dgm:adjLst>
+                <dgm:adj idx="1" val="0.1"/>
+              </dgm:adjLst>
+            </dgm:shape>
+            <dgm:presOf axis="desOrSelf" ptType="node"/>
+            <dgm:constrLst/>
+            <dgm:ruleLst/>
+          </dgm:layoutNode>
+          <dgm:layoutNode name="bgRectTx" styleLbl="bgShp">
+            <dgm:varLst>
+              <dgm:bulletEnabled val="1"/>
+            </dgm:varLst>
+            <dgm:alg type="tx"/>
+            <dgm:shape xmlns:r="http://schemas.openxmlformats.org/officeDocument/2006/relationships" type="rect" r:blip="" zOrderOff="-999" hideGeom="1">
+              <dgm:adjLst/>
+            </dgm:shape>
+            <dgm:presOf axis="desOrSelf" ptType="node"/>
+            <dgm:constrLst/>
+            <dgm:ruleLst>
+              <dgm:rule type="primFontSz" val="5" fact="NaN" max="NaN"/>
+            </dgm:ruleLst>
+          </dgm:layoutNode>
+        </dgm:layoutNode>
+        <dgm:choose name="Name42">
+          <dgm:if name="Name43" axis="self" ptType="node" func="revPos" op="gte" val="2">
+            <dgm:layoutNode name="spComp">
+              <dgm:alg type="composite"/>
+              <dgm:shape xmlns:r="http://schemas.openxmlformats.org/officeDocument/2006/relationships" r:blip="">
+                <dgm:adjLst/>
+              </dgm:shape>
+              <dgm:presOf/>
+              <dgm:constrLst>
+                <dgm:constr type="userA"/>
+                <dgm:constr type="userB"/>
+                <dgm:constr type="l" for="ch" forName="hSp"/>
+                <dgm:constr type="t" for="ch" forName="hSp"/>
+                <dgm:constr type="w" for="ch" forName="hSp" refType="userB"/>
+                <dgm:constr type="wOff" for="ch" forName="hSp" refType="userA" fact="-0.2"/>
+              </dgm:constrLst>
+              <dgm:ruleLst/>
+              <dgm:layoutNode name="hSp">
+                <dgm:alg type="sp"/>
+                <dgm:shape xmlns:r="http://schemas.openxmlformats.org/officeDocument/2006/relationships" r:blip="">
+                  <dgm:adjLst/>
+                </dgm:shape>
+                <dgm:presOf/>
+                <dgm:constrLst/>
+                <dgm:ruleLst/>
+              </dgm:layoutNode>
+            </dgm:layoutNode>
+          </dgm:if>
+          <dgm:else name="Name44"/>
+        </dgm:choose>
+      </dgm:forEach>
+    </dgm:layoutNode>
+  </dgm:layoutNode>
+</dgm:layoutDef>
+</file>
+
 <file path=ppt/diagrams/quickStyle1.xml><?xml version="1.0" encoding="utf-8"?>
+<dgm:styleDef xmlns:dgm="http://schemas.openxmlformats.org/drawingml/2006/diagram" xmlns:a="http://schemas.openxmlformats.org/drawingml/2006/main" uniqueId="urn:microsoft.com/office/officeart/2005/8/quickstyle/simple2">
+  <dgm:title val=""/>
+  <dgm:desc val=""/>
+  <dgm:catLst>
+    <dgm:cat type="simple" pri="10200"/>
+  </dgm:catLst>
+  <dgm:scene3d>
+    <a:camera prst="orthographicFront"/>
+    <a:lightRig rig="threePt" dir="t"/>
+  </dgm:scene3d>
+  <dgm:styleLbl name="node0">
+    <dgm:scene3d>
+      <a:camera prst="orthographicFront"/>
+      <a:lightRig rig="threePt" dir="t"/>
+    </dgm:scene3d>
+    <dgm:sp3d/>
+    <dgm:txPr/>
+    <dgm:style>
+      <a:lnRef idx="3">
+        <a:scrgbClr r="0" g="0" b="0"/>
+      </a:lnRef>
+      <a:fillRef idx="1">
+        <a:scrgbClr r="0" g="0" b="0"/>
+      </a:fillRef>
+      <a:effectRef idx="1">
+        <a:scrgbClr r="0" g="0" b="0"/>
+      </a:effectRef>
+      <a:fontRef idx="minor">
+        <a:schemeClr val="lt1"/>
+      </a:fontRef>
+    </dgm:style>
+  </dgm:styleLbl>
+  <dgm:styleLbl name="lnNode1">
+    <dgm:scene3d>
+      <a:camera prst="orthographicFront"/>
+      <a:lightRig rig="threePt" dir="t"/>
+    </dgm:scene3d>
+    <dgm:sp3d/>
+    <dgm:txPr/>
+    <dgm:style>
+      <a:lnRef idx="3">
+        <a:scrgbClr r="0" g="0" b="0"/>
+      </a:lnRef>
+      <a:fillRef idx="1">
+        <a:scrgbClr r="0" g="0" b="0"/>
+      </a:fillRef>
+      <a:effectRef idx="1">
+        <a:scrgbClr r="0" g="0" b="0"/>
+      </a:effectRef>
+      <a:fontRef idx="minor">
+        <a:schemeClr val="lt1"/>
+      </a:fontRef>
+    </dgm:style>
+  </dgm:styleLbl>
+  <dgm:styleLbl name="vennNode1">
+    <dgm:scene3d>
+      <a:camera prst="orthographicFront"/>
+      <a:lightRig rig="threePt" dir="t"/>
+    </dgm:scene3d>
+    <dgm:sp3d/>
+    <dgm:txPr/>
+    <dgm:style>
+      <a:lnRef idx="3">
+        <a:scrgbClr r="0" g="0" b="0"/>
+      </a:lnRef>
+      <a:fillRef idx="1">
+        <a:scrgbClr r="0" g="0" b="0"/>
+      </a:fillRef>
+      <a:effectRef idx="0">
+        <a:scrgbClr r="0" g="0" b="0"/>
+      </a:effectRef>
+      <a:fontRef idx="minor">
+        <a:schemeClr val="tx1"/>
+      </a:fontRef>
+    </dgm:style>
+  </dgm:styleLbl>
+  <dgm:styleLbl name="alignNode1">
+    <dgm:scene3d>
+      <a:camera prst="orthographicFront"/>
+      <a:lightRig rig="threePt" dir="t"/>
+    </dgm:scene3d>
+    <dgm:sp3d/>
+    <dgm:txPr/>
+    <dgm:style>
+      <a:lnRef idx="2">
+        <a:scrgbClr r="0" g="0" b="0"/>
+      </a:lnRef>
+      <a:fillRef idx="1">
+        <a:scrgbClr r="0" g="0" b="0"/>
+      </a:fillRef>
+      <a:effectRef idx="1">
+        <a:scrgbClr r="0" g="0" b="0"/>
+      </a:effectRef>
+      <a:fontRef idx="minor">
+        <a:schemeClr val="lt1"/>
+      </a:fontRef>
+    </dgm:style>
+  </dgm:styleLbl>
+  <dgm:styleLbl name="node1">
+    <dgm:scene3d>
+      <a:camera prst="orthographicFront"/>
+      <a:lightRig rig="threePt" dir="t"/>
+    </dgm:scene3d>
+    <dgm:sp3d/>
+    <dgm:txPr/>
+    <dgm:style>
+      <a:lnRef idx="3">
+        <a:scrgbClr r="0" g="0" b="0"/>
+      </a:lnRef>
+      <a:fillRef idx="1">
+        <a:scrgbClr r="0" g="0" b="0"/>
+      </a:fillRef>
+      <a:effectRef idx="1">
+        <a:scrgbClr r="0" g="0" b="0"/>
+      </a:effectRef>
+      <a:fontRef idx="minor">
+        <a:schemeClr val="lt1"/>
+      </a:fontRef>
+    </dgm:style>
+  </dgm:styleLbl>
+  <dgm:styleLbl name="node2">
+    <dgm:scene3d>
+      <a:camera prst="orthographicFront"/>
+      <a:lightRig rig="threePt" dir="t"/>
+    </dgm:scene3d>
+    <dgm:sp3d/>
+    <dgm:txPr/>
+    <dgm:style>
+      <a:lnRef idx="3">
+        <a:scrgbClr r="0" g="0" b="0"/>
+      </a:lnRef>
+      <a:fillRef idx="1">
+        <a:scrgbClr r="0" g="0" b="0"/>
+      </a:fillRef>
+      <a:effectRef idx="1">
+        <a:scrgbClr r="0" g="0" b="0"/>
+      </a:effectRef>
+      <a:fontRef idx="minor">
+        <a:schemeClr val="lt1"/>
+      </a:fontRef>
+    </dgm:style>
+  </dgm:styleLbl>
+  <dgm:styleLbl name="node3">
+    <dgm:scene3d>
+      <a:camera prst="orthographicFront"/>
+      <a:lightRig rig="threePt" dir="t"/>
+    </dgm:scene3d>
+    <dgm:sp3d/>
+    <dgm:txPr/>
+    <dgm:style>
+      <a:lnRef idx="3">
+        <a:scrgbClr r="0" g="0" b="0"/>
+      </a:lnRef>
+      <a:fillRef idx="1">
+        <a:scrgbClr r="0" g="0" b="0"/>
+      </a:fillRef>
+      <a:effectRef idx="1">
+        <a:scrgbClr r="0" g="0" b="0"/>
+      </a:effectRef>
+      <a:fontRef idx="minor">
+        <a:schemeClr val="lt1"/>
+      </a:fontRef>
+    </dgm:style>
+  </dgm:styleLbl>
+  <dgm:styleLbl name="node4">
+    <dgm:scene3d>
+      <a:camera prst="orthographicFront"/>
+      <a:lightRig rig="threePt" dir="t"/>
+    </dgm:scene3d>
+    <dgm:sp3d/>
+    <dgm:txPr/>
+    <dgm:style>
+      <a:lnRef idx="3">
+        <a:scrgbClr r="0" g="0" b="0"/>
+      </a:lnRef>
+      <a:fillRef idx="1">
+        <a:scrgbClr r="0" g="0" b="0"/>
+      </a:fillRef>
+      <a:effectRef idx="1">
+        <a:scrgbClr r="0" g="0" b="0"/>
+      </a:effectRef>
+      <a:fontRef idx="minor">
+        <a:schemeClr val="lt1"/>
+      </a:fontRef>
+    </dgm:style>
+  </dgm:styleLbl>
+  <dgm:styleLbl name="fgImgPlace1">
+    <dgm:scene3d>
+      <a:camera prst="orthographicFront"/>
+      <a:lightRig rig="threePt" dir="t"/>
+    </dgm:scene3d>
+    <dgm:sp3d/>
+    <dgm:txPr/>
+    <dgm:style>
+      <a:lnRef idx="3">
+        <a:scrgbClr r="0" g="0" b="0"/>
+      </a:lnRef>
+      <a:fillRef idx="1">
+        <a:scrgbClr r="0" g="0" b="0"/>
+      </a:fillRef>
+      <a:effectRef idx="1">
+        <a:scrgbClr r="0" g="0" b="0"/>
+      </a:effectRef>
+      <a:fontRef idx="minor"/>
+    </dgm:style>
+  </dgm:styleLbl>
+  <dgm:styleLbl name="alignImgPlace1">
+    <dgm:scene3d>
+      <a:camera prst="orthographicFront"/>
+      <a:lightRig rig="threePt" dir="t"/>
+    </dgm:scene3d>
+    <dgm:sp3d/>
+    <dgm:txPr/>
+    <dgm:style>
+      <a:lnRef idx="3">
+        <a:scrgbClr r="0" g="0" b="0"/>
+      </a:lnRef>
+      <a:fillRef idx="1">
+        <a:scrgbClr r="0" g="0" b="0"/>
+      </a:fillRef>
+      <a:effectRef idx="1">
+        <a:scrgbClr r="0" g="0" b="0"/>
+      </a:effectRef>
+      <a:fontRef idx="minor"/>
+    </dgm:style>
+  </dgm:styleLbl>
+  <dgm:styleLbl name="bgImgPlace1">
+    <dgm:scene3d>
+      <a:camera prst="orthographicFront"/>
+      <a:lightRig rig="threePt" dir="t"/>
+    </dgm:scene3d>
+    <dgm:sp3d/>
+    <dgm:txPr/>
+    <dgm:style>
+      <a:lnRef idx="3">
+        <a:scrgbClr r="0" g="0" b="0"/>
+      </a:lnRef>
+      <a:fillRef idx="1">
+        <a:scrgbClr r="0" g="0" b="0"/>
+      </a:fillRef>
+      <a:effectRef idx="1">
+        <a:scrgbClr r="0" g="0" b="0"/>
+      </a:effectRef>
+      <a:fontRef idx="minor"/>
+    </dgm:style>
+  </dgm:styleLbl>
+  <dgm:styleLbl name="sibTrans2D1">
+    <dgm:scene3d>
+      <a:camera prst="orthographicFront"/>
+      <a:lightRig rig="threePt" dir="t"/>
+    </dgm:scene3d>
+    <dgm:sp3d/>
+    <dgm:txPr/>
+    <dgm:style>
+      <a:lnRef idx="0">
+        <a:scrgbClr r="0" g="0" b="0"/>
+      </a:lnRef>
+      <a:fillRef idx="1">
+        <a:scrgbClr r="0" g="0" b="0"/>
+      </a:fillRef>
+      <a:effectRef idx="1">
+        <a:scrgbClr r="0" g="0" b="0"/>
+      </a:effectRef>
+      <a:fontRef idx="minor">
+        <a:schemeClr val="lt1"/>
+      </a:fontRef>
+    </dgm:style>
+  </dgm:styleLbl>
+  <dgm:styleLbl name="fgSibTrans2D1">
+    <dgm:scene3d>
+      <a:camera prst="orthographicFront"/>
+      <a:lightRig rig="threePt" dir="t"/>
+    </dgm:scene3d>
+    <dgm:sp3d/>
+    <dgm:txPr/>
+    <dgm:style>
+      <a:lnRef idx="0">
+        <a:scrgbClr r="0" g="0" b="0"/>
+      </a:lnRef>
+      <a:fillRef idx="1">
+        <a:scrgbClr r="0" g="0" b="0"/>
+      </a:fillRef>
+      <a:effectRef idx="1">
+        <a:scrgbClr r="0" g="0" b="0"/>
+      </a:effectRef>
+      <a:fontRef idx="minor">
+        <a:schemeClr val="lt1"/>
+      </a:fontRef>
+    </dgm:style>
+  </dgm:styleLbl>
+  <dgm:styleLbl name="bgSibTrans2D1">
+    <dgm:scene3d>
+      <a:camera prst="orthographicFront"/>
+      <a:lightRig rig="threePt" dir="t"/>
+    </dgm:scene3d>
+    <dgm:sp3d/>
+    <dgm:txPr/>
+    <dgm:style>
+      <a:lnRef idx="0">
+        <a:scrgbClr r="0" g="0" b="0"/>
+      </a:lnRef>
+      <a:fillRef idx="1">
+        <a:scrgbClr r="0" g="0" b="0"/>
+      </a:fillRef>
+      <a:effectRef idx="1">
+        <a:scrgbClr r="0" g="0" b="0"/>
+      </a:effectRef>
+      <a:fontRef idx="minor">
+        <a:schemeClr val="lt1"/>
+      </a:fontRef>
+    </dgm:style>
+  </dgm:styleLbl>
+  <dgm:styleLbl name="sibTrans1D1">
+    <dgm:scene3d>
+      <a:camera prst="orthographicFront"/>
+      <a:lightRig rig="threePt" dir="t"/>
+    </dgm:scene3d>
+    <dgm:sp3d/>
+    <dgm:txPr/>
+    <dgm:style>
+      <a:lnRef idx="1">
+        <a:scrgbClr r="0" g="0" b="0"/>
+      </a:lnRef>
+      <a:fillRef idx="0">
+        <a:scrgbClr r="0" g="0" b="0"/>
+      </a:fillRef>
+      <a:effectRef idx="0">
+        <a:scrgbClr r="0" g="0" b="0"/>
+      </a:effectRef>
+      <a:fontRef idx="minor"/>
+    </dgm:style>
+  </dgm:styleLbl>
+  <dgm:styleLbl name="callout">
+    <dgm:scene3d>
+      <a:camera prst="orthographicFront"/>
+      <a:lightRig rig="threePt" dir="t"/>
+    </dgm:scene3d>
+    <dgm:sp3d/>
+    <dgm:txPr/>
+    <dgm:style>
+      <a:lnRef idx="2">
+        <a:scrgbClr r="0" g="0" b="0"/>
+      </a:lnRef>
+      <a:fillRef idx="1">
+        <a:scrgbClr r="0" g="0" b="0"/>
+      </a:fillRef>
+      <a:effectRef idx="1">
+        <a:scrgbClr r="0" g="0" b="0"/>
+      </a:effectRef>
+      <a:fontRef idx="minor"/>
+    </dgm:style>
+  </dgm:styleLbl>
+  <dgm:styleLbl name="asst0">
+    <dgm:scene3d>
+      <a:camera prst="orthographicFront"/>
+      <a:lightRig rig="threePt" dir="t"/>
+    </dgm:scene3d>
+    <dgm:sp3d/>
+    <dgm:txPr/>
+    <dgm:style>
+      <a:lnRef idx="3">
+        <a:scrgbClr r="0" g="0" b="0"/>
+      </a:lnRef>
+      <a:fillRef idx="1">
+        <a:scrgbClr r="0" g="0" b="0"/>
+      </a:fillRef>
+      <a:effectRef idx="1">
+        <a:scrgbClr r="0" g="0" b="0"/>
+      </a:effectRef>
+      <a:fontRef idx="minor">
+        <a:schemeClr val="lt1"/>
+      </a:fontRef>
+    </dgm:style>
+  </dgm:styleLbl>
+  <dgm:styleLbl name="asst1">
+    <dgm:scene3d>
+      <a:camera prst="orthographicFront"/>
+      <a:lightRig rig="threePt" dir="t"/>
+    </dgm:scene3d>
+    <dgm:sp3d/>
+    <dgm:txPr/>
+    <dgm:style>
+      <a:lnRef idx="3">
+        <a:scrgbClr r="0" g="0" b="0"/>
+      </a:lnRef>
+      <a:fillRef idx="1">
+        <a:scrgbClr r="0" g="0" b="0"/>
+      </a:fillRef>
+      <a:effectRef idx="1">
+        <a:scrgbClr r="0" g="0" b="0"/>
+      </a:effectRef>
+      <a:fontRef idx="minor">
+        <a:schemeClr val="lt1"/>
+      </a:fontRef>
+    </dgm:style>
+  </dgm:styleLbl>
+  <dgm:styleLbl name="asst2">
+    <dgm:scene3d>
+      <a:camera prst="orthographicFront"/>
+      <a:lightRig rig="threePt" dir="t"/>
+    </dgm:scene3d>
+    <dgm:sp3d/>
+    <dgm:txPr/>
+    <dgm:style>
+      <a:lnRef idx="3">
+        <a:scrgbClr r="0" g="0" b="0"/>
+      </a:lnRef>
+      <a:fillRef idx="1">
+        <a:scrgbClr r="0" g="0" b="0"/>
+      </a:fillRef>
+      <a:effectRef idx="1">
+        <a:scrgbClr r="0" g="0" b="0"/>
+      </a:effectRef>
+      <a:fontRef idx="minor">
+        <a:schemeClr val="lt1"/>
+      </a:fontRef>
+    </dgm:style>
+  </dgm:styleLbl>
+  <dgm:styleLbl name="asst3">
+    <dgm:scene3d>
+      <a:camera prst="orthographicFront"/>
+      <a:lightRig rig="threePt" dir="t"/>
+    </dgm:scene3d>
+    <dgm:sp3d/>
+    <dgm:txPr/>
+    <dgm:style>
+      <a:lnRef idx="3">
+        <a:scrgbClr r="0" g="0" b="0"/>
+      </a:lnRef>
+      <a:fillRef idx="1">
+        <a:scrgbClr r="0" g="0" b="0"/>
+      </a:fillRef>
+      <a:effectRef idx="1">
+        <a:scrgbClr r="0" g="0" b="0"/>
+      </a:effectRef>
+      <a:fontRef idx="minor">
+        <a:schemeClr val="lt1"/>
+      </a:fontRef>
+    </dgm:style>
+  </dgm:styleLbl>
+  <dgm:styleLbl name="asst4">
+    <dgm:scene3d>
+      <a:camera prst="orthographicFront"/>
+      <a:lightRig rig="threePt" dir="t"/>
+    </dgm:scene3d>
+    <dgm:sp3d/>
+    <dgm:txPr/>
+    <dgm:style>
+      <a:lnRef idx="3">
+        <a:scrgbClr r="0" g="0" b="0"/>
+      </a:lnRef>
+      <a:fillRef idx="1">
+        <a:scrgbClr r="0" g="0" b="0"/>
+      </a:fillRef>
+      <a:effectRef idx="1">
+        <a:scrgbClr r="0" g="0" b="0"/>
+      </a:effectRef>
+      <a:fontRef idx="minor">
+        <a:schemeClr val="lt1"/>
+      </a:fontRef>
+    </dgm:style>
+  </dgm:styleLbl>
+  <dgm:styleLbl name="parChTrans2D1">
+    <dgm:scene3d>
+      <a:camera prst="orthographicFront"/>
+      <a:lightRig rig="threePt" dir="t"/>
+    </dgm:scene3d>
+    <dgm:sp3d/>
+    <dgm:txPr/>
+    <dgm:style>
+      <a:lnRef idx="3">
+        <a:scrgbClr r="0" g="0" b="0"/>
+      </a:lnRef>
+      <a:fillRef idx="1">
+        <a:scrgbClr r="0" g="0" b="0"/>
+      </a:fillRef>
+      <a:effectRef idx="1">
+        <a:scrgbClr r="0" g="0" b="0"/>
+      </a:effectRef>
+      <a:fontRef idx="minor">
+        <a:schemeClr val="lt1"/>
+      </a:fontRef>
+    </dgm:style>
+  </dgm:styleLbl>
+  <dgm:styleLbl name="parChTrans2D2">
+    <dgm:scene3d>
+      <a:camera prst="orthographicFront"/>
+      <a:lightRig rig="threePt" dir="t"/>
+    </dgm:scene3d>
+    <dgm:sp3d/>
+    <dgm:txPr/>
+    <dgm:style>
+      <a:lnRef idx="3">
+        <a:scrgbClr r="0" g="0" b="0"/>
+      </a:lnRef>
+      <a:fillRef idx="1">
+        <a:scrgbClr r="0" g="0" b="0"/>
+      </a:fillRef>
+      <a:effectRef idx="1">
+        <a:scrgbClr r="0" g="0" b="0"/>
+      </a:effectRef>
+      <a:fontRef idx="minor">
+        <a:schemeClr val="lt1"/>
+      </a:fontRef>
+    </dgm:style>
+  </dgm:styleLbl>
+  <dgm:styleLbl name="parChTrans2D3">
+    <dgm:scene3d>
+      <a:camera prst="orthographicFront"/>
+      <a:lightRig rig="threePt" dir="t"/>
+    </dgm:scene3d>
+    <dgm:sp3d/>
+    <dgm:txPr/>
+    <dgm:style>
+      <a:lnRef idx="3">
+        <a:scrgbClr r="0" g="0" b="0"/>
+      </a:lnRef>
+      <a:fillRef idx="1">
+        <a:scrgbClr r="0" g="0" b="0"/>
+      </a:fillRef>
+      <a:effectRef idx="1">
+        <a:scrgbClr r="0" g="0" b="0"/>
+      </a:effectRef>
+      <a:fontRef idx="minor">
+        <a:schemeClr val="lt1"/>
+      </a:fontRef>
+    </dgm:style>
+  </dgm:styleLbl>
+  <dgm:styleLbl name="parChTrans2D4">
+    <dgm:scene3d>
+      <a:camera prst="orthographicFront"/>
+      <a:lightRig rig="threePt" dir="t"/>
+    </dgm:scene3d>
+    <dgm:sp3d/>
+    <dgm:txPr/>
+    <dgm:style>
+      <a:lnRef idx="3">
+        <a:scrgbClr r="0" g="0" b="0"/>
+      </a:lnRef>
+      <a:fillRef idx="1">
+        <a:scrgbClr r="0" g="0" b="0"/>
+      </a:fillRef>
+      <a:effectRef idx="1">
+        <a:scrgbClr r="0" g="0" b="0"/>
+      </a:effectRef>
+      <a:fontRef idx="minor">
+        <a:schemeClr val="lt1"/>
+      </a:fontRef>
+    </dgm:style>
+  </dgm:styleLbl>
+  <dgm:styleLbl name="parChTrans1D1">
+    <dgm:scene3d>
+      <a:camera prst="orthographicFront"/>
+      <a:lightRig rig="threePt" dir="t"/>
+    </dgm:scene3d>
+    <dgm:sp3d/>
+    <dgm:txPr/>
+    <dgm:style>
+      <a:lnRef idx="2">
+        <a:scrgbClr r="0" g="0" b="0"/>
+      </a:lnRef>
+      <a:fillRef idx="0">
+        <a:scrgbClr r="0" g="0" b="0"/>
+      </a:fillRef>
+      <a:effectRef idx="0">
+        <a:scrgbClr r="0" g="0" b="0"/>
+      </a:effectRef>
+      <a:fontRef idx="minor"/>
+    </dgm:style>
+  </dgm:styleLbl>
+  <dgm:styleLbl name="parChTrans1D2">
+    <dgm:scene3d>
+      <a:camera prst="orthographicFront"/>
+      <a:lightRig rig="threePt" dir="t"/>
+    </dgm:scene3d>
+    <dgm:sp3d/>
+    <dgm:txPr/>
+    <dgm:style>
+      <a:lnRef idx="2">
+        <a:scrgbClr r="0" g="0" b="0"/>
+      </a:lnRef>
+      <a:fillRef idx="0">
+        <a:scrgbClr r="0" g="0" b="0"/>
+      </a:fillRef>
+      <a:effectRef idx="0">
+        <a:scrgbClr r="0" g="0" b="0"/>
+      </a:effectRef>
+      <a:fontRef idx="minor"/>
+    </dgm:style>
+  </dgm:styleLbl>
+  <dgm:styleLbl name="parChTrans1D3">
+    <dgm:scene3d>
+      <a:camera prst="orthographicFront"/>
+      <a:lightRig rig="threePt" dir="t"/>
+    </dgm:scene3d>
+    <dgm:sp3d/>
+    <dgm:txPr/>
+    <dgm:style>
+      <a:lnRef idx="2">
+        <a:scrgbClr r="0" g="0" b="0"/>
+      </a:lnRef>
+      <a:fillRef idx="0">
+        <a:scrgbClr r="0" g="0" b="0"/>
+      </a:fillRef>
+      <a:effectRef idx="0">
+        <a:scrgbClr r="0" g="0" b="0"/>
+      </a:effectRef>
+      <a:fontRef idx="minor"/>
+    </dgm:style>
+  </dgm:styleLbl>
+  <dgm:styleLbl name="parChTrans1D4">
+    <dgm:scene3d>
+      <a:camera prst="orthographicFront"/>
+      <a:lightRig rig="threePt" dir="t"/>
+    </dgm:scene3d>
+    <dgm:sp3d/>
+    <dgm:txPr/>
+    <dgm:style>
+      <a:lnRef idx="2">
+        <a:scrgbClr r="0" g="0" b="0"/>
+      </a:lnRef>
+      <a:fillRef idx="0">
+        <a:scrgbClr r="0" g="0" b="0"/>
+      </a:fillRef>
+      <a:effectRef idx="0">
+        <a:scrgbClr r="0" g="0" b="0"/>
+      </a:effectRef>
+      <a:fontRef idx="minor"/>
+    </dgm:style>
+  </dgm:styleLbl>
+  <dgm:styleLbl name="fgAcc1">
+    <dgm:scene3d>
+      <a:camera prst="orthographicFront"/>
+      <a:lightRig rig="threePt" dir="t"/>
+    </dgm:scene3d>
+    <dgm:sp3d/>
+    <dgm:txPr/>
+    <dgm:style>
+      <a:lnRef idx="2">
+        <a:scrgbClr r="0" g="0" b="0"/>
+      </a:lnRef>
+      <a:fillRef idx="1">
+        <a:scrgbClr r="0" g="0" b="0"/>
+      </a:fillRef>
+      <a:effectRef idx="0">
+        <a:scrgbClr r="0" g="0" b="0"/>
+      </a:effectRef>
+      <a:fontRef idx="minor"/>
+    </dgm:style>
+  </dgm:styleLbl>
+  <dgm:styleLbl name="conFgAcc1">
+    <dgm:scene3d>
+      <a:camera prst="orthographicFront"/>
+      <a:lightRig rig="threePt" dir="t"/>
+    </dgm:scene3d>
+    <dgm:sp3d/>
+    <dgm:txPr/>
+    <dgm:style>
+      <a:lnRef idx="2">
+        <a:scrgbClr r="0" g="0" b="0"/>
+      </a:lnRef>
+      <a:fillRef idx="1">
+        <a:scrgbClr r="0" g="0" b="0"/>
+      </a:fillRef>
+      <a:effectRef idx="0">
+        <a:scrgbClr r="0" g="0" b="0"/>
+      </a:effectRef>
+      <a:fontRef idx="minor"/>
+    </dgm:style>
+  </dgm:styleLbl>
+  <dgm:styleLbl name="alignAcc1">
+    <dgm:scene3d>
+      <a:camera prst="orthographicFront"/>
+      <a:lightRig rig="threePt" dir="t"/>
+    </dgm:scene3d>
+    <dgm:sp3d/>
+    <dgm:txPr/>
+    <dgm:style>
+      <a:lnRef idx="2">
+        <a:scrgbClr r="0" g="0" b="0"/>
+      </a:lnRef>
+      <a:fillRef idx="1">
+        <a:scrgbClr r="0" g="0" b="0"/>
+      </a:fillRef>
+      <a:effectRef idx="0">
+        <a:scrgbClr r="0" g="0" b="0"/>
+      </a:effectRef>
+      <a:fontRef idx="minor"/>
+    </dgm:style>
+  </dgm:styleLbl>
+  <dgm:styleLbl name="trAlignAcc1">
+    <dgm:scene3d>
+      <a:camera prst="orthographicFront"/>
+      <a:lightRig rig="threePt" dir="t"/>
+    </dgm:scene3d>
+    <dgm:sp3d/>
+    <dgm:txPr/>
+    <dgm:style>
+      <a:lnRef idx="1">
+        <a:scrgbClr r="0" g="0" b="0"/>
+      </a:lnRef>
+      <a:fillRef idx="1">
+        <a:scrgbClr r="0" g="0" b="0"/>
+      </a:fillRef>
+      <a:effectRef idx="0">
+        <a:scrgbClr r="0" g="0" b="0"/>
+      </a:effectRef>
+      <a:fontRef idx="minor"/>
+    </dgm:style>
+  </dgm:styleLbl>
+  <dgm:styleLbl name="bgAcc1">
+    <dgm:scene3d>
+      <a:camera prst="orthographicFront"/>
+      <a:lightRig rig="threePt" dir="t"/>
+    </dgm:scene3d>
+    <dgm:sp3d/>
+    <dgm:txPr/>
+    <dgm:style>
+      <a:lnRef idx="2">
+        <a:scrgbClr r="0" g="0" b="0"/>
+      </a:lnRef>
+      <a:fillRef idx="1">
+        <a:scrgbClr r="0" g="0" b="0"/>
+      </a:fillRef>
+      <a:effectRef idx="0">
+        <a:scrgbClr r="0" g="0" b="0"/>
+      </a:effectRef>
+      <a:fontRef idx="minor"/>
+    </dgm:style>
+  </dgm:styleLbl>
+  <dgm:styleLbl name="solidFgAcc1">
+    <dgm:scene3d>
+      <a:camera prst="orthographicFront"/>
+      <a:lightRig rig="threePt" dir="t"/>
+    </dgm:scene3d>
+    <dgm:sp3d/>
+    <dgm:txPr/>
+    <dgm:style>
+      <a:lnRef idx="2">
+        <a:scrgbClr r="0" g="0" b="0"/>
+      </a:lnRef>
+      <a:fillRef idx="1">
+        <a:scrgbClr r="0" g="0" b="0"/>
+      </a:fillRef>
+      <a:effectRef idx="0">
+        <a:scrgbClr r="0" g="0" b="0"/>
+      </a:effectRef>
+      <a:fontRef idx="minor"/>
+    </dgm:style>
+  </dgm:styleLbl>
+  <dgm:styleLbl name="solidAlignAcc1">
+    <dgm:scene3d>
+      <a:camera prst="orthographicFront"/>
+      <a:lightRig rig="threePt" dir="t"/>
+    </dgm:scene3d>
+    <dgm:sp3d/>
+    <dgm:txPr/>
+    <dgm:style>
+      <a:lnRef idx="2">
+        <a:scrgbClr r="0" g="0" b="0"/>
+      </a:lnRef>
+      <a:fillRef idx="1">
+        <a:scrgbClr r="0" g="0" b="0"/>
+      </a:fillRef>
+      <a:effectRef idx="0">
+        <a:scrgbClr r="0" g="0" b="0"/>
+      </a:effectRef>
+      <a:fontRef idx="minor"/>
+    </dgm:style>
+  </dgm:styleLbl>
+  <dgm:styleLbl name="solidBgAcc1">
+    <dgm:scene3d>
+      <a:camera prst="orthographicFront"/>
+      <a:lightRig rig="threePt" dir="t"/>
+    </dgm:scene3d>
+    <dgm:sp3d/>
+    <dgm:txPr/>
+    <dgm:style>
+      <a:lnRef idx="2">
+        <a:scrgbClr r="0" g="0" b="0"/>
+      </a:lnRef>
+      <a:fillRef idx="1">
+        <a:scrgbClr r="0" g="0" b="0"/>
+      </a:fillRef>
+      <a:effectRef idx="0">
+        <a:scrgbClr r="0" g="0" b="0"/>
+      </a:effectRef>
+      <a:fontRef idx="minor"/>
+    </dgm:style>
+  </dgm:styleLbl>
+  <dgm:styleLbl name="fgAccFollowNode1">
+    <dgm:scene3d>
+      <a:camera prst="orthographicFront"/>
+      <a:lightRig rig="threePt" dir="t"/>
+    </dgm:scene3d>
+    <dgm:sp3d/>
+    <dgm:txPr/>
+    <dgm:style>
+      <a:lnRef idx="2">
+        <a:scrgbClr r="0" g="0" b="0"/>
+      </a:lnRef>
+      <a:fillRef idx="1">
+        <a:scrgbClr r="0" g="0" b="0"/>
+      </a:fillRef>
+      <a:effectRef idx="0">
+        <a:scrgbClr r="0" g="0" b="0"/>
+      </a:effectRef>
+      <a:fontRef idx="minor"/>
+    </dgm:style>
+  </dgm:styleLbl>
+  <dgm:styleLbl name="alignAccFollowNode1">
+    <dgm:scene3d>
+      <a:camera prst="orthographicFront"/>
+      <a:lightRig rig="threePt" dir="t"/>
+    </dgm:scene3d>
+    <dgm:sp3d/>
+    <dgm:txPr/>
+    <dgm:style>
+      <a:lnRef idx="2">
+        <a:scrgbClr r="0" g="0" b="0"/>
+      </a:lnRef>
+      <a:fillRef idx="1">
+        <a:scrgbClr r="0" g="0" b="0"/>
+      </a:fillRef>
+      <a:effectRef idx="0">
+        <a:scrgbClr r="0" g="0" b="0"/>
+      </a:effectRef>
+      <a:fontRef idx="minor"/>
+    </dgm:style>
+  </dgm:styleLbl>
+  <dgm:styleLbl name="bgAccFollowNode1">
+    <dgm:scene3d>
+      <a:camera prst="orthographicFront"/>
+      <a:lightRig rig="threePt" dir="t"/>
+    </dgm:scene3d>
+    <dgm:sp3d/>
+    <dgm:txPr/>
+    <dgm:style>
+      <a:lnRef idx="2">
+        <a:scrgbClr r="0" g="0" b="0"/>
+      </a:lnRef>
+      <a:fillRef idx="1">
+        <a:scrgbClr r="0" g="0" b="0"/>
+      </a:fillRef>
+      <a:effectRef idx="0">
+        <a:scrgbClr r="0" g="0" b="0"/>
+      </a:effectRef>
+      <a:fontRef idx="minor"/>
+    </dgm:style>
+  </dgm:styleLbl>
+  <dgm:styleLbl name="fgAcc0">
+    <dgm:scene3d>
+      <a:camera prst="orthographicFront"/>
+      <a:lightRig rig="threePt" dir="t"/>
+    </dgm:scene3d>
+    <dgm:sp3d/>
+    <dgm:txPr/>
+    <dgm:style>
+      <a:lnRef idx="2">
+        <a:scrgbClr r="0" g="0" b="0"/>
+      </a:lnRef>
+      <a:fillRef idx="1">
+        <a:scrgbClr r="0" g="0" b="0"/>
+      </a:fillRef>
+      <a:effectRef idx="0">
+        <a:scrgbClr r="0" g="0" b="0"/>
+      </a:effectRef>
+      <a:fontRef idx="minor"/>
+    </dgm:style>
+  </dgm:styleLbl>
+  <dgm:styleLbl name="fgAcc2">
+    <dgm:scene3d>
+      <a:camera prst="orthographicFront"/>
+      <a:lightRig rig="threePt" dir="t"/>
+    </dgm:scene3d>
+    <dgm:sp3d/>
+    <dgm:txPr/>
+    <dgm:style>
+      <a:lnRef idx="2">
+        <a:scrgbClr r="0" g="0" b="0"/>
+      </a:lnRef>
+      <a:fillRef idx="1">
+        <a:scrgbClr r="0" g="0" b="0"/>
+      </a:fillRef>
+      <a:effectRef idx="0">
+        <a:scrgbClr r="0" g="0" b="0"/>
+      </a:effectRef>
+      <a:fontRef idx="minor"/>
+    </dgm:style>
+  </dgm:styleLbl>
+  <dgm:styleLbl name="fgAcc3">
+    <dgm:scene3d>
+      <a:camera prst="orthographicFront"/>
+      <a:lightRig rig="threePt" dir="t"/>
+    </dgm:scene3d>
+    <dgm:sp3d/>
+    <dgm:txPr/>
+    <dgm:style>
+      <a:lnRef idx="2">
+        <a:scrgbClr r="0" g="0" b="0"/>
+      </a:lnRef>
+      <a:fillRef idx="1">
+        <a:scrgbClr r="0" g="0" b="0"/>
+      </a:fillRef>
+      <a:effectRef idx="0">
+        <a:scrgbClr r="0" g="0" b="0"/>
+      </a:effectRef>
+      <a:fontRef idx="minor"/>
+    </dgm:style>
+  </dgm:styleLbl>
+  <dgm:styleLbl name="fgAcc4">
+    <dgm:scene3d>
+      <a:camera prst="orthographicFront"/>
+      <a:lightRig rig="threePt" dir="t"/>
+    </dgm:scene3d>
+    <dgm:sp3d/>
+    <dgm:txPr/>
+    <dgm:style>
+      <a:lnRef idx="2">
+        <a:scrgbClr r="0" g="0" b="0"/>
+      </a:lnRef>
+      <a:fillRef idx="1">
+        <a:scrgbClr r="0" g="0" b="0"/>
+      </a:fillRef>
+      <a:effectRef idx="0">
+        <a:scrgbClr r="0" g="0" b="0"/>
+      </a:effectRef>
+      <a:fontRef idx="minor"/>
+    </dgm:style>
+  </dgm:styleLbl>
+  <dgm:styleLbl name="bgShp">
+    <dgm:scene3d>
+      <a:camera prst="orthographicFront"/>
+      <a:lightRig rig="threePt" dir="t"/>
+    </dgm:scene3d>
+    <dgm:sp3d/>
+    <dgm:txPr/>
+    <dgm:style>
+      <a:lnRef idx="0">
+        <a:scrgbClr r="0" g="0" b="0"/>
+      </a:lnRef>
+      <a:fillRef idx="1">
+        <a:scrgbClr r="0" g="0" b="0"/>
+      </a:fillRef>
+      <a:effectRef idx="0">
+        <a:scrgbClr r="0" g="0" b="0"/>
+      </a:effectRef>
+      <a:fontRef idx="minor"/>
+    </dgm:style>
+  </dgm:styleLbl>
+  <dgm:styleLbl name="dkBgShp">
+    <dgm:scene3d>
+      <a:camera prst="orthographicFront"/>
+      <a:lightRig rig="threePt" dir="t"/>
+    </dgm:scene3d>
+    <dgm:sp3d/>
+    <dgm:txPr/>
+    <dgm:style>
+      <a:lnRef idx="0">
+        <a:scrgbClr r="0" g="0" b="0"/>
+      </a:lnRef>
+      <a:fillRef idx="1">
+        <a:scrgbClr r="0" g="0" b="0"/>
+      </a:fillRef>
+      <a:effectRef idx="0">
+        <a:scrgbClr r="0" g="0" b="0"/>
+      </a:effectRef>
+      <a:fontRef idx="minor"/>
+    </dgm:style>
+  </dgm:styleLbl>
+  <dgm:styleLbl name="trBgShp">
+    <dgm:scene3d>
+      <a:camera prst="orthographicFront"/>
+      <a:lightRig rig="threePt" dir="t"/>
+    </dgm:scene3d>
+    <dgm:sp3d/>
+    <dgm:txPr/>
+    <dgm:style>
+      <a:lnRef idx="0">
+        <a:scrgbClr r="0" g="0" b="0"/>
+      </a:lnRef>
+      <a:fillRef idx="1">
+        <a:scrgbClr r="0" g="0" b="0"/>
+      </a:fillRef>
+      <a:effectRef idx="0">
+        <a:scrgbClr r="0" g="0" b="0"/>
+      </a:effectRef>
+      <a:fontRef idx="minor"/>
+    </dgm:style>
+  </dgm:styleLbl>
+  <dgm:styleLbl name="fgShp">
+    <dgm:scene3d>
+      <a:camera prst="orthographicFront"/>
+      <a:lightRig rig="threePt" dir="t"/>
+    </dgm:scene3d>
+    <dgm:sp3d/>
+    <dgm:txPr/>
+    <dgm:style>
+      <a:lnRef idx="3">
+        <a:scrgbClr r="0" g="0" b="0"/>
+      </a:lnRef>
+      <a:fillRef idx="1">
+        <a:scrgbClr r="0" g="0" b="0"/>
+      </a:fillRef>
+      <a:effectRef idx="1">
+        <a:scrgbClr r="0" g="0" b="0"/>
+      </a:effectRef>
+      <a:fontRef idx="minor"/>
+    </dgm:style>
+  </dgm:styleLbl>
+  <dgm:styleLbl name="revTx">
+    <dgm:scene3d>
+      <a:camera prst="orthographicFront"/>
+      <a:lightRig rig="threePt" dir="t"/>
+    </dgm:scene3d>
+    <dgm:sp3d/>
+    <dgm:txPr/>
+    <dgm:style>
+      <a:lnRef idx="0">
+        <a:scrgbClr r="0" g="0" b="0"/>
+      </a:lnRef>
+      <a:fillRef idx="0">
+        <a:scrgbClr r="0" g="0" b="0"/>
+      </a:fillRef>
+      <a:effectRef idx="0">
+        <a:scrgbClr r="0" g="0" b="0"/>
+      </a:effectRef>
+      <a:fontRef idx="minor"/>
+    </dgm:style>
+  </dgm:styleLbl>
+</dgm:styleDef>
+</file>
+
+<file path=ppt/diagrams/quickStyle2.xml><?xml version="1.0" encoding="utf-8"?>
 <dgm:styleDef xmlns:dgm="http://schemas.openxmlformats.org/drawingml/2006/diagram" xmlns:a="http://schemas.openxmlformats.org/drawingml/2006/main" uniqueId="urn:microsoft.com/office/officeart/2005/8/quickstyle/simple2">
   <dgm:title val=""/>
   <dgm:desc val=""/>
@@ -5944,7 +11883,7 @@
           <a:p>
             <a:fld id="{0D774F42-F867-45E6-92F8-D5C96C5B6EB4}" type="datetimeFigureOut">
               <a:rPr lang="nl-NL" smtClean="0"/>
-              <a:t>19-5-2019</a:t>
+              <a:t>20-5-2019</a:t>
             </a:fld>
             <a:endParaRPr lang="nl-NL"/>
           </a:p>
@@ -6114,7 +12053,7 @@
           <a:p>
             <a:fld id="{0D774F42-F867-45E6-92F8-D5C96C5B6EB4}" type="datetimeFigureOut">
               <a:rPr lang="nl-NL" smtClean="0"/>
-              <a:t>19-5-2019</a:t>
+              <a:t>20-5-2019</a:t>
             </a:fld>
             <a:endParaRPr lang="nl-NL"/>
           </a:p>
@@ -6294,7 +12233,7 @@
           <a:p>
             <a:fld id="{0D774F42-F867-45E6-92F8-D5C96C5B6EB4}" type="datetimeFigureOut">
               <a:rPr lang="nl-NL" smtClean="0"/>
-              <a:t>19-5-2019</a:t>
+              <a:t>20-5-2019</a:t>
             </a:fld>
             <a:endParaRPr lang="nl-NL"/>
           </a:p>
@@ -6464,7 +12403,7 @@
           <a:p>
             <a:fld id="{0D774F42-F867-45E6-92F8-D5C96C5B6EB4}" type="datetimeFigureOut">
               <a:rPr lang="nl-NL" smtClean="0"/>
-              <a:t>19-5-2019</a:t>
+              <a:t>20-5-2019</a:t>
             </a:fld>
             <a:endParaRPr lang="nl-NL"/>
           </a:p>
@@ -6710,7 +12649,7 @@
           <a:p>
             <a:fld id="{0D774F42-F867-45E6-92F8-D5C96C5B6EB4}" type="datetimeFigureOut">
               <a:rPr lang="nl-NL" smtClean="0"/>
-              <a:t>19-5-2019</a:t>
+              <a:t>20-5-2019</a:t>
             </a:fld>
             <a:endParaRPr lang="nl-NL"/>
           </a:p>
@@ -6942,7 +12881,7 @@
           <a:p>
             <a:fld id="{0D774F42-F867-45E6-92F8-D5C96C5B6EB4}" type="datetimeFigureOut">
               <a:rPr lang="nl-NL" smtClean="0"/>
-              <a:t>19-5-2019</a:t>
+              <a:t>20-5-2019</a:t>
             </a:fld>
             <a:endParaRPr lang="nl-NL"/>
           </a:p>
@@ -7309,7 +13248,7 @@
           <a:p>
             <a:fld id="{0D774F42-F867-45E6-92F8-D5C96C5B6EB4}" type="datetimeFigureOut">
               <a:rPr lang="nl-NL" smtClean="0"/>
-              <a:t>19-5-2019</a:t>
+              <a:t>20-5-2019</a:t>
             </a:fld>
             <a:endParaRPr lang="nl-NL"/>
           </a:p>
@@ -7427,7 +13366,7 @@
           <a:p>
             <a:fld id="{0D774F42-F867-45E6-92F8-D5C96C5B6EB4}" type="datetimeFigureOut">
               <a:rPr lang="nl-NL" smtClean="0"/>
-              <a:t>19-5-2019</a:t>
+              <a:t>20-5-2019</a:t>
             </a:fld>
             <a:endParaRPr lang="nl-NL"/>
           </a:p>
@@ -7522,7 +13461,7 @@
           <a:p>
             <a:fld id="{0D774F42-F867-45E6-92F8-D5C96C5B6EB4}" type="datetimeFigureOut">
               <a:rPr lang="nl-NL" smtClean="0"/>
-              <a:t>19-5-2019</a:t>
+              <a:t>20-5-2019</a:t>
             </a:fld>
             <a:endParaRPr lang="nl-NL"/>
           </a:p>
@@ -7799,7 +13738,7 @@
           <a:p>
             <a:fld id="{0D774F42-F867-45E6-92F8-D5C96C5B6EB4}" type="datetimeFigureOut">
               <a:rPr lang="nl-NL" smtClean="0"/>
-              <a:t>19-5-2019</a:t>
+              <a:t>20-5-2019</a:t>
             </a:fld>
             <a:endParaRPr lang="nl-NL"/>
           </a:p>
@@ -8056,7 +13995,7 @@
           <a:p>
             <a:fld id="{0D774F42-F867-45E6-92F8-D5C96C5B6EB4}" type="datetimeFigureOut">
               <a:rPr lang="nl-NL" smtClean="0"/>
-              <a:t>19-5-2019</a:t>
+              <a:t>20-5-2019</a:t>
             </a:fld>
             <a:endParaRPr lang="nl-NL"/>
           </a:p>
@@ -8269,7 +14208,7 @@
           <a:p>
             <a:fld id="{0D774F42-F867-45E6-92F8-D5C96C5B6EB4}" type="datetimeFigureOut">
               <a:rPr lang="nl-NL" smtClean="0"/>
-              <a:t>19-5-2019</a:t>
+              <a:t>20-5-2019</a:t>
             </a:fld>
             <a:endParaRPr lang="nl-NL"/>
           </a:p>
@@ -8837,6 +14776,191 @@
 </p:sld>
 </file>
 
+<file path=ppt/slides/slide3.xml><?xml version="1.0" encoding="utf-8"?>
+<p:sld xmlns:a="http://schemas.openxmlformats.org/drawingml/2006/main" xmlns:r="http://schemas.openxmlformats.org/officeDocument/2006/relationships" xmlns:p="http://schemas.openxmlformats.org/presentationml/2006/main">
+  <p:cSld>
+    <p:spTree>
+      <p:nvGrpSpPr>
+        <p:cNvPr id="1" name=""/>
+        <p:cNvGrpSpPr/>
+        <p:nvPr/>
+      </p:nvGrpSpPr>
+      <p:grpSpPr>
+        <a:xfrm>
+          <a:off x="0" y="0"/>
+          <a:ext cx="0" cy="0"/>
+          <a:chOff x="0" y="0"/>
+          <a:chExt cx="0" cy="0"/>
+        </a:xfrm>
+      </p:grpSpPr>
+      <p:graphicFrame>
+        <p:nvGraphicFramePr>
+          <p:cNvPr id="4" name="Content Placeholder 3">
+            <a:extLst>
+              <a:ext uri="{FF2B5EF4-FFF2-40B4-BE49-F238E27FC236}">
+                <a16:creationId xmlns:a16="http://schemas.microsoft.com/office/drawing/2014/main" id="{AB3C8070-C05C-4B8F-BEED-01500B6E8ECC}"/>
+              </a:ext>
+            </a:extLst>
+          </p:cNvPr>
+          <p:cNvGraphicFramePr>
+            <a:graphicFrameLocks noGrp="1"/>
+          </p:cNvGraphicFramePr>
+          <p:nvPr>
+            <p:ph idx="1"/>
+            <p:extLst>
+              <p:ext uri="{D42A27DB-BD31-4B8C-83A1-F6EECF244321}">
+                <p14:modId xmlns:p14="http://schemas.microsoft.com/office/powerpoint/2010/main" val="571293519"/>
+              </p:ext>
+            </p:extLst>
+          </p:nvPr>
+        </p:nvGraphicFramePr>
+        <p:xfrm>
+          <a:off x="449765" y="283612"/>
+          <a:ext cx="12675589" cy="6290775"/>
+        </p:xfrm>
+        <a:graphic>
+          <a:graphicData uri="http://schemas.openxmlformats.org/drawingml/2006/diagram">
+            <dgm:relIds xmlns:dgm="http://schemas.openxmlformats.org/drawingml/2006/diagram" xmlns:r="http://schemas.openxmlformats.org/officeDocument/2006/relationships" r:dm="rId2" r:lo="rId3" r:qs="rId4" r:cs="rId5"/>
+          </a:graphicData>
+        </a:graphic>
+      </p:graphicFrame>
+      <p:cxnSp>
+        <p:nvCxnSpPr>
+          <p:cNvPr id="6" name="Straight Connector 5">
+            <a:extLst>
+              <a:ext uri="{FF2B5EF4-FFF2-40B4-BE49-F238E27FC236}">
+                <a16:creationId xmlns:a16="http://schemas.microsoft.com/office/drawing/2014/main" id="{1D6C89D9-AC39-41EB-8B46-DF18D33C330B}"/>
+              </a:ext>
+            </a:extLst>
+          </p:cNvPr>
+          <p:cNvCxnSpPr>
+            <a:cxnSpLocks/>
+          </p:cNvCxnSpPr>
+          <p:nvPr/>
+        </p:nvCxnSpPr>
+        <p:spPr>
+          <a:xfrm flipV="1">
+            <a:off x="7456011" y="2529840"/>
+            <a:ext cx="560229" cy="1010920"/>
+          </a:xfrm>
+          <a:prstGeom prst="line">
+            <a:avLst/>
+          </a:prstGeom>
+          <a:ln w="28575"/>
+        </p:spPr>
+        <p:style>
+          <a:lnRef idx="1">
+            <a:schemeClr val="dk1"/>
+          </a:lnRef>
+          <a:fillRef idx="0">
+            <a:schemeClr val="dk1"/>
+          </a:fillRef>
+          <a:effectRef idx="0">
+            <a:schemeClr val="dk1"/>
+          </a:effectRef>
+          <a:fontRef idx="minor">
+            <a:schemeClr val="tx1"/>
+          </a:fontRef>
+        </p:style>
+      </p:cxnSp>
+    </p:spTree>
+    <p:extLst>
+      <p:ext uri="{BB962C8B-B14F-4D97-AF65-F5344CB8AC3E}">
+        <p14:creationId xmlns:p14="http://schemas.microsoft.com/office/powerpoint/2010/main" val="4242335120"/>
+      </p:ext>
+    </p:extLst>
+  </p:cSld>
+  <p:clrMapOvr>
+    <a:masterClrMapping/>
+  </p:clrMapOvr>
+</p:sld>
+</file>
+
+<file path=ppt/slides/slide4.xml><?xml version="1.0" encoding="utf-8"?>
+<p:sld xmlns:a="http://schemas.openxmlformats.org/drawingml/2006/main" xmlns:r="http://schemas.openxmlformats.org/officeDocument/2006/relationships" xmlns:p="http://schemas.openxmlformats.org/presentationml/2006/main">
+  <p:cSld>
+    <p:spTree>
+      <p:nvGrpSpPr>
+        <p:cNvPr id="1" name=""/>
+        <p:cNvGrpSpPr/>
+        <p:nvPr/>
+      </p:nvGrpSpPr>
+      <p:grpSpPr>
+        <a:xfrm>
+          <a:off x="0" y="0"/>
+          <a:ext cx="0" cy="0"/>
+          <a:chOff x="0" y="0"/>
+          <a:chExt cx="0" cy="0"/>
+        </a:xfrm>
+      </p:grpSpPr>
+      <p:sp>
+        <p:nvSpPr>
+          <p:cNvPr id="2" name="Content Placeholder 1">
+            <a:extLst>
+              <a:ext uri="{FF2B5EF4-FFF2-40B4-BE49-F238E27FC236}">
+                <a16:creationId xmlns:a16="http://schemas.microsoft.com/office/drawing/2014/main" id="{04DB8EBD-7537-4039-AE31-0B5DC91A00B5}"/>
+              </a:ext>
+            </a:extLst>
+          </p:cNvPr>
+          <p:cNvSpPr>
+            <a:spLocks noGrp="1"/>
+          </p:cNvSpPr>
+          <p:nvPr>
+            <p:ph idx="1"/>
+          </p:nvPr>
+        </p:nvSpPr>
+        <p:spPr/>
+        <p:txBody>
+          <a:bodyPr/>
+          <a:lstStyle/>
+          <a:p>
+            <a:endParaRPr lang="en-US"/>
+          </a:p>
+        </p:txBody>
+      </p:sp>
+      <p:pic>
+        <p:nvPicPr>
+          <p:cNvPr id="3" name="Picture 2">
+            <a:extLst>
+              <a:ext uri="{FF2B5EF4-FFF2-40B4-BE49-F238E27FC236}">
+                <a16:creationId xmlns:a16="http://schemas.microsoft.com/office/drawing/2014/main" id="{BA3A479C-B462-47C7-92EA-922C90AF3704}"/>
+              </a:ext>
+            </a:extLst>
+          </p:cNvPr>
+          <p:cNvPicPr>
+            <a:picLocks noChangeAspect="1"/>
+          </p:cNvPicPr>
+          <p:nvPr/>
+        </p:nvPicPr>
+        <p:blipFill>
+          <a:blip r:embed="rId2"/>
+          <a:stretch>
+            <a:fillRect/>
+          </a:stretch>
+        </p:blipFill>
+        <p:spPr>
+          <a:xfrm>
+            <a:off x="373941" y="1057450"/>
+            <a:ext cx="12680779" cy="4743099"/>
+          </a:xfrm>
+          <a:prstGeom prst="rect">
+            <a:avLst/>
+          </a:prstGeom>
+        </p:spPr>
+      </p:pic>
+    </p:spTree>
+    <p:extLst>
+      <p:ext uri="{BB962C8B-B14F-4D97-AF65-F5344CB8AC3E}">
+        <p14:creationId xmlns:p14="http://schemas.microsoft.com/office/powerpoint/2010/main" val="746709048"/>
+      </p:ext>
+    </p:extLst>
+  </p:cSld>
+  <p:clrMapOvr>
+    <a:masterClrMapping/>
+  </p:clrMapOvr>
+</p:sld>
+</file>
+
 <file path=ppt/theme/theme1.xml><?xml version="1.0" encoding="utf-8"?>
 <a:theme xmlns:a="http://schemas.openxmlformats.org/drawingml/2006/main" name="Office Theme">
   <a:themeElements>

--- a/Figure1.pptx
+++ b/Figure1.pptx
@@ -5,10 +5,9 @@
     <p:sldMasterId id="2147483660" r:id="rId1"/>
   </p:sldMasterIdLst>
   <p:sldIdLst>
-    <p:sldId id="256" r:id="rId2"/>
-    <p:sldId id="257" r:id="rId3"/>
-    <p:sldId id="258" r:id="rId4"/>
-    <p:sldId id="259" r:id="rId5"/>
+    <p:sldId id="257" r:id="rId2"/>
+    <p:sldId id="258" r:id="rId3"/>
+    <p:sldId id="259" r:id="rId4"/>
   </p:sldIdLst>
   <p:sldSz cx="13428663" cy="6858000"/>
   <p:notesSz cx="6858000" cy="9144000"/>
@@ -11883,7 +11882,7 @@
           <a:p>
             <a:fld id="{0D774F42-F867-45E6-92F8-D5C96C5B6EB4}" type="datetimeFigureOut">
               <a:rPr lang="nl-NL" smtClean="0"/>
-              <a:t>20-5-2019</a:t>
+              <a:t>22-5-2019</a:t>
             </a:fld>
             <a:endParaRPr lang="nl-NL"/>
           </a:p>
@@ -12053,7 +12052,7 @@
           <a:p>
             <a:fld id="{0D774F42-F867-45E6-92F8-D5C96C5B6EB4}" type="datetimeFigureOut">
               <a:rPr lang="nl-NL" smtClean="0"/>
-              <a:t>20-5-2019</a:t>
+              <a:t>22-5-2019</a:t>
             </a:fld>
             <a:endParaRPr lang="nl-NL"/>
           </a:p>
@@ -12233,7 +12232,7 @@
           <a:p>
             <a:fld id="{0D774F42-F867-45E6-92F8-D5C96C5B6EB4}" type="datetimeFigureOut">
               <a:rPr lang="nl-NL" smtClean="0"/>
-              <a:t>20-5-2019</a:t>
+              <a:t>22-5-2019</a:t>
             </a:fld>
             <a:endParaRPr lang="nl-NL"/>
           </a:p>
@@ -12403,7 +12402,7 @@
           <a:p>
             <a:fld id="{0D774F42-F867-45E6-92F8-D5C96C5B6EB4}" type="datetimeFigureOut">
               <a:rPr lang="nl-NL" smtClean="0"/>
-              <a:t>20-5-2019</a:t>
+              <a:t>22-5-2019</a:t>
             </a:fld>
             <a:endParaRPr lang="nl-NL"/>
           </a:p>
@@ -12649,7 +12648,7 @@
           <a:p>
             <a:fld id="{0D774F42-F867-45E6-92F8-D5C96C5B6EB4}" type="datetimeFigureOut">
               <a:rPr lang="nl-NL" smtClean="0"/>
-              <a:t>20-5-2019</a:t>
+              <a:t>22-5-2019</a:t>
             </a:fld>
             <a:endParaRPr lang="nl-NL"/>
           </a:p>
@@ -12881,7 +12880,7 @@
           <a:p>
             <a:fld id="{0D774F42-F867-45E6-92F8-D5C96C5B6EB4}" type="datetimeFigureOut">
               <a:rPr lang="nl-NL" smtClean="0"/>
-              <a:t>20-5-2019</a:t>
+              <a:t>22-5-2019</a:t>
             </a:fld>
             <a:endParaRPr lang="nl-NL"/>
           </a:p>
@@ -13248,7 +13247,7 @@
           <a:p>
             <a:fld id="{0D774F42-F867-45E6-92F8-D5C96C5B6EB4}" type="datetimeFigureOut">
               <a:rPr lang="nl-NL" smtClean="0"/>
-              <a:t>20-5-2019</a:t>
+              <a:t>22-5-2019</a:t>
             </a:fld>
             <a:endParaRPr lang="nl-NL"/>
           </a:p>
@@ -13366,7 +13365,7 @@
           <a:p>
             <a:fld id="{0D774F42-F867-45E6-92F8-D5C96C5B6EB4}" type="datetimeFigureOut">
               <a:rPr lang="nl-NL" smtClean="0"/>
-              <a:t>20-5-2019</a:t>
+              <a:t>22-5-2019</a:t>
             </a:fld>
             <a:endParaRPr lang="nl-NL"/>
           </a:p>
@@ -13461,7 +13460,7 @@
           <a:p>
             <a:fld id="{0D774F42-F867-45E6-92F8-D5C96C5B6EB4}" type="datetimeFigureOut">
               <a:rPr lang="nl-NL" smtClean="0"/>
-              <a:t>20-5-2019</a:t>
+              <a:t>22-5-2019</a:t>
             </a:fld>
             <a:endParaRPr lang="nl-NL"/>
           </a:p>
@@ -13738,7 +13737,7 @@
           <a:p>
             <a:fld id="{0D774F42-F867-45E6-92F8-D5C96C5B6EB4}" type="datetimeFigureOut">
               <a:rPr lang="nl-NL" smtClean="0"/>
-              <a:t>20-5-2019</a:t>
+              <a:t>22-5-2019</a:t>
             </a:fld>
             <a:endParaRPr lang="nl-NL"/>
           </a:p>
@@ -13995,7 +13994,7 @@
           <a:p>
             <a:fld id="{0D774F42-F867-45E6-92F8-D5C96C5B6EB4}" type="datetimeFigureOut">
               <a:rPr lang="nl-NL" smtClean="0"/>
-              <a:t>20-5-2019</a:t>
+              <a:t>22-5-2019</a:t>
             </a:fld>
             <a:endParaRPr lang="nl-NL"/>
           </a:p>
@@ -14208,7 +14207,7 @@
           <a:p>
             <a:fld id="{0D774F42-F867-45E6-92F8-D5C96C5B6EB4}" type="datetimeFigureOut">
               <a:rPr lang="nl-NL" smtClean="0"/>
-              <a:t>20-5-2019</a:t>
+              <a:t>22-5-2019</a:t>
             </a:fld>
             <a:endParaRPr lang="nl-NL"/>
           </a:p>
@@ -14613,86 +14612,6 @@
           <a:chExt cx="0" cy="0"/>
         </a:xfrm>
       </p:grpSpPr>
-      <p:sp>
-        <p:nvSpPr>
-          <p:cNvPr id="2" name="Title 1">
-            <a:extLst>
-              <a:ext uri="{FF2B5EF4-FFF2-40B4-BE49-F238E27FC236}">
-                <a16:creationId xmlns:a16="http://schemas.microsoft.com/office/drawing/2014/main" id="{00959AC2-C6FF-48BC-A1E8-F6A781C91B71}"/>
-              </a:ext>
-            </a:extLst>
-          </p:cNvPr>
-          <p:cNvSpPr>
-            <a:spLocks noGrp="1"/>
-          </p:cNvSpPr>
-          <p:nvPr>
-            <p:ph type="ctrTitle"/>
-          </p:nvPr>
-        </p:nvSpPr>
-        <p:spPr/>
-        <p:txBody>
-          <a:bodyPr/>
-          <a:lstStyle/>
-          <a:p>
-            <a:endParaRPr lang="nl-NL"/>
-          </a:p>
-        </p:txBody>
-      </p:sp>
-      <p:sp>
-        <p:nvSpPr>
-          <p:cNvPr id="3" name="Subtitle 2">
-            <a:extLst>
-              <a:ext uri="{FF2B5EF4-FFF2-40B4-BE49-F238E27FC236}">
-                <a16:creationId xmlns:a16="http://schemas.microsoft.com/office/drawing/2014/main" id="{C00CE68B-2A4E-40F4-AC39-5DE5712F64D7}"/>
-              </a:ext>
-            </a:extLst>
-          </p:cNvPr>
-          <p:cNvSpPr>
-            <a:spLocks noGrp="1"/>
-          </p:cNvSpPr>
-          <p:nvPr>
-            <p:ph type="subTitle" idx="1"/>
-          </p:nvPr>
-        </p:nvSpPr>
-        <p:spPr/>
-        <p:txBody>
-          <a:bodyPr/>
-          <a:lstStyle/>
-          <a:p>
-            <a:endParaRPr lang="nl-NL"/>
-          </a:p>
-        </p:txBody>
-      </p:sp>
-    </p:spTree>
-    <p:extLst>
-      <p:ext uri="{BB962C8B-B14F-4D97-AF65-F5344CB8AC3E}">
-        <p14:creationId xmlns:p14="http://schemas.microsoft.com/office/powerpoint/2010/main" val="871172603"/>
-      </p:ext>
-    </p:extLst>
-  </p:cSld>
-  <p:clrMapOvr>
-    <a:masterClrMapping/>
-  </p:clrMapOvr>
-</p:sld>
-</file>
-
-<file path=ppt/slides/slide2.xml><?xml version="1.0" encoding="utf-8"?>
-<p:sld xmlns:a="http://schemas.openxmlformats.org/drawingml/2006/main" xmlns:r="http://schemas.openxmlformats.org/officeDocument/2006/relationships" xmlns:p="http://schemas.openxmlformats.org/presentationml/2006/main">
-  <p:cSld>
-    <p:spTree>
-      <p:nvGrpSpPr>
-        <p:cNvPr id="1" name=""/>
-        <p:cNvGrpSpPr/>
-        <p:nvPr/>
-      </p:nvGrpSpPr>
-      <p:grpSpPr>
-        <a:xfrm>
-          <a:off x="0" y="0"/>
-          <a:ext cx="0" cy="0"/>
-          <a:chOff x="0" y="0"/>
-          <a:chExt cx="0" cy="0"/>
-        </a:xfrm>
-      </p:grpSpPr>
       <p:graphicFrame>
         <p:nvGraphicFramePr>
           <p:cNvPr id="4" name="Content Placeholder 3">
@@ -14776,7 +14695,7 @@
 </p:sld>
 </file>
 
-<file path=ppt/slides/slide3.xml><?xml version="1.0" encoding="utf-8"?>
+<file path=ppt/slides/slide2.xml><?xml version="1.0" encoding="utf-8"?>
 <p:sld xmlns:a="http://schemas.openxmlformats.org/drawingml/2006/main" xmlns:r="http://schemas.openxmlformats.org/officeDocument/2006/relationships" xmlns:p="http://schemas.openxmlformats.org/presentationml/2006/main">
   <p:cSld>
     <p:spTree>
@@ -14793,6 +14712,45 @@
           <a:chExt cx="0" cy="0"/>
         </a:xfrm>
       </p:grpSpPr>
+      <p:cxnSp>
+        <p:nvCxnSpPr>
+          <p:cNvPr id="6" name="Straight Connector 5">
+            <a:extLst>
+              <a:ext uri="{FF2B5EF4-FFF2-40B4-BE49-F238E27FC236}">
+                <a16:creationId xmlns:a16="http://schemas.microsoft.com/office/drawing/2014/main" id="{1D6C89D9-AC39-41EB-8B46-DF18D33C330B}"/>
+              </a:ext>
+            </a:extLst>
+          </p:cNvPr>
+          <p:cNvCxnSpPr>
+            <a:cxnSpLocks/>
+          </p:cNvCxnSpPr>
+          <p:nvPr/>
+        </p:nvCxnSpPr>
+        <p:spPr>
+          <a:xfrm flipV="1">
+            <a:off x="7456011" y="2517494"/>
+            <a:ext cx="559457" cy="1023266"/>
+          </a:xfrm>
+          <a:prstGeom prst="line">
+            <a:avLst/>
+          </a:prstGeom>
+          <a:ln w="28575"/>
+        </p:spPr>
+        <p:style>
+          <a:lnRef idx="1">
+            <a:schemeClr val="dk1"/>
+          </a:lnRef>
+          <a:fillRef idx="0">
+            <a:schemeClr val="dk1"/>
+          </a:fillRef>
+          <a:effectRef idx="0">
+            <a:schemeClr val="dk1"/>
+          </a:effectRef>
+          <a:fontRef idx="minor">
+            <a:schemeClr val="tx1"/>
+          </a:fontRef>
+        </p:style>
+      </p:cxnSp>
       <p:graphicFrame>
         <p:nvGraphicFramePr>
           <p:cNvPr id="4" name="Content Placeholder 3">
@@ -14824,45 +14782,6 @@
           </a:graphicData>
         </a:graphic>
       </p:graphicFrame>
-      <p:cxnSp>
-        <p:nvCxnSpPr>
-          <p:cNvPr id="6" name="Straight Connector 5">
-            <a:extLst>
-              <a:ext uri="{FF2B5EF4-FFF2-40B4-BE49-F238E27FC236}">
-                <a16:creationId xmlns:a16="http://schemas.microsoft.com/office/drawing/2014/main" id="{1D6C89D9-AC39-41EB-8B46-DF18D33C330B}"/>
-              </a:ext>
-            </a:extLst>
-          </p:cNvPr>
-          <p:cNvCxnSpPr>
-            <a:cxnSpLocks/>
-          </p:cNvCxnSpPr>
-          <p:nvPr/>
-        </p:nvCxnSpPr>
-        <p:spPr>
-          <a:xfrm flipV="1">
-            <a:off x="7456011" y="2529840"/>
-            <a:ext cx="560229" cy="1010920"/>
-          </a:xfrm>
-          <a:prstGeom prst="line">
-            <a:avLst/>
-          </a:prstGeom>
-          <a:ln w="28575"/>
-        </p:spPr>
-        <p:style>
-          <a:lnRef idx="1">
-            <a:schemeClr val="dk1"/>
-          </a:lnRef>
-          <a:fillRef idx="0">
-            <a:schemeClr val="dk1"/>
-          </a:fillRef>
-          <a:effectRef idx="0">
-            <a:schemeClr val="dk1"/>
-          </a:effectRef>
-          <a:fontRef idx="minor">
-            <a:schemeClr val="tx1"/>
-          </a:fontRef>
-        </p:style>
-      </p:cxnSp>
     </p:spTree>
     <p:extLst>
       <p:ext uri="{BB962C8B-B14F-4D97-AF65-F5344CB8AC3E}">
@@ -14876,7 +14795,7 @@
 </p:sld>
 </file>
 
-<file path=ppt/slides/slide4.xml><?xml version="1.0" encoding="utf-8"?>
+<file path=ppt/slides/slide3.xml><?xml version="1.0" encoding="utf-8"?>
 <p:sld xmlns:a="http://schemas.openxmlformats.org/drawingml/2006/main" xmlns:r="http://schemas.openxmlformats.org/officeDocument/2006/relationships" xmlns:p="http://schemas.openxmlformats.org/presentationml/2006/main">
   <p:cSld>
     <p:spTree>

--- a/Figure1.pptx
+++ b/Figure1.pptx
@@ -1752,7 +1752,7 @@
         <a:lstStyle/>
         <a:p>
           <a:r>
-            <a:rPr lang="en-US" sz="1800" dirty="0">
+            <a:rPr lang="en-US" sz="1800">
               <a:solidFill>
                 <a:schemeClr val="tx1"/>
               </a:solidFill>
@@ -1762,7 +1762,7 @@
         </a:p>
         <a:p>
           <a:r>
-            <a:rPr lang="en-US" sz="1800" dirty="0">
+            <a:rPr lang="en-US" sz="1800">
               <a:solidFill>
                 <a:schemeClr val="tx1"/>
               </a:solidFill>
@@ -1809,7 +1809,7 @@
         <a:lstStyle/>
         <a:p>
           <a:r>
-            <a:rPr lang="en-US" sz="1800" dirty="0">
+            <a:rPr lang="en-US" sz="1800">
               <a:solidFill>
                 <a:schemeClr val="tx1"/>
               </a:solidFill>
@@ -1819,7 +1819,7 @@
         </a:p>
         <a:p>
           <a:r>
-            <a:rPr lang="en-US" sz="1800" dirty="0">
+            <a:rPr lang="en-US" sz="1800">
               <a:solidFill>
                 <a:schemeClr val="tx1"/>
               </a:solidFill>
@@ -1868,7 +1868,7 @@
         <a:lstStyle/>
         <a:p>
           <a:r>
-            <a:rPr lang="en-US" sz="1800" dirty="0">
+            <a:rPr lang="en-US" sz="1800">
               <a:solidFill>
                 <a:schemeClr val="tx1"/>
               </a:solidFill>
@@ -1878,7 +1878,7 @@
         </a:p>
         <a:p>
           <a:r>
-            <a:rPr lang="en-US" sz="1800" dirty="0">
+            <a:rPr lang="en-US" sz="1800">
               <a:solidFill>
                 <a:schemeClr val="tx1"/>
               </a:solidFill>
@@ -1888,7 +1888,7 @@
         </a:p>
         <a:p>
           <a:r>
-            <a:rPr lang="en-US" sz="1800" dirty="0">
+            <a:rPr lang="en-US" sz="1800">
               <a:solidFill>
                 <a:schemeClr val="tx1"/>
               </a:solidFill>
@@ -1937,7 +1937,7 @@
         <a:lstStyle/>
         <a:p>
           <a:r>
-            <a:rPr lang="en-US" sz="1800" dirty="0">
+            <a:rPr lang="en-US" sz="1800">
               <a:solidFill>
                 <a:schemeClr val="tx1"/>
               </a:solidFill>
@@ -1947,7 +1947,7 @@
         </a:p>
         <a:p>
           <a:r>
-            <a:rPr lang="en-US" sz="1800" dirty="0">
+            <a:rPr lang="en-US" sz="1800">
               <a:solidFill>
                 <a:schemeClr val="tx1"/>
               </a:solidFill>
@@ -1996,7 +1996,7 @@
         <a:lstStyle/>
         <a:p>
           <a:r>
-            <a:rPr lang="en-US" sz="1800" dirty="0">
+            <a:rPr lang="en-US" sz="1800">
               <a:solidFill>
                 <a:schemeClr val="tx1"/>
               </a:solidFill>
@@ -2006,7 +2006,7 @@
         </a:p>
         <a:p>
           <a:r>
-            <a:rPr lang="en-US" sz="1800" dirty="0">
+            <a:rPr lang="en-US" sz="1800">
               <a:solidFill>
                 <a:schemeClr val="tx1"/>
               </a:solidFill>
@@ -2055,7 +2055,7 @@
         <a:lstStyle/>
         <a:p>
           <a:r>
-            <a:rPr lang="en-US" sz="1800" dirty="0">
+            <a:rPr lang="en-US" sz="1800">
               <a:solidFill>
                 <a:schemeClr val="tx1"/>
               </a:solidFill>
@@ -2065,7 +2065,7 @@
         </a:p>
         <a:p>
           <a:r>
-            <a:rPr lang="en-US" sz="1800" dirty="0">
+            <a:rPr lang="en-US" sz="1800">
               <a:solidFill>
                 <a:schemeClr val="tx1"/>
               </a:solidFill>
@@ -2120,6 +2120,65 @@
               </a:solidFill>
             </a:rPr>
             <a:t>Scripts Available</a:t>
+          </a:r>
+        </a:p>
+        <a:p>
+          <a:r>
+            <a:rPr lang="en-US" sz="1800" dirty="0">
+              <a:solidFill>
+                <a:schemeClr val="tx1"/>
+              </a:solidFill>
+            </a:rPr>
+            <a:t>N = 37</a:t>
+          </a:r>
+          <a:endParaRPr lang="nl-NL" sz="1800" dirty="0">
+            <a:solidFill>
+              <a:schemeClr val="tx1"/>
+            </a:solidFill>
+          </a:endParaRPr>
+        </a:p>
+      </dgm:t>
+    </dgm:pt>
+    <dgm:pt modelId="{7462DDD1-F283-42DB-AB71-270FC8A6AF1F}" type="parTrans" cxnId="{A1EE6A0D-5353-47FF-9DD5-F03D19076821}">
+      <dgm:prSet/>
+      <dgm:spPr>
+        <a:ln w="28575"/>
+      </dgm:spPr>
+      <dgm:t>
+        <a:bodyPr/>
+        <a:lstStyle/>
+        <a:p>
+          <a:endParaRPr lang="nl-NL"/>
+        </a:p>
+      </dgm:t>
+    </dgm:pt>
+    <dgm:pt modelId="{89FCA33B-7242-4EBA-A6D8-8E97DCFF9048}" type="sibTrans" cxnId="{A1EE6A0D-5353-47FF-9DD5-F03D19076821}">
+      <dgm:prSet/>
+      <dgm:spPr/>
+      <dgm:t>
+        <a:bodyPr/>
+        <a:lstStyle/>
+        <a:p>
+          <a:endParaRPr lang="nl-NL"/>
+        </a:p>
+      </dgm:t>
+    </dgm:pt>
+    <dgm:pt modelId="{A243FECC-01F6-47EF-A427-18D141536F62}">
+      <dgm:prSet custT="1"/>
+      <dgm:spPr>
+        <a:ln w="28575"/>
+      </dgm:spPr>
+      <dgm:t>
+        <a:bodyPr/>
+        <a:lstStyle/>
+        <a:p>
+          <a:r>
+            <a:rPr lang="en-US" sz="1800" dirty="0">
+              <a:solidFill>
+                <a:schemeClr val="tx1"/>
+              </a:solidFill>
+            </a:rPr>
+            <a:t>Data Available</a:t>
           </a:r>
         </a:p>
         <a:p>
@@ -2139,65 +2198,6 @@
         </a:p>
       </dgm:t>
     </dgm:pt>
-    <dgm:pt modelId="{7462DDD1-F283-42DB-AB71-270FC8A6AF1F}" type="parTrans" cxnId="{A1EE6A0D-5353-47FF-9DD5-F03D19076821}">
-      <dgm:prSet/>
-      <dgm:spPr>
-        <a:ln w="28575"/>
-      </dgm:spPr>
-      <dgm:t>
-        <a:bodyPr/>
-        <a:lstStyle/>
-        <a:p>
-          <a:endParaRPr lang="nl-NL"/>
-        </a:p>
-      </dgm:t>
-    </dgm:pt>
-    <dgm:pt modelId="{89FCA33B-7242-4EBA-A6D8-8E97DCFF9048}" type="sibTrans" cxnId="{A1EE6A0D-5353-47FF-9DD5-F03D19076821}">
-      <dgm:prSet/>
-      <dgm:spPr/>
-      <dgm:t>
-        <a:bodyPr/>
-        <a:lstStyle/>
-        <a:p>
-          <a:endParaRPr lang="nl-NL"/>
-        </a:p>
-      </dgm:t>
-    </dgm:pt>
-    <dgm:pt modelId="{A243FECC-01F6-47EF-A427-18D141536F62}">
-      <dgm:prSet custT="1"/>
-      <dgm:spPr>
-        <a:ln w="28575"/>
-      </dgm:spPr>
-      <dgm:t>
-        <a:bodyPr/>
-        <a:lstStyle/>
-        <a:p>
-          <a:r>
-            <a:rPr lang="en-US" sz="1800" dirty="0">
-              <a:solidFill>
-                <a:schemeClr val="tx1"/>
-              </a:solidFill>
-            </a:rPr>
-            <a:t>Data Available</a:t>
-          </a:r>
-        </a:p>
-        <a:p>
-          <a:r>
-            <a:rPr lang="en-US" sz="1800" dirty="0">
-              <a:solidFill>
-                <a:schemeClr val="tx1"/>
-              </a:solidFill>
-            </a:rPr>
-            <a:t>N = 43</a:t>
-          </a:r>
-          <a:endParaRPr lang="nl-NL" sz="1800" dirty="0">
-            <a:solidFill>
-              <a:schemeClr val="tx1"/>
-            </a:solidFill>
-          </a:endParaRPr>
-        </a:p>
-      </dgm:t>
-    </dgm:pt>
     <dgm:pt modelId="{E7F01257-8479-40BF-8579-A2A2FF300C3A}" type="parTrans" cxnId="{26EB9554-EFD1-492C-AE38-D158D8BB363F}">
       <dgm:prSet/>
       <dgm:spPr>
@@ -2222,7 +2222,7 @@
         </a:p>
       </dgm:t>
     </dgm:pt>
-    <dgm:pt modelId="{B783E18C-2602-48BA-A831-683DB3893F2F}">
+    <dgm:pt modelId="{FA4799A0-A1A0-4F59-AD7B-E0EB6B8FFADF}">
       <dgm:prSet custT="1"/>
       <dgm:spPr>
         <a:ln w="28575"/>
@@ -2237,7 +2237,7 @@
                 <a:schemeClr val="tx1"/>
               </a:solidFill>
             </a:rPr>
-            <a:t>Other Languages</a:t>
+            <a:t>Data and Code Available </a:t>
           </a:r>
         </a:p>
         <a:p>
@@ -2247,7 +2247,7 @@
                 <a:schemeClr val="tx1"/>
               </a:solidFill>
             </a:rPr>
-            <a:t>N = 5</a:t>
+            <a:t>N = 35</a:t>
           </a:r>
           <a:endParaRPr lang="nl-NL" sz="1800" dirty="0">
             <a:solidFill>
@@ -2257,7 +2257,7 @@
         </a:p>
       </dgm:t>
     </dgm:pt>
-    <dgm:pt modelId="{B3CB0421-242B-4A01-8C14-F8DCD3C16DD1}" type="parTrans" cxnId="{EF38E2FA-A22F-440B-97B9-3196FE5DCA20}">
+    <dgm:pt modelId="{16748D59-4592-47AE-975A-131BE08B71F4}" type="parTrans" cxnId="{1CD3B177-EFAD-4237-8CE6-FB53693D711D}">
       <dgm:prSet/>
       <dgm:spPr>
         <a:ln w="28575"/>
@@ -2270,7 +2270,7 @@
         </a:p>
       </dgm:t>
     </dgm:pt>
-    <dgm:pt modelId="{47A25A4B-FDCF-424A-B15D-FAB993BFDCF9}" type="sibTrans" cxnId="{EF38E2FA-A22F-440B-97B9-3196FE5DCA20}">
+    <dgm:pt modelId="{2135DDFE-B1F9-4663-BADC-AD7DC105ACCF}" type="sibTrans" cxnId="{1CD3B177-EFAD-4237-8CE6-FB53693D711D}">
       <dgm:prSet/>
       <dgm:spPr/>
       <dgm:t>
@@ -2281,7 +2281,125 @@
         </a:p>
       </dgm:t>
     </dgm:pt>
-    <dgm:pt modelId="{0BC1B8F2-4F37-45C9-803C-8D0D7FF5FB7C}">
+    <dgm:pt modelId="{607FCB25-8266-4E8C-BB25-F6190E2C5A51}">
+      <dgm:prSet custT="1"/>
+      <dgm:spPr>
+        <a:ln w="28575"/>
+      </dgm:spPr>
+      <dgm:t>
+        <a:bodyPr/>
+        <a:lstStyle/>
+        <a:p>
+          <a:r>
+            <a:rPr lang="en-US" sz="1800" dirty="0">
+              <a:solidFill>
+                <a:schemeClr val="tx1"/>
+              </a:solidFill>
+            </a:rPr>
+            <a:t>Run Scripts</a:t>
+          </a:r>
+        </a:p>
+        <a:p>
+          <a:r>
+            <a:rPr lang="en-US" sz="1800" dirty="0">
+              <a:solidFill>
+                <a:schemeClr val="tx1"/>
+              </a:solidFill>
+            </a:rPr>
+            <a:t>N = 31</a:t>
+          </a:r>
+          <a:endParaRPr lang="nl-NL" sz="1800" dirty="0">
+            <a:solidFill>
+              <a:schemeClr val="tx1"/>
+            </a:solidFill>
+          </a:endParaRPr>
+        </a:p>
+      </dgm:t>
+    </dgm:pt>
+    <dgm:pt modelId="{B36DDFBD-93BC-4CD6-A52A-FC243FDC3227}" type="parTrans" cxnId="{1F88F132-FDC8-4FD4-B1AC-544E3716542B}">
+      <dgm:prSet/>
+      <dgm:spPr>
+        <a:ln w="28575"/>
+      </dgm:spPr>
+      <dgm:t>
+        <a:bodyPr/>
+        <a:lstStyle/>
+        <a:p>
+          <a:endParaRPr lang="nl-NL"/>
+        </a:p>
+      </dgm:t>
+    </dgm:pt>
+    <dgm:pt modelId="{F21C7168-A9F3-46E9-B8D7-54CC1203A00C}" type="sibTrans" cxnId="{1F88F132-FDC8-4FD4-B1AC-544E3716542B}">
+      <dgm:prSet/>
+      <dgm:spPr/>
+      <dgm:t>
+        <a:bodyPr/>
+        <a:lstStyle/>
+        <a:p>
+          <a:endParaRPr lang="nl-NL"/>
+        </a:p>
+      </dgm:t>
+    </dgm:pt>
+    <dgm:pt modelId="{9EBA7DD3-EFD4-4FB0-9D1D-F3CF4D51BB04}">
+      <dgm:prSet/>
+      <dgm:spPr>
+        <a:ln w="28575"/>
+      </dgm:spPr>
+      <dgm:t>
+        <a:bodyPr/>
+        <a:lstStyle/>
+        <a:p>
+          <a:r>
+            <a:rPr lang="en-US" dirty="0">
+              <a:solidFill>
+                <a:schemeClr val="tx1"/>
+              </a:solidFill>
+            </a:rPr>
+            <a:t>Reproducible</a:t>
+          </a:r>
+        </a:p>
+        <a:p>
+          <a:r>
+            <a:rPr lang="en-US" dirty="0">
+              <a:solidFill>
+                <a:schemeClr val="tx1"/>
+              </a:solidFill>
+            </a:rPr>
+            <a:t>N = 20</a:t>
+          </a:r>
+          <a:endParaRPr lang="nl-NL" dirty="0">
+            <a:solidFill>
+              <a:schemeClr val="tx1"/>
+            </a:solidFill>
+          </a:endParaRPr>
+        </a:p>
+      </dgm:t>
+    </dgm:pt>
+    <dgm:pt modelId="{7938C59D-E1DC-4C0F-871A-2C0CDC2677B9}" type="parTrans" cxnId="{0D05B572-5FD3-4E5A-9E27-1982552CA181}">
+      <dgm:prSet/>
+      <dgm:spPr>
+        <a:ln w="28575"/>
+      </dgm:spPr>
+      <dgm:t>
+        <a:bodyPr/>
+        <a:lstStyle/>
+        <a:p>
+          <a:endParaRPr lang="nl-NL"/>
+        </a:p>
+      </dgm:t>
+    </dgm:pt>
+    <dgm:pt modelId="{8AB2491D-65A1-4C50-8EF2-932E7B012D94}" type="sibTrans" cxnId="{0D05B572-5FD3-4E5A-9E27-1982552CA181}">
+      <dgm:prSet/>
+      <dgm:spPr/>
+      <dgm:t>
+        <a:bodyPr/>
+        <a:lstStyle/>
+        <a:p>
+          <a:endParaRPr lang="nl-NL"/>
+        </a:p>
+      </dgm:t>
+    </dgm:pt>
+    <dgm:pt modelId="{E2D7F6EE-B8EA-4AC5-9F23-A58A00294E2D}">
       <dgm:prSet custT="1"/>
       <dgm:spPr>
         <a:ln w="28575"/>
@@ -2316,7 +2434,7 @@
         </a:p>
       </dgm:t>
     </dgm:pt>
-    <dgm:pt modelId="{9343353A-BBEE-4C98-B9B8-5461F652185E}" type="parTrans" cxnId="{727243D4-B079-419F-A83F-A9994986C37E}">
+    <dgm:pt modelId="{2877F2C1-5503-4641-AB48-7F67E569974D}" type="parTrans" cxnId="{390BFC48-DE66-4C05-9BC8-C4DD43AEB185}">
       <dgm:prSet/>
       <dgm:spPr>
         <a:ln w="28575"/>
@@ -2329,184 +2447,7 @@
         </a:p>
       </dgm:t>
     </dgm:pt>
-    <dgm:pt modelId="{6D63B45A-FC4D-4D97-9646-1CB2E3183885}" type="sibTrans" cxnId="{727243D4-B079-419F-A83F-A9994986C37E}">
-      <dgm:prSet/>
-      <dgm:spPr/>
-      <dgm:t>
-        <a:bodyPr/>
-        <a:lstStyle/>
-        <a:p>
-          <a:endParaRPr lang="nl-NL"/>
-        </a:p>
-      </dgm:t>
-    </dgm:pt>
-    <dgm:pt modelId="{FA4799A0-A1A0-4F59-AD7B-E0EB6B8FFADF}">
-      <dgm:prSet custT="1"/>
-      <dgm:spPr>
-        <a:ln w="28575"/>
-      </dgm:spPr>
-      <dgm:t>
-        <a:bodyPr/>
-        <a:lstStyle/>
-        <a:p>
-          <a:r>
-            <a:rPr lang="en-US" sz="1800" dirty="0">
-              <a:solidFill>
-                <a:schemeClr val="tx1"/>
-              </a:solidFill>
-            </a:rPr>
-            <a:t>R, SPSS, or JASP</a:t>
-          </a:r>
-        </a:p>
-        <a:p>
-          <a:r>
-            <a:rPr lang="en-US" sz="1800" dirty="0">
-              <a:solidFill>
-                <a:schemeClr val="tx1"/>
-              </a:solidFill>
-            </a:rPr>
-            <a:t>N = 35</a:t>
-          </a:r>
-          <a:endParaRPr lang="nl-NL" sz="1800" dirty="0">
-            <a:solidFill>
-              <a:schemeClr val="tx1"/>
-            </a:solidFill>
-          </a:endParaRPr>
-        </a:p>
-      </dgm:t>
-    </dgm:pt>
-    <dgm:pt modelId="{16748D59-4592-47AE-975A-131BE08B71F4}" type="parTrans" cxnId="{1CD3B177-EFAD-4237-8CE6-FB53693D711D}">
-      <dgm:prSet/>
-      <dgm:spPr>
-        <a:ln w="28575"/>
-      </dgm:spPr>
-      <dgm:t>
-        <a:bodyPr/>
-        <a:lstStyle/>
-        <a:p>
-          <a:endParaRPr lang="nl-NL"/>
-        </a:p>
-      </dgm:t>
-    </dgm:pt>
-    <dgm:pt modelId="{2135DDFE-B1F9-4663-BADC-AD7DC105ACCF}" type="sibTrans" cxnId="{1CD3B177-EFAD-4237-8CE6-FB53693D711D}">
-      <dgm:prSet/>
-      <dgm:spPr/>
-      <dgm:t>
-        <a:bodyPr/>
-        <a:lstStyle/>
-        <a:p>
-          <a:endParaRPr lang="nl-NL"/>
-        </a:p>
-      </dgm:t>
-    </dgm:pt>
-    <dgm:pt modelId="{607FCB25-8266-4E8C-BB25-F6190E2C5A51}">
-      <dgm:prSet custT="1"/>
-      <dgm:spPr>
-        <a:ln w="28575"/>
-      </dgm:spPr>
-      <dgm:t>
-        <a:bodyPr/>
-        <a:lstStyle/>
-        <a:p>
-          <a:r>
-            <a:rPr lang="en-US" sz="1800" dirty="0">
-              <a:solidFill>
-                <a:schemeClr val="tx1"/>
-              </a:solidFill>
-            </a:rPr>
-            <a:t>Run Scripts</a:t>
-          </a:r>
-        </a:p>
-        <a:p>
-          <a:r>
-            <a:rPr lang="en-US" sz="1800" dirty="0">
-              <a:solidFill>
-                <a:schemeClr val="tx1"/>
-              </a:solidFill>
-            </a:rPr>
-            <a:t>N = 30</a:t>
-          </a:r>
-          <a:endParaRPr lang="nl-NL" sz="1800" dirty="0">
-            <a:solidFill>
-              <a:schemeClr val="tx1"/>
-            </a:solidFill>
-          </a:endParaRPr>
-        </a:p>
-      </dgm:t>
-    </dgm:pt>
-    <dgm:pt modelId="{B36DDFBD-93BC-4CD6-A52A-FC243FDC3227}" type="parTrans" cxnId="{1F88F132-FDC8-4FD4-B1AC-544E3716542B}">
-      <dgm:prSet/>
-      <dgm:spPr>
-        <a:ln w="28575"/>
-      </dgm:spPr>
-      <dgm:t>
-        <a:bodyPr/>
-        <a:lstStyle/>
-        <a:p>
-          <a:endParaRPr lang="nl-NL"/>
-        </a:p>
-      </dgm:t>
-    </dgm:pt>
-    <dgm:pt modelId="{F21C7168-A9F3-46E9-B8D7-54CC1203A00C}" type="sibTrans" cxnId="{1F88F132-FDC8-4FD4-B1AC-544E3716542B}">
-      <dgm:prSet/>
-      <dgm:spPr/>
-      <dgm:t>
-        <a:bodyPr/>
-        <a:lstStyle/>
-        <a:p>
-          <a:endParaRPr lang="nl-NL"/>
-        </a:p>
-      </dgm:t>
-    </dgm:pt>
-    <dgm:pt modelId="{9EBA7DD3-EFD4-4FB0-9D1D-F3CF4D51BB04}">
-      <dgm:prSet/>
-      <dgm:spPr>
-        <a:ln w="28575"/>
-      </dgm:spPr>
-      <dgm:t>
-        <a:bodyPr/>
-        <a:lstStyle/>
-        <a:p>
-          <a:r>
-            <a:rPr lang="en-US" dirty="0">
-              <a:solidFill>
-                <a:schemeClr val="tx1"/>
-              </a:solidFill>
-            </a:rPr>
-            <a:t>Reproducible</a:t>
-          </a:r>
-        </a:p>
-        <a:p>
-          <a:r>
-            <a:rPr lang="en-US" dirty="0">
-              <a:solidFill>
-                <a:schemeClr val="tx1"/>
-              </a:solidFill>
-            </a:rPr>
-            <a:t>N = 19</a:t>
-          </a:r>
-          <a:endParaRPr lang="nl-NL" dirty="0">
-            <a:solidFill>
-              <a:schemeClr val="tx1"/>
-            </a:solidFill>
-          </a:endParaRPr>
-        </a:p>
-      </dgm:t>
-    </dgm:pt>
-    <dgm:pt modelId="{7938C59D-E1DC-4C0F-871A-2C0CDC2677B9}" type="parTrans" cxnId="{0D05B572-5FD3-4E5A-9E27-1982552CA181}">
-      <dgm:prSet/>
-      <dgm:spPr>
-        <a:ln w="28575"/>
-      </dgm:spPr>
-      <dgm:t>
-        <a:bodyPr/>
-        <a:lstStyle/>
-        <a:p>
-          <a:endParaRPr lang="nl-NL"/>
-        </a:p>
-      </dgm:t>
-    </dgm:pt>
-    <dgm:pt modelId="{8AB2491D-65A1-4C50-8EF2-932E7B012D94}" type="sibTrans" cxnId="{0D05B572-5FD3-4E5A-9E27-1982552CA181}">
+    <dgm:pt modelId="{D375B26B-DAF8-49C5-AF37-53F35B330795}" type="sibTrans" cxnId="{390BFC48-DE66-4C05-9BC8-C4DD43AEB185}">
       <dgm:prSet/>
       <dgm:spPr/>
       <dgm:t>
@@ -2534,7 +2475,7 @@
       <dgm:spPr/>
     </dgm:pt>
     <dgm:pt modelId="{8CBF702C-68F8-444E-B80E-D98D6DC80C16}" type="pres">
-      <dgm:prSet presAssocID="{3C4A49FF-1CF0-458E-9BB0-7537638F50CB}" presName="LevelOneTextNode" presStyleLbl="node0" presStyleIdx="0" presStyleCnt="1" custScaleY="204179">
+      <dgm:prSet presAssocID="{3C4A49FF-1CF0-458E-9BB0-7537638F50CB}" presName="LevelOneTextNode" presStyleLbl="node0" presStyleIdx="0" presStyleCnt="1" custScaleY="219407" custLinFactNeighborX="654" custLinFactNeighborY="-66981">
         <dgm:presLayoutVars>
           <dgm:chPref val="3"/>
         </dgm:presLayoutVars>
@@ -2558,7 +2499,7 @@
       <dgm:spPr/>
     </dgm:pt>
     <dgm:pt modelId="{AE8F7343-D9EA-4FDB-8716-0D5BDCE3D032}" type="pres">
-      <dgm:prSet presAssocID="{C13768ED-4F37-4E15-8378-5BFEF9486274}" presName="LevelTwoTextNode" presStyleLbl="node2" presStyleIdx="0" presStyleCnt="2" custScaleY="152029" custLinFactNeighborX="-21803" custLinFactNeighborY="-33329">
+      <dgm:prSet presAssocID="{C13768ED-4F37-4E15-8378-5BFEF9486274}" presName="LevelTwoTextNode" presStyleLbl="node2" presStyleIdx="0" presStyleCnt="2" custScaleY="152029" custLinFactNeighborX="-21803" custLinFactNeighborY="-34188">
         <dgm:presLayoutVars>
           <dgm:chPref val="3"/>
         </dgm:presLayoutVars>
@@ -2594,11 +2535,11 @@
       <dgm:spPr/>
     </dgm:pt>
     <dgm:pt modelId="{ECF396D5-4EE2-4530-9DB5-64486FFC7106}" type="pres">
-      <dgm:prSet presAssocID="{7462DDD1-F283-42DB-AB71-270FC8A6AF1F}" presName="conn2-1" presStyleLbl="parChTrans1D4" presStyleIdx="0" presStyleCnt="7"/>
+      <dgm:prSet presAssocID="{7462DDD1-F283-42DB-AB71-270FC8A6AF1F}" presName="conn2-1" presStyleLbl="parChTrans1D4" presStyleIdx="0" presStyleCnt="6"/>
       <dgm:spPr/>
     </dgm:pt>
     <dgm:pt modelId="{0594B63C-F2DA-4B44-8FE5-D41D1D11F644}" type="pres">
-      <dgm:prSet presAssocID="{7462DDD1-F283-42DB-AB71-270FC8A6AF1F}" presName="connTx" presStyleLbl="parChTrans1D4" presStyleIdx="0" presStyleCnt="7"/>
+      <dgm:prSet presAssocID="{7462DDD1-F283-42DB-AB71-270FC8A6AF1F}" presName="connTx" presStyleLbl="parChTrans1D4" presStyleIdx="0" presStyleCnt="6"/>
       <dgm:spPr/>
     </dgm:pt>
     <dgm:pt modelId="{40685F52-4177-401F-ADA0-87AC4EABD88D}" type="pres">
@@ -2606,7 +2547,7 @@
       <dgm:spPr/>
     </dgm:pt>
     <dgm:pt modelId="{77403EC1-8879-4879-957E-C6EABCFA5DA0}" type="pres">
-      <dgm:prSet presAssocID="{35828132-24D6-4E8B-8159-362BEEDC9CEB}" presName="LevelTwoTextNode" presStyleLbl="node4" presStyleIdx="0" presStyleCnt="7" custScaleY="152919" custLinFactY="85428" custLinFactNeighborX="-47140" custLinFactNeighborY="100000">
+      <dgm:prSet presAssocID="{35828132-24D6-4E8B-8159-362BEEDC9CEB}" presName="LevelTwoTextNode" presStyleLbl="node4" presStyleIdx="0" presStyleCnt="6" custScaleY="138535" custLinFactY="38621" custLinFactNeighborX="-47140" custLinFactNeighborY="100000">
         <dgm:presLayoutVars>
           <dgm:chPref val="3"/>
         </dgm:presLayoutVars>
@@ -2617,148 +2558,124 @@
       <dgm:prSet presAssocID="{35828132-24D6-4E8B-8159-362BEEDC9CEB}" presName="level3hierChild" presStyleCnt="0"/>
       <dgm:spPr/>
     </dgm:pt>
-    <dgm:pt modelId="{4E636E47-392C-4DC5-BAEB-CDAC3C583442}" type="pres">
-      <dgm:prSet presAssocID="{B3CB0421-242B-4A01-8C14-F8DCD3C16DD1}" presName="conn2-1" presStyleLbl="parChTrans1D4" presStyleIdx="1" presStyleCnt="7"/>
-      <dgm:spPr/>
-    </dgm:pt>
-    <dgm:pt modelId="{6038CCFE-4A40-460F-A760-753FB678D58E}" type="pres">
-      <dgm:prSet presAssocID="{B3CB0421-242B-4A01-8C14-F8DCD3C16DD1}" presName="connTx" presStyleLbl="parChTrans1D4" presStyleIdx="1" presStyleCnt="7"/>
-      <dgm:spPr/>
-    </dgm:pt>
-    <dgm:pt modelId="{58C6D933-0693-4264-920C-78634A24901B}" type="pres">
-      <dgm:prSet presAssocID="{B783E18C-2602-48BA-A831-683DB3893F2F}" presName="root2" presStyleCnt="0"/>
-      <dgm:spPr/>
-    </dgm:pt>
-    <dgm:pt modelId="{38831AE3-CCD9-4520-8F76-E5803B5AEB04}" type="pres">
-      <dgm:prSet presAssocID="{B783E18C-2602-48BA-A831-683DB3893F2F}" presName="LevelTwoTextNode" presStyleLbl="node4" presStyleIdx="1" presStyleCnt="7" custScaleY="139441" custLinFactY="58163" custLinFactNeighborX="-67630" custLinFactNeighborY="100000">
+    <dgm:pt modelId="{AD360AC5-34E4-4AB2-A09B-1029900D6680}" type="pres">
+      <dgm:prSet presAssocID="{16748D59-4592-47AE-975A-131BE08B71F4}" presName="conn2-1" presStyleLbl="parChTrans1D4" presStyleIdx="1" presStyleCnt="6"/>
+      <dgm:spPr/>
+    </dgm:pt>
+    <dgm:pt modelId="{0B087112-D4C1-482F-BF6D-043E25641859}" type="pres">
+      <dgm:prSet presAssocID="{16748D59-4592-47AE-975A-131BE08B71F4}" presName="connTx" presStyleLbl="parChTrans1D4" presStyleIdx="1" presStyleCnt="6"/>
+      <dgm:spPr/>
+    </dgm:pt>
+    <dgm:pt modelId="{FF406E84-E8BE-453B-9B9F-E22F6CD2E3CB}" type="pres">
+      <dgm:prSet presAssocID="{FA4799A0-A1A0-4F59-AD7B-E0EB6B8FFADF}" presName="root2" presStyleCnt="0"/>
+      <dgm:spPr/>
+    </dgm:pt>
+    <dgm:pt modelId="{7A69C8F5-5B20-4243-82A0-432C2B1DD3A2}" type="pres">
+      <dgm:prSet presAssocID="{FA4799A0-A1A0-4F59-AD7B-E0EB6B8FFADF}" presName="LevelTwoTextNode" presStyleLbl="node4" presStyleIdx="1" presStyleCnt="6" custScaleY="217779" custLinFactY="116302" custLinFactNeighborX="-67453" custLinFactNeighborY="200000">
         <dgm:presLayoutVars>
           <dgm:chPref val="3"/>
         </dgm:presLayoutVars>
       </dgm:prSet>
       <dgm:spPr/>
     </dgm:pt>
-    <dgm:pt modelId="{2A2801A0-1B00-4858-B797-5FF72E1967FE}" type="pres">
-      <dgm:prSet presAssocID="{B783E18C-2602-48BA-A831-683DB3893F2F}" presName="level3hierChild" presStyleCnt="0"/>
-      <dgm:spPr/>
-    </dgm:pt>
-    <dgm:pt modelId="{AD360AC5-34E4-4AB2-A09B-1029900D6680}" type="pres">
-      <dgm:prSet presAssocID="{16748D59-4592-47AE-975A-131BE08B71F4}" presName="conn2-1" presStyleLbl="parChTrans1D4" presStyleIdx="2" presStyleCnt="7"/>
-      <dgm:spPr/>
-    </dgm:pt>
-    <dgm:pt modelId="{0B087112-D4C1-482F-BF6D-043E25641859}" type="pres">
-      <dgm:prSet presAssocID="{16748D59-4592-47AE-975A-131BE08B71F4}" presName="connTx" presStyleLbl="parChTrans1D4" presStyleIdx="2" presStyleCnt="7"/>
-      <dgm:spPr/>
-    </dgm:pt>
-    <dgm:pt modelId="{FF406E84-E8BE-453B-9B9F-E22F6CD2E3CB}" type="pres">
-      <dgm:prSet presAssocID="{FA4799A0-A1A0-4F59-AD7B-E0EB6B8FFADF}" presName="root2" presStyleCnt="0"/>
-      <dgm:spPr/>
-    </dgm:pt>
-    <dgm:pt modelId="{7A69C8F5-5B20-4243-82A0-432C2B1DD3A2}" type="pres">
-      <dgm:prSet presAssocID="{FA4799A0-A1A0-4F59-AD7B-E0EB6B8FFADF}" presName="LevelTwoTextNode" presStyleLbl="node4" presStyleIdx="2" presStyleCnt="7" custScaleY="143668" custLinFactY="81398" custLinFactNeighborX="-67608" custLinFactNeighborY="100000">
+    <dgm:pt modelId="{F08D7682-E9B4-492D-8D65-3C8EFA8455C4}" type="pres">
+      <dgm:prSet presAssocID="{FA4799A0-A1A0-4F59-AD7B-E0EB6B8FFADF}" presName="level3hierChild" presStyleCnt="0"/>
+      <dgm:spPr/>
+    </dgm:pt>
+    <dgm:pt modelId="{A2965524-5BE6-4805-A284-EBDF70C80049}" type="pres">
+      <dgm:prSet presAssocID="{B36DDFBD-93BC-4CD6-A52A-FC243FDC3227}" presName="conn2-1" presStyleLbl="parChTrans1D4" presStyleIdx="2" presStyleCnt="6"/>
+      <dgm:spPr/>
+    </dgm:pt>
+    <dgm:pt modelId="{04A7B3FA-A91F-4891-8CDA-E213F66C13E5}" type="pres">
+      <dgm:prSet presAssocID="{B36DDFBD-93BC-4CD6-A52A-FC243FDC3227}" presName="connTx" presStyleLbl="parChTrans1D4" presStyleIdx="2" presStyleCnt="6"/>
+      <dgm:spPr/>
+    </dgm:pt>
+    <dgm:pt modelId="{4EE0EBEE-F303-4E88-882D-4CC42C68D138}" type="pres">
+      <dgm:prSet presAssocID="{607FCB25-8266-4E8C-BB25-F6190E2C5A51}" presName="root2" presStyleCnt="0"/>
+      <dgm:spPr/>
+    </dgm:pt>
+    <dgm:pt modelId="{D6DCFFF0-C6DD-41F7-B3B4-9FD4BB929B39}" type="pres">
+      <dgm:prSet presAssocID="{607FCB25-8266-4E8C-BB25-F6190E2C5A51}" presName="LevelTwoTextNode" presStyleLbl="node4" presStyleIdx="2" presStyleCnt="6" custLinFactY="116748" custLinFactNeighborX="-89875" custLinFactNeighborY="200000">
         <dgm:presLayoutVars>
           <dgm:chPref val="3"/>
         </dgm:presLayoutVars>
       </dgm:prSet>
       <dgm:spPr/>
     </dgm:pt>
-    <dgm:pt modelId="{F08D7682-E9B4-492D-8D65-3C8EFA8455C4}" type="pres">
-      <dgm:prSet presAssocID="{FA4799A0-A1A0-4F59-AD7B-E0EB6B8FFADF}" presName="level3hierChild" presStyleCnt="0"/>
-      <dgm:spPr/>
-    </dgm:pt>
-    <dgm:pt modelId="{A2965524-5BE6-4805-A284-EBDF70C80049}" type="pres">
-      <dgm:prSet presAssocID="{B36DDFBD-93BC-4CD6-A52A-FC243FDC3227}" presName="conn2-1" presStyleLbl="parChTrans1D4" presStyleIdx="3" presStyleCnt="7"/>
-      <dgm:spPr/>
-    </dgm:pt>
-    <dgm:pt modelId="{04A7B3FA-A91F-4891-8CDA-E213F66C13E5}" type="pres">
-      <dgm:prSet presAssocID="{B36DDFBD-93BC-4CD6-A52A-FC243FDC3227}" presName="connTx" presStyleLbl="parChTrans1D4" presStyleIdx="3" presStyleCnt="7"/>
-      <dgm:spPr/>
-    </dgm:pt>
-    <dgm:pt modelId="{4EE0EBEE-F303-4E88-882D-4CC42C68D138}" type="pres">
-      <dgm:prSet presAssocID="{607FCB25-8266-4E8C-BB25-F6190E2C5A51}" presName="root2" presStyleCnt="0"/>
-      <dgm:spPr/>
-    </dgm:pt>
-    <dgm:pt modelId="{D6DCFFF0-C6DD-41F7-B3B4-9FD4BB929B39}" type="pres">
-      <dgm:prSet presAssocID="{607FCB25-8266-4E8C-BB25-F6190E2C5A51}" presName="LevelTwoTextNode" presStyleLbl="node4" presStyleIdx="3" presStyleCnt="7" custLinFactY="81010" custLinFactNeighborX="-85147" custLinFactNeighborY="100000">
+    <dgm:pt modelId="{61A4C9FC-DF3D-402E-B214-0FEE32C75CC0}" type="pres">
+      <dgm:prSet presAssocID="{607FCB25-8266-4E8C-BB25-F6190E2C5A51}" presName="level3hierChild" presStyleCnt="0"/>
+      <dgm:spPr/>
+    </dgm:pt>
+    <dgm:pt modelId="{0CF40186-A589-4771-8A76-9570FCF1EF43}" type="pres">
+      <dgm:prSet presAssocID="{7938C59D-E1DC-4C0F-871A-2C0CDC2677B9}" presName="conn2-1" presStyleLbl="parChTrans1D4" presStyleIdx="3" presStyleCnt="6"/>
+      <dgm:spPr/>
+    </dgm:pt>
+    <dgm:pt modelId="{3EFA9C6E-6E9D-4268-8937-B6D1ED2FE8CE}" type="pres">
+      <dgm:prSet presAssocID="{7938C59D-E1DC-4C0F-871A-2C0CDC2677B9}" presName="connTx" presStyleLbl="parChTrans1D4" presStyleIdx="3" presStyleCnt="6"/>
+      <dgm:spPr/>
+    </dgm:pt>
+    <dgm:pt modelId="{50BED78C-A144-43D4-9A3E-0518A1DBEDDF}" type="pres">
+      <dgm:prSet presAssocID="{9EBA7DD3-EFD4-4FB0-9D1D-F3CF4D51BB04}" presName="root2" presStyleCnt="0"/>
+      <dgm:spPr/>
+    </dgm:pt>
+    <dgm:pt modelId="{064C1D77-3277-489D-9811-9D89200A3D1D}" type="pres">
+      <dgm:prSet presAssocID="{9EBA7DD3-EFD4-4FB0-9D1D-F3CF4D51BB04}" presName="LevelTwoTextNode" presStyleLbl="node4" presStyleIdx="3" presStyleCnt="6" custLinFactX="-13128" custLinFactY="116482" custLinFactNeighborX="-100000" custLinFactNeighborY="200000">
         <dgm:presLayoutVars>
           <dgm:chPref val="3"/>
         </dgm:presLayoutVars>
       </dgm:prSet>
       <dgm:spPr/>
     </dgm:pt>
-    <dgm:pt modelId="{61A4C9FC-DF3D-402E-B214-0FEE32C75CC0}" type="pres">
-      <dgm:prSet presAssocID="{607FCB25-8266-4E8C-BB25-F6190E2C5A51}" presName="level3hierChild" presStyleCnt="0"/>
-      <dgm:spPr/>
-    </dgm:pt>
-    <dgm:pt modelId="{0CF40186-A589-4771-8A76-9570FCF1EF43}" type="pres">
-      <dgm:prSet presAssocID="{7938C59D-E1DC-4C0F-871A-2C0CDC2677B9}" presName="conn2-1" presStyleLbl="parChTrans1D4" presStyleIdx="4" presStyleCnt="7"/>
-      <dgm:spPr/>
-    </dgm:pt>
-    <dgm:pt modelId="{3EFA9C6E-6E9D-4268-8937-B6D1ED2FE8CE}" type="pres">
-      <dgm:prSet presAssocID="{7938C59D-E1DC-4C0F-871A-2C0CDC2677B9}" presName="connTx" presStyleLbl="parChTrans1D4" presStyleIdx="4" presStyleCnt="7"/>
-      <dgm:spPr/>
-    </dgm:pt>
-    <dgm:pt modelId="{50BED78C-A144-43D4-9A3E-0518A1DBEDDF}" type="pres">
-      <dgm:prSet presAssocID="{9EBA7DD3-EFD4-4FB0-9D1D-F3CF4D51BB04}" presName="root2" presStyleCnt="0"/>
-      <dgm:spPr/>
-    </dgm:pt>
-    <dgm:pt modelId="{064C1D77-3277-489D-9811-9D89200A3D1D}" type="pres">
-      <dgm:prSet presAssocID="{9EBA7DD3-EFD4-4FB0-9D1D-F3CF4D51BB04}" presName="LevelTwoTextNode" presStyleLbl="node4" presStyleIdx="4" presStyleCnt="7" custLinFactX="-3247" custLinFactY="80186" custLinFactNeighborX="-100000" custLinFactNeighborY="100000">
+    <dgm:pt modelId="{A19CD48D-3843-4B10-96AF-387A8F6B4F4D}" type="pres">
+      <dgm:prSet presAssocID="{9EBA7DD3-EFD4-4FB0-9D1D-F3CF4D51BB04}" presName="level3hierChild" presStyleCnt="0"/>
+      <dgm:spPr/>
+    </dgm:pt>
+    <dgm:pt modelId="{3A85B887-1D18-4D6D-8AE5-841271FDB0C0}" type="pres">
+      <dgm:prSet presAssocID="{E7F01257-8479-40BF-8579-A2A2FF300C3A}" presName="conn2-1" presStyleLbl="parChTrans1D4" presStyleIdx="4" presStyleCnt="6"/>
+      <dgm:spPr/>
+    </dgm:pt>
+    <dgm:pt modelId="{3739AAC3-4A73-4A02-925D-4BAAFBE98A63}" type="pres">
+      <dgm:prSet presAssocID="{E7F01257-8479-40BF-8579-A2A2FF300C3A}" presName="connTx" presStyleLbl="parChTrans1D4" presStyleIdx="4" presStyleCnt="6"/>
+      <dgm:spPr/>
+    </dgm:pt>
+    <dgm:pt modelId="{1C1D9F12-4019-42E5-9FA9-B99C9AEE8EF3}" type="pres">
+      <dgm:prSet presAssocID="{A243FECC-01F6-47EF-A427-18D141536F62}" presName="root2" presStyleCnt="0"/>
+      <dgm:spPr/>
+    </dgm:pt>
+    <dgm:pt modelId="{436EDD92-DA6A-4B27-B901-189C516DE422}" type="pres">
+      <dgm:prSet presAssocID="{A243FECC-01F6-47EF-A427-18D141536F62}" presName="LevelTwoTextNode" presStyleLbl="node4" presStyleIdx="4" presStyleCnt="6" custScaleY="146716" custLinFactY="125533" custLinFactNeighborX="-47140" custLinFactNeighborY="200000">
         <dgm:presLayoutVars>
           <dgm:chPref val="3"/>
         </dgm:presLayoutVars>
       </dgm:prSet>
       <dgm:spPr/>
     </dgm:pt>
-    <dgm:pt modelId="{A19CD48D-3843-4B10-96AF-387A8F6B4F4D}" type="pres">
-      <dgm:prSet presAssocID="{9EBA7DD3-EFD4-4FB0-9D1D-F3CF4D51BB04}" presName="level3hierChild" presStyleCnt="0"/>
-      <dgm:spPr/>
-    </dgm:pt>
-    <dgm:pt modelId="{3A85B887-1D18-4D6D-8AE5-841271FDB0C0}" type="pres">
-      <dgm:prSet presAssocID="{E7F01257-8479-40BF-8579-A2A2FF300C3A}" presName="conn2-1" presStyleLbl="parChTrans1D4" presStyleIdx="5" presStyleCnt="7"/>
-      <dgm:spPr/>
-    </dgm:pt>
-    <dgm:pt modelId="{3739AAC3-4A73-4A02-925D-4BAAFBE98A63}" type="pres">
-      <dgm:prSet presAssocID="{E7F01257-8479-40BF-8579-A2A2FF300C3A}" presName="connTx" presStyleLbl="parChTrans1D4" presStyleIdx="5" presStyleCnt="7"/>
-      <dgm:spPr/>
-    </dgm:pt>
-    <dgm:pt modelId="{1C1D9F12-4019-42E5-9FA9-B99C9AEE8EF3}" type="pres">
-      <dgm:prSet presAssocID="{A243FECC-01F6-47EF-A427-18D141536F62}" presName="root2" presStyleCnt="0"/>
-      <dgm:spPr/>
-    </dgm:pt>
-    <dgm:pt modelId="{436EDD92-DA6A-4B27-B901-189C516DE422}" type="pres">
-      <dgm:prSet presAssocID="{A243FECC-01F6-47EF-A427-18D141536F62}" presName="LevelTwoTextNode" presStyleLbl="node4" presStyleIdx="5" presStyleCnt="7" custScaleY="167336" custLinFactY="41571" custLinFactNeighborX="-47140" custLinFactNeighborY="100000">
+    <dgm:pt modelId="{41282A31-3DA5-4447-A325-0D0ACBEB8D43}" type="pres">
+      <dgm:prSet presAssocID="{A243FECC-01F6-47EF-A427-18D141536F62}" presName="level3hierChild" presStyleCnt="0"/>
+      <dgm:spPr/>
+    </dgm:pt>
+    <dgm:pt modelId="{6916750A-C3C3-4973-BA63-D0DC2D57C12A}" type="pres">
+      <dgm:prSet presAssocID="{2877F2C1-5503-4641-AB48-7F67E569974D}" presName="conn2-1" presStyleLbl="parChTrans1D4" presStyleIdx="5" presStyleCnt="6"/>
+      <dgm:spPr/>
+    </dgm:pt>
+    <dgm:pt modelId="{C032E276-1115-4663-B80E-84F734612122}" type="pres">
+      <dgm:prSet presAssocID="{2877F2C1-5503-4641-AB48-7F67E569974D}" presName="connTx" presStyleLbl="parChTrans1D4" presStyleIdx="5" presStyleCnt="6"/>
+      <dgm:spPr/>
+    </dgm:pt>
+    <dgm:pt modelId="{97B1AB52-3912-4F0E-BF40-872DE3854C10}" type="pres">
+      <dgm:prSet presAssocID="{E2D7F6EE-B8EA-4AC5-9F23-A58A00294E2D}" presName="root2" presStyleCnt="0"/>
+      <dgm:spPr/>
+    </dgm:pt>
+    <dgm:pt modelId="{A7BD74AC-B185-4330-ACE4-F5A53E4B3F1C}" type="pres">
+      <dgm:prSet presAssocID="{E2D7F6EE-B8EA-4AC5-9F23-A58A00294E2D}" presName="LevelTwoTextNode" presStyleLbl="node4" presStyleIdx="5" presStyleCnt="6" custScaleY="136708" custLinFactNeighborX="-47140" custLinFactNeighborY="-6871">
         <dgm:presLayoutVars>
           <dgm:chPref val="3"/>
         </dgm:presLayoutVars>
       </dgm:prSet>
       <dgm:spPr/>
     </dgm:pt>
-    <dgm:pt modelId="{41282A31-3DA5-4447-A325-0D0ACBEB8D43}" type="pres">
-      <dgm:prSet presAssocID="{A243FECC-01F6-47EF-A427-18D141536F62}" presName="level3hierChild" presStyleCnt="0"/>
-      <dgm:spPr/>
-    </dgm:pt>
-    <dgm:pt modelId="{AE383538-6B8D-480B-B140-11130A077716}" type="pres">
-      <dgm:prSet presAssocID="{9343353A-BBEE-4C98-B9B8-5461F652185E}" presName="conn2-1" presStyleLbl="parChTrans1D4" presStyleIdx="6" presStyleCnt="7"/>
-      <dgm:spPr/>
-    </dgm:pt>
-    <dgm:pt modelId="{CD6ABDF5-0442-4DC2-99ED-3AF1E712BD43}" type="pres">
-      <dgm:prSet presAssocID="{9343353A-BBEE-4C98-B9B8-5461F652185E}" presName="connTx" presStyleLbl="parChTrans1D4" presStyleIdx="6" presStyleCnt="7"/>
-      <dgm:spPr/>
-    </dgm:pt>
-    <dgm:pt modelId="{082A36FC-A602-42B9-A3AF-B865342C6AE1}" type="pres">
-      <dgm:prSet presAssocID="{0BC1B8F2-4F37-45C9-803C-8D0D7FF5FB7C}" presName="root2" presStyleCnt="0"/>
-      <dgm:spPr/>
-    </dgm:pt>
-    <dgm:pt modelId="{F64A791C-00A4-432F-9090-52BCD216B8B8}" type="pres">
-      <dgm:prSet presAssocID="{0BC1B8F2-4F37-45C9-803C-8D0D7FF5FB7C}" presName="LevelTwoTextNode" presStyleLbl="node4" presStyleIdx="6" presStyleCnt="7" custScaleY="146279" custLinFactY="100000" custLinFactNeighborX="-67630" custLinFactNeighborY="100911">
-        <dgm:presLayoutVars>
-          <dgm:chPref val="3"/>
-        </dgm:presLayoutVars>
-      </dgm:prSet>
-      <dgm:spPr/>
-    </dgm:pt>
-    <dgm:pt modelId="{48F38923-B6AA-4A68-8B56-F0FA9AC4936D}" type="pres">
-      <dgm:prSet presAssocID="{0BC1B8F2-4F37-45C9-803C-8D0D7FF5FB7C}" presName="level3hierChild" presStyleCnt="0"/>
+    <dgm:pt modelId="{1CE3DD6E-57E2-4464-B3F2-A49B35D248FC}" type="pres">
+      <dgm:prSet presAssocID="{E2D7F6EE-B8EA-4AC5-9F23-A58A00294E2D}" presName="level3hierChild" presStyleCnt="0"/>
       <dgm:spPr/>
     </dgm:pt>
     <dgm:pt modelId="{47516D7C-106F-4664-A550-6DAB42875566}" type="pres">
@@ -2822,7 +2739,7 @@
       <dgm:spPr/>
     </dgm:pt>
     <dgm:pt modelId="{08CC485B-8473-4547-A6DE-FFFA16734FA0}" type="pres">
-      <dgm:prSet presAssocID="{4F908973-2012-4DBF-94AD-2D00FD02D88A}" presName="LevelTwoTextNode" presStyleLbl="node2" presStyleIdx="1" presStyleCnt="2" custScaleY="156655" custLinFactNeighborX="-22626" custLinFactNeighborY="-12341">
+      <dgm:prSet presAssocID="{4F908973-2012-4DBF-94AD-2D00FD02D88A}" presName="LevelTwoTextNode" presStyleLbl="node2" presStyleIdx="1" presStyleCnt="2" custScaleY="156655" custLinFactNeighborX="-21338" custLinFactNeighborY="-14925">
         <dgm:presLayoutVars>
           <dgm:chPref val="3"/>
         </dgm:presLayoutVars>
@@ -2838,7 +2755,6 @@
     <dgm:cxn modelId="{1E73CD0B-742D-4E74-AAFC-5ABDB9786C08}" type="presOf" srcId="{B36DDFBD-93BC-4CD6-A52A-FC243FDC3227}" destId="{04A7B3FA-A91F-4891-8CDA-E213F66C13E5}" srcOrd="1" destOrd="0" presId="urn:microsoft.com/office/officeart/2005/8/layout/hierarchy2"/>
     <dgm:cxn modelId="{A1EE6A0D-5353-47FF-9DD5-F03D19076821}" srcId="{C24DF979-2D66-4345-A50F-2F65E68548CC}" destId="{35828132-24D6-4E8B-8159-362BEEDC9CEB}" srcOrd="0" destOrd="0" parTransId="{7462DDD1-F283-42DB-AB71-270FC8A6AF1F}" sibTransId="{89FCA33B-7242-4EBA-A6D8-8E97DCFF9048}"/>
     <dgm:cxn modelId="{1F82050E-4EFD-4601-BEFD-74A0E3DD0D27}" type="presOf" srcId="{16748D59-4592-47AE-975A-131BE08B71F4}" destId="{0B087112-D4C1-482F-BF6D-043E25641859}" srcOrd="1" destOrd="0" presId="urn:microsoft.com/office/officeart/2005/8/layout/hierarchy2"/>
-    <dgm:cxn modelId="{537D7D11-C4C0-4092-8481-DE42AA7433DB}" type="presOf" srcId="{B3CB0421-242B-4A01-8C14-F8DCD3C16DD1}" destId="{6038CCFE-4A40-460F-A760-753FB678D58E}" srcOrd="1" destOrd="0" presId="urn:microsoft.com/office/officeart/2005/8/layout/hierarchy2"/>
     <dgm:cxn modelId="{D8A2F117-384C-4165-8268-4A69DB2E9135}" srcId="{3C4A49FF-1CF0-458E-9BB0-7537638F50CB}" destId="{C13768ED-4F37-4E15-8378-5BFEF9486274}" srcOrd="0" destOrd="0" parTransId="{83925042-6A1C-4CB7-992F-2E8D64EEB9B1}" sibTransId="{65FAEE98-8488-47E1-9443-FC4487257AF9}"/>
     <dgm:cxn modelId="{C8B0A31D-4C3D-4596-998A-2DF04B76AFF1}" type="presOf" srcId="{3C4A49FF-1CF0-458E-9BB0-7537638F50CB}" destId="{8CBF702C-68F8-444E-B80E-D98D6DC80C16}" srcOrd="0" destOrd="0" presId="urn:microsoft.com/office/officeart/2005/8/layout/hierarchy2"/>
     <dgm:cxn modelId="{05D2D01E-75E7-4897-AD2D-57B37754151E}" type="presOf" srcId="{7938C59D-E1DC-4C0F-871A-2C0CDC2677B9}" destId="{0CF40186-A589-4771-8A76-9570FCF1EF43}" srcOrd="0" destOrd="0" presId="urn:microsoft.com/office/officeart/2005/8/layout/hierarchy2"/>
@@ -2847,45 +2763,42 @@
     <dgm:cxn modelId="{1F88F132-FDC8-4FD4-B1AC-544E3716542B}" srcId="{FA4799A0-A1A0-4F59-AD7B-E0EB6B8FFADF}" destId="{607FCB25-8266-4E8C-BB25-F6190E2C5A51}" srcOrd="0" destOrd="0" parTransId="{B36DDFBD-93BC-4CD6-A52A-FC243FDC3227}" sibTransId="{F21C7168-A9F3-46E9-B8D7-54CC1203A00C}"/>
     <dgm:cxn modelId="{5B02BB34-B2A0-4499-A575-91F25DD97702}" type="presOf" srcId="{7462DDD1-F283-42DB-AB71-270FC8A6AF1F}" destId="{0594B63C-F2DA-4B44-8FE5-D41D1D11F644}" srcOrd="1" destOrd="0" presId="urn:microsoft.com/office/officeart/2005/8/layout/hierarchy2"/>
     <dgm:cxn modelId="{8B27D937-ACCE-44A4-8B42-C167F60038E3}" type="presOf" srcId="{7938C59D-E1DC-4C0F-871A-2C0CDC2677B9}" destId="{3EFA9C6E-6E9D-4268-8937-B6D1ED2FE8CE}" srcOrd="1" destOrd="0" presId="urn:microsoft.com/office/officeart/2005/8/layout/hierarchy2"/>
-    <dgm:cxn modelId="{5FA9FD3C-9796-4B2C-9F9A-540CABEFE920}" type="presOf" srcId="{0BC1B8F2-4F37-45C9-803C-8D0D7FF5FB7C}" destId="{F64A791C-00A4-432F-9090-52BCD216B8B8}" srcOrd="0" destOrd="0" presId="urn:microsoft.com/office/officeart/2005/8/layout/hierarchy2"/>
     <dgm:cxn modelId="{3E5DB13E-8AB1-4A5C-A467-F2A90CA763F3}" type="presOf" srcId="{35828132-24D6-4E8B-8159-362BEEDC9CEB}" destId="{77403EC1-8879-4879-957E-C6EABCFA5DA0}" srcOrd="0" destOrd="0" presId="urn:microsoft.com/office/officeart/2005/8/layout/hierarchy2"/>
     <dgm:cxn modelId="{C8F66D3F-6881-4D0B-AC69-185B1B8BB710}" srcId="{C13768ED-4F37-4E15-8378-5BFEF9486274}" destId="{A836B913-61AC-469F-A301-4D9ACEDA89C9}" srcOrd="2" destOrd="0" parTransId="{11697691-F860-47DB-9C18-0ED146C2F1DC}" sibTransId="{3005CDDE-7D83-443E-8486-1A1BBCA63BDE}"/>
     <dgm:cxn modelId="{B354A340-B375-4C74-B782-E1D76E6A02D2}" type="presOf" srcId="{08927EF9-BA2F-4AED-B168-41E724AB3C5B}" destId="{19E51B11-34C1-4922-99E3-02A46FF61989}" srcOrd="1" destOrd="0" presId="urn:microsoft.com/office/officeart/2005/8/layout/hierarchy2"/>
     <dgm:cxn modelId="{2200E962-7824-4836-B272-98AB36497EF7}" type="presOf" srcId="{F6FF3177-E858-40BE-B66A-0AF1F75AA728}" destId="{1858F3F4-C123-4A53-967B-FE5BF7782A5E}" srcOrd="0" destOrd="0" presId="urn:microsoft.com/office/officeart/2005/8/layout/hierarchy2"/>
     <dgm:cxn modelId="{72C75864-2FB0-434E-9242-C9CBEDD48DAD}" type="presOf" srcId="{9EBA7DD3-EFD4-4FB0-9D1D-F3CF4D51BB04}" destId="{064C1D77-3277-489D-9811-9D89200A3D1D}" srcOrd="0" destOrd="0" presId="urn:microsoft.com/office/officeart/2005/8/layout/hierarchy2"/>
     <dgm:cxn modelId="{F9BBF965-C464-458B-B4F9-9BA2823961BA}" type="presOf" srcId="{614616D1-9AB0-4825-B4F0-E3B319A8A19C}" destId="{DD6DBAF4-F6AE-4D06-88B8-13D9764C7A2C}" srcOrd="0" destOrd="0" presId="urn:microsoft.com/office/officeart/2005/8/layout/hierarchy2"/>
-    <dgm:cxn modelId="{AC807B4E-7580-492F-9B85-F99DDD7282E4}" type="presOf" srcId="{B3CB0421-242B-4A01-8C14-F8DCD3C16DD1}" destId="{4E636E47-392C-4DC5-BAEB-CDAC3C583442}" srcOrd="0" destOrd="0" presId="urn:microsoft.com/office/officeart/2005/8/layout/hierarchy2"/>
+    <dgm:cxn modelId="{390BFC48-DE66-4C05-9BC8-C4DD43AEB185}" srcId="{C24DF979-2D66-4345-A50F-2F65E68548CC}" destId="{E2D7F6EE-B8EA-4AC5-9F23-A58A00294E2D}" srcOrd="2" destOrd="0" parTransId="{2877F2C1-5503-4641-AB48-7F67E569974D}" sibTransId="{D375B26B-DAF8-49C5-AF37-53F35B330795}"/>
     <dgm:cxn modelId="{EF4B126F-6171-49E8-A854-4E93EA3DFDDD}" type="presOf" srcId="{185DEF35-D85D-43CD-837E-5BF53272E01D}" destId="{2EF889EC-3B6A-4D2F-84DA-6AB625664518}" srcOrd="1" destOrd="0" presId="urn:microsoft.com/office/officeart/2005/8/layout/hierarchy2"/>
     <dgm:cxn modelId="{8C449950-8A5F-4126-8AC4-C1F767A75770}" type="presOf" srcId="{11697691-F860-47DB-9C18-0ED146C2F1DC}" destId="{E6F0BE2B-F366-41B1-9D46-5823E00C7E97}" srcOrd="1" destOrd="0" presId="urn:microsoft.com/office/officeart/2005/8/layout/hierarchy2"/>
-    <dgm:cxn modelId="{210E2571-C061-4EE7-840C-979980AB4021}" type="presOf" srcId="{B783E18C-2602-48BA-A831-683DB3893F2F}" destId="{38831AE3-CCD9-4520-8F76-E5803B5AEB04}" srcOrd="0" destOrd="0" presId="urn:microsoft.com/office/officeart/2005/8/layout/hierarchy2"/>
     <dgm:cxn modelId="{55EB5351-28B7-4C10-877A-B6DA9C569F60}" type="presOf" srcId="{4F908973-2012-4DBF-94AD-2D00FD02D88A}" destId="{08CC485B-8473-4547-A6DE-FFFA16734FA0}" srcOrd="0" destOrd="0" presId="urn:microsoft.com/office/officeart/2005/8/layout/hierarchy2"/>
     <dgm:cxn modelId="{0D05B572-5FD3-4E5A-9E27-1982552CA181}" srcId="{607FCB25-8266-4E8C-BB25-F6190E2C5A51}" destId="{9EBA7DD3-EFD4-4FB0-9D1D-F3CF4D51BB04}" srcOrd="0" destOrd="0" parTransId="{7938C59D-E1DC-4C0F-871A-2C0CDC2677B9}" sibTransId="{8AB2491D-65A1-4C50-8EF2-932E7B012D94}"/>
     <dgm:cxn modelId="{26EB9554-EFD1-492C-AE38-D158D8BB363F}" srcId="{C24DF979-2D66-4345-A50F-2F65E68548CC}" destId="{A243FECC-01F6-47EF-A427-18D141536F62}" srcOrd="1" destOrd="0" parTransId="{E7F01257-8479-40BF-8579-A2A2FF300C3A}" sibTransId="{FE9DD013-0F42-4831-90D6-3605B26898C2}"/>
     <dgm:cxn modelId="{DBF2E775-68E7-4FD5-854F-032982ECEBD9}" type="presOf" srcId="{08927EF9-BA2F-4AED-B168-41E724AB3C5B}" destId="{47516D7C-106F-4664-A550-6DAB42875566}" srcOrd="0" destOrd="0" presId="urn:microsoft.com/office/officeart/2005/8/layout/hierarchy2"/>
     <dgm:cxn modelId="{5DC64557-5912-450C-8A79-CC6F0483BF64}" type="presOf" srcId="{B36DDFBD-93BC-4CD6-A52A-FC243FDC3227}" destId="{A2965524-5BE6-4805-A284-EBDF70C80049}" srcOrd="0" destOrd="0" presId="urn:microsoft.com/office/officeart/2005/8/layout/hierarchy2"/>
-    <dgm:cxn modelId="{1CD3B177-EFAD-4237-8CE6-FB53693D711D}" srcId="{35828132-24D6-4E8B-8159-362BEEDC9CEB}" destId="{FA4799A0-A1A0-4F59-AD7B-E0EB6B8FFADF}" srcOrd="1" destOrd="0" parTransId="{16748D59-4592-47AE-975A-131BE08B71F4}" sibTransId="{2135DDFE-B1F9-4663-BADC-AD7DC105ACCF}"/>
+    <dgm:cxn modelId="{1CD3B177-EFAD-4237-8CE6-FB53693D711D}" srcId="{35828132-24D6-4E8B-8159-362BEEDC9CEB}" destId="{FA4799A0-A1A0-4F59-AD7B-E0EB6B8FFADF}" srcOrd="0" destOrd="0" parTransId="{16748D59-4592-47AE-975A-131BE08B71F4}" sibTransId="{2135DDFE-B1F9-4663-BADC-AD7DC105ACCF}"/>
     <dgm:cxn modelId="{B223F882-4B46-4707-88E7-7A07CF22A624}" type="presOf" srcId="{E7F01257-8479-40BF-8579-A2A2FF300C3A}" destId="{3A85B887-1D18-4D6D-8AE5-841271FDB0C0}" srcOrd="0" destOrd="0" presId="urn:microsoft.com/office/officeart/2005/8/layout/hierarchy2"/>
     <dgm:cxn modelId="{8F239883-3A26-4351-93E6-1808DDCC9F44}" type="presOf" srcId="{6E459ED9-2F4B-4DCD-81D9-EC7B4C076809}" destId="{CCA956CC-2F0D-490E-8442-0D9607B1D492}" srcOrd="0" destOrd="0" presId="urn:microsoft.com/office/officeart/2005/8/layout/hierarchy2"/>
-    <dgm:cxn modelId="{284A528A-F325-45CB-9BD0-6389D04D687B}" type="presOf" srcId="{9343353A-BBEE-4C98-B9B8-5461F652185E}" destId="{AE383538-6B8D-480B-B140-11130A077716}" srcOrd="0" destOrd="0" presId="urn:microsoft.com/office/officeart/2005/8/layout/hierarchy2"/>
     <dgm:cxn modelId="{A75A0791-CAA7-45BB-B5C3-C39C270402DF}" type="presOf" srcId="{A836B913-61AC-469F-A301-4D9ACEDA89C9}" destId="{72E97099-95D0-43A9-A70F-C3FFA1BDAD4B}" srcOrd="0" destOrd="0" presId="urn:microsoft.com/office/officeart/2005/8/layout/hierarchy2"/>
     <dgm:cxn modelId="{0A24EE94-5348-4BA2-9CD7-B099531DBC83}" srcId="{6E459ED9-2F4B-4DCD-81D9-EC7B4C076809}" destId="{3C4A49FF-1CF0-458E-9BB0-7537638F50CB}" srcOrd="0" destOrd="0" parTransId="{C839F144-8B6F-4111-B5FB-C98504A13890}" sibTransId="{8F802141-233B-461F-BEAD-67E38299A1D3}"/>
     <dgm:cxn modelId="{2A381196-7456-4890-A6A1-28BB8E23A420}" type="presOf" srcId="{83925042-6A1C-4CB7-992F-2E8D64EEB9B1}" destId="{A0373647-8495-4AD7-9232-CCECAE989C18}" srcOrd="0" destOrd="0" presId="urn:microsoft.com/office/officeart/2005/8/layout/hierarchy2"/>
+    <dgm:cxn modelId="{69A330A0-1924-4D77-A057-6572793DF06F}" type="presOf" srcId="{2877F2C1-5503-4641-AB48-7F67E569974D}" destId="{6916750A-C3C3-4973-BA63-D0DC2D57C12A}" srcOrd="0" destOrd="0" presId="urn:microsoft.com/office/officeart/2005/8/layout/hierarchy2"/>
     <dgm:cxn modelId="{35E6C8A8-765C-4C24-ABAE-B16C33814BF1}" type="presOf" srcId="{FA4799A0-A1A0-4F59-AD7B-E0EB6B8FFADF}" destId="{7A69C8F5-5B20-4243-82A0-432C2B1DD3A2}" srcOrd="0" destOrd="0" presId="urn:microsoft.com/office/officeart/2005/8/layout/hierarchy2"/>
     <dgm:cxn modelId="{CDB636B9-2075-4B9A-B2A1-A2133DBE767B}" srcId="{C13768ED-4F37-4E15-8378-5BFEF9486274}" destId="{614616D1-9AB0-4825-B4F0-E3B319A8A19C}" srcOrd="1" destOrd="0" parTransId="{08927EF9-BA2F-4AED-B168-41E724AB3C5B}" sibTransId="{55B2D39B-D971-47BD-BB1C-6CB90877CFF2}"/>
     <dgm:cxn modelId="{3F3FB2BF-076B-4DF9-8AE4-50B944BE4113}" srcId="{3C4A49FF-1CF0-458E-9BB0-7537638F50CB}" destId="{4F908973-2012-4DBF-94AD-2D00FD02D88A}" srcOrd="1" destOrd="0" parTransId="{185DEF35-D85D-43CD-837E-5BF53272E01D}" sibTransId="{ED55A296-A6FD-41AA-9E2D-92AE6FCC1C56}"/>
+    <dgm:cxn modelId="{B76D09C1-BB65-49B4-9E6E-21B9D0662154}" type="presOf" srcId="{E2D7F6EE-B8EA-4AC5-9F23-A58A00294E2D}" destId="{A7BD74AC-B185-4330-ACE4-F5A53E4B3F1C}" srcOrd="0" destOrd="0" presId="urn:microsoft.com/office/officeart/2005/8/layout/hierarchy2"/>
     <dgm:cxn modelId="{9BEDE3C7-9E75-4C89-8922-183A017AD521}" type="presOf" srcId="{607FCB25-8266-4E8C-BB25-F6190E2C5A51}" destId="{D6DCFFF0-C6DD-41F7-B3B4-9FD4BB929B39}" srcOrd="0" destOrd="0" presId="urn:microsoft.com/office/officeart/2005/8/layout/hierarchy2"/>
     <dgm:cxn modelId="{6EC616CE-603E-48BD-BB08-8327DF73DC6F}" type="presOf" srcId="{E7F01257-8479-40BF-8579-A2A2FF300C3A}" destId="{3739AAC3-4A73-4A02-925D-4BAAFBE98A63}" srcOrd="1" destOrd="0" presId="urn:microsoft.com/office/officeart/2005/8/layout/hierarchy2"/>
     <dgm:cxn modelId="{31EBAED2-ABD8-4C2C-8DAA-95E3825AEE76}" type="presOf" srcId="{C13768ED-4F37-4E15-8378-5BFEF9486274}" destId="{AE8F7343-D9EA-4FDB-8716-0D5BDCE3D032}" srcOrd="0" destOrd="0" presId="urn:microsoft.com/office/officeart/2005/8/layout/hierarchy2"/>
     <dgm:cxn modelId="{9F0B99D3-B66D-4612-A7BC-BB2A0EC4EA67}" type="presOf" srcId="{7462DDD1-F283-42DB-AB71-270FC8A6AF1F}" destId="{ECF396D5-4EE2-4530-9DB5-64486FFC7106}" srcOrd="0" destOrd="0" presId="urn:microsoft.com/office/officeart/2005/8/layout/hierarchy2"/>
     <dgm:cxn modelId="{524A00D4-78DE-47AE-AF0D-F60447447EED}" srcId="{C13768ED-4F37-4E15-8378-5BFEF9486274}" destId="{C24DF979-2D66-4345-A50F-2F65E68548CC}" srcOrd="0" destOrd="0" parTransId="{F6FF3177-E858-40BE-B66A-0AF1F75AA728}" sibTransId="{7913A6E9-A097-41CC-BA61-E27E9B469FAC}"/>
-    <dgm:cxn modelId="{727243D4-B079-419F-A83F-A9994986C37E}" srcId="{A243FECC-01F6-47EF-A427-18D141536F62}" destId="{0BC1B8F2-4F37-45C9-803C-8D0D7FF5FB7C}" srcOrd="0" destOrd="0" parTransId="{9343353A-BBEE-4C98-B9B8-5461F652185E}" sibTransId="{6D63B45A-FC4D-4D97-9646-1CB2E3183885}"/>
     <dgm:cxn modelId="{11DCC5DF-96B3-4B77-BD17-4EEED35B048C}" type="presOf" srcId="{185DEF35-D85D-43CD-837E-5BF53272E01D}" destId="{E14AF764-9B7C-4BE2-AC19-68A0E91B0E5E}" srcOrd="0" destOrd="0" presId="urn:microsoft.com/office/officeart/2005/8/layout/hierarchy2"/>
     <dgm:cxn modelId="{A7FE26E6-20C9-473B-A06F-7DC5B8A84ACB}" type="presOf" srcId="{11697691-F860-47DB-9C18-0ED146C2F1DC}" destId="{0FC40186-3AED-40D2-A110-151930D38A23}" srcOrd="0" destOrd="0" presId="urn:microsoft.com/office/officeart/2005/8/layout/hierarchy2"/>
     <dgm:cxn modelId="{2F1488ED-29DF-4C9A-9CFF-69BCF8139C08}" type="presOf" srcId="{16748D59-4592-47AE-975A-131BE08B71F4}" destId="{AD360AC5-34E4-4AB2-A09B-1029900D6680}" srcOrd="0" destOrd="0" presId="urn:microsoft.com/office/officeart/2005/8/layout/hierarchy2"/>
     <dgm:cxn modelId="{BDD7F3ED-2500-43AF-B6C2-4844C210DE99}" type="presOf" srcId="{A243FECC-01F6-47EF-A427-18D141536F62}" destId="{436EDD92-DA6A-4B27-B901-189C516DE422}" srcOrd="0" destOrd="0" presId="urn:microsoft.com/office/officeart/2005/8/layout/hierarchy2"/>
     <dgm:cxn modelId="{8DCB1AEF-82BB-4F2D-87B1-C3D12CD85BA1}" type="presOf" srcId="{F6FF3177-E858-40BE-B66A-0AF1F75AA728}" destId="{6CA05C5B-84A1-4281-9324-3D74E0F20D75}" srcOrd="1" destOrd="0" presId="urn:microsoft.com/office/officeart/2005/8/layout/hierarchy2"/>
-    <dgm:cxn modelId="{EF38E2FA-A22F-440B-97B9-3196FE5DCA20}" srcId="{35828132-24D6-4E8B-8159-362BEEDC9CEB}" destId="{B783E18C-2602-48BA-A831-683DB3893F2F}" srcOrd="0" destOrd="0" parTransId="{B3CB0421-242B-4A01-8C14-F8DCD3C16DD1}" sibTransId="{47A25A4B-FDCF-424A-B15D-FAB993BFDCF9}"/>
-    <dgm:cxn modelId="{5E4E96FE-CF69-4BBD-8C0F-017181C7B804}" type="presOf" srcId="{9343353A-BBEE-4C98-B9B8-5461F652185E}" destId="{CD6ABDF5-0442-4DC2-99ED-3AF1E712BD43}" srcOrd="1" destOrd="0" presId="urn:microsoft.com/office/officeart/2005/8/layout/hierarchy2"/>
+    <dgm:cxn modelId="{EBDBB9F8-9917-423F-A5E3-A6271B103220}" type="presOf" srcId="{2877F2C1-5503-4641-AB48-7F67E569974D}" destId="{C032E276-1115-4663-B80E-84F734612122}" srcOrd="1" destOrd="0" presId="urn:microsoft.com/office/officeart/2005/8/layout/hierarchy2"/>
     <dgm:cxn modelId="{135D5622-5304-4B2E-8053-EFD53001FDDE}" type="presParOf" srcId="{CCA956CC-2F0D-490E-8442-0D9607B1D492}" destId="{BE70D8C1-96CA-4AAD-81DE-C9C3962FF56E}" srcOrd="0" destOrd="0" presId="urn:microsoft.com/office/officeart/2005/8/layout/hierarchy2"/>
     <dgm:cxn modelId="{101B3F04-C953-47E6-B4D6-E094EF0804BD}" type="presParOf" srcId="{BE70D8C1-96CA-4AAD-81DE-C9C3962FF56E}" destId="{8CBF702C-68F8-444E-B80E-D98D6DC80C16}" srcOrd="0" destOrd="0" presId="urn:microsoft.com/office/officeart/2005/8/layout/hierarchy2"/>
     <dgm:cxn modelId="{DD63A654-9A46-4C9D-8441-54158DE7E6C2}" type="presParOf" srcId="{BE70D8C1-96CA-4AAD-81DE-C9C3962FF56E}" destId="{D7372705-2EBA-4EAC-AF77-5423ADA4C3A8}" srcOrd="1" destOrd="0" presId="urn:microsoft.com/office/officeart/2005/8/layout/hierarchy2"/>
@@ -2904,14 +2817,9 @@
     <dgm:cxn modelId="{7458E86D-1589-4D4D-8E09-F2489AAE30CC}" type="presParOf" srcId="{5CB32101-EDC5-4E1F-8BD9-637F06E29EF6}" destId="{40685F52-4177-401F-ADA0-87AC4EABD88D}" srcOrd="1" destOrd="0" presId="urn:microsoft.com/office/officeart/2005/8/layout/hierarchy2"/>
     <dgm:cxn modelId="{9F07465E-6F84-41E1-80F0-791C48DF1F3C}" type="presParOf" srcId="{40685F52-4177-401F-ADA0-87AC4EABD88D}" destId="{77403EC1-8879-4879-957E-C6EABCFA5DA0}" srcOrd="0" destOrd="0" presId="urn:microsoft.com/office/officeart/2005/8/layout/hierarchy2"/>
     <dgm:cxn modelId="{BB5775D4-7E18-483E-9DE6-90AEC699F704}" type="presParOf" srcId="{40685F52-4177-401F-ADA0-87AC4EABD88D}" destId="{9D52B784-492D-4975-8E77-CFFC96A27D2A}" srcOrd="1" destOrd="0" presId="urn:microsoft.com/office/officeart/2005/8/layout/hierarchy2"/>
-    <dgm:cxn modelId="{E344294B-AC26-412E-8587-D2D93DA91684}" type="presParOf" srcId="{9D52B784-492D-4975-8E77-CFFC96A27D2A}" destId="{4E636E47-392C-4DC5-BAEB-CDAC3C583442}" srcOrd="0" destOrd="0" presId="urn:microsoft.com/office/officeart/2005/8/layout/hierarchy2"/>
-    <dgm:cxn modelId="{E2A92955-6E0C-4BB1-9B9E-1BA6CC0CE70E}" type="presParOf" srcId="{4E636E47-392C-4DC5-BAEB-CDAC3C583442}" destId="{6038CCFE-4A40-460F-A760-753FB678D58E}" srcOrd="0" destOrd="0" presId="urn:microsoft.com/office/officeart/2005/8/layout/hierarchy2"/>
-    <dgm:cxn modelId="{B2B2EBA5-CA39-422C-B474-1C695ED62834}" type="presParOf" srcId="{9D52B784-492D-4975-8E77-CFFC96A27D2A}" destId="{58C6D933-0693-4264-920C-78634A24901B}" srcOrd="1" destOrd="0" presId="urn:microsoft.com/office/officeart/2005/8/layout/hierarchy2"/>
-    <dgm:cxn modelId="{E3F3EA79-377F-45BA-93CC-F8F19D78D4E2}" type="presParOf" srcId="{58C6D933-0693-4264-920C-78634A24901B}" destId="{38831AE3-CCD9-4520-8F76-E5803B5AEB04}" srcOrd="0" destOrd="0" presId="urn:microsoft.com/office/officeart/2005/8/layout/hierarchy2"/>
-    <dgm:cxn modelId="{30DD582A-404E-4474-B85D-AE1FEAE98A2A}" type="presParOf" srcId="{58C6D933-0693-4264-920C-78634A24901B}" destId="{2A2801A0-1B00-4858-B797-5FF72E1967FE}" srcOrd="1" destOrd="0" presId="urn:microsoft.com/office/officeart/2005/8/layout/hierarchy2"/>
-    <dgm:cxn modelId="{12B870B9-46CF-4720-A917-DF61C6A5ED75}" type="presParOf" srcId="{9D52B784-492D-4975-8E77-CFFC96A27D2A}" destId="{AD360AC5-34E4-4AB2-A09B-1029900D6680}" srcOrd="2" destOrd="0" presId="urn:microsoft.com/office/officeart/2005/8/layout/hierarchy2"/>
+    <dgm:cxn modelId="{12B870B9-46CF-4720-A917-DF61C6A5ED75}" type="presParOf" srcId="{9D52B784-492D-4975-8E77-CFFC96A27D2A}" destId="{AD360AC5-34E4-4AB2-A09B-1029900D6680}" srcOrd="0" destOrd="0" presId="urn:microsoft.com/office/officeart/2005/8/layout/hierarchy2"/>
     <dgm:cxn modelId="{5A49D12C-57D1-472A-9CA8-1C4756ED2CDC}" type="presParOf" srcId="{AD360AC5-34E4-4AB2-A09B-1029900D6680}" destId="{0B087112-D4C1-482F-BF6D-043E25641859}" srcOrd="0" destOrd="0" presId="urn:microsoft.com/office/officeart/2005/8/layout/hierarchy2"/>
-    <dgm:cxn modelId="{1DB09390-D69E-4084-BD23-3B132DBA1C8E}" type="presParOf" srcId="{9D52B784-492D-4975-8E77-CFFC96A27D2A}" destId="{FF406E84-E8BE-453B-9B9F-E22F6CD2E3CB}" srcOrd="3" destOrd="0" presId="urn:microsoft.com/office/officeart/2005/8/layout/hierarchy2"/>
+    <dgm:cxn modelId="{1DB09390-D69E-4084-BD23-3B132DBA1C8E}" type="presParOf" srcId="{9D52B784-492D-4975-8E77-CFFC96A27D2A}" destId="{FF406E84-E8BE-453B-9B9F-E22F6CD2E3CB}" srcOrd="1" destOrd="0" presId="urn:microsoft.com/office/officeart/2005/8/layout/hierarchy2"/>
     <dgm:cxn modelId="{3659C392-AC60-459B-860E-0D95F3BC111B}" type="presParOf" srcId="{FF406E84-E8BE-453B-9B9F-E22F6CD2E3CB}" destId="{7A69C8F5-5B20-4243-82A0-432C2B1DD3A2}" srcOrd="0" destOrd="0" presId="urn:microsoft.com/office/officeart/2005/8/layout/hierarchy2"/>
     <dgm:cxn modelId="{0F906A2A-FFB3-4BA0-A2AF-9A995958580F}" type="presParOf" srcId="{FF406E84-E8BE-453B-9B9F-E22F6CD2E3CB}" destId="{F08D7682-E9B4-492D-8D65-3C8EFA8455C4}" srcOrd="1" destOrd="0" presId="urn:microsoft.com/office/officeart/2005/8/layout/hierarchy2"/>
     <dgm:cxn modelId="{15678B60-BAAE-4626-801A-A00819332332}" type="presParOf" srcId="{F08D7682-E9B4-492D-8D65-3C8EFA8455C4}" destId="{A2965524-5BE6-4805-A284-EBDF70C80049}" srcOrd="0" destOrd="0" presId="urn:microsoft.com/office/officeart/2005/8/layout/hierarchy2"/>
@@ -2929,11 +2837,11 @@
     <dgm:cxn modelId="{4D607C46-5803-44A4-ACF0-DBCA641AED70}" type="presParOf" srcId="{5CB32101-EDC5-4E1F-8BD9-637F06E29EF6}" destId="{1C1D9F12-4019-42E5-9FA9-B99C9AEE8EF3}" srcOrd="3" destOrd="0" presId="urn:microsoft.com/office/officeart/2005/8/layout/hierarchy2"/>
     <dgm:cxn modelId="{ABB0B2A2-E96E-425E-997F-0865F8BFDF0C}" type="presParOf" srcId="{1C1D9F12-4019-42E5-9FA9-B99C9AEE8EF3}" destId="{436EDD92-DA6A-4B27-B901-189C516DE422}" srcOrd="0" destOrd="0" presId="urn:microsoft.com/office/officeart/2005/8/layout/hierarchy2"/>
     <dgm:cxn modelId="{CA47BCE6-ED82-481C-971A-C1536F4022B1}" type="presParOf" srcId="{1C1D9F12-4019-42E5-9FA9-B99C9AEE8EF3}" destId="{41282A31-3DA5-4447-A325-0D0ACBEB8D43}" srcOrd="1" destOrd="0" presId="urn:microsoft.com/office/officeart/2005/8/layout/hierarchy2"/>
-    <dgm:cxn modelId="{ABFEFF4B-F245-4178-82A3-FAB20CF36F5C}" type="presParOf" srcId="{41282A31-3DA5-4447-A325-0D0ACBEB8D43}" destId="{AE383538-6B8D-480B-B140-11130A077716}" srcOrd="0" destOrd="0" presId="urn:microsoft.com/office/officeart/2005/8/layout/hierarchy2"/>
-    <dgm:cxn modelId="{F785C400-7FAC-4080-BF4D-BE37567D86C8}" type="presParOf" srcId="{AE383538-6B8D-480B-B140-11130A077716}" destId="{CD6ABDF5-0442-4DC2-99ED-3AF1E712BD43}" srcOrd="0" destOrd="0" presId="urn:microsoft.com/office/officeart/2005/8/layout/hierarchy2"/>
-    <dgm:cxn modelId="{94B612B9-EAD2-4576-A5B1-4045F3A735CA}" type="presParOf" srcId="{41282A31-3DA5-4447-A325-0D0ACBEB8D43}" destId="{082A36FC-A602-42B9-A3AF-B865342C6AE1}" srcOrd="1" destOrd="0" presId="urn:microsoft.com/office/officeart/2005/8/layout/hierarchy2"/>
-    <dgm:cxn modelId="{762F855E-17E8-4267-98C2-1745F3A7B427}" type="presParOf" srcId="{082A36FC-A602-42B9-A3AF-B865342C6AE1}" destId="{F64A791C-00A4-432F-9090-52BCD216B8B8}" srcOrd="0" destOrd="0" presId="urn:microsoft.com/office/officeart/2005/8/layout/hierarchy2"/>
-    <dgm:cxn modelId="{644E17C3-C387-4EB2-932D-1488AFF81842}" type="presParOf" srcId="{082A36FC-A602-42B9-A3AF-B865342C6AE1}" destId="{48F38923-B6AA-4A68-8B56-F0FA9AC4936D}" srcOrd="1" destOrd="0" presId="urn:microsoft.com/office/officeart/2005/8/layout/hierarchy2"/>
+    <dgm:cxn modelId="{D0979434-DDB8-4297-BC74-F64981A7EEF0}" type="presParOf" srcId="{5CB32101-EDC5-4E1F-8BD9-637F06E29EF6}" destId="{6916750A-C3C3-4973-BA63-D0DC2D57C12A}" srcOrd="4" destOrd="0" presId="urn:microsoft.com/office/officeart/2005/8/layout/hierarchy2"/>
+    <dgm:cxn modelId="{21878B9C-DF23-4A30-AAE7-075AD28FDE2F}" type="presParOf" srcId="{6916750A-C3C3-4973-BA63-D0DC2D57C12A}" destId="{C032E276-1115-4663-B80E-84F734612122}" srcOrd="0" destOrd="0" presId="urn:microsoft.com/office/officeart/2005/8/layout/hierarchy2"/>
+    <dgm:cxn modelId="{BD367028-C7A3-48E1-9BA6-E9B42B56ACC1}" type="presParOf" srcId="{5CB32101-EDC5-4E1F-8BD9-637F06E29EF6}" destId="{97B1AB52-3912-4F0E-BF40-872DE3854C10}" srcOrd="5" destOrd="0" presId="urn:microsoft.com/office/officeart/2005/8/layout/hierarchy2"/>
+    <dgm:cxn modelId="{4B25CA4B-C165-4739-840D-8C667BDF9EC9}" type="presParOf" srcId="{97B1AB52-3912-4F0E-BF40-872DE3854C10}" destId="{A7BD74AC-B185-4330-ACE4-F5A53E4B3F1C}" srcOrd="0" destOrd="0" presId="urn:microsoft.com/office/officeart/2005/8/layout/hierarchy2"/>
+    <dgm:cxn modelId="{54F66D7F-4E21-4C56-899F-C6604DC17D92}" type="presParOf" srcId="{97B1AB52-3912-4F0E-BF40-872DE3854C10}" destId="{1CE3DD6E-57E2-4464-B3F2-A49B35D248FC}" srcOrd="1" destOrd="0" presId="urn:microsoft.com/office/officeart/2005/8/layout/hierarchy2"/>
     <dgm:cxn modelId="{C1FEA66F-1C1B-4AD3-9D91-2B35C1C16D45}" type="presParOf" srcId="{E223B0EF-49EA-471C-93F5-6848889E3CBA}" destId="{47516D7C-106F-4664-A550-6DAB42875566}" srcOrd="2" destOrd="0" presId="urn:microsoft.com/office/officeart/2005/8/layout/hierarchy2"/>
     <dgm:cxn modelId="{8FFA5167-8480-4ACB-8ACB-13A6A63DDDA6}" type="presParOf" srcId="{47516D7C-106F-4664-A550-6DAB42875566}" destId="{19E51B11-34C1-4922-99E3-02A46FF61989}" srcOrd="0" destOrd="0" presId="urn:microsoft.com/office/officeart/2005/8/layout/hierarchy2"/>
     <dgm:cxn modelId="{92C561D6-4653-4641-B5B0-B9D1F4997477}" type="presParOf" srcId="{E223B0EF-49EA-471C-93F5-6848889E3CBA}" destId="{86FB53C1-780C-4AF9-A88A-C081B6923A5E}" srcOrd="3" destOrd="0" presId="urn:microsoft.com/office/officeart/2005/8/layout/hierarchy2"/>
@@ -4180,8 +4088,8 @@
       </dsp:nvSpPr>
       <dsp:spPr>
         <a:xfrm>
-          <a:off x="6212" y="3593635"/>
-          <a:ext cx="1347145" cy="1375293"/>
+          <a:off x="15022" y="3072141"/>
+          <a:ext cx="1347145" cy="1477865"/>
         </a:xfrm>
         <a:prstGeom prst="roundRect">
           <a:avLst>
@@ -4238,7 +4146,7 @@
             <a:buNone/>
           </a:pPr>
           <a:r>
-            <a:rPr lang="en-US" sz="1800" kern="1200" dirty="0">
+            <a:rPr lang="en-US" sz="1800" kern="1200">
               <a:solidFill>
                 <a:schemeClr val="tx1"/>
               </a:solidFill>
@@ -4260,7 +4168,7 @@
             <a:buNone/>
           </a:pPr>
           <a:r>
-            <a:rPr lang="en-US" sz="1800" kern="1200" dirty="0">
+            <a:rPr lang="en-US" sz="1800" kern="1200">
               <a:solidFill>
                 <a:schemeClr val="tx1"/>
               </a:solidFill>
@@ -4275,8 +4183,8 @@
         </a:p>
       </dsp:txBody>
       <dsp:txXfrm>
-        <a:off x="45669" y="3633092"/>
-        <a:ext cx="1268231" cy="1296379"/>
+        <a:off x="54479" y="3111598"/>
+        <a:ext cx="1268231" cy="1398951"/>
       </dsp:txXfrm>
     </dsp:sp>
     <dsp:sp modelId="{A0373647-8495-4AD7-9232-CCECAE989C18}">
@@ -4285,9 +4193,9 @@
         <dsp:cNvSpPr/>
       </dsp:nvSpPr>
       <dsp:spPr>
-        <a:xfrm rot="17219055">
-          <a:off x="1056323" y="3870343"/>
-          <a:ext cx="839207" cy="19273"/>
+        <a:xfrm rot="18209244">
+          <a:off x="1266170" y="3622824"/>
+          <a:ext cx="428324" cy="19273"/>
         </a:xfrm>
         <a:custGeom>
           <a:avLst/>
@@ -4301,7 +4209,7 @@
                 <a:pt x="0" y="9636"/>
               </a:moveTo>
               <a:lnTo>
-                <a:pt x="839207" y="9636"/>
+                <a:pt x="428324" y="9636"/>
               </a:lnTo>
             </a:path>
           </a:pathLst>
@@ -4350,8 +4258,8 @@
         </a:p>
       </dsp:txBody>
       <dsp:txXfrm>
-        <a:off x="1454947" y="3858999"/>
-        <a:ext cx="41960" cy="41960"/>
+        <a:off x="1469624" y="3621753"/>
+        <a:ext cx="21416" cy="21416"/>
       </dsp:txXfrm>
     </dsp:sp>
     <dsp:sp modelId="{AE8F7343-D9EA-4FDB-8716-0D5BDCE3D032}">
@@ -4361,7 +4269,7 @@
       </dsp:nvSpPr>
       <dsp:spPr>
         <a:xfrm>
-          <a:off x="1598497" y="2966664"/>
+          <a:off x="1598497" y="2941835"/>
           <a:ext cx="1347145" cy="1024025"/>
         </a:xfrm>
         <a:prstGeom prst="roundRect">
@@ -4419,7 +4327,7 @@
             <a:buNone/>
           </a:pPr>
           <a:r>
-            <a:rPr lang="en-US" sz="1800" kern="1200" dirty="0">
+            <a:rPr lang="en-US" sz="1800" kern="1200">
               <a:solidFill>
                 <a:schemeClr val="tx1"/>
               </a:solidFill>
@@ -4441,7 +4349,7 @@
             <a:buNone/>
           </a:pPr>
           <a:r>
-            <a:rPr lang="en-US" sz="1800" kern="1200" dirty="0">
+            <a:rPr lang="en-US" sz="1800" kern="1200">
               <a:solidFill>
                 <a:schemeClr val="tx1"/>
               </a:solidFill>
@@ -4456,7 +4364,7 @@
         </a:p>
       </dsp:txBody>
       <dsp:txXfrm>
-        <a:off x="1628490" y="2996657"/>
+        <a:off x="1628490" y="2971828"/>
         <a:ext cx="1287159" cy="964039"/>
       </dsp:txXfrm>
     </dsp:sp>
@@ -4466,9 +4374,9 @@
         <dsp:cNvSpPr/>
       </dsp:nvSpPr>
       <dsp:spPr>
-        <a:xfrm rot="2275290">
-          <a:off x="2897209" y="3610014"/>
-          <a:ext cx="458763" cy="19273"/>
+        <a:xfrm rot="2309229">
+          <a:off x="2895420" y="3588078"/>
+          <a:ext cx="462341" cy="19273"/>
         </a:xfrm>
         <a:custGeom>
           <a:avLst/>
@@ -4482,7 +4390,7 @@
                 <a:pt x="0" y="9636"/>
               </a:moveTo>
               <a:lnTo>
-                <a:pt x="458763" y="9636"/>
+                <a:pt x="462341" y="9636"/>
               </a:lnTo>
             </a:path>
           </a:pathLst>
@@ -4531,8 +4439,8 @@
         </a:p>
       </dsp:txBody>
       <dsp:txXfrm>
-        <a:off x="3115122" y="3608181"/>
-        <a:ext cx="22938" cy="22938"/>
+        <a:off x="3115032" y="3586156"/>
+        <a:ext cx="23117" cy="23117"/>
       </dsp:txXfrm>
     </dsp:sp>
     <dsp:sp modelId="{732BC4D0-8891-4A3E-8D6D-EF424F42FC82}">
@@ -4542,7 +4450,7 @@
       </dsp:nvSpPr>
       <dsp:spPr>
         <a:xfrm>
-          <a:off x="3307539" y="3423838"/>
+          <a:off x="3307539" y="3404795"/>
           <a:ext cx="1347145" cy="673572"/>
         </a:xfrm>
         <a:prstGeom prst="roundRect">
@@ -4600,7 +4508,7 @@
             <a:buNone/>
           </a:pPr>
           <a:r>
-            <a:rPr lang="en-US" sz="1800" kern="1200" dirty="0">
+            <a:rPr lang="en-US" sz="1800" kern="1200">
               <a:solidFill>
                 <a:schemeClr val="tx1"/>
               </a:solidFill>
@@ -4622,7 +4530,7 @@
             <a:buNone/>
           </a:pPr>
           <a:r>
-            <a:rPr lang="en-US" sz="1800" kern="1200" dirty="0">
+            <a:rPr lang="en-US" sz="1800" kern="1200">
               <a:solidFill>
                 <a:schemeClr val="tx1"/>
               </a:solidFill>
@@ -4637,7 +4545,7 @@
         </a:p>
       </dsp:txBody>
       <dsp:txXfrm>
-        <a:off x="3327267" y="3443566"/>
+        <a:off x="3327267" y="3424523"/>
         <a:ext cx="1307689" cy="634116"/>
       </dsp:txXfrm>
     </dsp:sp>
@@ -4647,9 +4555,9 @@
         <dsp:cNvSpPr/>
       </dsp:nvSpPr>
       <dsp:spPr>
-        <a:xfrm rot="18148843">
-          <a:off x="4493251" y="3456851"/>
-          <a:ext cx="697359" cy="19273"/>
+        <a:xfrm rot="17294710">
+          <a:off x="4243859" y="3163941"/>
+          <a:ext cx="1196142" cy="19273"/>
         </a:xfrm>
         <a:custGeom>
           <a:avLst/>
@@ -4663,7 +4571,7 @@
                 <a:pt x="0" y="9636"/>
               </a:moveTo>
               <a:lnTo>
-                <a:pt x="697359" y="9636"/>
+                <a:pt x="1196142" y="9636"/>
               </a:lnTo>
             </a:path>
           </a:pathLst>
@@ -4712,8 +4620,8 @@
         </a:p>
       </dsp:txBody>
       <dsp:txXfrm>
-        <a:off x="4824497" y="3449053"/>
-        <a:ext cx="34867" cy="34867"/>
+        <a:off x="4812027" y="3143674"/>
+        <a:ext cx="59807" cy="59807"/>
       </dsp:txXfrm>
     </dsp:sp>
     <dsp:sp modelId="{77403EC1-8879-4879-957E-C6EABCFA5DA0}">
@@ -4723,8 +4631,8 @@
       </dsp:nvSpPr>
       <dsp:spPr>
         <a:xfrm>
-          <a:off x="5029177" y="2657341"/>
-          <a:ext cx="1347145" cy="1030020"/>
+          <a:off x="5029177" y="2139007"/>
+          <a:ext cx="1347145" cy="933133"/>
         </a:xfrm>
         <a:prstGeom prst="roundRect">
           <a:avLst>
@@ -4808,7 +4716,7 @@
                 <a:schemeClr val="tx1"/>
               </a:solidFill>
             </a:rPr>
-            <a:t>N = 40</a:t>
+            <a:t>N = 37</a:t>
           </a:r>
           <a:endParaRPr lang="nl-NL" sz="1800" kern="1200" dirty="0">
             <a:solidFill>
@@ -4818,19 +4726,19 @@
         </a:p>
       </dsp:txBody>
       <dsp:txXfrm>
-        <a:off x="5059345" y="2687509"/>
-        <a:ext cx="1286809" cy="969684"/>
+        <a:off x="5056508" y="2166338"/>
+        <a:ext cx="1292483" cy="878471"/>
       </dsp:txXfrm>
     </dsp:sp>
-    <dsp:sp modelId="{4E636E47-392C-4DC5-BAEB-CDAC3C583442}">
+    <dsp:sp modelId="{AD360AC5-34E4-4AB2-A09B-1029900D6680}">
       <dsp:nvSpPr>
         <dsp:cNvPr id="0" name=""/>
         <dsp:cNvSpPr/>
       </dsp:nvSpPr>
       <dsp:spPr>
-        <a:xfrm rot="17406293">
-          <a:off x="6125430" y="2803704"/>
-          <a:ext cx="764613" cy="19273"/>
+        <a:xfrm rot="4650312">
+          <a:off x="5896007" y="3194343"/>
+          <a:ext cx="1225843" cy="19273"/>
         </a:xfrm>
         <a:custGeom>
           <a:avLst/>
@@ -4844,7 +4752,7 @@
                 <a:pt x="0" y="9636"/>
               </a:moveTo>
               <a:lnTo>
-                <a:pt x="764613" y="9636"/>
+                <a:pt x="1225843" y="9636"/>
               </a:lnTo>
             </a:path>
           </a:pathLst>
@@ -4893,19 +4801,19 @@
         </a:p>
       </dsp:txBody>
       <dsp:txXfrm>
-        <a:off x="6488621" y="2794225"/>
-        <a:ext cx="38230" cy="38230"/>
+        <a:off x="6478282" y="3173333"/>
+        <a:ext cx="61292" cy="61292"/>
       </dsp:txXfrm>
     </dsp:sp>
-    <dsp:sp modelId="{38831AE3-CCD9-4520-8F76-E5803B5AEB04}">
+    <dsp:sp modelId="{7A69C8F5-5B20-4243-82A0-432C2B1DD3A2}">
       <dsp:nvSpPr>
         <dsp:cNvPr id="0" name=""/>
         <dsp:cNvSpPr/>
       </dsp:nvSpPr>
       <dsp:spPr>
         <a:xfrm>
-          <a:off x="6639150" y="1984711"/>
-          <a:ext cx="1347145" cy="939236"/>
+          <a:off x="6641535" y="3068935"/>
+          <a:ext cx="1347145" cy="1466899"/>
         </a:xfrm>
         <a:prstGeom prst="roundRect">
           <a:avLst>
@@ -4967,7 +4875,7 @@
                 <a:schemeClr val="tx1"/>
               </a:solidFill>
             </a:rPr>
-            <a:t>Other Languages</a:t>
+            <a:t>Data and Code Available </a:t>
           </a:r>
         </a:p>
         <a:p>
@@ -4989,7 +4897,7 @@
                 <a:schemeClr val="tx1"/>
               </a:solidFill>
             </a:rPr>
-            <a:t>N = 5</a:t>
+            <a:t>N = 35</a:t>
           </a:r>
           <a:endParaRPr lang="nl-NL" sz="1800" kern="1200" dirty="0">
             <a:solidFill>
@@ -4999,19 +4907,19 @@
         </a:p>
       </dsp:txBody>
       <dsp:txXfrm>
-        <a:off x="6666659" y="2012220"/>
-        <a:ext cx="1292127" cy="884218"/>
+        <a:off x="6680992" y="3108392"/>
+        <a:ext cx="1268231" cy="1387985"/>
       </dsp:txXfrm>
     </dsp:sp>
-    <dsp:sp modelId="{AD360AC5-34E4-4AB2-A09B-1029900D6680}">
+    <dsp:sp modelId="{A2965524-5BE6-4805-A284-EBDF70C80049}">
       <dsp:nvSpPr>
         <dsp:cNvPr id="0" name=""/>
         <dsp:cNvSpPr/>
       </dsp:nvSpPr>
       <dsp:spPr>
-        <a:xfrm rot="3714588">
-          <a:off x="6228477" y="3409210"/>
-          <a:ext cx="558815" cy="19273"/>
+        <a:xfrm rot="43610">
+          <a:off x="7988670" y="3794250"/>
+          <a:ext cx="236820" cy="19273"/>
         </a:xfrm>
         <a:custGeom>
           <a:avLst/>
@@ -5025,7 +4933,7 @@
                 <a:pt x="0" y="9636"/>
               </a:moveTo>
               <a:lnTo>
-                <a:pt x="558815" y="9636"/>
+                <a:pt x="236820" y="9636"/>
               </a:lnTo>
             </a:path>
           </a:pathLst>
@@ -5074,189 +4982,8 @@
         </a:p>
       </dsp:txBody>
       <dsp:txXfrm>
-        <a:off x="6493914" y="3404876"/>
-        <a:ext cx="27940" cy="27940"/>
-      </dsp:txXfrm>
-    </dsp:sp>
-    <dsp:sp modelId="{7A69C8F5-5B20-4243-82A0-432C2B1DD3A2}">
-      <dsp:nvSpPr>
-        <dsp:cNvPr id="0" name=""/>
-        <dsp:cNvSpPr/>
-      </dsp:nvSpPr>
-      <dsp:spPr>
-        <a:xfrm>
-          <a:off x="6639447" y="3181488"/>
-          <a:ext cx="1347145" cy="967708"/>
-        </a:xfrm>
-        <a:prstGeom prst="roundRect">
-          <a:avLst>
-            <a:gd name="adj" fmla="val 10000"/>
-          </a:avLst>
-        </a:prstGeom>
-        <a:solidFill>
-          <a:schemeClr val="lt1">
-            <a:hueOff val="0"/>
-            <a:satOff val="0"/>
-            <a:lumOff val="0"/>
-            <a:alphaOff val="0"/>
-          </a:schemeClr>
-        </a:solidFill>
-        <a:ln w="28575" cap="flat" cmpd="sng" algn="ctr">
-          <a:solidFill>
-            <a:scrgbClr r="0" g="0" b="0"/>
-          </a:solidFill>
-          <a:prstDash val="solid"/>
-          <a:miter lim="800000"/>
-        </a:ln>
-        <a:effectLst/>
-      </dsp:spPr>
-      <dsp:style>
-        <a:lnRef idx="3">
-          <a:scrgbClr r="0" g="0" b="0"/>
-        </a:lnRef>
-        <a:fillRef idx="1">
-          <a:scrgbClr r="0" g="0" b="0"/>
-        </a:fillRef>
-        <a:effectRef idx="1">
-          <a:scrgbClr r="0" g="0" b="0"/>
-        </a:effectRef>
-        <a:fontRef idx="minor">
-          <a:schemeClr val="lt1"/>
-        </a:fontRef>
-      </dsp:style>
-      <dsp:txBody>
-        <a:bodyPr spcFirstLastPara="0" vert="horz" wrap="square" lIns="11430" tIns="11430" rIns="11430" bIns="11430" numCol="1" spcCol="1270" anchor="ctr" anchorCtr="0">
-          <a:noAutofit/>
-        </a:bodyPr>
-        <a:lstStyle/>
-        <a:p>
-          <a:pPr marL="0" lvl="0" indent="0" algn="ctr" defTabSz="800100">
-            <a:lnSpc>
-              <a:spcPct val="90000"/>
-            </a:lnSpc>
-            <a:spcBef>
-              <a:spcPct val="0"/>
-            </a:spcBef>
-            <a:spcAft>
-              <a:spcPct val="35000"/>
-            </a:spcAft>
-            <a:buNone/>
-          </a:pPr>
-          <a:r>
-            <a:rPr lang="en-US" sz="1800" kern="1200" dirty="0">
-              <a:solidFill>
-                <a:schemeClr val="tx1"/>
-              </a:solidFill>
-            </a:rPr>
-            <a:t>R, SPSS, or JASP</a:t>
-          </a:r>
-        </a:p>
-        <a:p>
-          <a:pPr marL="0" lvl="0" indent="0" algn="ctr" defTabSz="800100">
-            <a:lnSpc>
-              <a:spcPct val="90000"/>
-            </a:lnSpc>
-            <a:spcBef>
-              <a:spcPct val="0"/>
-            </a:spcBef>
-            <a:spcAft>
-              <a:spcPct val="35000"/>
-            </a:spcAft>
-            <a:buNone/>
-          </a:pPr>
-          <a:r>
-            <a:rPr lang="en-US" sz="1800" kern="1200" dirty="0">
-              <a:solidFill>
-                <a:schemeClr val="tx1"/>
-              </a:solidFill>
-            </a:rPr>
-            <a:t>N = 35</a:t>
-          </a:r>
-          <a:endParaRPr lang="nl-NL" sz="1800" kern="1200" dirty="0">
-            <a:solidFill>
-              <a:schemeClr val="tx1"/>
-            </a:solidFill>
-          </a:endParaRPr>
-        </a:p>
-      </dsp:txBody>
-      <dsp:txXfrm>
-        <a:off x="6667790" y="3209831"/>
-        <a:ext cx="1290459" cy="911022"/>
-      </dsp:txXfrm>
-    </dsp:sp>
-    <dsp:sp modelId="{A2965524-5BE6-4805-A284-EBDF70C80049}">
-      <dsp:nvSpPr>
-        <dsp:cNvPr id="0" name=""/>
-        <dsp:cNvSpPr/>
-      </dsp:nvSpPr>
-      <dsp:spPr>
-        <a:xfrm rot="21570308">
-          <a:off x="7986586" y="3654399"/>
-          <a:ext cx="302593" cy="19273"/>
-        </a:xfrm>
-        <a:custGeom>
-          <a:avLst/>
-          <a:gdLst/>
-          <a:ahLst/>
-          <a:cxnLst/>
-          <a:rect l="0" t="0" r="0" b="0"/>
-          <a:pathLst>
-            <a:path>
-              <a:moveTo>
-                <a:pt x="0" y="9636"/>
-              </a:moveTo>
-              <a:lnTo>
-                <a:pt x="302593" y="9636"/>
-              </a:lnTo>
-            </a:path>
-          </a:pathLst>
-        </a:custGeom>
-        <a:noFill/>
-        <a:ln w="28575" cap="flat" cmpd="sng" algn="ctr">
-          <a:solidFill>
-            <a:scrgbClr r="0" g="0" b="0"/>
-          </a:solidFill>
-          <a:prstDash val="solid"/>
-          <a:miter lim="800000"/>
-        </a:ln>
-        <a:effectLst/>
-      </dsp:spPr>
-      <dsp:style>
-        <a:lnRef idx="2">
-          <a:scrgbClr r="0" g="0" b="0"/>
-        </a:lnRef>
-        <a:fillRef idx="0">
-          <a:scrgbClr r="0" g="0" b="0"/>
-        </a:fillRef>
-        <a:effectRef idx="0">
-          <a:scrgbClr r="0" g="0" b="0"/>
-        </a:effectRef>
-        <a:fontRef idx="minor"/>
-      </dsp:style>
-      <dsp:txBody>
-        <a:bodyPr spcFirstLastPara="0" vert="horz" wrap="square" lIns="12700" tIns="0" rIns="12700" bIns="0" numCol="1" spcCol="1270" anchor="ctr" anchorCtr="0">
-          <a:noAutofit/>
-        </a:bodyPr>
-        <a:lstStyle/>
-        <a:p>
-          <a:pPr marL="0" lvl="0" indent="0" algn="ctr" defTabSz="222250">
-            <a:lnSpc>
-              <a:spcPct val="90000"/>
-            </a:lnSpc>
-            <a:spcBef>
-              <a:spcPct val="0"/>
-            </a:spcBef>
-            <a:spcAft>
-              <a:spcPct val="35000"/>
-            </a:spcAft>
-            <a:buNone/>
-          </a:pPr>
-          <a:endParaRPr lang="nl-NL" sz="500" kern="1200"/>
-        </a:p>
-      </dsp:txBody>
-      <dsp:txXfrm>
-        <a:off x="8130318" y="3656471"/>
-        <a:ext cx="15129" cy="15129"/>
+        <a:off x="8101160" y="3797966"/>
+        <a:ext cx="11841" cy="11841"/>
       </dsp:txXfrm>
     </dsp:sp>
     <dsp:sp modelId="{D6DCFFF0-C6DD-41F7-B3B4-9FD4BB929B39}">
@@ -5266,7 +4993,7 @@
       </dsp:nvSpPr>
       <dsp:spPr>
         <a:xfrm>
-          <a:off x="8289174" y="3325942"/>
+          <a:off x="8225481" y="3468602"/>
           <a:ext cx="1347145" cy="673572"/>
         </a:xfrm>
         <a:prstGeom prst="roundRect">
@@ -5351,7 +5078,7 @@
                 <a:schemeClr val="tx1"/>
               </a:solidFill>
             </a:rPr>
-            <a:t>N = 30</a:t>
+            <a:t>N = 31</a:t>
           </a:r>
           <a:endParaRPr lang="nl-NL" sz="1800" kern="1200" dirty="0">
             <a:solidFill>
@@ -5361,7 +5088,7 @@
         </a:p>
       </dsp:txBody>
       <dsp:txXfrm>
-        <a:off x="8308902" y="3345670"/>
+        <a:off x="8245209" y="3488330"/>
         <a:ext cx="1307689" cy="634116"/>
       </dsp:txXfrm>
     </dsp:sp>
@@ -5371,9 +5098,9 @@
         <dsp:cNvSpPr/>
       </dsp:nvSpPr>
       <dsp:spPr>
-        <a:xfrm rot="21535334">
-          <a:off x="9636293" y="3650317"/>
-          <a:ext cx="295076" cy="19273"/>
+        <a:xfrm rot="21572699">
+          <a:off x="9572623" y="3794856"/>
+          <a:ext cx="225613" cy="19273"/>
         </a:xfrm>
         <a:custGeom>
           <a:avLst/>
@@ -5387,7 +5114,7 @@
                 <a:pt x="0" y="9636"/>
               </a:moveTo>
               <a:lnTo>
-                <a:pt x="295076" y="9636"/>
+                <a:pt x="225613" y="9636"/>
               </a:lnTo>
             </a:path>
           </a:pathLst>
@@ -5436,8 +5163,8 @@
         </a:p>
       </dsp:txBody>
       <dsp:txXfrm>
-        <a:off x="9776455" y="3652577"/>
-        <a:ext cx="14753" cy="14753"/>
+        <a:off x="9679789" y="3798853"/>
+        <a:ext cx="11280" cy="11280"/>
       </dsp:txXfrm>
     </dsp:sp>
     <dsp:sp modelId="{064C1D77-3277-489D-9811-9D89200A3D1D}">
@@ -5447,7 +5174,7 @@
       </dsp:nvSpPr>
       <dsp:spPr>
         <a:xfrm>
-          <a:off x="9931344" y="3320392"/>
+          <a:off x="9798233" y="3466811"/>
           <a:ext cx="1347145" cy="673572"/>
         </a:xfrm>
         <a:prstGeom prst="roundRect">
@@ -5532,7 +5259,7 @@
                 <a:schemeClr val="tx1"/>
               </a:solidFill>
             </a:rPr>
-            <a:t>N = 19</a:t>
+            <a:t>N = 20</a:t>
           </a:r>
           <a:endParaRPr lang="nl-NL" sz="1800" kern="1200" dirty="0">
             <a:solidFill>
@@ -5542,7 +5269,7 @@
         </a:p>
       </dsp:txBody>
       <dsp:txXfrm>
-        <a:off x="9951072" y="3340120"/>
+        <a:off x="9817961" y="3486539"/>
         <a:ext cx="1307689" cy="634116"/>
       </dsp:txXfrm>
     </dsp:sp>
@@ -5552,9 +5279,9 @@
         <dsp:cNvSpPr/>
       </dsp:nvSpPr>
       <dsp:spPr>
-        <a:xfrm rot="3739364">
-          <a:off x="4438809" y="4107983"/>
-          <a:ext cx="806244" cy="19273"/>
+        <a:xfrm rot="4347473">
+          <a:off x="4220689" y="4324296"/>
+          <a:ext cx="1242483" cy="19273"/>
         </a:xfrm>
         <a:custGeom>
           <a:avLst/>
@@ -5568,7 +5295,7 @@
                 <a:pt x="0" y="9636"/>
               </a:moveTo>
               <a:lnTo>
-                <a:pt x="806244" y="9636"/>
+                <a:pt x="1242483" y="9636"/>
               </a:lnTo>
             </a:path>
           </a:pathLst>
@@ -5617,8 +5344,8 @@
         </a:p>
       </dsp:txBody>
       <dsp:txXfrm>
-        <a:off x="4821775" y="4097464"/>
-        <a:ext cx="40312" cy="40312"/>
+        <a:off x="4810869" y="4302871"/>
+        <a:ext cx="62124" cy="62124"/>
       </dsp:txXfrm>
     </dsp:sp>
     <dsp:sp modelId="{436EDD92-DA6A-4B27-B901-189C516DE422}">
@@ -5628,8 +5355,8 @@
       </dsp:nvSpPr>
       <dsp:spPr>
         <a:xfrm>
-          <a:off x="5029177" y="3911051"/>
-          <a:ext cx="1347145" cy="1127129"/>
+          <a:off x="5029177" y="4432165"/>
+          <a:ext cx="1347145" cy="988238"/>
         </a:xfrm>
         <a:prstGeom prst="roundRect">
           <a:avLst>
@@ -5713,7 +5440,7 @@
                 <a:schemeClr val="tx1"/>
               </a:solidFill>
             </a:rPr>
-            <a:t>N = 43</a:t>
+            <a:t>N = 40</a:t>
           </a:r>
           <a:endParaRPr lang="nl-NL" sz="1800" kern="1200" dirty="0">
             <a:solidFill>
@@ -5723,19 +5450,19 @@
         </a:p>
       </dsp:txBody>
       <dsp:txXfrm>
-        <a:off x="5062189" y="3944063"/>
-        <a:ext cx="1281121" cy="1061105"/>
+        <a:off x="5058122" y="4461110"/>
+        <a:ext cx="1289255" cy="930348"/>
       </dsp:txXfrm>
     </dsp:sp>
-    <dsp:sp modelId="{AE383538-6B8D-480B-B140-11130A077716}">
+    <dsp:sp modelId="{6916750A-C3C3-4973-BA63-D0DC2D57C12A}">
       <dsp:nvSpPr>
         <dsp:cNvPr id="0" name=""/>
         <dsp:cNvSpPr/>
       </dsp:nvSpPr>
       <dsp:spPr>
-        <a:xfrm rot="3400345">
-          <a:off x="6268552" y="4664828"/>
-          <a:ext cx="478369" cy="19273"/>
+        <a:xfrm rot="11841">
+          <a:off x="4654683" y="3732590"/>
+          <a:ext cx="374495" cy="19273"/>
         </a:xfrm>
         <a:custGeom>
           <a:avLst/>
@@ -5749,7 +5476,7 @@
                 <a:pt x="0" y="9636"/>
               </a:moveTo>
               <a:lnTo>
-                <a:pt x="478369" y="9636"/>
+                <a:pt x="374495" y="9636"/>
               </a:lnTo>
             </a:path>
           </a:pathLst>
@@ -5798,19 +5525,19 @@
         </a:p>
       </dsp:txBody>
       <dsp:txXfrm>
-        <a:off x="6495777" y="4662506"/>
-        <a:ext cx="23918" cy="23918"/>
+        <a:off x="4832568" y="3732864"/>
+        <a:ext cx="18724" cy="18724"/>
       </dsp:txXfrm>
     </dsp:sp>
-    <dsp:sp modelId="{F64A791C-00A4-432F-9090-52BCD216B8B8}">
+    <dsp:sp modelId="{A7BD74AC-B185-4330-ACE4-F5A53E4B3F1C}">
       <dsp:nvSpPr>
         <dsp:cNvPr id="0" name=""/>
         <dsp:cNvSpPr/>
       </dsp:nvSpPr>
       <dsp:spPr>
         <a:xfrm>
-          <a:off x="6639150" y="4381666"/>
-          <a:ext cx="1347145" cy="985295"/>
+          <a:off x="5029177" y="3282457"/>
+          <a:ext cx="1347145" cy="920827"/>
         </a:xfrm>
         <a:prstGeom prst="roundRect">
           <a:avLst>
@@ -5904,8 +5631,8 @@
         </a:p>
       </dsp:txBody>
       <dsp:txXfrm>
-        <a:off x="6668008" y="4410524"/>
-        <a:ext cx="1289429" cy="927579"/>
+        <a:off x="5056147" y="3309427"/>
+        <a:ext cx="1293205" cy="866887"/>
       </dsp:txXfrm>
     </dsp:sp>
     <dsp:sp modelId="{47516D7C-106F-4664-A550-6DAB42875566}">
@@ -5914,9 +5641,9 @@
         <dsp:cNvSpPr/>
       </dsp:nvSpPr>
       <dsp:spPr>
-        <a:xfrm rot="17947476">
-          <a:off x="2757838" y="3149418"/>
-          <a:ext cx="731766" cy="19273"/>
+        <a:xfrm rot="17960798">
+          <a:off x="2760363" y="3127482"/>
+          <a:ext cx="726717" cy="19273"/>
         </a:xfrm>
         <a:custGeom>
           <a:avLst/>
@@ -5930,7 +5657,7 @@
                 <a:pt x="0" y="9636"/>
               </a:moveTo>
               <a:lnTo>
-                <a:pt x="731766" y="9636"/>
+                <a:pt x="726717" y="9636"/>
               </a:lnTo>
             </a:path>
           </a:pathLst>
@@ -5979,8 +5706,8 @@
         </a:p>
       </dsp:txBody>
       <dsp:txXfrm>
-        <a:off x="3105427" y="3140760"/>
-        <a:ext cx="36588" cy="36588"/>
+        <a:off x="3105553" y="3118951"/>
+        <a:ext cx="36335" cy="36335"/>
       </dsp:txXfrm>
     </dsp:sp>
     <dsp:sp modelId="{DD6DBAF4-F6AE-4D06-88B8-13D9764C7A2C}">
@@ -5990,7 +5717,7 @@
       </dsp:nvSpPr>
       <dsp:spPr>
         <a:xfrm>
-          <a:off x="3301800" y="2502646"/>
+          <a:off x="3301800" y="2483604"/>
           <a:ext cx="1347145" cy="673572"/>
         </a:xfrm>
         <a:prstGeom prst="roundRect">
@@ -6048,7 +5775,7 @@
             <a:buNone/>
           </a:pPr>
           <a:r>
-            <a:rPr lang="en-US" sz="1800" kern="1200" dirty="0">
+            <a:rPr lang="en-US" sz="1800" kern="1200">
               <a:solidFill>
                 <a:schemeClr val="tx1"/>
               </a:solidFill>
@@ -6070,7 +5797,7 @@
             <a:buNone/>
           </a:pPr>
           <a:r>
-            <a:rPr lang="en-US" sz="1800" kern="1200" dirty="0">
+            <a:rPr lang="en-US" sz="1800" kern="1200">
               <a:solidFill>
                 <a:schemeClr val="tx1"/>
               </a:solidFill>
@@ -6085,7 +5812,7 @@
         </a:p>
       </dsp:txBody>
       <dsp:txXfrm>
-        <a:off x="3321528" y="2522374"/>
+        <a:off x="3321528" y="2503332"/>
         <a:ext cx="1307689" cy="634116"/>
       </dsp:txXfrm>
     </dsp:sp>
@@ -6095,9 +5822,9 @@
         <dsp:cNvSpPr/>
       </dsp:nvSpPr>
       <dsp:spPr>
-        <a:xfrm rot="4477549">
-          <a:off x="2421302" y="4157014"/>
-          <a:ext cx="1427012" cy="19273"/>
+        <a:xfrm rot="4481230">
+          <a:off x="2418512" y="4135078"/>
+          <a:ext cx="1432592" cy="19273"/>
         </a:xfrm>
         <a:custGeom>
           <a:avLst/>
@@ -6111,7 +5838,7 @@
                 <a:pt x="0" y="9636"/>
               </a:moveTo>
               <a:lnTo>
-                <a:pt x="1427012" y="9636"/>
+                <a:pt x="1432592" y="9636"/>
               </a:lnTo>
             </a:path>
           </a:pathLst>
@@ -6160,8 +5887,8 @@
         </a:p>
       </dsp:txBody>
       <dsp:txXfrm>
-        <a:off x="3099133" y="4130975"/>
-        <a:ext cx="71350" cy="71350"/>
+        <a:off x="3098993" y="4108900"/>
+        <a:ext cx="71629" cy="71629"/>
       </dsp:txXfrm>
     </dsp:sp>
     <dsp:sp modelId="{72E97099-95D0-43A9-A70F-C3FFA1BDAD4B}">
@@ -6171,7 +5898,7 @@
       </dsp:nvSpPr>
       <dsp:spPr>
         <a:xfrm>
-          <a:off x="3323974" y="4335747"/>
+          <a:off x="3323974" y="4316704"/>
           <a:ext cx="1347145" cy="1037753"/>
         </a:xfrm>
         <a:prstGeom prst="roundRect">
@@ -6229,7 +5956,7 @@
             <a:buNone/>
           </a:pPr>
           <a:r>
-            <a:rPr lang="en-US" sz="1800" kern="1200" dirty="0">
+            <a:rPr lang="en-US" sz="1800" kern="1200">
               <a:solidFill>
                 <a:schemeClr val="tx1"/>
               </a:solidFill>
@@ -6251,7 +5978,7 @@
             <a:buNone/>
           </a:pPr>
           <a:r>
-            <a:rPr lang="en-US" sz="1800" kern="1200" dirty="0">
+            <a:rPr lang="en-US" sz="1800" kern="1200">
               <a:solidFill>
                 <a:schemeClr val="tx1"/>
               </a:solidFill>
@@ -6273,7 +6000,7 @@
             <a:buNone/>
           </a:pPr>
           <a:r>
-            <a:rPr lang="en-US" sz="1800" kern="1200" dirty="0">
+            <a:rPr lang="en-US" sz="1800" kern="1200">
               <a:solidFill>
                 <a:schemeClr val="tx1"/>
               </a:solidFill>
@@ -6288,7 +6015,7 @@
         </a:p>
       </dsp:txBody>
       <dsp:txXfrm>
-        <a:off x="3354369" y="4366142"/>
+        <a:off x="3354369" y="4347099"/>
         <a:ext cx="1286355" cy="976963"/>
       </dsp:txXfrm>
     </dsp:sp>
@@ -6298,9 +6025,9 @@
         <dsp:cNvSpPr/>
       </dsp:nvSpPr>
       <dsp:spPr>
-        <a:xfrm rot="3838659">
-          <a:off x="1203639" y="4511348"/>
-          <a:ext cx="533488" cy="19273"/>
+        <a:xfrm rot="4507339">
+          <a:off x="1011044" y="4258020"/>
+          <a:ext cx="944840" cy="19273"/>
         </a:xfrm>
         <a:custGeom>
           <a:avLst/>
@@ -6314,7 +6041,7 @@
                 <a:pt x="0" y="9636"/>
               </a:moveTo>
               <a:lnTo>
-                <a:pt x="533488" y="9636"/>
+                <a:pt x="944840" y="9636"/>
               </a:lnTo>
             </a:path>
           </a:pathLst>
@@ -6363,8 +6090,8 @@
         </a:p>
       </dsp:txBody>
       <dsp:txXfrm>
-        <a:off x="1457046" y="4507647"/>
-        <a:ext cx="26674" cy="26674"/>
+        <a:off x="1459843" y="4244036"/>
+        <a:ext cx="47242" cy="47242"/>
       </dsp:txXfrm>
     </dsp:sp>
     <dsp:sp modelId="{08CC485B-8473-4547-A6DE-FFFA16734FA0}">
@@ -6374,7 +6101,7 @@
       </dsp:nvSpPr>
       <dsp:spPr>
         <a:xfrm>
-          <a:off x="1587410" y="4233095"/>
+          <a:off x="1604761" y="4196647"/>
           <a:ext cx="1347145" cy="1055185"/>
         </a:xfrm>
         <a:prstGeom prst="roundRect">
@@ -6432,7 +6159,7 @@
             <a:buNone/>
           </a:pPr>
           <a:r>
-            <a:rPr lang="en-US" sz="1800" kern="1200" dirty="0">
+            <a:rPr lang="en-US" sz="1800" kern="1200">
               <a:solidFill>
                 <a:schemeClr val="tx1"/>
               </a:solidFill>
@@ -6454,7 +6181,7 @@
             <a:buNone/>
           </a:pPr>
           <a:r>
-            <a:rPr lang="en-US" sz="1800" kern="1200" dirty="0">
+            <a:rPr lang="en-US" sz="1800" kern="1200">
               <a:solidFill>
                 <a:schemeClr val="tx1"/>
               </a:solidFill>
@@ -6469,7 +6196,7 @@
         </a:p>
       </dsp:txBody>
       <dsp:txXfrm>
-        <a:off x="1618315" y="4264000"/>
+        <a:off x="1635666" y="4227552"/>
         <a:ext cx="1285335" cy="993375"/>
       </dsp:txXfrm>
     </dsp:sp>
@@ -11882,7 +11609,7 @@
           <a:p>
             <a:fld id="{0D774F42-F867-45E6-92F8-D5C96C5B6EB4}" type="datetimeFigureOut">
               <a:rPr lang="nl-NL" smtClean="0"/>
-              <a:t>22-5-2019</a:t>
+              <a:t>8-9-2019</a:t>
             </a:fld>
             <a:endParaRPr lang="nl-NL"/>
           </a:p>
@@ -12052,7 +11779,7 @@
           <a:p>
             <a:fld id="{0D774F42-F867-45E6-92F8-D5C96C5B6EB4}" type="datetimeFigureOut">
               <a:rPr lang="nl-NL" smtClean="0"/>
-              <a:t>22-5-2019</a:t>
+              <a:t>8-9-2019</a:t>
             </a:fld>
             <a:endParaRPr lang="nl-NL"/>
           </a:p>
@@ -12232,7 +11959,7 @@
           <a:p>
             <a:fld id="{0D774F42-F867-45E6-92F8-D5C96C5B6EB4}" type="datetimeFigureOut">
               <a:rPr lang="nl-NL" smtClean="0"/>
-              <a:t>22-5-2019</a:t>
+              <a:t>8-9-2019</a:t>
             </a:fld>
             <a:endParaRPr lang="nl-NL"/>
           </a:p>
@@ -12402,7 +12129,7 @@
           <a:p>
             <a:fld id="{0D774F42-F867-45E6-92F8-D5C96C5B6EB4}" type="datetimeFigureOut">
               <a:rPr lang="nl-NL" smtClean="0"/>
-              <a:t>22-5-2019</a:t>
+              <a:t>8-9-2019</a:t>
             </a:fld>
             <a:endParaRPr lang="nl-NL"/>
           </a:p>
@@ -12648,7 +12375,7 @@
           <a:p>
             <a:fld id="{0D774F42-F867-45E6-92F8-D5C96C5B6EB4}" type="datetimeFigureOut">
               <a:rPr lang="nl-NL" smtClean="0"/>
-              <a:t>22-5-2019</a:t>
+              <a:t>8-9-2019</a:t>
             </a:fld>
             <a:endParaRPr lang="nl-NL"/>
           </a:p>
@@ -12880,7 +12607,7 @@
           <a:p>
             <a:fld id="{0D774F42-F867-45E6-92F8-D5C96C5B6EB4}" type="datetimeFigureOut">
               <a:rPr lang="nl-NL" smtClean="0"/>
-              <a:t>22-5-2019</a:t>
+              <a:t>8-9-2019</a:t>
             </a:fld>
             <a:endParaRPr lang="nl-NL"/>
           </a:p>
@@ -13247,7 +12974,7 @@
           <a:p>
             <a:fld id="{0D774F42-F867-45E6-92F8-D5C96C5B6EB4}" type="datetimeFigureOut">
               <a:rPr lang="nl-NL" smtClean="0"/>
-              <a:t>22-5-2019</a:t>
+              <a:t>8-9-2019</a:t>
             </a:fld>
             <a:endParaRPr lang="nl-NL"/>
           </a:p>
@@ -13365,7 +13092,7 @@
           <a:p>
             <a:fld id="{0D774F42-F867-45E6-92F8-D5C96C5B6EB4}" type="datetimeFigureOut">
               <a:rPr lang="nl-NL" smtClean="0"/>
-              <a:t>22-5-2019</a:t>
+              <a:t>8-9-2019</a:t>
             </a:fld>
             <a:endParaRPr lang="nl-NL"/>
           </a:p>
@@ -13460,7 +13187,7 @@
           <a:p>
             <a:fld id="{0D774F42-F867-45E6-92F8-D5C96C5B6EB4}" type="datetimeFigureOut">
               <a:rPr lang="nl-NL" smtClean="0"/>
-              <a:t>22-5-2019</a:t>
+              <a:t>8-9-2019</a:t>
             </a:fld>
             <a:endParaRPr lang="nl-NL"/>
           </a:p>
@@ -13737,7 +13464,7 @@
           <a:p>
             <a:fld id="{0D774F42-F867-45E6-92F8-D5C96C5B6EB4}" type="datetimeFigureOut">
               <a:rPr lang="nl-NL" smtClean="0"/>
-              <a:t>22-5-2019</a:t>
+              <a:t>8-9-2019</a:t>
             </a:fld>
             <a:endParaRPr lang="nl-NL"/>
           </a:p>
@@ -13994,7 +13721,7 @@
           <a:p>
             <a:fld id="{0D774F42-F867-45E6-92F8-D5C96C5B6EB4}" type="datetimeFigureOut">
               <a:rPr lang="nl-NL" smtClean="0"/>
-              <a:t>22-5-2019</a:t>
+              <a:t>8-9-2019</a:t>
             </a:fld>
             <a:endParaRPr lang="nl-NL"/>
           </a:p>
@@ -14207,7 +13934,7 @@
           <a:p>
             <a:fld id="{0D774F42-F867-45E6-92F8-D5C96C5B6EB4}" type="datetimeFigureOut">
               <a:rPr lang="nl-NL" smtClean="0"/>
-              <a:t>22-5-2019</a:t>
+              <a:t>8-9-2019</a:t>
             </a:fld>
             <a:endParaRPr lang="nl-NL"/>
           </a:p>
@@ -14628,7 +14355,7 @@
             <p:ph idx="1"/>
             <p:extLst>
               <p:ext uri="{D42A27DB-BD31-4B8C-83A1-F6EECF244321}">
-                <p14:modId xmlns:p14="http://schemas.microsoft.com/office/powerpoint/2010/main" val="563169808"/>
+                <p14:modId xmlns:p14="http://schemas.microsoft.com/office/powerpoint/2010/main" val="1384963892"/>
               </p:ext>
             </p:extLst>
           </p:nvPr>
@@ -14659,8 +14386,8 @@
         </p:nvCxnSpPr>
         <p:spPr>
           <a:xfrm flipV="1">
-            <a:off x="6714331" y="4012276"/>
-            <a:ext cx="268360" cy="809106"/>
+            <a:off x="6714331" y="4311570"/>
+            <a:ext cx="265203" cy="804440"/>
           </a:xfrm>
           <a:prstGeom prst="line">
             <a:avLst/>
